--- a/tokunaga_mp.pptx
+++ b/tokunaga_mp.pptx
@@ -36,9 +36,9 @@
     <p:sldId id="281" r:id="rId35"/>
     <p:sldId id="282" r:id="rId36"/>
     <p:sldId id="283" r:id="rId37"/>
-    <p:sldId id="284" r:id="rId39"/>
-    <p:sldId id="285" r:id="rId40"/>
-    <p:sldId id="286" r:id="rId41"/>
+    <p:sldId id="284" r:id="rId38"/>
+    <p:sldId id="285" r:id="rId39"/>
+    <p:sldId id="286" r:id="rId40"/>
   </p:sldIdLst>
   <p:sldSz cx="24384000" cy="13716000"/>
   <p:notesSz cx="6858000" cy="9144000"/>
@@ -345,7 +345,7 @@
 
 <file path=ppt/commentAuthors.xml><?xml version="1.0" encoding="utf-8"?>
 <p:cmAuthorLst xmlns:a="http://schemas.openxmlformats.org/drawingml/2006/main" xmlns:r="http://schemas.openxmlformats.org/officeDocument/2006/relationships" xmlns:p="http://schemas.openxmlformats.org/presentationml/2006/main" xmlns:m="http://schemas.openxmlformats.org/officeDocument/2006/math" xmlns:a14="http://schemas.microsoft.com/office/drawing/2010/main">
-  <p:cmAuthor id="0" name="Yu Tokunaga" initials="YT" lastIdx="4" clrIdx="0"/>
+  <p:cmAuthor id="0" name="Yu Tokunaga" initials="YT" lastIdx="2" clrIdx="0"/>
 </p:cmAuthorLst>
 </file>
 
@@ -372,44 +372,12 @@
 <file path=ppt/comments/comment2.xml><?xml version="1.0" encoding="utf-8"?>
 <p:cmLst xmlns:a="http://schemas.openxmlformats.org/drawingml/2006/main" xmlns:r="http://schemas.openxmlformats.org/officeDocument/2006/relationships" xmlns:p="http://schemas.openxmlformats.org/presentationml/2006/main" xmlns:m="http://schemas.openxmlformats.org/officeDocument/2006/math" xmlns:a14="http://schemas.microsoft.com/office/drawing/2010/main">
   <p:cm authorId="0" dt="2019-02-20T13:11:26.712" idx="2">
-    <p:pos x="410" y="5512"/>
+    <p:pos x="97" y="6895"/>
     <p:text>Lは重ねる
 別空間
 式の説明はアンダーバー
 伸びる方向そのように仮定しております
 それはアクチン密度に依存をすると仮定していてその影響を示すのがこの関数です
-</p:text>
-    <p:extLst>
-      <p:ext uri="{C676402C-5697-4E1C-873F-D02D1690AC5C}">
-        <p15:threadingInfo xmlns:p15="http://schemas.microsoft.com/office/powerpoint/2012/main" timeZoneBias="-540"/>
-      </p:ext>
-    </p:extLst>
-  </p:cm>
-</p:cmLst>
-</file>
-
-<file path=ppt/comments/comment3.xml><?xml version="1.0" encoding="utf-8"?>
-<p:cmLst xmlns:a="http://schemas.openxmlformats.org/drawingml/2006/main" xmlns:r="http://schemas.openxmlformats.org/officeDocument/2006/relationships" xmlns:p="http://schemas.openxmlformats.org/presentationml/2006/main" xmlns:m="http://schemas.openxmlformats.org/officeDocument/2006/math" xmlns:a14="http://schemas.microsoft.com/office/drawing/2010/main">
-  <p:cm authorId="0" dt="2019-02-20T13:26:17.242" idx="3">
-    <p:pos x="11339" y="5891"/>
-    <p:text>SFに近いアクチン分子のみ大きく移動し半月ょうは形成されない。おそらくは一様に引くことが〜に寄与
-</p:text>
-    <p:extLst>
-      <p:ext uri="{C676402C-5697-4E1C-873F-D02D1690AC5C}">
-        <p15:threadingInfo xmlns:p15="http://schemas.microsoft.com/office/powerpoint/2012/main" timeZoneBias="-540"/>
-      </p:ext>
-    </p:extLst>
-  </p:cm>
-</p:cmLst>
-</file>
-
-<file path=ppt/comments/comment4.xml><?xml version="1.0" encoding="utf-8"?>
-<p:cmLst xmlns:a="http://schemas.openxmlformats.org/drawingml/2006/main" xmlns:r="http://schemas.openxmlformats.org/officeDocument/2006/relationships" xmlns:p="http://schemas.openxmlformats.org/presentationml/2006/main" xmlns:m="http://schemas.openxmlformats.org/officeDocument/2006/math" xmlns:a14="http://schemas.microsoft.com/office/drawing/2010/main">
-  <p:cm authorId="0" dt="2019-02-20T13:33:20.662" idx="4">
-    <p:pos x="4324" y="4740"/>
-    <p:text>ARFによる一様な牽引効果＝膨張抑制
-配向効果＝形状維持
-SF＝半月状形成
 </p:text>
     <p:extLst>
       <p:ext uri="{C676402C-5697-4E1C-873F-D02D1690AC5C}">
@@ -3142,7 +3110,7 @@
       </p:sp>
       <p:sp>
         <p:nvSpPr>
-          <p:cNvPr id="120" name="創成科学研究科…"/>
+          <p:cNvPr id="120" name="山口大学大学院…"/>
           <p:cNvSpPr txBox="1"/>
           <p:nvPr>
             <p:ph type="subTitle" sz="quarter" idx="1"/>
@@ -3165,6 +3133,14 @@
               <a:defRPr sz="5612"/>
             </a:pPr>
             <a:r>
+              <a:t>山口大学大学院</a:t>
+            </a:r>
+          </a:p>
+          <a:p>
+            <a:pPr defTabSz="503555">
+              <a:defRPr sz="5612"/>
+            </a:pPr>
+            <a:r>
               <a:t>創成科学研究科</a:t>
             </a:r>
           </a:p>
@@ -3173,15 +3149,7 @@
               <a:defRPr sz="5612"/>
             </a:pPr>
             <a:r>
-              <a:t>生体情報システム研究室</a:t>
-            </a:r>
-          </a:p>
-          <a:p>
-            <a:pPr defTabSz="503555">
-              <a:defRPr sz="5612"/>
-            </a:pPr>
-            <a:r>
-              <a:t>M2 徳永 優</a:t>
+              <a:t>徳永 優</a:t>
             </a:r>
           </a:p>
         </p:txBody>
@@ -3599,7 +3567,7 @@
       </p:grpSp>
       <p:sp>
         <p:nvSpPr>
-          <p:cNvPr id="270" name="接続の線"/>
+          <p:cNvPr id="271" name="接続の線"/>
           <p:cNvSpPr/>
           <p:nvPr/>
         </p:nvSpPr>
@@ -3643,6 +3611,7 @@
               <a:srgbClr val="000000"/>
             </a:solidFill>
             <a:miter lim="400000"/>
+            <a:headEnd type="triangle"/>
           </a:ln>
         </p:spPr>
         <p:txBody>
@@ -3661,7 +3630,7 @@
         </p:nvSpPr>
         <p:spPr>
           <a:xfrm>
-            <a:off x="6536193" y="10143601"/>
+            <a:off x="6919230" y="10169849"/>
             <a:ext cx="2044701" cy="584200"/>
           </a:xfrm>
           <a:prstGeom prst="rect">
@@ -3703,7 +3672,7 @@
       </p:sp>
       <p:sp>
         <p:nvSpPr>
-          <p:cNvPr id="271" name="接続の線"/>
+          <p:cNvPr id="272" name="接続の線"/>
           <p:cNvSpPr/>
           <p:nvPr/>
         </p:nvSpPr>
@@ -3747,6 +3716,7 @@
               <a:srgbClr val="000000"/>
             </a:solidFill>
             <a:miter lim="400000"/>
+            <a:tailEnd type="triangle"/>
           </a:ln>
         </p:spPr>
         <p:txBody>
@@ -3807,7 +3777,7 @@
       </p:sp>
       <p:sp>
         <p:nvSpPr>
-          <p:cNvPr id="272" name="接続の線"/>
+          <p:cNvPr id="273" name="接続の線"/>
           <p:cNvSpPr/>
           <p:nvPr/>
         </p:nvSpPr>
@@ -3851,6 +3821,7 @@
               <a:srgbClr val="000000"/>
             </a:solidFill>
             <a:miter lim="400000"/>
+            <a:tailEnd type="triangle"/>
           </a:ln>
         </p:spPr>
         <p:txBody>
@@ -4054,7 +4025,7 @@
       </p:pic>
       <p:sp>
         <p:nvSpPr>
-          <p:cNvPr id="273" name="接続の線"/>
+          <p:cNvPr id="274" name="接続の線"/>
           <p:cNvSpPr/>
           <p:nvPr/>
         </p:nvSpPr>
@@ -4115,7 +4086,7 @@
       </p:sp>
       <p:sp>
         <p:nvSpPr>
-          <p:cNvPr id="274" name="接続の線"/>
+          <p:cNvPr id="275" name="接続の線"/>
           <p:cNvSpPr/>
           <p:nvPr/>
         </p:nvSpPr>
@@ -4176,7 +4147,7 @@
       </p:sp>
       <p:sp>
         <p:nvSpPr>
-          <p:cNvPr id="275" name="接続の線"/>
+          <p:cNvPr id="276" name="接続の線"/>
           <p:cNvSpPr/>
           <p:nvPr/>
         </p:nvSpPr>
@@ -4237,7 +4208,7 @@
       </p:sp>
       <p:sp>
         <p:nvSpPr>
-          <p:cNvPr id="276" name="接続の線"/>
+          <p:cNvPr id="277" name="接続の線"/>
           <p:cNvSpPr/>
           <p:nvPr/>
         </p:nvSpPr>
@@ -4298,7 +4269,7 @@
       </p:sp>
       <p:sp>
         <p:nvSpPr>
-          <p:cNvPr id="277" name="接続の線"/>
+          <p:cNvPr id="278" name="接続の線"/>
           <p:cNvSpPr/>
           <p:nvPr/>
         </p:nvSpPr>
@@ -4359,7 +4330,7 @@
       </p:sp>
       <p:sp>
         <p:nvSpPr>
-          <p:cNvPr id="278" name="接続の線"/>
+          <p:cNvPr id="279" name="接続の線"/>
           <p:cNvSpPr/>
           <p:nvPr/>
         </p:nvSpPr>
@@ -4601,7 +4572,7 @@
         </p:nvSpPr>
         <p:spPr>
           <a:xfrm flipV="1">
-            <a:off x="22614379" y="3059907"/>
+            <a:off x="22614380" y="3059907"/>
             <a:ext cx="1" cy="5362826"/>
           </a:xfrm>
           <a:prstGeom prst="line">
@@ -4776,7 +4747,7 @@
         </p:nvSpPr>
         <p:spPr>
           <a:xfrm>
-            <a:off x="8703957" y="8882983"/>
+            <a:off x="8703957" y="8882984"/>
             <a:ext cx="519947" cy="1"/>
           </a:xfrm>
           <a:prstGeom prst="line">
@@ -4811,7 +4782,7 @@
         </p:nvSpPr>
         <p:spPr>
           <a:xfrm>
-            <a:off x="11170452" y="8882983"/>
+            <a:off x="11170452" y="8882984"/>
             <a:ext cx="519946" cy="1"/>
           </a:xfrm>
           <a:prstGeom prst="line">
@@ -4846,7 +4817,7 @@
         </p:nvSpPr>
         <p:spPr>
           <a:xfrm>
-            <a:off x="12918745" y="8882983"/>
+            <a:off x="12918745" y="8882984"/>
             <a:ext cx="519946" cy="1"/>
           </a:xfrm>
           <a:prstGeom prst="line">
@@ -4881,7 +4852,7 @@
         </p:nvSpPr>
         <p:spPr>
           <a:xfrm>
-            <a:off x="17536733" y="4085020"/>
+            <a:off x="17536732" y="4085020"/>
             <a:ext cx="304801" cy="278726"/>
           </a:xfrm>
           <a:prstGeom prst="ellipse">
@@ -4986,7 +4957,7 @@
         </p:nvSpPr>
         <p:spPr>
           <a:xfrm>
-            <a:off x="22423965" y="2887570"/>
+            <a:off x="22423966" y="2887570"/>
             <a:ext cx="304801" cy="278727"/>
           </a:xfrm>
           <a:prstGeom prst="ellipse">
@@ -5091,7 +5062,7 @@
         </p:nvSpPr>
         <p:spPr>
           <a:xfrm>
-            <a:off x="22423965" y="5694048"/>
+            <a:off x="22423966" y="5694048"/>
             <a:ext cx="304801" cy="278726"/>
           </a:xfrm>
           <a:prstGeom prst="ellipse">
@@ -5196,7 +5167,7 @@
         </p:nvSpPr>
         <p:spPr>
           <a:xfrm>
-            <a:off x="22423965" y="8491690"/>
+            <a:off x="22423966" y="8491690"/>
             <a:ext cx="304801" cy="278726"/>
           </a:xfrm>
           <a:prstGeom prst="ellipse">
@@ -5266,7 +5237,7 @@
         </p:nvSpPr>
         <p:spPr>
           <a:xfrm>
-            <a:off x="15638338" y="6010510"/>
+            <a:off x="15638339" y="6010510"/>
             <a:ext cx="946216" cy="253539"/>
           </a:xfrm>
           <a:prstGeom prst="line">
@@ -5306,7 +5277,7 @@
         </p:nvSpPr>
         <p:spPr>
           <a:xfrm>
-            <a:off x="19787802" y="2193656"/>
+            <a:off x="19787803" y="2193656"/>
             <a:ext cx="304801" cy="278727"/>
           </a:xfrm>
           <a:prstGeom prst="ellipse">
@@ -5342,7 +5313,7 @@
         <p:spPr>
           <a:xfrm flipH="1">
             <a:off x="19214038" y="2316178"/>
-            <a:ext cx="750413" cy="629672"/>
+            <a:ext cx="750414" cy="629672"/>
           </a:xfrm>
           <a:prstGeom prst="line">
             <a:avLst/>
@@ -5461,8 +5432,8 @@
         </p:nvSpPr>
         <p:spPr>
           <a:xfrm flipV="1">
-            <a:off x="17642219" y="3602975"/>
-            <a:ext cx="750414" cy="629672"/>
+            <a:off x="17642220" y="3602974"/>
+            <a:ext cx="750413" cy="629673"/>
           </a:xfrm>
           <a:prstGeom prst="line">
             <a:avLst/>
@@ -5501,8 +5472,8 @@
         </p:nvSpPr>
         <p:spPr>
           <a:xfrm flipH="1" flipV="1">
-            <a:off x="17310648" y="6425559"/>
-            <a:ext cx="946216" cy="253538"/>
+            <a:off x="17310647" y="6425559"/>
+            <a:ext cx="946217" cy="253538"/>
           </a:xfrm>
           <a:prstGeom prst="line">
             <a:avLst/>
@@ -5581,8 +5552,8 @@
         </p:nvSpPr>
         <p:spPr>
           <a:xfrm flipH="1" flipV="1">
-            <a:off x="21648853" y="2780616"/>
-            <a:ext cx="946216" cy="253539"/>
+            <a:off x="21648852" y="2780616"/>
+            <a:ext cx="946217" cy="253539"/>
           </a:xfrm>
           <a:prstGeom prst="line">
             <a:avLst/>
@@ -5661,8 +5632,8 @@
         </p:nvSpPr>
         <p:spPr>
           <a:xfrm flipV="1">
-            <a:off x="18260279" y="6090315"/>
-            <a:ext cx="750414" cy="629672"/>
+            <a:off x="18260280" y="6090315"/>
+            <a:ext cx="750413" cy="629672"/>
           </a:xfrm>
           <a:prstGeom prst="line">
             <a:avLst/>
@@ -5781,7 +5752,7 @@
         </p:nvSpPr>
         <p:spPr>
           <a:xfrm>
-            <a:off x="18297692" y="6716936"/>
+            <a:off x="18297691" y="6716936"/>
             <a:ext cx="1" cy="979595"/>
           </a:xfrm>
           <a:prstGeom prst="line">
@@ -5821,7 +5792,7 @@
         </p:nvSpPr>
         <p:spPr>
           <a:xfrm>
-            <a:off x="20398147" y="4915947"/>
+            <a:off x="20398146" y="4915947"/>
             <a:ext cx="1" cy="979595"/>
           </a:xfrm>
           <a:prstGeom prst="line">
@@ -5901,7 +5872,7 @@
         </p:nvSpPr>
         <p:spPr>
           <a:xfrm flipV="1">
-            <a:off x="18272292" y="8491690"/>
+            <a:off x="18272291" y="8491690"/>
             <a:ext cx="1" cy="979595"/>
           </a:xfrm>
           <a:prstGeom prst="line">
@@ -5941,7 +5912,7 @@
         </p:nvSpPr>
         <p:spPr>
           <a:xfrm flipV="1">
-            <a:off x="18272292" y="11285677"/>
+            <a:off x="18272291" y="11285677"/>
             <a:ext cx="1" cy="979595"/>
           </a:xfrm>
           <a:prstGeom prst="line">
@@ -5981,8 +5952,8 @@
         </p:nvSpPr>
         <p:spPr>
           <a:xfrm flipV="1">
-            <a:off x="20411629" y="6732019"/>
-            <a:ext cx="1" cy="979596"/>
+            <a:off x="20411629" y="6732020"/>
+            <a:ext cx="1" cy="979595"/>
           </a:xfrm>
           <a:prstGeom prst="line">
             <a:avLst/>
@@ -6021,8 +5992,8 @@
         </p:nvSpPr>
         <p:spPr>
           <a:xfrm flipV="1">
-            <a:off x="20411629" y="9526006"/>
-            <a:ext cx="1" cy="979596"/>
+            <a:off x="20411629" y="9526007"/>
+            <a:ext cx="1" cy="979595"/>
           </a:xfrm>
           <a:prstGeom prst="line">
             <a:avLst/>
@@ -6101,8 +6072,8 @@
         </p:nvSpPr>
         <p:spPr>
           <a:xfrm flipV="1">
-            <a:off x="22602794" y="7652224"/>
-            <a:ext cx="1" cy="979595"/>
+            <a:off x="22602794" y="7652223"/>
+            <a:ext cx="1" cy="979596"/>
           </a:xfrm>
           <a:prstGeom prst="line">
             <a:avLst/>
@@ -6181,8 +6152,8 @@
         </p:nvSpPr>
         <p:spPr>
           <a:xfrm flipV="1">
-            <a:off x="18242007" y="8909715"/>
-            <a:ext cx="750413" cy="629672"/>
+            <a:off x="18242006" y="8909716"/>
+            <a:ext cx="750414" cy="629672"/>
           </a:xfrm>
           <a:prstGeom prst="line">
             <a:avLst/>
@@ -6221,8 +6192,8 @@
         </p:nvSpPr>
         <p:spPr>
           <a:xfrm flipV="1">
-            <a:off x="20313028" y="7139414"/>
-            <a:ext cx="750413" cy="629673"/>
+            <a:off x="20313027" y="7139414"/>
+            <a:ext cx="750414" cy="629672"/>
           </a:xfrm>
           <a:prstGeom prst="line">
             <a:avLst/>
@@ -6381,8 +6352,8 @@
         </p:nvSpPr>
         <p:spPr>
           <a:xfrm flipH="1">
-            <a:off x="21892989" y="8527729"/>
-            <a:ext cx="750414" cy="629672"/>
+            <a:off x="21892990" y="8527729"/>
+            <a:ext cx="750413" cy="629672"/>
           </a:xfrm>
           <a:prstGeom prst="line">
             <a:avLst/>
@@ -6421,8 +6392,8 @@
         </p:nvSpPr>
         <p:spPr>
           <a:xfrm flipV="1">
-            <a:off x="18250150" y="11584826"/>
-            <a:ext cx="750413" cy="629673"/>
+            <a:off x="18250150" y="11584827"/>
+            <a:ext cx="750414" cy="629672"/>
           </a:xfrm>
           <a:prstGeom prst="line">
             <a:avLst/>
@@ -6461,7 +6432,7 @@
         </p:nvSpPr>
         <p:spPr>
           <a:xfrm flipV="1">
-            <a:off x="20371970" y="9852625"/>
+            <a:off x="20371971" y="9852626"/>
             <a:ext cx="750414" cy="629672"/>
           </a:xfrm>
           <a:prstGeom prst="line">
@@ -6501,8 +6472,8 @@
         </p:nvSpPr>
         <p:spPr>
           <a:xfrm flipH="1">
-            <a:off x="19619162" y="7685366"/>
-            <a:ext cx="750414" cy="629672"/>
+            <a:off x="19619163" y="7685366"/>
+            <a:ext cx="750413" cy="629672"/>
           </a:xfrm>
           <a:prstGeom prst="line">
             <a:avLst/>
@@ -6542,7 +6513,7 @@
         <p:spPr>
           <a:xfrm flipH="1">
             <a:off x="19654550" y="10448703"/>
-            <a:ext cx="750414" cy="629672"/>
+            <a:ext cx="750413" cy="629672"/>
           </a:xfrm>
           <a:prstGeom prst="line">
             <a:avLst/>
@@ -6570,6 +6541,63 @@
                 </a:solidFill>
               </a:defRPr>
             </a:pPr>
+          </a:p>
+        </p:txBody>
+      </p:sp>
+      <p:sp>
+        <p:nvSpPr>
+          <p:cNvPr id="280" name="接続の線"/>
+          <p:cNvSpPr/>
+          <p:nvPr/>
+        </p:nvSpPr>
+        <p:spPr>
+          <a:xfrm>
+            <a:off x="6916130" y="4749464"/>
+            <a:ext cx="484619" cy="2973960"/>
+          </a:xfrm>
+          <a:custGeom>
+            <a:avLst/>
+            <a:gdLst/>
+            <a:ahLst/>
+            <a:cxnLst>
+              <a:cxn ang="0">
+                <a:pos x="wd2" y="hd2"/>
+              </a:cxn>
+              <a:cxn ang="5400000">
+                <a:pos x="wd2" y="hd2"/>
+              </a:cxn>
+              <a:cxn ang="10800000">
+                <a:pos x="wd2" y="hd2"/>
+              </a:cxn>
+              <a:cxn ang="16200000">
+                <a:pos x="wd2" y="hd2"/>
+              </a:cxn>
+            </a:cxnLst>
+            <a:rect l="0" t="0" r="r" b="b"/>
+            <a:pathLst>
+              <a:path w="21600" h="21600" fill="norm" stroke="1" extrusionOk="0">
+                <a:moveTo>
+                  <a:pt x="0" y="0"/>
+                </a:moveTo>
+                <a:lnTo>
+                  <a:pt x="21600" y="21600"/>
+                </a:lnTo>
+              </a:path>
+            </a:pathLst>
+          </a:custGeom>
+          <a:ln w="38100">
+            <a:solidFill>
+              <a:srgbClr val="000000"/>
+            </a:solidFill>
+            <a:miter lim="400000"/>
+            <a:headEnd type="triangle"/>
+          </a:ln>
+        </p:spPr>
+        <p:txBody>
+          <a:bodyPr/>
+          <a:lstStyle/>
+          <a:p>
+            <a:pPr/>
           </a:p>
         </p:txBody>
       </p:sp>
@@ -6601,14 +6629,14 @@
       </p:grpSpPr>
       <p:sp>
         <p:nvSpPr>
-          <p:cNvPr id="280" name="線"/>
-          <p:cNvSpPr/>
-          <p:nvPr/>
-        </p:nvSpPr>
-        <p:spPr>
-          <a:xfrm>
-            <a:off x="18413633" y="4706339"/>
-            <a:ext cx="1412988" cy="2017956"/>
+          <p:cNvPr id="282" name="線"/>
+          <p:cNvSpPr/>
+          <p:nvPr/>
+        </p:nvSpPr>
+        <p:spPr>
+          <a:xfrm>
+            <a:off x="18262918" y="4608210"/>
+            <a:ext cx="1412988" cy="2017955"/>
           </a:xfrm>
           <a:prstGeom prst="line">
             <a:avLst/>
@@ -6641,7 +6669,7 @@
       </p:sp>
       <p:sp>
         <p:nvSpPr>
-          <p:cNvPr id="281" name="膜-アクチン間作用"/>
+          <p:cNvPr id="283" name="膜-アクチン間作用"/>
           <p:cNvSpPr txBox="1"/>
           <p:nvPr>
             <p:ph type="title"/>
@@ -6665,7 +6693,7 @@
       </p:sp>
       <p:pic>
         <p:nvPicPr>
-          <p:cNvPr id="282" name="四角形" descr="四角形"/>
+          <p:cNvPr id="284" name="四角形" descr="四角形"/>
           <p:cNvPicPr>
             <a:picLocks noChangeAspect="0"/>
           </p:cNvPicPr>
@@ -6691,7 +6719,7 @@
       </p:pic>
       <p:sp>
         <p:nvSpPr>
-          <p:cNvPr id="357" name="接続の線"/>
+          <p:cNvPr id="362" name="接続の線"/>
           <p:cNvSpPr/>
           <p:nvPr/>
         </p:nvSpPr>
@@ -6735,6 +6763,7 @@
               <a:srgbClr val="000000"/>
             </a:solidFill>
             <a:miter lim="400000"/>
+            <a:headEnd type="triangle"/>
           </a:ln>
         </p:spPr>
         <p:txBody>
@@ -6747,7 +6776,7 @@
       </p:sp>
       <p:sp>
         <p:nvSpPr>
-          <p:cNvPr id="285" name="反発力の強度を示すパラメータ"/>
+          <p:cNvPr id="287" name="反発力の強度を示すパラメータ"/>
           <p:cNvSpPr txBox="1"/>
           <p:nvPr/>
         </p:nvSpPr>
@@ -6795,7 +6824,7 @@
       </p:sp>
       <p:pic>
         <p:nvPicPr>
-          <p:cNvPr id="286" name="四角形" descr="四角形"/>
+          <p:cNvPr id="288" name="四角形" descr="四角形"/>
           <p:cNvPicPr>
             <a:picLocks noChangeAspect="0"/>
           </p:cNvPicPr>
@@ -6821,7 +6850,7 @@
       </p:pic>
       <p:pic>
         <p:nvPicPr>
-          <p:cNvPr id="288" name="fa.png" descr="fa.png"/>
+          <p:cNvPr id="290" name="fa.png" descr="fa.png"/>
           <p:cNvPicPr>
             <a:picLocks noChangeAspect="1"/>
           </p:cNvPicPr>
@@ -6851,7 +6880,7 @@
       </p:pic>
       <p:pic>
         <p:nvPicPr>
-          <p:cNvPr id="289" name="fa.png" descr="fa.png"/>
+          <p:cNvPr id="291" name="fa.png" descr="fa.png"/>
           <p:cNvPicPr>
             <a:picLocks noChangeAspect="1"/>
           </p:cNvPicPr>
@@ -6876,7 +6905,7 @@
       </p:pic>
       <p:pic>
         <p:nvPicPr>
-          <p:cNvPr id="290" name="eq1.png" descr="eq1.png"/>
+          <p:cNvPr id="292" name="eq1.png" descr="eq1.png"/>
           <p:cNvPicPr>
             <a:picLocks noChangeAspect="1"/>
           </p:cNvPicPr>
@@ -6893,8 +6922,8 @@
         </p:blipFill>
         <p:spPr>
           <a:xfrm>
-            <a:off x="21536765" y="9573437"/>
-            <a:ext cx="1182012" cy="1121712"/>
+            <a:off x="21536766" y="9573438"/>
+            <a:ext cx="1182012" cy="1121711"/>
           </a:xfrm>
           <a:prstGeom prst="rect">
             <a:avLst/>
@@ -6906,7 +6935,7 @@
       </p:pic>
       <p:sp>
         <p:nvSpPr>
-          <p:cNvPr id="358" name="接続の線"/>
+          <p:cNvPr id="363" name="接続の線"/>
           <p:cNvSpPr/>
           <p:nvPr/>
         </p:nvSpPr>
@@ -6950,6 +6979,7 @@
               <a:srgbClr val="000000"/>
             </a:solidFill>
             <a:miter lim="400000"/>
+            <a:headEnd type="triangle"/>
           </a:ln>
         </p:spPr>
         <p:txBody>
@@ -6962,7 +6992,7 @@
       </p:sp>
       <p:sp>
         <p:nvSpPr>
-          <p:cNvPr id="292" name="アクチン分子の先端の位置"/>
+          <p:cNvPr id="294" name="アクチン分子の先端の位置"/>
           <p:cNvSpPr txBox="1"/>
           <p:nvPr/>
         </p:nvSpPr>
@@ -7010,7 +7040,7 @@
       </p:sp>
       <p:sp>
         <p:nvSpPr>
-          <p:cNvPr id="293" name="四角形"/>
+          <p:cNvPr id="295" name="四角形"/>
           <p:cNvSpPr/>
           <p:nvPr/>
         </p:nvSpPr>
@@ -7045,7 +7075,7 @@
       </p:sp>
       <p:pic>
         <p:nvPicPr>
-          <p:cNvPr id="294" name="グループ" descr="グループ"/>
+          <p:cNvPr id="296" name="グループ" descr="グループ"/>
           <p:cNvPicPr>
             <a:picLocks noChangeAspect="1"/>
           </p:cNvPicPr>
@@ -7075,7 +7105,7 @@
       </p:pic>
       <p:sp>
         <p:nvSpPr>
-          <p:cNvPr id="359" name="接続の線"/>
+          <p:cNvPr id="364" name="接続の線"/>
           <p:cNvSpPr/>
           <p:nvPr/>
         </p:nvSpPr>
@@ -7136,7 +7166,7 @@
       </p:sp>
       <p:sp>
         <p:nvSpPr>
-          <p:cNvPr id="360" name="接続の線"/>
+          <p:cNvPr id="365" name="接続の線"/>
           <p:cNvSpPr/>
           <p:nvPr/>
         </p:nvSpPr>
@@ -7197,7 +7227,7 @@
       </p:sp>
       <p:sp>
         <p:nvSpPr>
-          <p:cNvPr id="361" name="接続の線"/>
+          <p:cNvPr id="366" name="接続の線"/>
           <p:cNvSpPr/>
           <p:nvPr/>
         </p:nvSpPr>
@@ -7258,7 +7288,7 @@
       </p:sp>
       <p:sp>
         <p:nvSpPr>
-          <p:cNvPr id="362" name="接続の線"/>
+          <p:cNvPr id="367" name="接続の線"/>
           <p:cNvSpPr/>
           <p:nvPr/>
         </p:nvSpPr>
@@ -7319,7 +7349,7 @@
       </p:sp>
       <p:sp>
         <p:nvSpPr>
-          <p:cNvPr id="363" name="接続の線"/>
+          <p:cNvPr id="368" name="接続の線"/>
           <p:cNvSpPr/>
           <p:nvPr/>
         </p:nvSpPr>
@@ -7380,7 +7410,7 @@
       </p:sp>
       <p:sp>
         <p:nvSpPr>
-          <p:cNvPr id="364" name="接続の線"/>
+          <p:cNvPr id="369" name="接続の線"/>
           <p:cNvSpPr/>
           <p:nvPr/>
         </p:nvSpPr>
@@ -7441,7 +7471,7 @@
       </p:sp>
       <p:sp>
         <p:nvSpPr>
-          <p:cNvPr id="301" name="線"/>
+          <p:cNvPr id="303" name="線"/>
           <p:cNvSpPr/>
           <p:nvPr/>
         </p:nvSpPr>
@@ -7476,7 +7506,7 @@
       </p:sp>
       <p:sp>
         <p:nvSpPr>
-          <p:cNvPr id="302" name="線"/>
+          <p:cNvPr id="304" name="線"/>
           <p:cNvSpPr/>
           <p:nvPr/>
         </p:nvSpPr>
@@ -7511,7 +7541,7 @@
       </p:sp>
       <p:sp>
         <p:nvSpPr>
-          <p:cNvPr id="303" name="線"/>
+          <p:cNvPr id="305" name="線"/>
           <p:cNvSpPr/>
           <p:nvPr/>
         </p:nvSpPr>
@@ -7546,7 +7576,7 @@
       </p:sp>
       <p:sp>
         <p:nvSpPr>
-          <p:cNvPr id="304" name="線"/>
+          <p:cNvPr id="306" name="線"/>
           <p:cNvSpPr/>
           <p:nvPr/>
         </p:nvSpPr>
@@ -7581,7 +7611,7 @@
       </p:sp>
       <p:sp>
         <p:nvSpPr>
-          <p:cNvPr id="305" name="線"/>
+          <p:cNvPr id="307" name="線"/>
           <p:cNvSpPr/>
           <p:nvPr/>
         </p:nvSpPr>
@@ -7616,7 +7646,7 @@
       </p:sp>
       <p:sp>
         <p:nvSpPr>
-          <p:cNvPr id="306" name="線"/>
+          <p:cNvPr id="308" name="線"/>
           <p:cNvSpPr/>
           <p:nvPr/>
         </p:nvSpPr>
@@ -7651,7 +7681,7 @@
       </p:sp>
       <p:sp>
         <p:nvSpPr>
-          <p:cNvPr id="307" name="線"/>
+          <p:cNvPr id="309" name="線"/>
           <p:cNvSpPr/>
           <p:nvPr/>
         </p:nvSpPr>
@@ -7686,7 +7716,7 @@
       </p:sp>
       <p:sp>
         <p:nvSpPr>
-          <p:cNvPr id="308" name="線"/>
+          <p:cNvPr id="310" name="線"/>
           <p:cNvSpPr/>
           <p:nvPr/>
         </p:nvSpPr>
@@ -7721,7 +7751,7 @@
       </p:sp>
       <p:sp>
         <p:nvSpPr>
-          <p:cNvPr id="309" name="線"/>
+          <p:cNvPr id="311" name="線"/>
           <p:cNvSpPr/>
           <p:nvPr/>
         </p:nvSpPr>
@@ -7756,7 +7786,7 @@
       </p:sp>
       <p:sp>
         <p:nvSpPr>
-          <p:cNvPr id="310" name="線"/>
+          <p:cNvPr id="312" name="線"/>
           <p:cNvSpPr/>
           <p:nvPr/>
         </p:nvSpPr>
@@ -7791,7 +7821,7 @@
       </p:sp>
       <p:sp>
         <p:nvSpPr>
-          <p:cNvPr id="311" name="楕円"/>
+          <p:cNvPr id="313" name="楕円"/>
           <p:cNvSpPr/>
           <p:nvPr/>
         </p:nvSpPr>
@@ -7826,7 +7856,7 @@
       </p:sp>
       <p:sp>
         <p:nvSpPr>
-          <p:cNvPr id="312" name="楕円"/>
+          <p:cNvPr id="314" name="楕円"/>
           <p:cNvSpPr/>
           <p:nvPr/>
         </p:nvSpPr>
@@ -7861,7 +7891,7 @@
       </p:sp>
       <p:sp>
         <p:nvSpPr>
-          <p:cNvPr id="313" name="楕円"/>
+          <p:cNvPr id="315" name="楕円"/>
           <p:cNvSpPr/>
           <p:nvPr/>
         </p:nvSpPr>
@@ -7896,7 +7926,7 @@
       </p:sp>
       <p:sp>
         <p:nvSpPr>
-          <p:cNvPr id="314" name="楕円"/>
+          <p:cNvPr id="316" name="楕円"/>
           <p:cNvSpPr/>
           <p:nvPr/>
         </p:nvSpPr>
@@ -7931,7 +7961,7 @@
       </p:sp>
       <p:sp>
         <p:nvSpPr>
-          <p:cNvPr id="315" name="楕円"/>
+          <p:cNvPr id="317" name="楕円"/>
           <p:cNvSpPr/>
           <p:nvPr/>
         </p:nvSpPr>
@@ -7966,7 +7996,7 @@
       </p:sp>
       <p:sp>
         <p:nvSpPr>
-          <p:cNvPr id="316" name="楕円"/>
+          <p:cNvPr id="318" name="楕円"/>
           <p:cNvSpPr/>
           <p:nvPr/>
         </p:nvSpPr>
@@ -8001,7 +8031,7 @@
       </p:sp>
       <p:sp>
         <p:nvSpPr>
-          <p:cNvPr id="317" name="楕円"/>
+          <p:cNvPr id="319" name="楕円"/>
           <p:cNvSpPr/>
           <p:nvPr/>
         </p:nvSpPr>
@@ -8036,7 +8066,7 @@
       </p:sp>
       <p:sp>
         <p:nvSpPr>
-          <p:cNvPr id="318" name="楕円"/>
+          <p:cNvPr id="320" name="楕円"/>
           <p:cNvSpPr/>
           <p:nvPr/>
         </p:nvSpPr>
@@ -8071,7 +8101,7 @@
       </p:sp>
       <p:sp>
         <p:nvSpPr>
-          <p:cNvPr id="319" name="楕円"/>
+          <p:cNvPr id="321" name="楕円"/>
           <p:cNvSpPr/>
           <p:nvPr/>
         </p:nvSpPr>
@@ -8106,7 +8136,7 @@
       </p:sp>
       <p:sp>
         <p:nvSpPr>
-          <p:cNvPr id="320" name="楕円"/>
+          <p:cNvPr id="322" name="楕円"/>
           <p:cNvSpPr/>
           <p:nvPr/>
         </p:nvSpPr>
@@ -8141,7 +8171,7 @@
       </p:sp>
       <p:sp>
         <p:nvSpPr>
-          <p:cNvPr id="321" name="楕円"/>
+          <p:cNvPr id="323" name="楕円"/>
           <p:cNvSpPr/>
           <p:nvPr/>
         </p:nvSpPr>
@@ -8176,7 +8206,7 @@
       </p:sp>
       <p:sp>
         <p:nvSpPr>
-          <p:cNvPr id="322" name="線"/>
+          <p:cNvPr id="324" name="線"/>
           <p:cNvSpPr/>
           <p:nvPr/>
         </p:nvSpPr>
@@ -8216,7 +8246,7 @@
       </p:sp>
       <p:sp>
         <p:nvSpPr>
-          <p:cNvPr id="323" name="楕円"/>
+          <p:cNvPr id="325" name="楕円"/>
           <p:cNvSpPr/>
           <p:nvPr/>
         </p:nvSpPr>
@@ -8251,7 +8281,7 @@
       </p:sp>
       <p:sp>
         <p:nvSpPr>
-          <p:cNvPr id="324" name="線"/>
+          <p:cNvPr id="326" name="線"/>
           <p:cNvSpPr/>
           <p:nvPr/>
         </p:nvSpPr>
@@ -8291,7 +8321,7 @@
       </p:sp>
       <p:sp>
         <p:nvSpPr>
-          <p:cNvPr id="325" name="線"/>
+          <p:cNvPr id="327" name="線"/>
           <p:cNvSpPr/>
           <p:nvPr/>
         </p:nvSpPr>
@@ -8331,7 +8361,7 @@
       </p:sp>
       <p:sp>
         <p:nvSpPr>
-          <p:cNvPr id="326" name="線"/>
+          <p:cNvPr id="328" name="線"/>
           <p:cNvSpPr/>
           <p:nvPr/>
         </p:nvSpPr>
@@ -8371,7 +8401,7 @@
       </p:sp>
       <p:sp>
         <p:nvSpPr>
-          <p:cNvPr id="327" name="線"/>
+          <p:cNvPr id="329" name="線"/>
           <p:cNvSpPr/>
           <p:nvPr/>
         </p:nvSpPr>
@@ -8411,7 +8441,7 @@
       </p:sp>
       <p:sp>
         <p:nvSpPr>
-          <p:cNvPr id="328" name="線"/>
+          <p:cNvPr id="330" name="線"/>
           <p:cNvSpPr/>
           <p:nvPr/>
         </p:nvSpPr>
@@ -8451,7 +8481,7 @@
       </p:sp>
       <p:sp>
         <p:nvSpPr>
-          <p:cNvPr id="329" name="線"/>
+          <p:cNvPr id="331" name="線"/>
           <p:cNvSpPr/>
           <p:nvPr/>
         </p:nvSpPr>
@@ -8491,7 +8521,7 @@
       </p:sp>
       <p:sp>
         <p:nvSpPr>
-          <p:cNvPr id="330" name="線"/>
+          <p:cNvPr id="332" name="線"/>
           <p:cNvSpPr/>
           <p:nvPr/>
         </p:nvSpPr>
@@ -8531,7 +8561,7 @@
       </p:sp>
       <p:sp>
         <p:nvSpPr>
-          <p:cNvPr id="331" name="線"/>
+          <p:cNvPr id="333" name="線"/>
           <p:cNvSpPr/>
           <p:nvPr/>
         </p:nvSpPr>
@@ -8571,7 +8601,7 @@
       </p:sp>
       <p:sp>
         <p:nvSpPr>
-          <p:cNvPr id="332" name="線"/>
+          <p:cNvPr id="334" name="線"/>
           <p:cNvSpPr/>
           <p:nvPr/>
         </p:nvSpPr>
@@ -8611,7 +8641,7 @@
       </p:sp>
       <p:sp>
         <p:nvSpPr>
-          <p:cNvPr id="333" name="線"/>
+          <p:cNvPr id="335" name="線"/>
           <p:cNvSpPr/>
           <p:nvPr/>
         </p:nvSpPr>
@@ -8651,7 +8681,7 @@
       </p:sp>
       <p:sp>
         <p:nvSpPr>
-          <p:cNvPr id="334" name="線"/>
+          <p:cNvPr id="336" name="線"/>
           <p:cNvSpPr/>
           <p:nvPr/>
         </p:nvSpPr>
@@ -8691,7 +8721,7 @@
       </p:sp>
       <p:sp>
         <p:nvSpPr>
-          <p:cNvPr id="335" name="線"/>
+          <p:cNvPr id="337" name="線"/>
           <p:cNvSpPr/>
           <p:nvPr/>
         </p:nvSpPr>
@@ -8731,7 +8761,7 @@
       </p:sp>
       <p:sp>
         <p:nvSpPr>
-          <p:cNvPr id="336" name="線"/>
+          <p:cNvPr id="338" name="線"/>
           <p:cNvSpPr/>
           <p:nvPr/>
         </p:nvSpPr>
@@ -8771,7 +8801,7 @@
       </p:sp>
       <p:sp>
         <p:nvSpPr>
-          <p:cNvPr id="337" name="線"/>
+          <p:cNvPr id="339" name="線"/>
           <p:cNvSpPr/>
           <p:nvPr/>
         </p:nvSpPr>
@@ -8811,7 +8841,7 @@
       </p:sp>
       <p:sp>
         <p:nvSpPr>
-          <p:cNvPr id="338" name="線"/>
+          <p:cNvPr id="340" name="線"/>
           <p:cNvSpPr/>
           <p:nvPr/>
         </p:nvSpPr>
@@ -8851,7 +8881,7 @@
       </p:sp>
       <p:sp>
         <p:nvSpPr>
-          <p:cNvPr id="339" name="線"/>
+          <p:cNvPr id="341" name="線"/>
           <p:cNvSpPr/>
           <p:nvPr/>
         </p:nvSpPr>
@@ -8891,7 +8921,7 @@
       </p:sp>
       <p:sp>
         <p:nvSpPr>
-          <p:cNvPr id="340" name="線"/>
+          <p:cNvPr id="342" name="線"/>
           <p:cNvSpPr/>
           <p:nvPr/>
         </p:nvSpPr>
@@ -8931,7 +8961,7 @@
       </p:sp>
       <p:sp>
         <p:nvSpPr>
-          <p:cNvPr id="341" name="線"/>
+          <p:cNvPr id="343" name="線"/>
           <p:cNvSpPr/>
           <p:nvPr/>
         </p:nvSpPr>
@@ -8971,7 +9001,7 @@
       </p:sp>
       <p:sp>
         <p:nvSpPr>
-          <p:cNvPr id="342" name="線"/>
+          <p:cNvPr id="344" name="線"/>
           <p:cNvSpPr/>
           <p:nvPr/>
         </p:nvSpPr>
@@ -9011,7 +9041,7 @@
       </p:sp>
       <p:sp>
         <p:nvSpPr>
-          <p:cNvPr id="343" name="線"/>
+          <p:cNvPr id="345" name="線"/>
           <p:cNvSpPr/>
           <p:nvPr/>
         </p:nvSpPr>
@@ -9051,7 +9081,7 @@
       </p:sp>
       <p:sp>
         <p:nvSpPr>
-          <p:cNvPr id="344" name="線"/>
+          <p:cNvPr id="346" name="線"/>
           <p:cNvSpPr/>
           <p:nvPr/>
         </p:nvSpPr>
@@ -9091,7 +9121,7 @@
       </p:sp>
       <p:sp>
         <p:nvSpPr>
-          <p:cNvPr id="345" name="線"/>
+          <p:cNvPr id="347" name="線"/>
           <p:cNvSpPr/>
           <p:nvPr/>
         </p:nvSpPr>
@@ -9131,7 +9161,7 @@
       </p:sp>
       <p:sp>
         <p:nvSpPr>
-          <p:cNvPr id="346" name="線"/>
+          <p:cNvPr id="348" name="線"/>
           <p:cNvSpPr/>
           <p:nvPr/>
         </p:nvSpPr>
@@ -9171,7 +9201,7 @@
       </p:sp>
       <p:sp>
         <p:nvSpPr>
-          <p:cNvPr id="347" name="線"/>
+          <p:cNvPr id="349" name="線"/>
           <p:cNvSpPr/>
           <p:nvPr/>
         </p:nvSpPr>
@@ -9211,7 +9241,7 @@
       </p:sp>
       <p:sp>
         <p:nvSpPr>
-          <p:cNvPr id="348" name="線"/>
+          <p:cNvPr id="350" name="線"/>
           <p:cNvSpPr/>
           <p:nvPr/>
         </p:nvSpPr>
@@ -9251,7 +9281,7 @@
       </p:sp>
       <p:sp>
         <p:nvSpPr>
-          <p:cNvPr id="349" name="線"/>
+          <p:cNvPr id="351" name="線"/>
           <p:cNvSpPr/>
           <p:nvPr/>
         </p:nvSpPr>
@@ -9291,7 +9321,7 @@
       </p:sp>
       <p:sp>
         <p:nvSpPr>
-          <p:cNvPr id="350" name="線"/>
+          <p:cNvPr id="352" name="線"/>
           <p:cNvSpPr/>
           <p:nvPr/>
         </p:nvSpPr>
@@ -9331,7 +9361,7 @@
       </p:sp>
       <p:sp>
         <p:nvSpPr>
-          <p:cNvPr id="351" name="線"/>
+          <p:cNvPr id="353" name="線"/>
           <p:cNvSpPr/>
           <p:nvPr/>
         </p:nvSpPr>
@@ -9371,7 +9401,7 @@
       </p:sp>
       <p:sp>
         <p:nvSpPr>
-          <p:cNvPr id="352" name="線"/>
+          <p:cNvPr id="354" name="線"/>
           <p:cNvSpPr/>
           <p:nvPr/>
         </p:nvSpPr>
@@ -9411,7 +9441,7 @@
       </p:sp>
       <p:sp>
         <p:nvSpPr>
-          <p:cNvPr id="353" name="線"/>
+          <p:cNvPr id="355" name="線"/>
           <p:cNvSpPr/>
           <p:nvPr/>
         </p:nvSpPr>
@@ -9451,7 +9481,7 @@
       </p:sp>
       <p:sp>
         <p:nvSpPr>
-          <p:cNvPr id="354" name="線"/>
+          <p:cNvPr id="356" name="線"/>
           <p:cNvSpPr/>
           <p:nvPr/>
         </p:nvSpPr>
@@ -9491,14 +9521,14 @@
       </p:sp>
       <p:sp>
         <p:nvSpPr>
-          <p:cNvPr id="355" name="矢印"/>
+          <p:cNvPr id="357" name="矢印"/>
           <p:cNvSpPr/>
           <p:nvPr/>
         </p:nvSpPr>
         <p:spPr>
           <a:xfrm rot="3300000">
-            <a:off x="19825363" y="8387351"/>
-            <a:ext cx="2514562" cy="587821"/>
+            <a:off x="19885246" y="8452017"/>
+            <a:ext cx="2514561" cy="587820"/>
           </a:xfrm>
           <a:prstGeom prst="rightArrow">
             <a:avLst>
@@ -9532,7 +9562,7 @@
       </p:sp>
       <p:pic>
         <p:nvPicPr>
-          <p:cNvPr id="356" name="eq1.png" descr="eq1.png"/>
+          <p:cNvPr id="358" name="eq1.png" descr="eq1.png"/>
           <p:cNvPicPr>
             <a:picLocks noChangeAspect="1"/>
           </p:cNvPicPr>
@@ -9550,6 +9580,141 @@
           <a:xfrm>
             <a:off x="1511200" y="3313907"/>
             <a:ext cx="12892380" cy="1584234"/>
+          </a:xfrm>
+          <a:prstGeom prst="rect">
+            <a:avLst/>
+          </a:prstGeom>
+          <a:ln w="12700">
+            <a:miter lim="400000"/>
+          </a:ln>
+        </p:spPr>
+      </p:pic>
+      <p:sp>
+        <p:nvSpPr>
+          <p:cNvPr id="370" name="接続の線"/>
+          <p:cNvSpPr/>
+          <p:nvPr/>
+        </p:nvSpPr>
+        <p:spPr>
+          <a:xfrm>
+            <a:off x="18948520" y="4191697"/>
+            <a:ext cx="556653" cy="921747"/>
+          </a:xfrm>
+          <a:custGeom>
+            <a:avLst/>
+            <a:gdLst/>
+            <a:ahLst/>
+            <a:cxnLst>
+              <a:cxn ang="0">
+                <a:pos x="wd2" y="hd2"/>
+              </a:cxn>
+              <a:cxn ang="5400000">
+                <a:pos x="wd2" y="hd2"/>
+              </a:cxn>
+              <a:cxn ang="10800000">
+                <a:pos x="wd2" y="hd2"/>
+              </a:cxn>
+              <a:cxn ang="16200000">
+                <a:pos x="wd2" y="hd2"/>
+              </a:cxn>
+            </a:cxnLst>
+            <a:rect l="0" t="0" r="r" b="b"/>
+            <a:pathLst>
+              <a:path w="21600" h="21600" fill="norm" stroke="1" extrusionOk="0">
+                <a:moveTo>
+                  <a:pt x="0" y="21600"/>
+                </a:moveTo>
+                <a:lnTo>
+                  <a:pt x="21600" y="0"/>
+                </a:lnTo>
+              </a:path>
+            </a:pathLst>
+          </a:custGeom>
+          <a:ln w="38100">
+            <a:solidFill>
+              <a:srgbClr val="000000"/>
+            </a:solidFill>
+            <a:miter lim="400000"/>
+            <a:headEnd type="triangle"/>
+          </a:ln>
+        </p:spPr>
+        <p:txBody>
+          <a:bodyPr/>
+          <a:lstStyle/>
+          <a:p>
+            <a:pPr/>
+          </a:p>
+        </p:txBody>
+      </p:sp>
+      <p:sp>
+        <p:nvSpPr>
+          <p:cNvPr id="360" name="アクチン分子"/>
+          <p:cNvSpPr txBox="1"/>
+          <p:nvPr/>
+        </p:nvSpPr>
+        <p:spPr>
+          <a:xfrm>
+            <a:off x="18203167" y="3607498"/>
+            <a:ext cx="2956815" cy="584200"/>
+          </a:xfrm>
+          <a:prstGeom prst="rect">
+            <a:avLst/>
+          </a:prstGeom>
+          <a:ln w="12700">
+            <a:miter lim="400000"/>
+          </a:ln>
+          <a:extLst>
+            <a:ext uri="{C572A759-6A51-4108-AA02-DFA0A04FC94B}">
+              <ma14:wrappingTextBoxFlag xmlns:ma14="http://schemas.microsoft.com/office/mac/drawingml/2011/main" val="1"/>
+            </a:ext>
+          </a:extLst>
+        </p:spPr>
+        <p:txBody>
+          <a:bodyPr wrap="none" lIns="50800" tIns="50800" rIns="50800" bIns="50800" anchor="ctr">
+            <a:spAutoFit/>
+          </a:bodyPr>
+          <a:lstStyle>
+            <a:lvl1pPr algn="l">
+              <a:spcBef>
+                <a:spcPts val="4500"/>
+              </a:spcBef>
+              <a:defRPr sz="3800">
+                <a:latin typeface="+mn-lt"/>
+                <a:ea typeface="+mn-ea"/>
+                <a:cs typeface="+mn-cs"/>
+                <a:sym typeface="ヒラギノ角ゴ ProN W3"/>
+              </a:defRPr>
+            </a:lvl1pPr>
+          </a:lstStyle>
+          <a:p>
+            <a:pPr/>
+            <a:r>
+              <a:t>アクチン分子</a:t>
+            </a:r>
+          </a:p>
+        </p:txBody>
+      </p:sp>
+      <p:pic>
+        <p:nvPicPr>
+          <p:cNvPr id="361" name="fa.png" descr="fa.png"/>
+          <p:cNvPicPr>
+            <a:picLocks noChangeAspect="1"/>
+          </p:cNvPicPr>
+          <p:nvPr/>
+        </p:nvPicPr>
+        <p:blipFill>
+          <a:blip r:embed="rId4">
+            <a:extLst/>
+          </a:blip>
+          <a:srcRect l="53921" t="0" r="42446" b="66079"/>
+          <a:stretch>
+            <a:fillRect/>
+          </a:stretch>
+        </p:blipFill>
+        <p:spPr>
+          <a:xfrm>
+            <a:off x="19026040" y="6721912"/>
+            <a:ext cx="772949" cy="633994"/>
           </a:xfrm>
           <a:prstGeom prst="rect">
             <a:avLst/>
@@ -9587,7 +9752,7 @@
       </p:grpSpPr>
       <p:sp>
         <p:nvSpPr>
-          <p:cNvPr id="366" name="膜-アクチン間作用"/>
+          <p:cNvPr id="372" name="細胞膜シミュレーション"/>
           <p:cNvSpPr txBox="1"/>
           <p:nvPr>
             <p:ph type="title"/>
@@ -9604,14 +9769,14 @@
           <a:p>
             <a:pPr/>
             <a:r>
-              <a:t>膜-アクチン間作用</a:t>
+              <a:t>細胞膜シミュレーション</a:t>
             </a:r>
           </a:p>
         </p:txBody>
       </p:sp>
       <p:pic>
         <p:nvPicPr>
-          <p:cNvPr id="367" name="四角形" descr="四角形"/>
+          <p:cNvPr id="373" name="四角形" descr="四角形"/>
           <p:cNvPicPr>
             <a:picLocks noChangeAspect="0"/>
           </p:cNvPicPr>
@@ -9637,7 +9802,7 @@
       </p:pic>
       <p:pic>
         <p:nvPicPr>
-          <p:cNvPr id="369" name="eq1.png" descr="eq1.png"/>
+          <p:cNvPr id="375" name="eq1.png" descr="eq1.png"/>
           <p:cNvPicPr>
             <a:picLocks noChangeAspect="1"/>
           </p:cNvPicPr>
@@ -9666,14 +9831,14 @@
       </p:pic>
       <p:sp>
         <p:nvSpPr>
-          <p:cNvPr id="437" name="接続の線"/>
-          <p:cNvSpPr/>
-          <p:nvPr/>
-        </p:nvSpPr>
-        <p:spPr>
-          <a:xfrm>
-            <a:off x="11274017" y="4989856"/>
-            <a:ext cx="1321908" cy="1387446"/>
+          <p:cNvPr id="443" name="接続の線"/>
+          <p:cNvSpPr/>
+          <p:nvPr/>
+        </p:nvSpPr>
+        <p:spPr>
+          <a:xfrm>
+            <a:off x="11910650" y="4989856"/>
+            <a:ext cx="685275" cy="1275313"/>
           </a:xfrm>
           <a:custGeom>
             <a:avLst/>
@@ -9710,6 +9875,7 @@
               <a:srgbClr val="000000"/>
             </a:solidFill>
             <a:miter lim="400000"/>
+            <a:headEnd type="triangle"/>
           </a:ln>
         </p:spPr>
         <p:txBody>
@@ -9722,14 +9888,14 @@
       </p:sp>
       <p:sp>
         <p:nvSpPr>
-          <p:cNvPr id="371" name="粘性抵抗力"/>
+          <p:cNvPr id="377" name="粘性抵抗力"/>
           <p:cNvSpPr txBox="1"/>
           <p:nvPr/>
         </p:nvSpPr>
         <p:spPr>
           <a:xfrm>
-            <a:off x="7332960" y="6369939"/>
-            <a:ext cx="7542264" cy="838200"/>
+            <a:off x="9676734" y="6265168"/>
+            <a:ext cx="4017436" cy="838200"/>
           </a:xfrm>
           <a:prstGeom prst="rect">
             <a:avLst/>
@@ -9770,7 +9936,7 @@
       </p:sp>
       <p:sp>
         <p:nvSpPr>
-          <p:cNvPr id="372" name="四角形"/>
+          <p:cNvPr id="378" name="四角形"/>
           <p:cNvSpPr/>
           <p:nvPr/>
         </p:nvSpPr>
@@ -9805,7 +9971,7 @@
       </p:sp>
       <p:sp>
         <p:nvSpPr>
-          <p:cNvPr id="373" name="線"/>
+          <p:cNvPr id="379" name="線"/>
           <p:cNvSpPr/>
           <p:nvPr/>
         </p:nvSpPr>
@@ -9845,7 +10011,7 @@
       </p:sp>
       <p:sp>
         <p:nvSpPr>
-          <p:cNvPr id="374" name="四角形"/>
+          <p:cNvPr id="380" name="四角形"/>
           <p:cNvSpPr/>
           <p:nvPr/>
         </p:nvSpPr>
@@ -9880,7 +10046,7 @@
       </p:sp>
       <p:sp>
         <p:nvSpPr>
-          <p:cNvPr id="375" name="細胞膜"/>
+          <p:cNvPr id="381" name="細胞膜"/>
           <p:cNvSpPr txBox="1"/>
           <p:nvPr/>
         </p:nvSpPr>
@@ -9928,7 +10094,7 @@
       </p:sp>
       <p:pic>
         <p:nvPicPr>
-          <p:cNvPr id="376" name="グループ" descr="グループ"/>
+          <p:cNvPr id="382" name="グループ" descr="グループ"/>
           <p:cNvPicPr>
             <a:picLocks noChangeAspect="1"/>
           </p:cNvPicPr>
@@ -9958,7 +10124,7 @@
       </p:pic>
       <p:sp>
         <p:nvSpPr>
-          <p:cNvPr id="438" name="接続の線"/>
+          <p:cNvPr id="444" name="接続の線"/>
           <p:cNvSpPr/>
           <p:nvPr/>
         </p:nvSpPr>
@@ -10019,7 +10185,7 @@
       </p:sp>
       <p:sp>
         <p:nvSpPr>
-          <p:cNvPr id="439" name="接続の線"/>
+          <p:cNvPr id="445" name="接続の線"/>
           <p:cNvSpPr/>
           <p:nvPr/>
         </p:nvSpPr>
@@ -10080,7 +10246,7 @@
       </p:sp>
       <p:sp>
         <p:nvSpPr>
-          <p:cNvPr id="440" name="接続の線"/>
+          <p:cNvPr id="446" name="接続の線"/>
           <p:cNvSpPr/>
           <p:nvPr/>
         </p:nvSpPr>
@@ -10141,7 +10307,7 @@
       </p:sp>
       <p:sp>
         <p:nvSpPr>
-          <p:cNvPr id="441" name="接続の線"/>
+          <p:cNvPr id="447" name="接続の線"/>
           <p:cNvSpPr/>
           <p:nvPr/>
         </p:nvSpPr>
@@ -10202,7 +10368,7 @@
       </p:sp>
       <p:sp>
         <p:nvSpPr>
-          <p:cNvPr id="442" name="接続の線"/>
+          <p:cNvPr id="448" name="接続の線"/>
           <p:cNvSpPr/>
           <p:nvPr/>
         </p:nvSpPr>
@@ -10263,7 +10429,7 @@
       </p:sp>
       <p:sp>
         <p:nvSpPr>
-          <p:cNvPr id="443" name="接続の線"/>
+          <p:cNvPr id="449" name="接続の線"/>
           <p:cNvSpPr/>
           <p:nvPr/>
         </p:nvSpPr>
@@ -10324,7 +10490,7 @@
       </p:sp>
       <p:sp>
         <p:nvSpPr>
-          <p:cNvPr id="383" name="線"/>
+          <p:cNvPr id="389" name="線"/>
           <p:cNvSpPr/>
           <p:nvPr/>
         </p:nvSpPr>
@@ -10359,7 +10525,7 @@
       </p:sp>
       <p:sp>
         <p:nvSpPr>
-          <p:cNvPr id="384" name="線"/>
+          <p:cNvPr id="390" name="線"/>
           <p:cNvSpPr/>
           <p:nvPr/>
         </p:nvSpPr>
@@ -10394,7 +10560,7 @@
       </p:sp>
       <p:sp>
         <p:nvSpPr>
-          <p:cNvPr id="385" name="線"/>
+          <p:cNvPr id="391" name="線"/>
           <p:cNvSpPr/>
           <p:nvPr/>
         </p:nvSpPr>
@@ -10429,7 +10595,7 @@
       </p:sp>
       <p:sp>
         <p:nvSpPr>
-          <p:cNvPr id="386" name="線"/>
+          <p:cNvPr id="392" name="線"/>
           <p:cNvSpPr/>
           <p:nvPr/>
         </p:nvSpPr>
@@ -10464,7 +10630,7 @@
       </p:sp>
       <p:sp>
         <p:nvSpPr>
-          <p:cNvPr id="387" name="線"/>
+          <p:cNvPr id="393" name="線"/>
           <p:cNvSpPr/>
           <p:nvPr/>
         </p:nvSpPr>
@@ -10499,7 +10665,7 @@
       </p:sp>
       <p:sp>
         <p:nvSpPr>
-          <p:cNvPr id="388" name="線"/>
+          <p:cNvPr id="394" name="線"/>
           <p:cNvSpPr/>
           <p:nvPr/>
         </p:nvSpPr>
@@ -10534,7 +10700,7 @@
       </p:sp>
       <p:sp>
         <p:nvSpPr>
-          <p:cNvPr id="389" name="線"/>
+          <p:cNvPr id="395" name="線"/>
           <p:cNvSpPr/>
           <p:nvPr/>
         </p:nvSpPr>
@@ -10569,7 +10735,7 @@
       </p:sp>
       <p:sp>
         <p:nvSpPr>
-          <p:cNvPr id="390" name="線"/>
+          <p:cNvPr id="396" name="線"/>
           <p:cNvSpPr/>
           <p:nvPr/>
         </p:nvSpPr>
@@ -10604,7 +10770,7 @@
       </p:sp>
       <p:sp>
         <p:nvSpPr>
-          <p:cNvPr id="391" name="線"/>
+          <p:cNvPr id="397" name="線"/>
           <p:cNvSpPr/>
           <p:nvPr/>
         </p:nvSpPr>
@@ -10639,7 +10805,7 @@
       </p:sp>
       <p:sp>
         <p:nvSpPr>
-          <p:cNvPr id="392" name="線"/>
+          <p:cNvPr id="398" name="線"/>
           <p:cNvSpPr/>
           <p:nvPr/>
         </p:nvSpPr>
@@ -10674,7 +10840,7 @@
       </p:sp>
       <p:sp>
         <p:nvSpPr>
-          <p:cNvPr id="393" name="楕円"/>
+          <p:cNvPr id="399" name="楕円"/>
           <p:cNvSpPr/>
           <p:nvPr/>
         </p:nvSpPr>
@@ -10709,7 +10875,7 @@
       </p:sp>
       <p:sp>
         <p:nvSpPr>
-          <p:cNvPr id="394" name="楕円"/>
+          <p:cNvPr id="400" name="楕円"/>
           <p:cNvSpPr/>
           <p:nvPr/>
         </p:nvSpPr>
@@ -10744,7 +10910,7 @@
       </p:sp>
       <p:sp>
         <p:nvSpPr>
-          <p:cNvPr id="395" name="楕円"/>
+          <p:cNvPr id="401" name="楕円"/>
           <p:cNvSpPr/>
           <p:nvPr/>
         </p:nvSpPr>
@@ -10779,7 +10945,7 @@
       </p:sp>
       <p:sp>
         <p:nvSpPr>
-          <p:cNvPr id="396" name="楕円"/>
+          <p:cNvPr id="402" name="楕円"/>
           <p:cNvSpPr/>
           <p:nvPr/>
         </p:nvSpPr>
@@ -10814,7 +10980,7 @@
       </p:sp>
       <p:sp>
         <p:nvSpPr>
-          <p:cNvPr id="397" name="楕円"/>
+          <p:cNvPr id="403" name="楕円"/>
           <p:cNvSpPr/>
           <p:nvPr/>
         </p:nvSpPr>
@@ -10849,7 +11015,7 @@
       </p:sp>
       <p:sp>
         <p:nvSpPr>
-          <p:cNvPr id="398" name="楕円"/>
+          <p:cNvPr id="404" name="楕円"/>
           <p:cNvSpPr/>
           <p:nvPr/>
         </p:nvSpPr>
@@ -10884,7 +11050,7 @@
       </p:sp>
       <p:sp>
         <p:nvSpPr>
-          <p:cNvPr id="399" name="楕円"/>
+          <p:cNvPr id="405" name="楕円"/>
           <p:cNvSpPr/>
           <p:nvPr/>
         </p:nvSpPr>
@@ -10919,7 +11085,7 @@
       </p:sp>
       <p:sp>
         <p:nvSpPr>
-          <p:cNvPr id="400" name="楕円"/>
+          <p:cNvPr id="406" name="楕円"/>
           <p:cNvSpPr/>
           <p:nvPr/>
         </p:nvSpPr>
@@ -10954,7 +11120,7 @@
       </p:sp>
       <p:sp>
         <p:nvSpPr>
-          <p:cNvPr id="401" name="楕円"/>
+          <p:cNvPr id="407" name="楕円"/>
           <p:cNvSpPr/>
           <p:nvPr/>
         </p:nvSpPr>
@@ -10989,7 +11155,7 @@
       </p:sp>
       <p:sp>
         <p:nvSpPr>
-          <p:cNvPr id="402" name="楕円"/>
+          <p:cNvPr id="408" name="楕円"/>
           <p:cNvSpPr/>
           <p:nvPr/>
         </p:nvSpPr>
@@ -11024,7 +11190,7 @@
       </p:sp>
       <p:sp>
         <p:nvSpPr>
-          <p:cNvPr id="403" name="楕円"/>
+          <p:cNvPr id="409" name="楕円"/>
           <p:cNvSpPr/>
           <p:nvPr/>
         </p:nvSpPr>
@@ -11059,7 +11225,7 @@
       </p:sp>
       <p:sp>
         <p:nvSpPr>
-          <p:cNvPr id="404" name="線"/>
+          <p:cNvPr id="410" name="線"/>
           <p:cNvSpPr/>
           <p:nvPr/>
         </p:nvSpPr>
@@ -11099,7 +11265,7 @@
       </p:sp>
       <p:sp>
         <p:nvSpPr>
-          <p:cNvPr id="405" name="楕円"/>
+          <p:cNvPr id="411" name="楕円"/>
           <p:cNvSpPr/>
           <p:nvPr/>
         </p:nvSpPr>
@@ -11134,7 +11300,7 @@
       </p:sp>
       <p:sp>
         <p:nvSpPr>
-          <p:cNvPr id="406" name="線"/>
+          <p:cNvPr id="412" name="線"/>
           <p:cNvSpPr/>
           <p:nvPr/>
         </p:nvSpPr>
@@ -11174,7 +11340,7 @@
       </p:sp>
       <p:sp>
         <p:nvSpPr>
-          <p:cNvPr id="407" name="線"/>
+          <p:cNvPr id="413" name="線"/>
           <p:cNvSpPr/>
           <p:nvPr/>
         </p:nvSpPr>
@@ -11214,7 +11380,7 @@
       </p:sp>
       <p:sp>
         <p:nvSpPr>
-          <p:cNvPr id="408" name="線"/>
+          <p:cNvPr id="414" name="線"/>
           <p:cNvSpPr/>
           <p:nvPr/>
         </p:nvSpPr>
@@ -11254,7 +11420,7 @@
       </p:sp>
       <p:sp>
         <p:nvSpPr>
-          <p:cNvPr id="409" name="線"/>
+          <p:cNvPr id="415" name="線"/>
           <p:cNvSpPr/>
           <p:nvPr/>
         </p:nvSpPr>
@@ -11294,7 +11460,7 @@
       </p:sp>
       <p:sp>
         <p:nvSpPr>
-          <p:cNvPr id="410" name="線"/>
+          <p:cNvPr id="416" name="線"/>
           <p:cNvSpPr/>
           <p:nvPr/>
         </p:nvSpPr>
@@ -11334,7 +11500,7 @@
       </p:sp>
       <p:sp>
         <p:nvSpPr>
-          <p:cNvPr id="411" name="線"/>
+          <p:cNvPr id="417" name="線"/>
           <p:cNvSpPr/>
           <p:nvPr/>
         </p:nvSpPr>
@@ -11374,7 +11540,7 @@
       </p:sp>
       <p:sp>
         <p:nvSpPr>
-          <p:cNvPr id="412" name="線"/>
+          <p:cNvPr id="418" name="線"/>
           <p:cNvSpPr/>
           <p:nvPr/>
         </p:nvSpPr>
@@ -11414,7 +11580,7 @@
       </p:sp>
       <p:sp>
         <p:nvSpPr>
-          <p:cNvPr id="413" name="線"/>
+          <p:cNvPr id="419" name="線"/>
           <p:cNvSpPr/>
           <p:nvPr/>
         </p:nvSpPr>
@@ -11454,7 +11620,7 @@
       </p:sp>
       <p:sp>
         <p:nvSpPr>
-          <p:cNvPr id="414" name="線"/>
+          <p:cNvPr id="420" name="線"/>
           <p:cNvSpPr/>
           <p:nvPr/>
         </p:nvSpPr>
@@ -11494,7 +11660,7 @@
       </p:sp>
       <p:sp>
         <p:nvSpPr>
-          <p:cNvPr id="415" name="線"/>
+          <p:cNvPr id="421" name="線"/>
           <p:cNvSpPr/>
           <p:nvPr/>
         </p:nvSpPr>
@@ -11534,7 +11700,7 @@
       </p:sp>
       <p:sp>
         <p:nvSpPr>
-          <p:cNvPr id="416" name="線"/>
+          <p:cNvPr id="422" name="線"/>
           <p:cNvSpPr/>
           <p:nvPr/>
         </p:nvSpPr>
@@ -11574,7 +11740,7 @@
       </p:sp>
       <p:sp>
         <p:nvSpPr>
-          <p:cNvPr id="417" name="線"/>
+          <p:cNvPr id="423" name="線"/>
           <p:cNvSpPr/>
           <p:nvPr/>
         </p:nvSpPr>
@@ -11614,7 +11780,7 @@
       </p:sp>
       <p:sp>
         <p:nvSpPr>
-          <p:cNvPr id="418" name="線"/>
+          <p:cNvPr id="424" name="線"/>
           <p:cNvSpPr/>
           <p:nvPr/>
         </p:nvSpPr>
@@ -11654,7 +11820,7 @@
       </p:sp>
       <p:sp>
         <p:nvSpPr>
-          <p:cNvPr id="419" name="線"/>
+          <p:cNvPr id="425" name="線"/>
           <p:cNvSpPr/>
           <p:nvPr/>
         </p:nvSpPr>
@@ -11694,7 +11860,7 @@
       </p:sp>
       <p:sp>
         <p:nvSpPr>
-          <p:cNvPr id="420" name="線"/>
+          <p:cNvPr id="426" name="線"/>
           <p:cNvSpPr/>
           <p:nvPr/>
         </p:nvSpPr>
@@ -11734,7 +11900,7 @@
       </p:sp>
       <p:sp>
         <p:nvSpPr>
-          <p:cNvPr id="421" name="線"/>
+          <p:cNvPr id="427" name="線"/>
           <p:cNvSpPr/>
           <p:nvPr/>
         </p:nvSpPr>
@@ -11774,7 +11940,7 @@
       </p:sp>
       <p:sp>
         <p:nvSpPr>
-          <p:cNvPr id="422" name="線"/>
+          <p:cNvPr id="428" name="線"/>
           <p:cNvSpPr/>
           <p:nvPr/>
         </p:nvSpPr>
@@ -11814,7 +11980,7 @@
       </p:sp>
       <p:sp>
         <p:nvSpPr>
-          <p:cNvPr id="423" name="線"/>
+          <p:cNvPr id="429" name="線"/>
           <p:cNvSpPr/>
           <p:nvPr/>
         </p:nvSpPr>
@@ -11854,7 +12020,7 @@
       </p:sp>
       <p:sp>
         <p:nvSpPr>
-          <p:cNvPr id="424" name="線"/>
+          <p:cNvPr id="430" name="線"/>
           <p:cNvSpPr/>
           <p:nvPr/>
         </p:nvSpPr>
@@ -11894,7 +12060,7 @@
       </p:sp>
       <p:sp>
         <p:nvSpPr>
-          <p:cNvPr id="425" name="線"/>
+          <p:cNvPr id="431" name="線"/>
           <p:cNvSpPr/>
           <p:nvPr/>
         </p:nvSpPr>
@@ -11934,7 +12100,7 @@
       </p:sp>
       <p:sp>
         <p:nvSpPr>
-          <p:cNvPr id="426" name="線"/>
+          <p:cNvPr id="432" name="線"/>
           <p:cNvSpPr/>
           <p:nvPr/>
         </p:nvSpPr>
@@ -11974,7 +12140,7 @@
       </p:sp>
       <p:sp>
         <p:nvSpPr>
-          <p:cNvPr id="427" name="線"/>
+          <p:cNvPr id="433" name="線"/>
           <p:cNvSpPr/>
           <p:nvPr/>
         </p:nvSpPr>
@@ -12014,7 +12180,7 @@
       </p:sp>
       <p:sp>
         <p:nvSpPr>
-          <p:cNvPr id="428" name="線"/>
+          <p:cNvPr id="434" name="線"/>
           <p:cNvSpPr/>
           <p:nvPr/>
         </p:nvSpPr>
@@ -12054,7 +12220,7 @@
       </p:sp>
       <p:sp>
         <p:nvSpPr>
-          <p:cNvPr id="429" name="線"/>
+          <p:cNvPr id="435" name="線"/>
           <p:cNvSpPr/>
           <p:nvPr/>
         </p:nvSpPr>
@@ -12094,7 +12260,7 @@
       </p:sp>
       <p:sp>
         <p:nvSpPr>
-          <p:cNvPr id="430" name="線"/>
+          <p:cNvPr id="436" name="線"/>
           <p:cNvSpPr/>
           <p:nvPr/>
         </p:nvSpPr>
@@ -12134,7 +12300,7 @@
       </p:sp>
       <p:sp>
         <p:nvSpPr>
-          <p:cNvPr id="431" name="線"/>
+          <p:cNvPr id="437" name="線"/>
           <p:cNvSpPr/>
           <p:nvPr/>
         </p:nvSpPr>
@@ -12174,7 +12340,7 @@
       </p:sp>
       <p:sp>
         <p:nvSpPr>
-          <p:cNvPr id="432" name="線"/>
+          <p:cNvPr id="438" name="線"/>
           <p:cNvSpPr/>
           <p:nvPr/>
         </p:nvSpPr>
@@ -12214,7 +12380,7 @@
       </p:sp>
       <p:sp>
         <p:nvSpPr>
-          <p:cNvPr id="433" name="線"/>
+          <p:cNvPr id="439" name="線"/>
           <p:cNvSpPr/>
           <p:nvPr/>
         </p:nvSpPr>
@@ -12254,7 +12420,7 @@
       </p:sp>
       <p:sp>
         <p:nvSpPr>
-          <p:cNvPr id="434" name="線"/>
+          <p:cNvPr id="440" name="線"/>
           <p:cNvSpPr/>
           <p:nvPr/>
         </p:nvSpPr>
@@ -12294,7 +12460,7 @@
       </p:sp>
       <p:sp>
         <p:nvSpPr>
-          <p:cNvPr id="435" name="線"/>
+          <p:cNvPr id="441" name="線"/>
           <p:cNvSpPr/>
           <p:nvPr/>
         </p:nvSpPr>
@@ -12334,7 +12500,7 @@
       </p:sp>
       <p:sp>
         <p:nvSpPr>
-          <p:cNvPr id="436" name="線"/>
+          <p:cNvPr id="442" name="線"/>
           <p:cNvSpPr/>
           <p:nvPr/>
         </p:nvSpPr>
@@ -12400,7 +12566,7 @@
       </p:grpSpPr>
       <p:sp>
         <p:nvSpPr>
-          <p:cNvPr id="445" name="アクチン分子の初期配置"/>
+          <p:cNvPr id="451" name="アクチン分子の初期配置"/>
           <p:cNvSpPr txBox="1"/>
           <p:nvPr>
             <p:ph type="title"/>
@@ -12424,7 +12590,7 @@
       </p:sp>
       <p:pic>
         <p:nvPicPr>
-          <p:cNvPr id="446" name="top.pdf" descr="top.pdf"/>
+          <p:cNvPr id="452" name="top.pdf" descr="top.pdf"/>
           <p:cNvPicPr>
             <a:picLocks noChangeAspect="1"/>
           </p:cNvPicPr>
@@ -12454,7 +12620,7 @@
       </p:pic>
       <p:sp>
         <p:nvSpPr>
-          <p:cNvPr id="447" name="アクチン分子はU字型領域に一様に配置…"/>
+          <p:cNvPr id="453" name="アクチン分子はU字型領域に一様に配置…"/>
           <p:cNvSpPr txBox="1"/>
           <p:nvPr/>
         </p:nvSpPr>
@@ -12538,7 +12704,7 @@
       </p:sp>
       <p:sp>
         <p:nvSpPr>
-          <p:cNvPr id="448" name="[A. J. Ridley et al. 2003]"/>
+          <p:cNvPr id="454" name="[A. J. Ridley et al. 2003]"/>
           <p:cNvSpPr txBox="1"/>
           <p:nvPr/>
         </p:nvSpPr>
@@ -12592,7 +12758,7 @@
       </p:sp>
       <p:sp>
         <p:nvSpPr>
-          <p:cNvPr id="449" name="細胞遊走開始時にアクチン分子の分布は進行方向へ偏る"/>
+          <p:cNvPr id="455" name="細胞遊走開始時にアクチン分子の分布は進行方向へ偏る"/>
           <p:cNvSpPr txBox="1"/>
           <p:nvPr/>
         </p:nvSpPr>
@@ -12666,7 +12832,7 @@
       </p:grpSpPr>
       <p:sp>
         <p:nvSpPr>
-          <p:cNvPr id="451" name="アクチン重合シミュレーション"/>
+          <p:cNvPr id="457" name="アクチン重合シミュレーション"/>
           <p:cNvSpPr txBox="1"/>
           <p:nvPr>
             <p:ph type="title"/>
@@ -12694,7 +12860,7 @@
       </p:sp>
       <p:grpSp>
         <p:nvGrpSpPr>
-          <p:cNvPr id="457" name="グループ"/>
+          <p:cNvPr id="463" name="グループ"/>
           <p:cNvGrpSpPr/>
           <p:nvPr/>
         </p:nvGrpSpPr>
@@ -12708,7 +12874,7 @@
         </p:grpSpPr>
         <p:sp>
           <p:nvSpPr>
-            <p:cNvPr id="452" name="線"/>
+            <p:cNvPr id="458" name="線"/>
             <p:cNvSpPr/>
             <p:nvPr/>
           </p:nvSpPr>
@@ -12748,7 +12914,7 @@
         </p:sp>
         <p:sp>
           <p:nvSpPr>
-            <p:cNvPr id="453" name="線"/>
+            <p:cNvPr id="459" name="線"/>
             <p:cNvSpPr/>
             <p:nvPr/>
           </p:nvSpPr>
@@ -12788,7 +12954,7 @@
         </p:sp>
         <p:pic>
           <p:nvPicPr>
-            <p:cNvPr id="454" name="texclip20181128023815.png" descr="texclip20181128023815.png"/>
+            <p:cNvPr id="460" name="texclip20181128023815.png" descr="texclip20181128023815.png"/>
             <p:cNvPicPr>
               <a:picLocks noChangeAspect="0"/>
             </p:cNvPicPr>
@@ -12820,7 +12986,7 @@
         </p:pic>
         <p:sp>
           <p:nvSpPr>
-            <p:cNvPr id="455" name="線"/>
+            <p:cNvPr id="461" name="線"/>
             <p:cNvSpPr/>
             <p:nvPr/>
           </p:nvSpPr>
@@ -12865,7 +13031,7 @@
         </p:sp>
         <p:sp>
           <p:nvSpPr>
-            <p:cNvPr id="456" name="線"/>
+            <p:cNvPr id="462" name="線"/>
             <p:cNvSpPr/>
             <p:nvPr/>
           </p:nvSpPr>
@@ -12911,14 +13077,14 @@
       </p:grpSp>
       <p:sp>
         <p:nvSpPr>
-          <p:cNvPr id="473" name="接続の線"/>
-          <p:cNvSpPr/>
-          <p:nvPr/>
-        </p:nvSpPr>
-        <p:spPr>
-          <a:xfrm>
-            <a:off x="10101559" y="10483381"/>
-            <a:ext cx="2856655" cy="855334"/>
+          <p:cNvPr id="481" name="接続の線"/>
+          <p:cNvSpPr/>
+          <p:nvPr/>
+        </p:nvSpPr>
+        <p:spPr>
+          <a:xfrm>
+            <a:off x="11231686" y="10483381"/>
+            <a:ext cx="1726528" cy="703172"/>
           </a:xfrm>
           <a:custGeom>
             <a:avLst/>
@@ -12955,6 +13121,7 @@
               <a:srgbClr val="000000"/>
             </a:solidFill>
             <a:miter lim="400000"/>
+            <a:tailEnd type="triangle"/>
           </a:ln>
         </p:spPr>
         <p:txBody>
@@ -12967,14 +13134,14 @@
       </p:sp>
       <p:sp>
         <p:nvSpPr>
-          <p:cNvPr id="459" name="重合の伸長度を示す関数"/>
+          <p:cNvPr id="465" name="重合の伸長度を示す関数"/>
           <p:cNvSpPr txBox="1"/>
           <p:nvPr/>
         </p:nvSpPr>
         <p:spPr>
           <a:xfrm>
-            <a:off x="6385886" y="11338714"/>
-            <a:ext cx="5480229" cy="584200"/>
+            <a:off x="7774367" y="11186552"/>
+            <a:ext cx="5480228" cy="584200"/>
           </a:xfrm>
           <a:prstGeom prst="rect">
             <a:avLst/>
@@ -13015,14 +13182,14 @@
       </p:sp>
       <p:sp>
         <p:nvSpPr>
-          <p:cNvPr id="460" name="初期に決定される重合方向"/>
+          <p:cNvPr id="466" name="初期に決定される重合方向"/>
           <p:cNvSpPr txBox="1"/>
           <p:nvPr/>
         </p:nvSpPr>
         <p:spPr>
           <a:xfrm>
-            <a:off x="14132529" y="10976764"/>
-            <a:ext cx="4184992" cy="1308100"/>
+            <a:off x="15045503" y="10976721"/>
+            <a:ext cx="4184992" cy="1308101"/>
           </a:xfrm>
           <a:prstGeom prst="rect">
             <a:avLst/>
@@ -13063,14 +13230,14 @@
       </p:sp>
       <p:sp>
         <p:nvSpPr>
-          <p:cNvPr id="474" name="接続の線"/>
-          <p:cNvSpPr/>
-          <p:nvPr/>
-        </p:nvSpPr>
-        <p:spPr>
-          <a:xfrm>
-            <a:off x="15224232" y="10487144"/>
-            <a:ext cx="428453" cy="489621"/>
+          <p:cNvPr id="482" name="接続の線"/>
+          <p:cNvSpPr/>
+          <p:nvPr/>
+        </p:nvSpPr>
+        <p:spPr>
+          <a:xfrm>
+            <a:off x="15224231" y="10487145"/>
+            <a:ext cx="819268" cy="489577"/>
           </a:xfrm>
           <a:custGeom>
             <a:avLst/>
@@ -13107,6 +13274,7 @@
               <a:srgbClr val="000000"/>
             </a:solidFill>
             <a:miter lim="400000"/>
+            <a:tailEnd type="triangle"/>
           </a:ln>
         </p:spPr>
         <p:txBody>
@@ -13119,7 +13287,7 @@
       </p:sp>
       <p:sp>
         <p:nvSpPr>
-          <p:cNvPr id="475" name="接続の線"/>
+          <p:cNvPr id="483" name="接続の線"/>
           <p:cNvSpPr/>
           <p:nvPr/>
         </p:nvSpPr>
@@ -13163,6 +13331,7 @@
               <a:srgbClr val="000000"/>
             </a:solidFill>
             <a:miter lim="400000"/>
+            <a:tailEnd type="triangle"/>
           </a:ln>
         </p:spPr>
         <p:txBody>
@@ -13175,7 +13344,7 @@
       </p:sp>
       <p:sp>
         <p:nvSpPr>
-          <p:cNvPr id="463" name="アクチン濃度"/>
+          <p:cNvPr id="469" name="アクチン濃度"/>
           <p:cNvSpPr txBox="1"/>
           <p:nvPr/>
         </p:nvSpPr>
@@ -13223,7 +13392,7 @@
       </p:sp>
       <p:pic>
         <p:nvPicPr>
-          <p:cNvPr id="464" name="texclip20190213165718.png" descr="texclip20190213165718.png"/>
+          <p:cNvPr id="470" name="texclip20190213165718.png" descr="texclip20190213165718.png"/>
           <p:cNvPicPr>
             <a:picLocks noChangeAspect="1"/>
           </p:cNvPicPr>
@@ -13239,7 +13408,7 @@
         </p:blipFill>
         <p:spPr>
           <a:xfrm>
-            <a:off x="6518393" y="12123992"/>
+            <a:off x="7887854" y="11971830"/>
             <a:ext cx="4851401" cy="965201"/>
           </a:xfrm>
           <a:prstGeom prst="rect">
@@ -13252,7 +13421,7 @@
       </p:pic>
       <p:sp>
         <p:nvSpPr>
-          <p:cNvPr id="465" name="初期状態では長さ０"/>
+          <p:cNvPr id="471" name="初期状態では長さ０"/>
           <p:cNvSpPr txBox="1"/>
           <p:nvPr/>
         </p:nvSpPr>
@@ -13300,14 +13469,14 @@
       </p:sp>
       <p:sp>
         <p:nvSpPr>
-          <p:cNvPr id="466" name="矢印"/>
+          <p:cNvPr id="472" name="矢印"/>
           <p:cNvSpPr/>
           <p:nvPr/>
         </p:nvSpPr>
         <p:spPr>
           <a:xfrm>
             <a:off x="9483789" y="6826669"/>
-            <a:ext cx="1354997" cy="428576"/>
+            <a:ext cx="1354998" cy="428576"/>
           </a:xfrm>
           <a:prstGeom prst="rightArrow">
             <a:avLst>
@@ -13338,7 +13507,7 @@
       </p:sp>
       <p:pic>
         <p:nvPicPr>
-          <p:cNvPr id="467" name="texclip20181128024659.png" descr="texclip20181128024659.png"/>
+          <p:cNvPr id="473" name="texclip20181128024659.png" descr="texclip20181128024659.png"/>
           <p:cNvPicPr>
             <a:picLocks noChangeAspect="1"/>
           </p:cNvPicPr>
@@ -13368,13 +13537,13 @@
       </p:pic>
       <p:sp>
         <p:nvSpPr>
-          <p:cNvPr id="468" name="確率的に伸長"/>
+          <p:cNvPr id="474" name="確率的に伸長"/>
           <p:cNvSpPr txBox="1"/>
           <p:nvPr/>
         </p:nvSpPr>
         <p:spPr>
           <a:xfrm>
-            <a:off x="9422656" y="5104657"/>
+            <a:off x="4325221" y="5301820"/>
             <a:ext cx="4533901" cy="838200"/>
           </a:xfrm>
           <a:prstGeom prst="rect">
@@ -13416,7 +13585,7 @@
       </p:sp>
       <p:pic>
         <p:nvPicPr>
-          <p:cNvPr id="469" name="texclip20190214094154.png" descr="texclip20190214094154.png"/>
+          <p:cNvPr id="475" name="texclip20190214094154.png" descr="texclip20190214094154.png"/>
           <p:cNvPicPr>
             <a:picLocks noChangeAspect="1"/>
           </p:cNvPicPr>
@@ -13445,7 +13614,7 @@
       </p:pic>
       <p:sp>
         <p:nvSpPr>
-          <p:cNvPr id="470" name="線"/>
+          <p:cNvPr id="476" name="線"/>
           <p:cNvSpPr/>
           <p:nvPr/>
         </p:nvSpPr>
@@ -13480,7 +13649,7 @@
       </p:sp>
       <p:sp>
         <p:nvSpPr>
-          <p:cNvPr id="471" name="線"/>
+          <p:cNvPr id="477" name="線"/>
           <p:cNvSpPr/>
           <p:nvPr/>
         </p:nvSpPr>
@@ -13515,7 +13684,7 @@
       </p:sp>
       <p:sp>
         <p:nvSpPr>
-          <p:cNvPr id="472" name="線"/>
+          <p:cNvPr id="478" name="線"/>
           <p:cNvSpPr/>
           <p:nvPr/>
         </p:nvSpPr>
@@ -13531,6 +13700,82 @@
             <a:solidFill>
               <a:srgbClr val="000000"/>
             </a:solidFill>
+            <a:miter lim="400000"/>
+          </a:ln>
+        </p:spPr>
+        <p:txBody>
+          <a:bodyPr lIns="0" tIns="0" rIns="0" bIns="0" anchor="ctr"/>
+          <a:lstStyle/>
+          <a:p>
+            <a:pPr>
+              <a:defRPr sz="11300">
+                <a:solidFill>
+                  <a:srgbClr val="FFFFFF"/>
+                </a:solidFill>
+              </a:defRPr>
+            </a:pPr>
+          </a:p>
+        </p:txBody>
+      </p:sp>
+      <p:sp>
+        <p:nvSpPr>
+          <p:cNvPr id="479" name="矢印"/>
+          <p:cNvSpPr/>
+          <p:nvPr/>
+        </p:nvSpPr>
+        <p:spPr>
+          <a:xfrm rot="5400000">
+            <a:off x="11824395" y="5506632"/>
+            <a:ext cx="735210" cy="428576"/>
+          </a:xfrm>
+          <a:prstGeom prst="rightArrow">
+            <a:avLst>
+              <a:gd name="adj1" fmla="val 47672"/>
+              <a:gd name="adj2" fmla="val 74766"/>
+            </a:avLst>
+          </a:prstGeom>
+          <a:solidFill>
+            <a:srgbClr val="000000"/>
+          </a:solidFill>
+          <a:ln w="12700">
+            <a:miter lim="400000"/>
+          </a:ln>
+        </p:spPr>
+        <p:txBody>
+          <a:bodyPr lIns="0" tIns="0" rIns="0" bIns="0" anchor="ctr"/>
+          <a:lstStyle/>
+          <a:p>
+            <a:pPr>
+              <a:defRPr sz="11300">
+                <a:solidFill>
+                  <a:srgbClr val="FFFFFF"/>
+                </a:solidFill>
+              </a:defRPr>
+            </a:pPr>
+          </a:p>
+        </p:txBody>
+      </p:sp>
+      <p:sp>
+        <p:nvSpPr>
+          <p:cNvPr id="480" name="矢印"/>
+          <p:cNvSpPr/>
+          <p:nvPr/>
+        </p:nvSpPr>
+        <p:spPr>
+          <a:xfrm rot="5400000">
+            <a:off x="11951395" y="5633632"/>
+            <a:ext cx="735210" cy="428576"/>
+          </a:xfrm>
+          <a:prstGeom prst="rightArrow">
+            <a:avLst>
+              <a:gd name="adj1" fmla="val 47672"/>
+              <a:gd name="adj2" fmla="val 74766"/>
+            </a:avLst>
+          </a:prstGeom>
+          <a:solidFill>
+            <a:srgbClr val="000000"/>
+          </a:solidFill>
+          <a:ln w="12700">
             <a:miter lim="400000"/>
           </a:ln>
         </p:spPr>
@@ -13576,7 +13821,7 @@
       </p:grpSpPr>
       <p:sp>
         <p:nvSpPr>
-          <p:cNvPr id="477" name="アクチン脱重合シミュレーション"/>
+          <p:cNvPr id="485" name="アクチン脱重合シミュレーション"/>
           <p:cNvSpPr txBox="1"/>
           <p:nvPr>
             <p:ph type="title"/>
@@ -13604,7 +13849,7 @@
       </p:sp>
       <p:grpSp>
         <p:nvGrpSpPr>
-          <p:cNvPr id="487" name="グループ"/>
+          <p:cNvPr id="495" name="グループ"/>
           <p:cNvGrpSpPr/>
           <p:nvPr/>
         </p:nvGrpSpPr>
@@ -13618,7 +13863,7 @@
         </p:grpSpPr>
         <p:sp>
           <p:nvSpPr>
-            <p:cNvPr id="478" name="線"/>
+            <p:cNvPr id="486" name="線"/>
             <p:cNvSpPr/>
             <p:nvPr/>
           </p:nvSpPr>
@@ -13658,7 +13903,7 @@
         </p:sp>
         <p:sp>
           <p:nvSpPr>
-            <p:cNvPr id="479" name="線"/>
+            <p:cNvPr id="487" name="線"/>
             <p:cNvSpPr/>
             <p:nvPr/>
           </p:nvSpPr>
@@ -13698,7 +13943,7 @@
         </p:sp>
         <p:sp>
           <p:nvSpPr>
-            <p:cNvPr id="480" name="線"/>
+            <p:cNvPr id="488" name="線"/>
             <p:cNvSpPr/>
             <p:nvPr/>
           </p:nvSpPr>
@@ -13738,7 +13983,7 @@
         </p:sp>
         <p:pic>
           <p:nvPicPr>
-            <p:cNvPr id="481" name="texclip20181128023718.png" descr="texclip20181128023718.png"/>
+            <p:cNvPr id="489" name="texclip20181128023718.png" descr="texclip20181128023718.png"/>
             <p:cNvPicPr>
               <a:picLocks noChangeAspect="0"/>
             </p:cNvPicPr>
@@ -13769,7 +14014,7 @@
         </p:pic>
         <p:pic>
           <p:nvPicPr>
-            <p:cNvPr id="482" name="texclip20181128023815.png" descr="texclip20181128023815.png"/>
+            <p:cNvPr id="490" name="texclip20181128023815.png" descr="texclip20181128023815.png"/>
             <p:cNvPicPr>
               <a:picLocks noChangeAspect="0"/>
             </p:cNvPicPr>
@@ -13801,7 +14046,7 @@
         </p:pic>
         <p:sp>
           <p:nvSpPr>
-            <p:cNvPr id="483" name="線"/>
+            <p:cNvPr id="491" name="線"/>
             <p:cNvSpPr/>
             <p:nvPr/>
           </p:nvSpPr>
@@ -13846,7 +14091,7 @@
         </p:sp>
         <p:sp>
           <p:nvSpPr>
-            <p:cNvPr id="484" name="線"/>
+            <p:cNvPr id="492" name="線"/>
             <p:cNvSpPr/>
             <p:nvPr/>
           </p:nvSpPr>
@@ -13891,7 +14136,7 @@
         </p:sp>
         <p:sp>
           <p:nvSpPr>
-            <p:cNvPr id="485" name="線"/>
+            <p:cNvPr id="493" name="線"/>
             <p:cNvSpPr/>
             <p:nvPr/>
           </p:nvSpPr>
@@ -13936,7 +14181,7 @@
         </p:sp>
         <p:sp>
           <p:nvSpPr>
-            <p:cNvPr id="486" name="線"/>
+            <p:cNvPr id="494" name="線"/>
             <p:cNvSpPr/>
             <p:nvPr/>
           </p:nvSpPr>
@@ -13981,7 +14226,7 @@
       </p:grpSp>
       <p:grpSp>
         <p:nvGrpSpPr>
-          <p:cNvPr id="492" name="グループ"/>
+          <p:cNvPr id="500" name="グループ"/>
           <p:cNvGrpSpPr/>
           <p:nvPr/>
         </p:nvGrpSpPr>
@@ -13995,7 +14240,7 @@
         </p:grpSpPr>
         <p:sp>
           <p:nvSpPr>
-            <p:cNvPr id="497" name="接続の線"/>
+            <p:cNvPr id="507" name="接続の線"/>
             <p:cNvSpPr/>
             <p:nvPr/>
           </p:nvSpPr>
@@ -14054,7 +14299,7 @@
         </p:sp>
         <p:sp>
           <p:nvSpPr>
-            <p:cNvPr id="489" name="脱重合の収縮度を示す関数"/>
+            <p:cNvPr id="497" name="脱重合の収縮度を示す関数"/>
             <p:cNvSpPr txBox="1"/>
             <p:nvPr/>
           </p:nvSpPr>
@@ -14105,7 +14350,7 @@
         </p:sp>
         <p:pic>
           <p:nvPicPr>
-            <p:cNvPr id="490" name="texclip20190213165852.png" descr="texclip20190213165852.png"/>
+            <p:cNvPr id="498" name="texclip20190213165852.png" descr="texclip20190213165852.png"/>
             <p:cNvPicPr>
               <a:picLocks noChangeAspect="1"/>
             </p:cNvPicPr>
@@ -14137,7 +14382,7 @@
         </p:pic>
         <p:pic>
           <p:nvPicPr>
-            <p:cNvPr id="491" name="texclip20190213222417.png" descr="texclip20190213222417.png"/>
+            <p:cNvPr id="499" name="texclip20190213222417.png" descr="texclip20190213222417.png"/>
             <p:cNvPicPr>
               <a:picLocks noChangeAspect="1"/>
             </p:cNvPicPr>
@@ -14169,7 +14414,7 @@
       </p:grpSp>
       <p:sp>
         <p:nvSpPr>
-          <p:cNvPr id="493" name="初期状態では長さ０"/>
+          <p:cNvPr id="501" name="初期状態では長さ０"/>
           <p:cNvSpPr txBox="1"/>
           <p:nvPr/>
         </p:nvSpPr>
@@ -14217,14 +14462,14 @@
       </p:sp>
       <p:sp>
         <p:nvSpPr>
-          <p:cNvPr id="494" name="確率的に収縮"/>
+          <p:cNvPr id="502" name="確率的に収縮"/>
           <p:cNvSpPr txBox="1"/>
           <p:nvPr/>
         </p:nvSpPr>
         <p:spPr>
           <a:xfrm>
-            <a:off x="10428307" y="6911583"/>
-            <a:ext cx="4533901" cy="838201"/>
+            <a:off x="3961412" y="7284205"/>
+            <a:ext cx="4533901" cy="838200"/>
           </a:xfrm>
           <a:prstGeom prst="rect">
             <a:avLst/>
@@ -14265,7 +14510,7 @@
       </p:sp>
       <p:sp>
         <p:nvSpPr>
-          <p:cNvPr id="495" name="矢印"/>
+          <p:cNvPr id="503" name="矢印"/>
           <p:cNvSpPr/>
           <p:nvPr/>
         </p:nvSpPr>
@@ -14303,7 +14548,7 @@
       </p:sp>
       <p:pic>
         <p:nvPicPr>
-          <p:cNvPr id="496" name="texclip20181128024659.png" descr="texclip20181128024659.png"/>
+          <p:cNvPr id="504" name="texclip20181128024659.png" descr="texclip20181128024659.png"/>
           <p:cNvPicPr>
             <a:picLocks noChangeAspect="1"/>
           </p:cNvPicPr>
@@ -14331,6 +14576,82 @@
           </a:ln>
         </p:spPr>
       </p:pic>
+      <p:sp>
+        <p:nvSpPr>
+          <p:cNvPr id="505" name="矢印"/>
+          <p:cNvSpPr/>
+          <p:nvPr/>
+        </p:nvSpPr>
+        <p:spPr>
+          <a:xfrm rot="5400000">
+            <a:off x="11824395" y="5506632"/>
+            <a:ext cx="735210" cy="428576"/>
+          </a:xfrm>
+          <a:prstGeom prst="rightArrow">
+            <a:avLst>
+              <a:gd name="adj1" fmla="val 47672"/>
+              <a:gd name="adj2" fmla="val 74766"/>
+            </a:avLst>
+          </a:prstGeom>
+          <a:solidFill>
+            <a:srgbClr val="000000"/>
+          </a:solidFill>
+          <a:ln w="12700">
+            <a:miter lim="400000"/>
+          </a:ln>
+        </p:spPr>
+        <p:txBody>
+          <a:bodyPr lIns="0" tIns="0" rIns="0" bIns="0" anchor="ctr"/>
+          <a:lstStyle/>
+          <a:p>
+            <a:pPr>
+              <a:defRPr sz="11300">
+                <a:solidFill>
+                  <a:srgbClr val="FFFFFF"/>
+                </a:solidFill>
+              </a:defRPr>
+            </a:pPr>
+          </a:p>
+        </p:txBody>
+      </p:sp>
+      <p:sp>
+        <p:nvSpPr>
+          <p:cNvPr id="506" name="矢印"/>
+          <p:cNvSpPr/>
+          <p:nvPr/>
+        </p:nvSpPr>
+        <p:spPr>
+          <a:xfrm rot="5400000">
+            <a:off x="11824395" y="7583512"/>
+            <a:ext cx="735210" cy="428576"/>
+          </a:xfrm>
+          <a:prstGeom prst="rightArrow">
+            <a:avLst>
+              <a:gd name="adj1" fmla="val 47672"/>
+              <a:gd name="adj2" fmla="val 74766"/>
+            </a:avLst>
+          </a:prstGeom>
+          <a:solidFill>
+            <a:srgbClr val="000000"/>
+          </a:solidFill>
+          <a:ln w="12700">
+            <a:miter lim="400000"/>
+          </a:ln>
+        </p:spPr>
+        <p:txBody>
+          <a:bodyPr lIns="0" tIns="0" rIns="0" bIns="0" anchor="ctr"/>
+          <a:lstStyle/>
+          <a:p>
+            <a:pPr>
+              <a:defRPr sz="11300">
+                <a:solidFill>
+                  <a:srgbClr val="FFFFFF"/>
+                </a:solidFill>
+              </a:defRPr>
+            </a:pPr>
+          </a:p>
+        </p:txBody>
+      </p:sp>
     </p:spTree>
   </p:cSld>
   <p:clrMapOvr>
@@ -14359,7 +14680,7 @@
       </p:grpSpPr>
       <p:pic>
         <p:nvPicPr>
-          <p:cNvPr id="499" name="スクリーンショット 2019-02-12 15.59.44.png" descr="スクリーンショット 2019-02-12 15.59.44.png"/>
+          <p:cNvPr id="509" name="スクリーンショット 2019-02-12 15.59.44.png" descr="スクリーンショット 2019-02-12 15.59.44.png"/>
           <p:cNvPicPr>
             <a:picLocks noChangeAspect="1"/>
           </p:cNvPicPr>
@@ -14389,7 +14710,7 @@
       </p:pic>
       <p:pic>
         <p:nvPicPr>
-          <p:cNvPr id="500" name="スクリーンショット 2019-02-12 15.59.44.png" descr="スクリーンショット 2019-02-12 15.59.44.png"/>
+          <p:cNvPr id="510" name="スクリーンショット 2019-02-12 15.59.44.png" descr="スクリーンショット 2019-02-12 15.59.44.png"/>
           <p:cNvPicPr>
             <a:picLocks noChangeAspect="1"/>
           </p:cNvPicPr>
@@ -14419,7 +14740,7 @@
       </p:pic>
       <p:pic>
         <p:nvPicPr>
-          <p:cNvPr id="501" name="top.pdf" descr="top.pdf"/>
+          <p:cNvPr id="511" name="top.pdf" descr="top.pdf"/>
           <p:cNvPicPr>
             <a:picLocks noChangeAspect="1"/>
           </p:cNvPicPr>
@@ -14450,7 +14771,7 @@
       </p:pic>
       <p:sp>
         <p:nvSpPr>
-          <p:cNvPr id="502" name="ARFシミュレーション"/>
+          <p:cNvPr id="512" name="ARFシミュレーション"/>
           <p:cNvSpPr txBox="1"/>
           <p:nvPr>
             <p:ph type="title"/>
@@ -14474,7 +14795,7 @@
       </p:sp>
       <p:sp>
         <p:nvSpPr>
-          <p:cNvPr id="503" name="円形"/>
+          <p:cNvPr id="513" name="円形"/>
           <p:cNvSpPr/>
           <p:nvPr/>
         </p:nvSpPr>
@@ -14509,7 +14830,7 @@
       </p:sp>
       <p:sp>
         <p:nvSpPr>
-          <p:cNvPr id="504" name="円形"/>
+          <p:cNvPr id="514" name="円形"/>
           <p:cNvSpPr/>
           <p:nvPr/>
         </p:nvSpPr>
@@ -14544,7 +14865,7 @@
       </p:sp>
       <p:sp>
         <p:nvSpPr>
-          <p:cNvPr id="505" name="線"/>
+          <p:cNvPr id="515" name="線"/>
           <p:cNvSpPr/>
           <p:nvPr/>
         </p:nvSpPr>
@@ -14584,7 +14905,7 @@
       </p:sp>
       <p:sp>
         <p:nvSpPr>
-          <p:cNvPr id="506" name="線"/>
+          <p:cNvPr id="516" name="線"/>
           <p:cNvSpPr/>
           <p:nvPr/>
         </p:nvSpPr>
@@ -14624,7 +14945,7 @@
       </p:sp>
       <p:sp>
         <p:nvSpPr>
-          <p:cNvPr id="507" name="線"/>
+          <p:cNvPr id="517" name="線"/>
           <p:cNvSpPr/>
           <p:nvPr/>
         </p:nvSpPr>
@@ -14664,7 +14985,7 @@
       </p:sp>
       <p:sp>
         <p:nvSpPr>
-          <p:cNvPr id="508" name="線"/>
+          <p:cNvPr id="518" name="線"/>
           <p:cNvSpPr/>
           <p:nvPr/>
         </p:nvSpPr>
@@ -14704,7 +15025,7 @@
       </p:sp>
       <p:sp>
         <p:nvSpPr>
-          <p:cNvPr id="509" name="線"/>
+          <p:cNvPr id="519" name="線"/>
           <p:cNvSpPr/>
           <p:nvPr/>
         </p:nvSpPr>
@@ -14744,7 +15065,7 @@
       </p:sp>
       <p:sp>
         <p:nvSpPr>
-          <p:cNvPr id="510" name="線"/>
+          <p:cNvPr id="520" name="線"/>
           <p:cNvSpPr/>
           <p:nvPr/>
         </p:nvSpPr>
@@ -14784,7 +15105,7 @@
       </p:sp>
       <p:sp>
         <p:nvSpPr>
-          <p:cNvPr id="511" name="四角形"/>
+          <p:cNvPr id="521" name="四角形"/>
           <p:cNvSpPr/>
           <p:nvPr/>
         </p:nvSpPr>
@@ -14819,7 +15140,7 @@
       </p:sp>
       <p:grpSp>
         <p:nvGrpSpPr>
-          <p:cNvPr id="515" name="グループ"/>
+          <p:cNvPr id="525" name="グループ"/>
           <p:cNvGrpSpPr/>
           <p:nvPr/>
         </p:nvGrpSpPr>
@@ -14833,7 +15154,7 @@
         </p:grpSpPr>
         <p:sp>
           <p:nvSpPr>
-            <p:cNvPr id="512" name="四角形"/>
+            <p:cNvPr id="522" name="四角形"/>
             <p:cNvSpPr/>
             <p:nvPr/>
           </p:nvSpPr>
@@ -14877,7 +15198,7 @@
         </p:sp>
         <p:sp>
           <p:nvSpPr>
-            <p:cNvPr id="513" name="四角形"/>
+            <p:cNvPr id="523" name="四角形"/>
             <p:cNvSpPr/>
             <p:nvPr/>
           </p:nvSpPr>
@@ -14921,7 +15242,7 @@
         </p:sp>
         <p:pic>
           <p:nvPicPr>
-            <p:cNvPr id="514" name="texclip20190213230443.png" descr="texclip20190213230443.png"/>
+            <p:cNvPr id="524" name="texclip20190213230443.png" descr="texclip20190213230443.png"/>
             <p:cNvPicPr>
               <a:picLocks noChangeAspect="1"/>
             </p:cNvPicPr>
@@ -14953,7 +15274,7 @@
       </p:grpSp>
       <p:sp>
         <p:nvSpPr>
-          <p:cNvPr id="516" name="ストレスファイバ方向へのアクチンの移動をストレスファイバ両端２点からの引きつけで表現"/>
+          <p:cNvPr id="526" name="ストレスファイバ方向へのアクチンの移動をストレスファイバ両端２点からの引きつけで表現"/>
           <p:cNvSpPr txBox="1"/>
           <p:nvPr/>
         </p:nvSpPr>
@@ -15001,14 +15322,14 @@
       </p:sp>
       <p:sp>
         <p:nvSpPr>
-          <p:cNvPr id="517" name="アクチン分子の先端の更新式"/>
+          <p:cNvPr id="527" name="アクチン分子の先端の位置更新式"/>
           <p:cNvSpPr txBox="1"/>
           <p:nvPr/>
         </p:nvSpPr>
         <p:spPr>
           <a:xfrm>
             <a:off x="855912" y="9015364"/>
-            <a:ext cx="12624531" cy="838200"/>
+            <a:ext cx="12624530" cy="838200"/>
           </a:xfrm>
           <a:prstGeom prst="rect">
             <a:avLst/>
@@ -15042,14 +15363,14 @@
           <a:p>
             <a:pPr/>
             <a:r>
-              <a:t>アクチン分子の先端の更新式</a:t>
+              <a:t>アクチン分子の先端の位置更新式</a:t>
             </a:r>
           </a:p>
         </p:txBody>
       </p:sp>
       <p:sp>
         <p:nvSpPr>
-          <p:cNvPr id="518" name="線"/>
+          <p:cNvPr id="528" name="線"/>
           <p:cNvSpPr/>
           <p:nvPr/>
         </p:nvSpPr>
@@ -15088,7 +15409,7 @@
       </p:sp>
       <p:sp>
         <p:nvSpPr>
-          <p:cNvPr id="519" name="線"/>
+          <p:cNvPr id="529" name="線"/>
           <p:cNvSpPr/>
           <p:nvPr/>
         </p:nvSpPr>
@@ -15127,7 +15448,7 @@
       </p:sp>
       <p:pic>
         <p:nvPicPr>
-          <p:cNvPr id="520" name="線" descr="線"/>
+          <p:cNvPr id="530" name="線" descr="線"/>
           <p:cNvPicPr>
             <a:picLocks noChangeAspect="0"/>
           </p:cNvPicPr>
@@ -15153,7 +15474,7 @@
       </p:pic>
       <p:sp>
         <p:nvSpPr>
-          <p:cNvPr id="522" name="線"/>
+          <p:cNvPr id="532" name="線"/>
           <p:cNvSpPr/>
           <p:nvPr/>
         </p:nvSpPr>
@@ -15190,14 +15511,14 @@
       </p:sp>
       <p:sp>
         <p:nvSpPr>
-          <p:cNvPr id="523" name="1/5"/>
+          <p:cNvPr id="533" name="1/5"/>
           <p:cNvSpPr txBox="1"/>
           <p:nvPr/>
         </p:nvSpPr>
         <p:spPr>
           <a:xfrm>
-            <a:off x="15585439" y="6809734"/>
-            <a:ext cx="854965" cy="482600"/>
+            <a:off x="15400273" y="6711309"/>
+            <a:ext cx="1225297" cy="679450"/>
           </a:xfrm>
           <a:prstGeom prst="rect">
             <a:avLst/>
@@ -15215,7 +15536,19 @@
           <a:bodyPr wrap="none" lIns="50800" tIns="50800" rIns="50800" bIns="50800" anchor="ctr">
             <a:spAutoFit/>
           </a:bodyPr>
-          <a:lstStyle/>
+          <a:lstStyle>
+            <a:lvl1pPr>
+              <a:defRPr sz="4500">
+                <a:solidFill>
+                  <a:schemeClr val="accent4">
+                    <a:hueOff val="-1081314"/>
+                    <a:satOff val="4338"/>
+                    <a:lumOff val="-8931"/>
+                  </a:schemeClr>
+                </a:solidFill>
+              </a:defRPr>
+            </a:lvl1pPr>
+          </a:lstStyle>
           <a:p>
             <a:pPr/>
             <a:r>
@@ -15252,7 +15585,7 @@
       </p:grpSpPr>
       <p:pic>
         <p:nvPicPr>
-          <p:cNvPr id="525" name="スクリーンショット 2019-02-12 15.59.44.png" descr="スクリーンショット 2019-02-12 15.59.44.png"/>
+          <p:cNvPr id="535" name="スクリーンショット 2019-02-12 15.59.44.png" descr="スクリーンショット 2019-02-12 15.59.44.png"/>
           <p:cNvPicPr>
             <a:picLocks noChangeAspect="1"/>
           </p:cNvPicPr>
@@ -15282,7 +15615,7 @@
       </p:pic>
       <p:pic>
         <p:nvPicPr>
-          <p:cNvPr id="526" name="スクリーンショット 2019-02-12 15.59.44.png" descr="スクリーンショット 2019-02-12 15.59.44.png"/>
+          <p:cNvPr id="536" name="スクリーンショット 2019-02-12 15.59.44.png" descr="スクリーンショット 2019-02-12 15.59.44.png"/>
           <p:cNvPicPr>
             <a:picLocks noChangeAspect="1"/>
           </p:cNvPicPr>
@@ -15312,7 +15645,7 @@
       </p:pic>
       <p:pic>
         <p:nvPicPr>
-          <p:cNvPr id="527" name="top.pdf" descr="top.pdf"/>
+          <p:cNvPr id="537" name="top.pdf" descr="top.pdf"/>
           <p:cNvPicPr>
             <a:picLocks noChangeAspect="1"/>
           </p:cNvPicPr>
@@ -15343,7 +15676,7 @@
       </p:pic>
       <p:pic>
         <p:nvPicPr>
-          <p:cNvPr id="528" name="スクリーンショット 2019-02-12 15.59.44.png" descr="スクリーンショット 2019-02-12 15.59.44.png"/>
+          <p:cNvPr id="538" name="スクリーンショット 2019-02-12 15.59.44.png" descr="スクリーンショット 2019-02-12 15.59.44.png"/>
           <p:cNvPicPr>
             <a:picLocks noChangeAspect="1"/>
           </p:cNvPicPr>
@@ -15361,7 +15694,7 @@
         <p:spPr>
           <a:xfrm>
             <a:off x="769047" y="3897532"/>
-            <a:ext cx="13720235" cy="2239809"/>
+            <a:ext cx="13720234" cy="2239809"/>
           </a:xfrm>
           <a:prstGeom prst="rect">
             <a:avLst/>
@@ -15373,7 +15706,7 @@
       </p:pic>
       <p:pic>
         <p:nvPicPr>
-          <p:cNvPr id="529" name="スクリーンショット 2019-02-12 15.59.44.png" descr="スクリーンショット 2019-02-12 15.59.44.png"/>
+          <p:cNvPr id="539" name="スクリーンショット 2019-02-12 15.59.44.png" descr="スクリーンショット 2019-02-12 15.59.44.png"/>
           <p:cNvPicPr>
             <a:picLocks noChangeAspect="1"/>
           </p:cNvPicPr>
@@ -15403,7 +15736,7 @@
       </p:pic>
       <p:sp>
         <p:nvSpPr>
-          <p:cNvPr id="530" name="= ２：SFに近いアクチン分子ほど強く引く(距離依存ARF)"/>
+          <p:cNvPr id="540" name="= ２：SFに近いアクチン分子ほど強く引く(距離依存ARF)"/>
           <p:cNvSpPr txBox="1"/>
           <p:nvPr/>
         </p:nvSpPr>
@@ -15451,7 +15784,7 @@
       </p:sp>
       <p:sp>
         <p:nvSpPr>
-          <p:cNvPr id="531" name="ARFによる牽引効果"/>
+          <p:cNvPr id="541" name="ARFによる牽引効果"/>
           <p:cNvSpPr txBox="1"/>
           <p:nvPr>
             <p:ph type="title"/>
@@ -15475,7 +15808,7 @@
       </p:sp>
       <p:sp>
         <p:nvSpPr>
-          <p:cNvPr id="532" name="線"/>
+          <p:cNvPr id="542" name="線"/>
           <p:cNvSpPr/>
           <p:nvPr/>
         </p:nvSpPr>
@@ -15511,7 +15844,7 @@
       </p:sp>
       <p:sp>
         <p:nvSpPr>
-          <p:cNvPr id="533" name="線"/>
+          <p:cNvPr id="543" name="線"/>
           <p:cNvSpPr/>
           <p:nvPr/>
         </p:nvSpPr>
@@ -15547,7 +15880,7 @@
       </p:sp>
       <p:sp>
         <p:nvSpPr>
-          <p:cNvPr id="534" name="線"/>
+          <p:cNvPr id="544" name="線"/>
           <p:cNvSpPr/>
           <p:nvPr/>
         </p:nvSpPr>
@@ -15583,7 +15916,7 @@
       </p:sp>
       <p:sp>
         <p:nvSpPr>
-          <p:cNvPr id="535" name="線"/>
+          <p:cNvPr id="545" name="線"/>
           <p:cNvSpPr/>
           <p:nvPr/>
         </p:nvSpPr>
@@ -15619,7 +15952,7 @@
       </p:sp>
       <p:sp>
         <p:nvSpPr>
-          <p:cNvPr id="536" name="線"/>
+          <p:cNvPr id="546" name="線"/>
           <p:cNvSpPr/>
           <p:nvPr/>
         </p:nvSpPr>
@@ -15655,7 +15988,7 @@
       </p:sp>
       <p:sp>
         <p:nvSpPr>
-          <p:cNvPr id="537" name="線"/>
+          <p:cNvPr id="547" name="線"/>
           <p:cNvSpPr/>
           <p:nvPr/>
         </p:nvSpPr>
@@ -15691,7 +16024,7 @@
       </p:sp>
       <p:sp>
         <p:nvSpPr>
-          <p:cNvPr id="538" name="線"/>
+          <p:cNvPr id="548" name="線"/>
           <p:cNvSpPr/>
           <p:nvPr/>
         </p:nvSpPr>
@@ -15727,7 +16060,7 @@
       </p:sp>
       <p:sp>
         <p:nvSpPr>
-          <p:cNvPr id="539" name="線"/>
+          <p:cNvPr id="549" name="線"/>
           <p:cNvSpPr/>
           <p:nvPr/>
         </p:nvSpPr>
@@ -15763,7 +16096,7 @@
       </p:sp>
       <p:sp>
         <p:nvSpPr>
-          <p:cNvPr id="540" name="線"/>
+          <p:cNvPr id="550" name="線"/>
           <p:cNvSpPr/>
           <p:nvPr/>
         </p:nvSpPr>
@@ -15799,7 +16132,7 @@
       </p:sp>
       <p:sp>
         <p:nvSpPr>
-          <p:cNvPr id="541" name="線"/>
+          <p:cNvPr id="551" name="線"/>
           <p:cNvSpPr/>
           <p:nvPr/>
         </p:nvSpPr>
@@ -15835,7 +16168,7 @@
       </p:sp>
       <p:sp>
         <p:nvSpPr>
-          <p:cNvPr id="542" name="円形"/>
+          <p:cNvPr id="552" name="円形"/>
           <p:cNvSpPr/>
           <p:nvPr/>
         </p:nvSpPr>
@@ -15870,7 +16203,7 @@
       </p:sp>
       <p:sp>
         <p:nvSpPr>
-          <p:cNvPr id="543" name="円形"/>
+          <p:cNvPr id="553" name="円形"/>
           <p:cNvSpPr/>
           <p:nvPr/>
         </p:nvSpPr>
@@ -15905,7 +16238,7 @@
       </p:sp>
       <p:sp>
         <p:nvSpPr>
-          <p:cNvPr id="544" name="線"/>
+          <p:cNvPr id="554" name="線"/>
           <p:cNvSpPr/>
           <p:nvPr/>
         </p:nvSpPr>
@@ -15945,7 +16278,7 @@
       </p:sp>
       <p:sp>
         <p:nvSpPr>
-          <p:cNvPr id="545" name="線"/>
+          <p:cNvPr id="555" name="線"/>
           <p:cNvSpPr/>
           <p:nvPr/>
         </p:nvSpPr>
@@ -15967,6 +16300,41 @@
             </a:solidFill>
             <a:miter lim="400000"/>
             <a:tailEnd type="oval"/>
+          </a:ln>
+        </p:spPr>
+        <p:txBody>
+          <a:bodyPr lIns="0" tIns="0" rIns="0" bIns="0" anchor="ctr"/>
+          <a:lstStyle/>
+          <a:p>
+            <a:pPr>
+              <a:defRPr sz="11300">
+                <a:solidFill>
+                  <a:srgbClr val="FFFFFF"/>
+                </a:solidFill>
+              </a:defRPr>
+            </a:pPr>
+          </a:p>
+        </p:txBody>
+      </p:sp>
+      <p:sp>
+        <p:nvSpPr>
+          <p:cNvPr id="556" name="四角形"/>
+          <p:cNvSpPr/>
+          <p:nvPr/>
+        </p:nvSpPr>
+        <p:spPr>
+          <a:xfrm>
+            <a:off x="12812338" y="4844220"/>
+            <a:ext cx="444501" cy="809725"/>
+          </a:xfrm>
+          <a:prstGeom prst="rect">
+            <a:avLst/>
+          </a:prstGeom>
+          <a:solidFill>
+            <a:srgbClr val="FFFFFF"/>
+          </a:solidFill>
+          <a:ln w="12700">
+            <a:miter lim="400000"/>
           </a:ln>
         </p:spPr>
         <p:txBody>
@@ -16140,7 +16508,7 @@
         <p:spPr>
           <a:xfrm>
             <a:off x="3475843" y="3421252"/>
-            <a:ext cx="7443461" cy="2692400"/>
+            <a:ext cx="7443461" cy="2692401"/>
           </a:xfrm>
           <a:prstGeom prst="rect">
             <a:avLst/>
@@ -16180,14 +16548,14 @@
       </p:sp>
       <p:sp>
         <p:nvSpPr>
-          <p:cNvPr id="126" name="魚の鱗上に存在する表皮細胞…"/>
+          <p:cNvPr id="126" name="土壌表層に広く分布する微生物…"/>
           <p:cNvSpPr txBox="1"/>
           <p:nvPr/>
         </p:nvSpPr>
         <p:spPr>
           <a:xfrm>
-            <a:off x="1909259" y="6310628"/>
-            <a:ext cx="11576496" cy="6400801"/>
+            <a:off x="1909259" y="7415529"/>
+            <a:ext cx="11576496" cy="4191000"/>
           </a:xfrm>
           <a:prstGeom prst="rect">
             <a:avLst/>
@@ -16213,50 +16581,45 @@
             <a:pPr marL="767291" indent="-767291" algn="just">
               <a:buSzPct val="125000"/>
               <a:buChar char="•"/>
-              <a:defRPr sz="5800"/>
+              <a:defRPr sz="5800">
+                <a:latin typeface="+mn-lt"/>
+                <a:ea typeface="+mn-ea"/>
+                <a:cs typeface="+mn-cs"/>
+                <a:sym typeface="ヒラギノ角ゴ ProN W3"/>
+              </a:defRPr>
             </a:pPr>
             <a:r>
-              <a:t>魚の鱗上に存在する表皮細胞</a:t>
+              <a:t>土壌表層に広く分布する微生物</a:t>
             </a:r>
           </a:p>
           <a:p>
             <a:pPr marL="767291" indent="-767291" algn="just">
               <a:buSzPct val="125000"/>
               <a:buChar char="•"/>
-              <a:defRPr sz="5800"/>
+              <a:defRPr sz="5800">
+                <a:latin typeface="+mn-lt"/>
+                <a:ea typeface="+mn-ea"/>
+                <a:cs typeface="+mn-cs"/>
+                <a:sym typeface="ヒラギノ角ゴ ProN W3"/>
+              </a:defRPr>
             </a:pPr>
             <a:r>
-              <a:t>皮膚が創傷を受けると創傷箇所へ移動</a:t>
+              <a:t>アメーバ運動により移動</a:t>
             </a:r>
           </a:p>
           <a:p>
             <a:pPr marL="767291" indent="-767291" algn="just">
               <a:buSzPct val="125000"/>
               <a:buChar char="•"/>
-              <a:defRPr sz="5800"/>
+              <a:defRPr sz="5800">
+                <a:latin typeface="+mn-lt"/>
+                <a:ea typeface="+mn-ea"/>
+                <a:cs typeface="+mn-cs"/>
+                <a:sym typeface="ヒラギノ角ゴ ProN W3"/>
+              </a:defRPr>
             </a:pPr>
             <a:r>
-              <a:t>特徴的なアメーバ運動</a:t>
-            </a:r>
-          </a:p>
-          <a:p>
-            <a:pPr lvl="1" marL="1402291" indent="-767291" algn="just">
-              <a:buSzPct val="125000"/>
-              <a:buChar char="•"/>
-              <a:defRPr sz="5800"/>
-            </a:pPr>
-            <a:r>
-              <a:t>通常時：立方体</a:t>
-            </a:r>
-          </a:p>
-          <a:p>
-            <a:pPr lvl="1" marL="1402291" indent="-767291" algn="just">
-              <a:buSzPct val="125000"/>
-              <a:buChar char="•"/>
-              <a:defRPr sz="5800"/>
-            </a:pPr>
-            <a:r>
-              <a:t>遊走時：半月状</a:t>
+              <a:t>前端の伸長および後端の収縮によるミクロな形状変化な連続</a:t>
             </a:r>
           </a:p>
         </p:txBody>
@@ -16366,7 +16729,7 @@
       </p:grpSpPr>
       <p:sp>
         <p:nvSpPr>
-          <p:cNvPr id="547" name="ARFによる牽引効果"/>
+          <p:cNvPr id="558" name="ARFによる牽引効果"/>
           <p:cNvSpPr txBox="1"/>
           <p:nvPr>
             <p:ph type="title"/>
@@ -16390,7 +16753,7 @@
       </p:sp>
       <p:pic>
         <p:nvPicPr>
-          <p:cNvPr id="548" name="スクリーンショット 2019-02-12 15.59.44.png" descr="スクリーンショット 2019-02-12 15.59.44.png"/>
+          <p:cNvPr id="559" name="スクリーンショット 2019-02-12 15.59.44.png" descr="スクリーンショット 2019-02-12 15.59.44.png"/>
           <p:cNvPicPr>
             <a:picLocks noChangeAspect="1"/>
           </p:cNvPicPr>
@@ -16420,7 +16783,7 @@
       </p:pic>
       <p:sp>
         <p:nvSpPr>
-          <p:cNvPr id="549" name="= １：各アクチン分子を一様に引く(距離非依存ARF)"/>
+          <p:cNvPr id="560" name="= １：各アクチン分子を一様に引く(距離非依存ARF)"/>
           <p:cNvSpPr txBox="1"/>
           <p:nvPr/>
         </p:nvSpPr>
@@ -16468,7 +16831,7 @@
       </p:sp>
       <p:pic>
         <p:nvPicPr>
-          <p:cNvPr id="550" name="スクリーンショット 2019-02-12 15.59.44.png" descr="スクリーンショット 2019-02-12 15.59.44.png"/>
+          <p:cNvPr id="561" name="スクリーンショット 2019-02-12 15.59.44.png" descr="スクリーンショット 2019-02-12 15.59.44.png"/>
           <p:cNvPicPr>
             <a:picLocks noChangeAspect="1"/>
           </p:cNvPicPr>
@@ -16498,7 +16861,7 @@
       </p:pic>
       <p:pic>
         <p:nvPicPr>
-          <p:cNvPr id="551" name="スクリーンショット 2019-02-12 15.59.44.png" descr="スクリーンショット 2019-02-12 15.59.44.png"/>
+          <p:cNvPr id="562" name="スクリーンショット 2019-02-12 15.59.44.png" descr="スクリーンショット 2019-02-12 15.59.44.png"/>
           <p:cNvPicPr>
             <a:picLocks noChangeAspect="1"/>
           </p:cNvPicPr>
@@ -16528,7 +16891,7 @@
       </p:pic>
       <p:pic>
         <p:nvPicPr>
-          <p:cNvPr id="552" name="top.pdf" descr="top.pdf"/>
+          <p:cNvPr id="563" name="top.pdf" descr="top.pdf"/>
           <p:cNvPicPr>
             <a:picLocks noChangeAspect="1"/>
           </p:cNvPicPr>
@@ -16559,7 +16922,7 @@
       </p:pic>
       <p:sp>
         <p:nvSpPr>
-          <p:cNvPr id="553" name="線"/>
+          <p:cNvPr id="564" name="線"/>
           <p:cNvSpPr/>
           <p:nvPr/>
         </p:nvSpPr>
@@ -16595,7 +16958,7 @@
       </p:sp>
       <p:sp>
         <p:nvSpPr>
-          <p:cNvPr id="554" name="線"/>
+          <p:cNvPr id="565" name="線"/>
           <p:cNvSpPr/>
           <p:nvPr/>
         </p:nvSpPr>
@@ -16631,7 +16994,7 @@
       </p:sp>
       <p:sp>
         <p:nvSpPr>
-          <p:cNvPr id="555" name="線"/>
+          <p:cNvPr id="566" name="線"/>
           <p:cNvSpPr/>
           <p:nvPr/>
         </p:nvSpPr>
@@ -16667,7 +17030,7 @@
       </p:sp>
       <p:sp>
         <p:nvSpPr>
-          <p:cNvPr id="556" name="線"/>
+          <p:cNvPr id="567" name="線"/>
           <p:cNvSpPr/>
           <p:nvPr/>
         </p:nvSpPr>
@@ -16703,7 +17066,7 @@
       </p:sp>
       <p:sp>
         <p:nvSpPr>
-          <p:cNvPr id="557" name="線"/>
+          <p:cNvPr id="568" name="線"/>
           <p:cNvSpPr/>
           <p:nvPr/>
         </p:nvSpPr>
@@ -16739,7 +17102,7 @@
       </p:sp>
       <p:sp>
         <p:nvSpPr>
-          <p:cNvPr id="558" name="線"/>
+          <p:cNvPr id="569" name="線"/>
           <p:cNvSpPr/>
           <p:nvPr/>
         </p:nvSpPr>
@@ -16775,7 +17138,7 @@
       </p:sp>
       <p:sp>
         <p:nvSpPr>
-          <p:cNvPr id="559" name="線"/>
+          <p:cNvPr id="570" name="線"/>
           <p:cNvSpPr/>
           <p:nvPr/>
         </p:nvSpPr>
@@ -16811,7 +17174,7 @@
       </p:sp>
       <p:sp>
         <p:nvSpPr>
-          <p:cNvPr id="560" name="線"/>
+          <p:cNvPr id="571" name="線"/>
           <p:cNvSpPr/>
           <p:nvPr/>
         </p:nvSpPr>
@@ -16847,7 +17210,7 @@
       </p:sp>
       <p:sp>
         <p:nvSpPr>
-          <p:cNvPr id="561" name="線"/>
+          <p:cNvPr id="572" name="線"/>
           <p:cNvSpPr/>
           <p:nvPr/>
         </p:nvSpPr>
@@ -16883,7 +17246,7 @@
       </p:sp>
       <p:sp>
         <p:nvSpPr>
-          <p:cNvPr id="562" name="円形"/>
+          <p:cNvPr id="573" name="円形"/>
           <p:cNvSpPr/>
           <p:nvPr/>
         </p:nvSpPr>
@@ -16918,7 +17281,7 @@
       </p:sp>
       <p:sp>
         <p:nvSpPr>
-          <p:cNvPr id="563" name="円形"/>
+          <p:cNvPr id="574" name="円形"/>
           <p:cNvSpPr/>
           <p:nvPr/>
         </p:nvSpPr>
@@ -16953,7 +17316,7 @@
       </p:sp>
       <p:sp>
         <p:nvSpPr>
-          <p:cNvPr id="564" name="線"/>
+          <p:cNvPr id="575" name="線"/>
           <p:cNvSpPr/>
           <p:nvPr/>
         </p:nvSpPr>
@@ -16993,7 +17356,7 @@
       </p:sp>
       <p:sp>
         <p:nvSpPr>
-          <p:cNvPr id="565" name="線"/>
+          <p:cNvPr id="576" name="線"/>
           <p:cNvSpPr/>
           <p:nvPr/>
         </p:nvSpPr>
@@ -17029,7 +17392,7 @@
       </p:sp>
       <p:sp>
         <p:nvSpPr>
-          <p:cNvPr id="566" name="線"/>
+          <p:cNvPr id="577" name="線"/>
           <p:cNvSpPr/>
           <p:nvPr/>
         </p:nvSpPr>
@@ -17069,7 +17432,7 @@
       </p:sp>
       <p:pic>
         <p:nvPicPr>
-          <p:cNvPr id="567" name="スクリーンショット 2019-02-12 15.59.44.png" descr="スクリーンショット 2019-02-12 15.59.44.png"/>
+          <p:cNvPr id="578" name="スクリーンショット 2019-02-12 15.59.44.png" descr="スクリーンショット 2019-02-12 15.59.44.png"/>
           <p:cNvPicPr>
             <a:picLocks noChangeAspect="1"/>
           </p:cNvPicPr>
@@ -17099,7 +17462,7 @@
       </p:pic>
       <p:sp>
         <p:nvSpPr>
-          <p:cNvPr id="568" name="= ２：SFに近いアクチン分子ほど強く引く(距離依存ARF)"/>
+          <p:cNvPr id="579" name="= ２：SFに近いアクチン分子ほど強く引く(距離依存ARF)"/>
           <p:cNvSpPr txBox="1"/>
           <p:nvPr/>
         </p:nvSpPr>
@@ -17147,7 +17510,7 @@
       </p:sp>
       <p:pic>
         <p:nvPicPr>
-          <p:cNvPr id="569" name="スクリーンショット 2019-02-12 15.59.44.png" descr="スクリーンショット 2019-02-12 15.59.44.png"/>
+          <p:cNvPr id="580" name="スクリーンショット 2019-02-12 15.59.44.png" descr="スクリーンショット 2019-02-12 15.59.44.png"/>
           <p:cNvPicPr>
             <a:picLocks noChangeAspect="1"/>
           </p:cNvPicPr>
@@ -17175,6 +17538,41 @@
           </a:ln>
         </p:spPr>
       </p:pic>
+      <p:sp>
+        <p:nvSpPr>
+          <p:cNvPr id="581" name="四角形"/>
+          <p:cNvSpPr/>
+          <p:nvPr/>
+        </p:nvSpPr>
+        <p:spPr>
+          <a:xfrm>
+            <a:off x="12812338" y="4844220"/>
+            <a:ext cx="444501" cy="809725"/>
+          </a:xfrm>
+          <a:prstGeom prst="rect">
+            <a:avLst/>
+          </a:prstGeom>
+          <a:solidFill>
+            <a:srgbClr val="FFFFFF"/>
+          </a:solidFill>
+          <a:ln w="12700">
+            <a:miter lim="400000"/>
+          </a:ln>
+        </p:spPr>
+        <p:txBody>
+          <a:bodyPr lIns="0" tIns="0" rIns="0" bIns="0" anchor="ctr"/>
+          <a:lstStyle/>
+          <a:p>
+            <a:pPr>
+              <a:defRPr sz="11300">
+                <a:solidFill>
+                  <a:srgbClr val="FFFFFF"/>
+                </a:solidFill>
+              </a:defRPr>
+            </a:pPr>
+          </a:p>
+        </p:txBody>
+      </p:sp>
     </p:spTree>
   </p:cSld>
   <p:clrMapOvr>
@@ -17203,7 +17601,67 @@
       </p:grpSpPr>
       <p:pic>
         <p:nvPicPr>
-          <p:cNvPr id="571" name="スクリーンショット 2019-02-12 15.59.44.png" descr="スクリーンショット 2019-02-12 15.59.44.png"/>
+          <p:cNvPr id="583" name="スクリーンショット 2019-02-12 15.59.44.png" descr="スクリーンショット 2019-02-12 15.59.44.png"/>
+          <p:cNvPicPr>
+            <a:picLocks noChangeAspect="1"/>
+          </p:cNvPicPr>
+          <p:nvPr/>
+        </p:nvPicPr>
+        <p:blipFill>
+          <a:blip r:embed="rId2">
+            <a:extLst/>
+          </a:blip>
+          <a:srcRect l="6006" t="63513" r="89690" b="21028"/>
+          <a:stretch>
+            <a:fillRect/>
+          </a:stretch>
+        </p:blipFill>
+        <p:spPr>
+          <a:xfrm>
+            <a:off x="21638354" y="9128877"/>
+            <a:ext cx="749349" cy="809903"/>
+          </a:xfrm>
+          <a:prstGeom prst="rect">
+            <a:avLst/>
+          </a:prstGeom>
+          <a:ln w="12700">
+            <a:miter lim="400000"/>
+          </a:ln>
+        </p:spPr>
+      </p:pic>
+      <p:pic>
+        <p:nvPicPr>
+          <p:cNvPr id="584" name="スクリーンショット 2019-02-12 15.59.44.png" descr="スクリーンショット 2019-02-12 15.59.44.png"/>
+          <p:cNvPicPr>
+            <a:picLocks noChangeAspect="1"/>
+          </p:cNvPicPr>
+          <p:nvPr/>
+        </p:nvPicPr>
+        <p:blipFill>
+          <a:blip r:embed="rId2">
+            <a:extLst/>
+          </a:blip>
+          <a:srcRect l="17404" t="20293" r="77456" b="61419"/>
+          <a:stretch>
+            <a:fillRect/>
+          </a:stretch>
+        </p:blipFill>
+        <p:spPr>
+          <a:xfrm>
+            <a:off x="21626044" y="4177210"/>
+            <a:ext cx="933346" cy="999149"/>
+          </a:xfrm>
+          <a:prstGeom prst="rect">
+            <a:avLst/>
+          </a:prstGeom>
+          <a:ln w="12700">
+            <a:miter lim="400000"/>
+          </a:ln>
+        </p:spPr>
+      </p:pic>
+      <p:pic>
+        <p:nvPicPr>
+          <p:cNvPr id="585" name="スクリーンショット 2019-02-12 15.59.44.png" descr="スクリーンショット 2019-02-12 15.59.44.png"/>
           <p:cNvPicPr>
             <a:picLocks noChangeAspect="1"/>
           </p:cNvPicPr>
@@ -17233,7 +17691,7 @@
       </p:pic>
       <p:pic>
         <p:nvPicPr>
-          <p:cNvPr id="572" name="スクリーンショット 2019-02-12 15.59.44.png" descr="スクリーンショット 2019-02-12 15.59.44.png"/>
+          <p:cNvPr id="586" name="スクリーンショット 2019-02-12 15.59.44.png" descr="スクリーンショット 2019-02-12 15.59.44.png"/>
           <p:cNvPicPr>
             <a:picLocks noChangeAspect="1"/>
           </p:cNvPicPr>
@@ -17263,7 +17721,7 @@
       </p:pic>
       <p:pic>
         <p:nvPicPr>
-          <p:cNvPr id="573" name="top.pdf" descr="top.pdf"/>
+          <p:cNvPr id="587" name="top.pdf" descr="top.pdf"/>
           <p:cNvPicPr>
             <a:picLocks noChangeAspect="1"/>
           </p:cNvPicPr>
@@ -17294,7 +17752,7 @@
       </p:pic>
       <p:pic>
         <p:nvPicPr>
-          <p:cNvPr id="574" name="スクリーンショット 2019-02-12 15.59.44.png" descr="スクリーンショット 2019-02-12 15.59.44.png"/>
+          <p:cNvPr id="588" name="スクリーンショット 2019-02-12 15.59.44.png" descr="スクリーンショット 2019-02-12 15.59.44.png"/>
           <p:cNvPicPr>
             <a:picLocks noChangeAspect="1"/>
           </p:cNvPicPr>
@@ -17323,7 +17781,7 @@
       </p:pic>
       <p:sp>
         <p:nvSpPr>
-          <p:cNvPr id="575" name="ARFによる配向効果"/>
+          <p:cNvPr id="589" name="ARFによる配向効果"/>
           <p:cNvSpPr txBox="1"/>
           <p:nvPr>
             <p:ph type="title"/>
@@ -17347,7 +17805,7 @@
       </p:sp>
       <p:sp>
         <p:nvSpPr>
-          <p:cNvPr id="576" name="四角形"/>
+          <p:cNvPr id="590" name="四角形"/>
           <p:cNvSpPr/>
           <p:nvPr/>
         </p:nvSpPr>
@@ -17386,7 +17844,7 @@
       </p:sp>
       <p:sp>
         <p:nvSpPr>
-          <p:cNvPr id="577" name="四角形"/>
+          <p:cNvPr id="591" name="四角形"/>
           <p:cNvSpPr/>
           <p:nvPr/>
         </p:nvSpPr>
@@ -17421,7 +17879,7 @@
       </p:sp>
       <p:sp>
         <p:nvSpPr>
-          <p:cNvPr id="578" name="四角形"/>
+          <p:cNvPr id="592" name="四角形"/>
           <p:cNvSpPr/>
           <p:nvPr/>
         </p:nvSpPr>
@@ -17460,7 +17918,7 @@
       </p:sp>
       <p:sp>
         <p:nvSpPr>
-          <p:cNvPr id="579" name="四角形"/>
+          <p:cNvPr id="593" name="四角形"/>
           <p:cNvSpPr/>
           <p:nvPr/>
         </p:nvSpPr>
@@ -17495,7 +17953,7 @@
       </p:sp>
       <p:sp>
         <p:nvSpPr>
-          <p:cNvPr id="580" name="線"/>
+          <p:cNvPr id="594" name="線"/>
           <p:cNvSpPr/>
           <p:nvPr/>
         </p:nvSpPr>
@@ -17535,7 +17993,7 @@
       </p:sp>
       <p:sp>
         <p:nvSpPr>
-          <p:cNvPr id="581" name="線"/>
+          <p:cNvPr id="595" name="線"/>
           <p:cNvSpPr/>
           <p:nvPr/>
         </p:nvSpPr>
@@ -17575,7 +18033,7 @@
       </p:sp>
       <p:pic>
         <p:nvPicPr>
-          <p:cNvPr id="582" name="スクリーンショット 2019-02-12 15.59.44.png" descr="スクリーンショット 2019-02-12 15.59.44.png"/>
+          <p:cNvPr id="596" name="スクリーンショット 2019-02-12 15.59.44.png" descr="スクリーンショット 2019-02-12 15.59.44.png"/>
           <p:cNvPicPr>
             <a:picLocks noChangeAspect="1"/>
           </p:cNvPicPr>
@@ -17605,7 +18063,7 @@
       </p:pic>
       <p:pic>
         <p:nvPicPr>
-          <p:cNvPr id="583" name="スクリーンショット 2019-02-12 15.59.44.png" descr="スクリーンショット 2019-02-12 15.59.44.png"/>
+          <p:cNvPr id="597" name="スクリーンショット 2019-02-12 15.59.44.png" descr="スクリーンショット 2019-02-12 15.59.44.png"/>
           <p:cNvPicPr>
             <a:picLocks noChangeAspect="1"/>
           </p:cNvPicPr>
@@ -17635,7 +18093,7 @@
       </p:pic>
       <p:sp>
         <p:nvSpPr>
-          <p:cNvPr id="584" name="&lt;"/>
+          <p:cNvPr id="598" name="&lt;"/>
           <p:cNvSpPr txBox="1"/>
           <p:nvPr/>
         </p:nvSpPr>
@@ -17675,7 +18133,7 @@
       </p:sp>
       <p:sp>
         <p:nvSpPr>
-          <p:cNvPr id="585" name="のとき、後端を強く引いて配向"/>
+          <p:cNvPr id="599" name="のとき、後端を強く引いて配向"/>
           <p:cNvSpPr txBox="1"/>
           <p:nvPr/>
         </p:nvSpPr>
@@ -17723,7 +18181,7 @@
       </p:sp>
       <p:sp>
         <p:nvSpPr>
-          <p:cNvPr id="586" name="円形"/>
+          <p:cNvPr id="600" name="円形"/>
           <p:cNvSpPr/>
           <p:nvPr/>
         </p:nvSpPr>
@@ -17758,7 +18216,7 @@
       </p:sp>
       <p:sp>
         <p:nvSpPr>
-          <p:cNvPr id="587" name="円形"/>
+          <p:cNvPr id="601" name="円形"/>
           <p:cNvSpPr/>
           <p:nvPr/>
         </p:nvSpPr>
@@ -17793,13 +18251,13 @@
       </p:sp>
       <p:sp>
         <p:nvSpPr>
-          <p:cNvPr id="588" name="線"/>
+          <p:cNvPr id="602" name="線"/>
           <p:cNvSpPr/>
           <p:nvPr/>
         </p:nvSpPr>
         <p:spPr>
           <a:xfrm flipH="1">
-            <a:off x="20400622" y="5423249"/>
+            <a:off x="20400623" y="5423249"/>
             <a:ext cx="962890" cy="962889"/>
           </a:xfrm>
           <a:prstGeom prst="line">
@@ -17833,7 +18291,7 @@
       </p:sp>
       <p:sp>
         <p:nvSpPr>
-          <p:cNvPr id="589" name="線"/>
+          <p:cNvPr id="603" name="線"/>
           <p:cNvSpPr/>
           <p:nvPr/>
         </p:nvSpPr>
@@ -17869,7 +18327,7 @@
       </p:sp>
       <p:sp>
         <p:nvSpPr>
-          <p:cNvPr id="590" name="線"/>
+          <p:cNvPr id="604" name="線"/>
           <p:cNvSpPr/>
           <p:nvPr/>
         </p:nvSpPr>
@@ -17905,7 +18363,7 @@
       </p:sp>
       <p:sp>
         <p:nvSpPr>
-          <p:cNvPr id="591" name="線"/>
+          <p:cNvPr id="605" name="線"/>
           <p:cNvSpPr/>
           <p:nvPr/>
         </p:nvSpPr>
@@ -17945,7 +18403,7 @@
       </p:sp>
       <p:sp>
         <p:nvSpPr>
-          <p:cNvPr id="592" name="線"/>
+          <p:cNvPr id="606" name="線"/>
           <p:cNvSpPr/>
           <p:nvPr/>
         </p:nvSpPr>
@@ -17985,14 +18443,14 @@
       </p:sp>
       <p:sp>
         <p:nvSpPr>
-          <p:cNvPr id="593" name="線"/>
+          <p:cNvPr id="607" name="線"/>
           <p:cNvSpPr/>
           <p:nvPr/>
         </p:nvSpPr>
         <p:spPr>
           <a:xfrm flipH="1">
-            <a:off x="18833218" y="5407865"/>
-            <a:ext cx="2449101" cy="711353"/>
+            <a:off x="19043603" y="5407865"/>
+            <a:ext cx="2238716" cy="706229"/>
           </a:xfrm>
           <a:prstGeom prst="line">
             <a:avLst/>
@@ -18025,7 +18483,7 @@
       </p:sp>
       <p:sp>
         <p:nvSpPr>
-          <p:cNvPr id="594" name="線"/>
+          <p:cNvPr id="608" name="線"/>
           <p:cNvSpPr/>
           <p:nvPr/>
         </p:nvSpPr>
@@ -18061,7 +18519,7 @@
       </p:sp>
       <p:sp>
         <p:nvSpPr>
-          <p:cNvPr id="595" name="線"/>
+          <p:cNvPr id="609" name="線"/>
           <p:cNvSpPr/>
           <p:nvPr/>
         </p:nvSpPr>
@@ -18097,7 +18555,7 @@
       </p:sp>
       <p:sp>
         <p:nvSpPr>
-          <p:cNvPr id="596" name="線"/>
+          <p:cNvPr id="610" name="線"/>
           <p:cNvSpPr/>
           <p:nvPr/>
         </p:nvSpPr>
@@ -18133,7 +18591,7 @@
       </p:sp>
       <p:pic>
         <p:nvPicPr>
-          <p:cNvPr id="597" name="スクリーンショット 2019-02-12 15.59.44.png" descr="スクリーンショット 2019-02-12 15.59.44.png"/>
+          <p:cNvPr id="611" name="スクリーンショット 2019-02-12 15.59.44.png" descr="スクリーンショット 2019-02-12 15.59.44.png"/>
           <p:cNvPicPr>
             <a:picLocks noChangeAspect="1"/>
           </p:cNvPicPr>
@@ -18163,7 +18621,7 @@
       </p:pic>
       <p:pic>
         <p:nvPicPr>
-          <p:cNvPr id="598" name="スクリーンショット 2019-02-12 15.59.44.png" descr="スクリーンショット 2019-02-12 15.59.44.png"/>
+          <p:cNvPr id="612" name="スクリーンショット 2019-02-12 15.59.44.png" descr="スクリーンショット 2019-02-12 15.59.44.png"/>
           <p:cNvPicPr>
             <a:picLocks noChangeAspect="1"/>
           </p:cNvPicPr>
@@ -18193,7 +18651,7 @@
       </p:pic>
       <p:sp>
         <p:nvSpPr>
-          <p:cNvPr id="599" name="＝"/>
+          <p:cNvPr id="613" name="＝"/>
           <p:cNvSpPr txBox="1"/>
           <p:nvPr/>
         </p:nvSpPr>
@@ -18233,7 +18691,7 @@
       </p:sp>
       <p:sp>
         <p:nvSpPr>
-          <p:cNvPr id="600" name="のとき、配向効果なし"/>
+          <p:cNvPr id="614" name="のとき、配向効果なし"/>
           <p:cNvSpPr txBox="1"/>
           <p:nvPr/>
         </p:nvSpPr>
@@ -18281,14 +18739,14 @@
       </p:sp>
       <p:sp>
         <p:nvSpPr>
-          <p:cNvPr id="601" name="線"/>
+          <p:cNvPr id="615" name="線"/>
           <p:cNvSpPr/>
           <p:nvPr/>
         </p:nvSpPr>
         <p:spPr>
           <a:xfrm flipV="1">
-            <a:off x="17157673" y="5980779"/>
-            <a:ext cx="1372037" cy="1943558"/>
+            <a:off x="17157673" y="6278616"/>
+            <a:ext cx="1645721" cy="1645721"/>
           </a:xfrm>
           <a:prstGeom prst="line">
             <a:avLst/>
@@ -18316,6 +18774,183 @@
                 </a:solidFill>
               </a:defRPr>
             </a:pPr>
+          </a:p>
+        </p:txBody>
+      </p:sp>
+      <p:sp>
+        <p:nvSpPr>
+          <p:cNvPr id="616" name="四角形"/>
+          <p:cNvSpPr/>
+          <p:nvPr/>
+        </p:nvSpPr>
+        <p:spPr>
+          <a:xfrm>
+            <a:off x="12469973" y="4172755"/>
+            <a:ext cx="444501" cy="809725"/>
+          </a:xfrm>
+          <a:prstGeom prst="rect">
+            <a:avLst/>
+          </a:prstGeom>
+          <a:solidFill>
+            <a:srgbClr val="FFFFFF"/>
+          </a:solidFill>
+          <a:ln w="12700">
+            <a:miter lim="400000"/>
+          </a:ln>
+        </p:spPr>
+        <p:txBody>
+          <a:bodyPr lIns="0" tIns="0" rIns="0" bIns="0" anchor="ctr"/>
+          <a:lstStyle/>
+          <a:p>
+            <a:pPr>
+              <a:defRPr sz="11300">
+                <a:solidFill>
+                  <a:srgbClr val="FFFFFF"/>
+                </a:solidFill>
+              </a:defRPr>
+            </a:pPr>
+          </a:p>
+        </p:txBody>
+      </p:sp>
+      <p:sp>
+        <p:nvSpPr>
+          <p:cNvPr id="617" name="四角形"/>
+          <p:cNvSpPr/>
+          <p:nvPr/>
+        </p:nvSpPr>
+        <p:spPr>
+          <a:xfrm>
+            <a:off x="12035780" y="5712820"/>
+            <a:ext cx="444501" cy="809725"/>
+          </a:xfrm>
+          <a:prstGeom prst="rect">
+            <a:avLst/>
+          </a:prstGeom>
+          <a:solidFill>
+            <a:srgbClr val="FFFFFF"/>
+          </a:solidFill>
+          <a:ln w="12700">
+            <a:miter lim="400000"/>
+          </a:ln>
+        </p:spPr>
+        <p:txBody>
+          <a:bodyPr lIns="0" tIns="0" rIns="0" bIns="0" anchor="ctr"/>
+          <a:lstStyle/>
+          <a:p>
+            <a:pPr>
+              <a:defRPr sz="11300">
+                <a:solidFill>
+                  <a:srgbClr val="FFFFFF"/>
+                </a:solidFill>
+              </a:defRPr>
+            </a:pPr>
+          </a:p>
+        </p:txBody>
+      </p:sp>
+      <p:sp>
+        <p:nvSpPr>
+          <p:cNvPr id="618" name="四角形"/>
+          <p:cNvSpPr/>
+          <p:nvPr/>
+        </p:nvSpPr>
+        <p:spPr>
+          <a:xfrm>
+            <a:off x="621932" y="3576406"/>
+            <a:ext cx="444501" cy="3206355"/>
+          </a:xfrm>
+          <a:prstGeom prst="rect">
+            <a:avLst/>
+          </a:prstGeom>
+          <a:solidFill>
+            <a:srgbClr val="FFFFFF"/>
+          </a:solidFill>
+          <a:ln w="12700">
+            <a:miter lim="400000"/>
+          </a:ln>
+        </p:spPr>
+        <p:txBody>
+          <a:bodyPr lIns="0" tIns="0" rIns="0" bIns="0" anchor="ctr"/>
+          <a:lstStyle/>
+          <a:p>
+            <a:pPr>
+              <a:defRPr sz="11300">
+                <a:solidFill>
+                  <a:srgbClr val="FFFFFF"/>
+                </a:solidFill>
+              </a:defRPr>
+            </a:pPr>
+          </a:p>
+        </p:txBody>
+      </p:sp>
+      <p:sp>
+        <p:nvSpPr>
+          <p:cNvPr id="619" name="先端位置"/>
+          <p:cNvSpPr txBox="1"/>
+          <p:nvPr/>
+        </p:nvSpPr>
+        <p:spPr>
+          <a:xfrm>
+            <a:off x="339765" y="3402272"/>
+            <a:ext cx="1638301" cy="482601"/>
+          </a:xfrm>
+          <a:prstGeom prst="rect">
+            <a:avLst/>
+          </a:prstGeom>
+          <a:ln w="12700">
+            <a:miter lim="400000"/>
+          </a:ln>
+          <a:extLst>
+            <a:ext uri="{C572A759-6A51-4108-AA02-DFA0A04FC94B}">
+              <ma14:wrappingTextBoxFlag xmlns:ma14="http://schemas.microsoft.com/office/mac/drawingml/2011/main" val="1"/>
+            </a:ext>
+          </a:extLst>
+        </p:spPr>
+        <p:txBody>
+          <a:bodyPr wrap="none" lIns="50800" tIns="50800" rIns="50800" bIns="50800" anchor="ctr">
+            <a:spAutoFit/>
+          </a:bodyPr>
+          <a:lstStyle/>
+          <a:p>
+            <a:pPr/>
+            <a:r>
+              <a:t>先端位置</a:t>
+            </a:r>
+          </a:p>
+        </p:txBody>
+      </p:sp>
+      <p:sp>
+        <p:nvSpPr>
+          <p:cNvPr id="620" name="後端位置"/>
+          <p:cNvSpPr txBox="1"/>
+          <p:nvPr/>
+        </p:nvSpPr>
+        <p:spPr>
+          <a:xfrm>
+            <a:off x="339765" y="5007848"/>
+            <a:ext cx="1638301" cy="482601"/>
+          </a:xfrm>
+          <a:prstGeom prst="rect">
+            <a:avLst/>
+          </a:prstGeom>
+          <a:ln w="12700">
+            <a:miter lim="400000"/>
+          </a:ln>
+          <a:extLst>
+            <a:ext uri="{C572A759-6A51-4108-AA02-DFA0A04FC94B}">
+              <ma14:wrappingTextBoxFlag xmlns:ma14="http://schemas.microsoft.com/office/mac/drawingml/2011/main" val="1"/>
+            </a:ext>
+          </a:extLst>
+        </p:spPr>
+        <p:txBody>
+          <a:bodyPr wrap="none" lIns="50800" tIns="50800" rIns="50800" bIns="50800" anchor="ctr">
+            <a:spAutoFit/>
+          </a:bodyPr>
+          <a:lstStyle/>
+          <a:p>
+            <a:pPr/>
+            <a:r>
+              <a:t>後端位置</a:t>
+            </a:r>
           </a:p>
         </p:txBody>
       </p:sp>
@@ -18347,7 +18982,7 @@
       </p:grpSpPr>
       <p:pic>
         <p:nvPicPr>
-          <p:cNvPr id="603" name="スクリーンショット 2019-02-12 15.57.30.png" descr="スクリーンショット 2019-02-12 15.57.30.png"/>
+          <p:cNvPr id="622" name="スクリーンショット 2019-02-12 15.57.30.png" descr="スクリーンショット 2019-02-12 15.57.30.png"/>
           <p:cNvPicPr>
             <a:picLocks noChangeAspect="1"/>
           </p:cNvPicPr>
@@ -18376,7 +19011,7 @@
       </p:pic>
       <p:sp>
         <p:nvSpPr>
-          <p:cNvPr id="604" name="ストレスファイバが１つの場合"/>
+          <p:cNvPr id="623" name="ストレスファイバが１つの場合"/>
           <p:cNvSpPr txBox="1"/>
           <p:nvPr>
             <p:ph type="title"/>
@@ -18404,7 +19039,7 @@
       </p:sp>
       <p:sp>
         <p:nvSpPr>
-          <p:cNvPr id="605" name="α＜βで配向効果を表現"/>
+          <p:cNvPr id="624" name="α＜βで配向効果を表現"/>
           <p:cNvSpPr txBox="1"/>
           <p:nvPr/>
         </p:nvSpPr>
@@ -18444,7 +19079,7 @@
       </p:sp>
       <p:pic>
         <p:nvPicPr>
-          <p:cNvPr id="606" name="top.pdf" descr="top.pdf"/>
+          <p:cNvPr id="625" name="top.pdf" descr="top.pdf"/>
           <p:cNvPicPr>
             <a:picLocks noChangeAspect="1"/>
           </p:cNvPicPr>
@@ -18475,7 +19110,7 @@
       </p:pic>
       <p:pic>
         <p:nvPicPr>
-          <p:cNvPr id="607" name="スクリーンショット 2019-02-12 15.57.30.png" descr="スクリーンショット 2019-02-12 15.57.30.png"/>
+          <p:cNvPr id="626" name="スクリーンショット 2019-02-12 15.57.30.png" descr="スクリーンショット 2019-02-12 15.57.30.png"/>
           <p:cNvPicPr>
             <a:picLocks noChangeAspect="1"/>
           </p:cNvPicPr>
@@ -18505,7 +19140,7 @@
       </p:pic>
       <p:sp>
         <p:nvSpPr>
-          <p:cNvPr id="608" name="線"/>
+          <p:cNvPr id="627" name="線"/>
           <p:cNvSpPr/>
           <p:nvPr/>
         </p:nvSpPr>
@@ -18545,7 +19180,7 @@
       </p:sp>
       <p:sp>
         <p:nvSpPr>
-          <p:cNvPr id="609" name="四角形"/>
+          <p:cNvPr id="628" name="四角形"/>
           <p:cNvSpPr/>
           <p:nvPr/>
         </p:nvSpPr>
@@ -18584,7 +19219,7 @@
       </p:sp>
       <p:sp>
         <p:nvSpPr>
-          <p:cNvPr id="610" name="四角形"/>
+          <p:cNvPr id="629" name="四角形"/>
           <p:cNvSpPr/>
           <p:nvPr/>
         </p:nvSpPr>
@@ -18619,7 +19254,7 @@
       </p:sp>
       <p:sp>
         <p:nvSpPr>
-          <p:cNvPr id="611" name="線"/>
+          <p:cNvPr id="630" name="線"/>
           <p:cNvSpPr/>
           <p:nvPr/>
         </p:nvSpPr>
@@ -18659,7 +19294,7 @@
       </p:sp>
       <p:sp>
         <p:nvSpPr>
-          <p:cNvPr id="612" name="アクチン分子を細胞膜の最後部へ引きつけると仮定"/>
+          <p:cNvPr id="631" name="アクチン分子を細胞膜の最後部へ引きつけると仮定"/>
           <p:cNvSpPr txBox="1"/>
           <p:nvPr/>
         </p:nvSpPr>
@@ -18707,7 +19342,7 @@
       </p:sp>
       <p:sp>
         <p:nvSpPr>
-          <p:cNvPr id="613" name="円形"/>
+          <p:cNvPr id="632" name="円形"/>
           <p:cNvSpPr/>
           <p:nvPr/>
         </p:nvSpPr>
@@ -18742,7 +19377,7 @@
       </p:sp>
       <p:sp>
         <p:nvSpPr>
-          <p:cNvPr id="614" name="円形"/>
+          <p:cNvPr id="633" name="円形"/>
           <p:cNvSpPr/>
           <p:nvPr/>
         </p:nvSpPr>
@@ -18777,7 +19412,7 @@
       </p:sp>
       <p:sp>
         <p:nvSpPr>
-          <p:cNvPr id="615" name="線"/>
+          <p:cNvPr id="634" name="線"/>
           <p:cNvSpPr/>
           <p:nvPr/>
         </p:nvSpPr>
@@ -18813,7 +19448,7 @@
       </p:sp>
       <p:sp>
         <p:nvSpPr>
-          <p:cNvPr id="616" name="線"/>
+          <p:cNvPr id="635" name="線"/>
           <p:cNvSpPr/>
           <p:nvPr/>
         </p:nvSpPr>
@@ -18853,7 +19488,7 @@
       </p:sp>
       <p:sp>
         <p:nvSpPr>
-          <p:cNvPr id="617" name="線"/>
+          <p:cNvPr id="636" name="線"/>
           <p:cNvSpPr/>
           <p:nvPr/>
         </p:nvSpPr>
@@ -18915,7 +19550,7 @@
       </p:grpSpPr>
       <p:sp>
         <p:nvSpPr>
-          <p:cNvPr id="619" name="消滅と再発生"/>
+          <p:cNvPr id="638" name="消滅と再発生"/>
           <p:cNvSpPr txBox="1"/>
           <p:nvPr>
             <p:ph type="title"/>
@@ -18939,7 +19574,7 @@
       </p:sp>
       <p:pic>
         <p:nvPicPr>
-          <p:cNvPr id="633" name="接続の線" descr="接続の線"/>
+          <p:cNvPr id="652" name="接続の線" descr="接続の線"/>
           <p:cNvPicPr>
             <a:picLocks noChangeAspect="0"/>
           </p:cNvPicPr>
@@ -18965,7 +19600,7 @@
       </p:pic>
       <p:pic>
         <p:nvPicPr>
-          <p:cNvPr id="621" name="グループ" descr="グループ"/>
+          <p:cNvPr id="640" name="グループ" descr="グループ"/>
           <p:cNvPicPr>
             <a:picLocks noChangeAspect="1"/>
           </p:cNvPicPr>
@@ -18996,7 +19631,7 @@
       </p:pic>
       <p:grpSp>
         <p:nvGrpSpPr>
-          <p:cNvPr id="624" name="格子状に分割されたエリアごとにアクチンの密度を計算し、その値がしきい値以下ならば消滅"/>
+          <p:cNvPr id="643" name="格子状に分割されたエリアごとにアクチンの密度を計算し、その値がしきい値以下ならば消滅"/>
           <p:cNvGrpSpPr/>
           <p:nvPr/>
         </p:nvGrpSpPr>
@@ -19010,7 +19645,7 @@
         </p:grpSpPr>
         <p:sp>
           <p:nvSpPr>
-            <p:cNvPr id="623" name="格子状に分割されたエリアごとにアクチンの密度を計算し、その値がしきい値以下ならば消滅"/>
+            <p:cNvPr id="642" name="格子状に分割されたエリアごとにアクチンの密度を計算し、その値がしきい値以下ならば消滅"/>
             <p:cNvSpPr txBox="1"/>
             <p:nvPr/>
           </p:nvSpPr>
@@ -19060,7 +19695,7 @@
         </p:sp>
         <p:pic>
           <p:nvPicPr>
-            <p:cNvPr id="622" name="格子状に分割されたエリアごとにアクチンの密度を計算し、その値がしきい値以下ならば消滅" descr="格子状に分割されたエリアごとにアクチンの密度を計算し、その値がしきい値以下ならば消滅"/>
+            <p:cNvPr id="641" name="格子状に分割されたエリアごとにアクチンの密度を計算し、その値がしきい値以下ならば消滅" descr="格子状に分割されたエリアごとにアクチンの密度を計算し、その値がしきい値以下ならば消滅"/>
             <p:cNvPicPr>
               <a:picLocks noChangeAspect="0"/>
             </p:cNvPicPr>
@@ -19088,7 +19723,7 @@
       </p:grpSp>
       <p:sp>
         <p:nvSpPr>
-          <p:cNvPr id="625" name="四角形"/>
+          <p:cNvPr id="644" name="四角形"/>
           <p:cNvSpPr/>
           <p:nvPr/>
         </p:nvSpPr>
@@ -19130,7 +19765,7 @@
       </p:sp>
       <p:sp>
         <p:nvSpPr>
-          <p:cNvPr id="626" name="矢印"/>
+          <p:cNvPr id="645" name="矢印"/>
           <p:cNvSpPr/>
           <p:nvPr/>
         </p:nvSpPr>
@@ -19168,7 +19803,7 @@
       </p:sp>
       <p:grpSp>
         <p:nvGrpSpPr>
-          <p:cNvPr id="629" name="細胞膜の内側へ再発生、その後新たな重合方向をランダムに決定"/>
+          <p:cNvPr id="648" name="細胞膜の内側へ再発生させ新たな重合方向をランダムに決定"/>
           <p:cNvGrpSpPr/>
           <p:nvPr/>
         </p:nvGrpSpPr>
@@ -19182,7 +19817,7 @@
         </p:grpSpPr>
         <p:sp>
           <p:nvSpPr>
-            <p:cNvPr id="628" name="細胞膜の内側へ再発生、その後新たな重合方向をランダムに決定"/>
+            <p:cNvPr id="647" name="細胞膜の内側へ再発生させ新たな重合方向をランダムに決定"/>
             <p:cNvSpPr txBox="1"/>
             <p:nvPr/>
           </p:nvSpPr>
@@ -19225,14 +19860,14 @@
             <a:p>
               <a:pPr/>
               <a:r>
-                <a:t>細胞膜の内側へ再発生、その後新たな重合方向をランダムに決定</a:t>
+                <a:t>細胞膜の内側へ再発生させ新たな重合方向をランダムに決定</a:t>
               </a:r>
             </a:p>
           </p:txBody>
         </p:sp>
         <p:pic>
           <p:nvPicPr>
-            <p:cNvPr id="627" name="細胞膜の内側へ再発生、その後新たな重合方向をランダムに決定" descr="細胞膜の内側へ再発生、その後新たな重合方向をランダムに決定"/>
+            <p:cNvPr id="646" name="細胞膜の内側へ再発生させ新たな重合方向をランダムに決定" descr="細胞膜の内側へ再発生させ新たな重合方向をランダムに決定"/>
             <p:cNvPicPr>
               <a:picLocks noChangeAspect="0"/>
             </p:cNvPicPr>
@@ -19260,7 +19895,7 @@
       </p:grpSp>
       <p:sp>
         <p:nvSpPr>
-          <p:cNvPr id="630" name="アクチン密度が高い領域ほどアクチン重合は活発"/>
+          <p:cNvPr id="649" name="アクチン密度が高い領域ほどアクチン重合は活発"/>
           <p:cNvSpPr txBox="1"/>
           <p:nvPr/>
         </p:nvSpPr>
@@ -19308,7 +19943,7 @@
       </p:sp>
       <p:sp>
         <p:nvSpPr>
-          <p:cNvPr id="631" name="矢印"/>
+          <p:cNvPr id="650" name="矢印"/>
           <p:cNvSpPr/>
           <p:nvPr/>
         </p:nvSpPr>
@@ -19346,14 +19981,14 @@
       </p:sp>
       <p:sp>
         <p:nvSpPr>
-          <p:cNvPr id="632" name="[Yumura et al.1998]"/>
+          <p:cNvPr id="651" name="[Yumura et al.1998]"/>
           <p:cNvSpPr txBox="1"/>
           <p:nvPr/>
         </p:nvSpPr>
         <p:spPr>
           <a:xfrm>
-            <a:off x="9280960" y="4366987"/>
-            <a:ext cx="4284681" cy="508001"/>
+            <a:off x="9676671" y="4536392"/>
+            <a:ext cx="4839984" cy="577850"/>
           </a:xfrm>
           <a:prstGeom prst="rect">
             <a:avLst/>
@@ -19376,7 +20011,7 @@
               <a:spcBef>
                 <a:spcPts val="5900"/>
               </a:spcBef>
-              <a:defRPr sz="3200">
+              <a:defRPr sz="3700">
                 <a:latin typeface="+mn-lt"/>
                 <a:ea typeface="+mn-ea"/>
                 <a:cs typeface="+mn-cs"/>
@@ -19420,7 +20055,7 @@
       </p:grpSpPr>
       <p:sp>
         <p:nvSpPr>
-          <p:cNvPr id="636" name="シミュレーション結果"/>
+          <p:cNvPr id="655" name="シミュレーション結果"/>
           <p:cNvSpPr txBox="1"/>
           <p:nvPr>
             <p:ph type="title"/>
@@ -19470,7 +20105,7 @@
       </p:grpSpPr>
       <p:sp>
         <p:nvSpPr>
-          <p:cNvPr id="638" name="結果"/>
+          <p:cNvPr id="657" name="結果"/>
           <p:cNvSpPr txBox="1"/>
           <p:nvPr>
             <p:ph type="title"/>
@@ -19494,7 +20129,7 @@
       </p:sp>
       <p:sp>
         <p:nvSpPr>
-          <p:cNvPr id="639" name="ARF なし"/>
+          <p:cNvPr id="658" name="ARF なし"/>
           <p:cNvSpPr txBox="1"/>
           <p:nvPr/>
         </p:nvSpPr>
@@ -19542,7 +20177,7 @@
       </p:sp>
       <p:pic>
         <p:nvPicPr>
-          <p:cNvPr id="640" name="90_narf.pdf" descr="90_narf.pdf"/>
+          <p:cNvPr id="659" name="90_narf.pdf" descr="90_narf.pdf"/>
           <p:cNvPicPr>
             <a:picLocks noChangeAspect="1"/>
           </p:cNvPicPr>
@@ -19572,7 +20207,7 @@
       </p:pic>
       <p:sp>
         <p:nvSpPr>
-          <p:cNvPr id="641" name="アクチン分子は広がり続け細胞は破裂"/>
+          <p:cNvPr id="660" name="アクチン分子は広がり続け細胞は破裂"/>
           <p:cNvSpPr txBox="1"/>
           <p:nvPr/>
         </p:nvSpPr>
@@ -19620,7 +20255,7 @@
       </p:sp>
       <p:grpSp>
         <p:nvGrpSpPr>
-          <p:cNvPr id="644" name="グループ"/>
+          <p:cNvPr id="663" name="グループ"/>
           <p:cNvGrpSpPr/>
           <p:nvPr/>
         </p:nvGrpSpPr>
@@ -19634,7 +20269,7 @@
         </p:grpSpPr>
         <p:sp>
           <p:nvSpPr>
-            <p:cNvPr id="642" name="四角形"/>
+            <p:cNvPr id="661" name="四角形"/>
             <p:cNvSpPr/>
             <p:nvPr/>
           </p:nvSpPr>
@@ -19674,7 +20309,7 @@
         </p:sp>
         <p:sp>
           <p:nvSpPr>
-            <p:cNvPr id="643" name="ARF条件"/>
+            <p:cNvPr id="662" name="ARF条件"/>
             <p:cNvSpPr txBox="1"/>
             <p:nvPr/>
           </p:nvSpPr>
@@ -19728,7 +20363,7 @@
       </p:grpSp>
       <p:sp>
         <p:nvSpPr>
-          <p:cNvPr id="645" name="ARFなし（アクチン分子の重合のみ）"/>
+          <p:cNvPr id="664" name="ARFなし（アクチン分子の重合のみ）"/>
           <p:cNvSpPr txBox="1"/>
           <p:nvPr/>
         </p:nvSpPr>
@@ -19804,7 +20439,7 @@
       </p:grpSpPr>
       <p:sp>
         <p:nvSpPr>
-          <p:cNvPr id="647" name="結果"/>
+          <p:cNvPr id="666" name="結果"/>
           <p:cNvSpPr txBox="1"/>
           <p:nvPr>
             <p:ph type="title"/>
@@ -19828,14 +20463,14 @@
       </p:sp>
       <p:sp>
         <p:nvSpPr>
-          <p:cNvPr id="648" name="SF：１点の場合"/>
+          <p:cNvPr id="667" name="SFを１点と仮定…"/>
           <p:cNvSpPr txBox="1"/>
           <p:nvPr/>
         </p:nvSpPr>
         <p:spPr>
           <a:xfrm>
-            <a:off x="11737114" y="4012110"/>
-            <a:ext cx="7991232" cy="838201"/>
+            <a:off x="11166506" y="3825751"/>
+            <a:ext cx="7991231" cy="4546600"/>
           </a:xfrm>
           <a:prstGeom prst="rect">
             <a:avLst/>
@@ -19853,30 +20488,66 @@
           <a:bodyPr lIns="50800" tIns="50800" rIns="50800" bIns="50800" anchor="ctr">
             <a:spAutoFit/>
           </a:bodyPr>
-          <a:lstStyle>
-            <a:lvl1pPr algn="l">
+          <a:lstStyle/>
+          <a:p>
+            <a:pPr marL="228600" indent="-228600" algn="l">
               <a:spcBef>
                 <a:spcPts val="5900"/>
               </a:spcBef>
+              <a:buSzPct val="100000"/>
+              <a:buChar char="•"/>
               <a:defRPr sz="5800">
                 <a:latin typeface="+mn-lt"/>
                 <a:ea typeface="+mn-ea"/>
                 <a:cs typeface="+mn-cs"/>
                 <a:sym typeface="ヒラギノ角ゴ ProN W3"/>
               </a:defRPr>
-            </a:lvl1pPr>
-          </a:lstStyle>
-          <a:p>
-            <a:pPr/>
+            </a:pPr>
             <a:r>
-              <a:t>SF：１点の場合</a:t>
+              <a:t>SFを１点と仮定</a:t>
+            </a:r>
+          </a:p>
+          <a:p>
+            <a:pPr marL="228600" indent="-228600" algn="l">
+              <a:spcBef>
+                <a:spcPts val="5900"/>
+              </a:spcBef>
+              <a:buSzPct val="100000"/>
+              <a:buChar char="•"/>
+              <a:defRPr sz="5800">
+                <a:latin typeface="+mn-lt"/>
+                <a:ea typeface="+mn-ea"/>
+                <a:cs typeface="+mn-cs"/>
+                <a:sym typeface="ヒラギノ角ゴ ProN W3"/>
+              </a:defRPr>
+            </a:pPr>
+            <a:r>
+              <a:t>配向効果あり</a:t>
+            </a:r>
+          </a:p>
+          <a:p>
+            <a:pPr marL="228600" indent="-228600" algn="l">
+              <a:spcBef>
+                <a:spcPts val="5900"/>
+              </a:spcBef>
+              <a:buSzPct val="100000"/>
+              <a:buChar char="•"/>
+              <a:defRPr sz="5800">
+                <a:latin typeface="+mn-lt"/>
+                <a:ea typeface="+mn-ea"/>
+                <a:cs typeface="+mn-cs"/>
+                <a:sym typeface="ヒラギノ角ゴ ProN W3"/>
+              </a:defRPr>
+            </a:pPr>
+            <a:r>
+              <a:t>距離非依存型ARF</a:t>
             </a:r>
           </a:p>
         </p:txBody>
       </p:sp>
       <p:pic>
         <p:nvPicPr>
-          <p:cNvPr id="649" name="90_1arf.pdf" descr="90_1arf.pdf"/>
+          <p:cNvPr id="668" name="90_1arf.pdf" descr="90_1arf.pdf"/>
           <p:cNvPicPr>
             <a:picLocks noChangeAspect="1"/>
           </p:cNvPicPr>
@@ -19906,14 +20577,14 @@
       </p:pic>
       <p:sp>
         <p:nvSpPr>
-          <p:cNvPr id="650" name="ARFの効果を導入するとアクチン分子の発散を抑制⇨ ARFは細胞形状維持に重要"/>
+          <p:cNvPr id="669" name="ARFの効果を導入するとアクチン分子の発散を抑制⇨ ARFによる牽引効果は細胞形状維持に重要"/>
           <p:cNvSpPr txBox="1"/>
           <p:nvPr/>
         </p:nvSpPr>
         <p:spPr>
           <a:xfrm>
-            <a:off x="10020455" y="10108953"/>
-            <a:ext cx="14292034" cy="1943100"/>
+            <a:off x="10020455" y="9556503"/>
+            <a:ext cx="14292034" cy="3048000"/>
           </a:xfrm>
           <a:prstGeom prst="rect">
             <a:avLst/>
@@ -19954,28 +20625,271 @@
                 <a:cs typeface="ヒラギノ角ゴ ProN W6"/>
                 <a:sym typeface="ヒラギノ角ゴ ProN W6"/>
               </a:rPr>
-              <a:t>ARFは細胞形状維持に重要</a:t>
+              <a:t>ARFによる牽引効果は細胞形状維持に重要</a:t>
             </a:r>
           </a:p>
         </p:txBody>
       </p:sp>
       <p:grpSp>
         <p:nvGrpSpPr>
-          <p:cNvPr id="653" name="グループ"/>
+          <p:cNvPr id="672" name="グループ"/>
           <p:cNvGrpSpPr/>
           <p:nvPr/>
         </p:nvGrpSpPr>
         <p:grpSpPr>
           <a:xfrm>
             <a:off x="10462628" y="2416150"/>
-            <a:ext cx="13407689" cy="5951476"/>
-            <a:chOff x="0" y="55571"/>
-            <a:chExt cx="13407688" cy="5951475"/>
+            <a:ext cx="13407689" cy="6341540"/>
+            <a:chOff x="0" y="59214"/>
+            <a:chExt cx="13407688" cy="6341539"/>
           </a:xfrm>
         </p:grpSpPr>
         <p:sp>
           <p:nvSpPr>
-            <p:cNvPr id="651" name="四角形"/>
+            <p:cNvPr id="670" name="四角形"/>
+            <p:cNvSpPr/>
+            <p:nvPr/>
+          </p:nvSpPr>
+          <p:spPr>
+            <a:xfrm>
+              <a:off x="0" y="722014"/>
+              <a:ext cx="13407689" cy="5678740"/>
+            </a:xfrm>
+            <a:prstGeom prst="rect">
+              <a:avLst/>
+            </a:prstGeom>
+            <a:noFill/>
+            <a:ln w="38100" cap="flat">
+              <a:solidFill>
+                <a:srgbClr val="000000"/>
+              </a:solidFill>
+              <a:prstDash val="solid"/>
+              <a:miter lim="400000"/>
+            </a:ln>
+            <a:effectLst/>
+          </p:spPr>
+          <p:txBody>
+            <a:bodyPr wrap="square" lIns="0" tIns="0" rIns="0" bIns="0" numCol="1" anchor="ctr">
+              <a:noAutofit/>
+            </a:bodyPr>
+            <a:lstStyle/>
+            <a:p>
+              <a:pPr>
+                <a:defRPr sz="11300">
+                  <a:solidFill>
+                    <a:srgbClr val="FFFFFF"/>
+                  </a:solidFill>
+                </a:defRPr>
+              </a:pPr>
+            </a:p>
+          </p:txBody>
+        </p:sp>
+        <p:sp>
+          <p:nvSpPr>
+            <p:cNvPr id="671" name="ARF条件"/>
+            <p:cNvSpPr txBox="1"/>
+            <p:nvPr/>
+          </p:nvSpPr>
+          <p:spPr>
+            <a:xfrm>
+              <a:off x="494811" y="59214"/>
+              <a:ext cx="4612391" cy="1414941"/>
+            </a:xfrm>
+            <a:prstGeom prst="rect">
+              <a:avLst/>
+            </a:prstGeom>
+            <a:solidFill>
+              <a:srgbClr val="FFFFFF"/>
+            </a:solidFill>
+            <a:ln w="12700" cap="flat">
+              <a:noFill/>
+              <a:miter lim="400000"/>
+            </a:ln>
+            <a:effectLst/>
+            <a:extLst>
+              <a:ext uri="{C572A759-6A51-4108-AA02-DFA0A04FC94B}">
+                <ma14:wrappingTextBoxFlag xmlns:ma14="http://schemas.microsoft.com/office/mac/drawingml/2011/main" val="1"/>
+              </a:ext>
+            </a:extLst>
+          </p:spPr>
+          <p:txBody>
+            <a:bodyPr wrap="square" lIns="50800" tIns="50800" rIns="50800" bIns="50800" numCol="1" anchor="ctr">
+              <a:noAutofit/>
+            </a:bodyPr>
+            <a:lstStyle>
+              <a:lvl1pPr>
+                <a:spcBef>
+                  <a:spcPts val="5900"/>
+                </a:spcBef>
+                <a:defRPr sz="5300">
+                  <a:latin typeface="+mn-lt"/>
+                  <a:ea typeface="+mn-ea"/>
+                  <a:cs typeface="+mn-cs"/>
+                  <a:sym typeface="ヒラギノ角ゴ ProN W3"/>
+                </a:defRPr>
+              </a:lvl1pPr>
+            </a:lstStyle>
+            <a:p>
+              <a:pPr/>
+              <a:r>
+                <a:t>ARF条件</a:t>
+              </a:r>
+            </a:p>
+          </p:txBody>
+        </p:sp>
+      </p:grpSp>
+    </p:spTree>
+  </p:cSld>
+  <p:clrMapOvr>
+    <a:masterClrMapping/>
+  </p:clrMapOvr>
+  <p:transition xmlns:p14="http://schemas.microsoft.com/office/powerpoint/2010/main" spd="med" advClick="1"/>
+</p:sld>
+</file>
+
+<file path=ppt/slides/slide27.xml><?xml version="1.0" encoding="utf-8"?>
+<p:sld xmlns:a="http://schemas.openxmlformats.org/drawingml/2006/main" xmlns:r="http://schemas.openxmlformats.org/officeDocument/2006/relationships" xmlns:p="http://schemas.openxmlformats.org/presentationml/2006/main" xmlns:m="http://schemas.openxmlformats.org/officeDocument/2006/math" xmlns:a14="http://schemas.microsoft.com/office/drawing/2010/main" showMasterSp="1" showMasterPhAnim="1">
+  <p:cSld>
+    <p:spTree>
+      <p:nvGrpSpPr>
+        <p:cNvPr id="1" name=""/>
+        <p:cNvGrpSpPr/>
+        <p:nvPr/>
+      </p:nvGrpSpPr>
+      <p:grpSpPr>
+        <a:xfrm>
+          <a:off x="0" y="0"/>
+          <a:ext cx="0" cy="0"/>
+          <a:chOff x="0" y="0"/>
+          <a:chExt cx="0" cy="0"/>
+        </a:xfrm>
+      </p:grpSpPr>
+      <p:sp>
+        <p:nvSpPr>
+          <p:cNvPr id="674" name="結果"/>
+          <p:cNvSpPr txBox="1"/>
+          <p:nvPr>
+            <p:ph type="title"/>
+          </p:nvPr>
+        </p:nvSpPr>
+        <p:spPr>
+          <a:prstGeom prst="rect">
+            <a:avLst/>
+          </a:prstGeom>
+        </p:spPr>
+        <p:txBody>
+          <a:bodyPr/>
+          <a:lstStyle/>
+          <a:p>
+            <a:pPr/>
+            <a:r>
+              <a:t>結果</a:t>
+            </a:r>
+          </a:p>
+        </p:txBody>
+      </p:sp>
+      <p:pic>
+        <p:nvPicPr>
+          <p:cNvPr id="675" name="screenshot392874.jpg" descr="screenshot392874.jpg"/>
+          <p:cNvPicPr>
+            <a:picLocks noChangeAspect="1"/>
+          </p:cNvPicPr>
+          <p:nvPr/>
+        </p:nvPicPr>
+        <p:blipFill>
+          <a:blip r:embed="rId2">
+            <a:extLst/>
+          </a:blip>
+          <a:srcRect l="37035" t="27888" r="19780" b="27888"/>
+          <a:stretch>
+            <a:fillRect/>
+          </a:stretch>
+        </p:blipFill>
+        <p:spPr>
+          <a:xfrm>
+            <a:off x="1286320" y="2900759"/>
+            <a:ext cx="8427688" cy="7914480"/>
+          </a:xfrm>
+          <a:prstGeom prst="rect">
+            <a:avLst/>
+          </a:prstGeom>
+          <a:ln w="12700">
+            <a:miter lim="400000"/>
+          </a:ln>
+        </p:spPr>
+      </p:pic>
+      <p:sp>
+        <p:nvSpPr>
+          <p:cNvPr id="676" name="アクチン分子は実際の半月状に近い形に凝集⇨ 配向効果により先端が膜側を向くことで細胞前方を押すことができ、推進可能な形になっている"/>
+          <p:cNvSpPr txBox="1"/>
+          <p:nvPr/>
+        </p:nvSpPr>
+        <p:spPr>
+          <a:xfrm>
+            <a:off x="10300596" y="9058086"/>
+            <a:ext cx="13491027" cy="3968751"/>
+          </a:xfrm>
+          <a:prstGeom prst="rect">
+            <a:avLst/>
+          </a:prstGeom>
+          <a:ln w="12700">
+            <a:miter lim="400000"/>
+          </a:ln>
+          <a:extLst>
+            <a:ext uri="{C572A759-6A51-4108-AA02-DFA0A04FC94B}">
+              <ma14:wrappingTextBoxFlag xmlns:ma14="http://schemas.microsoft.com/office/mac/drawingml/2011/main" val="1"/>
+            </a:ext>
+          </a:extLst>
+        </p:spPr>
+        <p:txBody>
+          <a:bodyPr lIns="50800" tIns="50800" rIns="50800" bIns="50800" anchor="ctr">
+            <a:spAutoFit/>
+          </a:bodyPr>
+          <a:lstStyle/>
+          <a:p>
+            <a:pPr algn="l">
+              <a:spcBef>
+                <a:spcPts val="5900"/>
+              </a:spcBef>
+              <a:defRPr sz="5500">
+                <a:latin typeface="+mn-lt"/>
+                <a:ea typeface="+mn-ea"/>
+                <a:cs typeface="+mn-cs"/>
+                <a:sym typeface="ヒラギノ角ゴ ProN W3"/>
+              </a:defRPr>
+            </a:pPr>
+            <a:r>
+              <a:t>アクチン分子は実際の半月状に近い形に凝集⇨ </a:t>
+            </a:r>
+            <a:r>
+              <a:rPr>
+                <a:latin typeface="ヒラギノ角ゴ ProN W6"/>
+                <a:ea typeface="ヒラギノ角ゴ ProN W6"/>
+                <a:cs typeface="ヒラギノ角ゴ ProN W6"/>
+                <a:sym typeface="ヒラギノ角ゴ ProN W6"/>
+              </a:rPr>
+              <a:t>配向効果により先端が膜側を向くことで細胞前方を押すことができ、推進可能な形になっている</a:t>
+            </a:r>
+          </a:p>
+        </p:txBody>
+      </p:sp>
+      <p:grpSp>
+        <p:nvGrpSpPr>
+          <p:cNvPr id="679" name="グループ"/>
+          <p:cNvGrpSpPr/>
+          <p:nvPr/>
+        </p:nvGrpSpPr>
+        <p:grpSpPr>
+          <a:xfrm>
+            <a:off x="10296521" y="2568312"/>
+            <a:ext cx="13407690" cy="5951476"/>
+            <a:chOff x="0" y="55571"/>
+            <a:chExt cx="13407688" cy="5951475"/>
+          </a:xfrm>
+        </p:grpSpPr>
+        <p:sp>
+          <p:nvSpPr>
+            <p:cNvPr id="677" name="四角形"/>
             <p:cNvSpPr/>
             <p:nvPr/>
           </p:nvSpPr>
@@ -20015,7 +20929,7 @@
         </p:sp>
         <p:sp>
           <p:nvSpPr>
-            <p:cNvPr id="652" name="ARF条件"/>
+            <p:cNvPr id="678" name="ARF条件"/>
             <p:cNvSpPr txBox="1"/>
             <p:nvPr/>
           </p:nvSpPr>
@@ -20069,14 +20983,14 @@
       </p:grpSp>
       <p:sp>
         <p:nvSpPr>
-          <p:cNvPr id="654" name="配向効果あり"/>
+          <p:cNvPr id="680" name="SFを２点と仮定"/>
           <p:cNvSpPr txBox="1"/>
           <p:nvPr/>
         </p:nvSpPr>
         <p:spPr>
           <a:xfrm>
-            <a:off x="11737114" y="5398208"/>
-            <a:ext cx="7991232" cy="838201"/>
+            <a:off x="10805121" y="3890182"/>
+            <a:ext cx="7991231" cy="838200"/>
           </a:xfrm>
           <a:prstGeom prst="rect">
             <a:avLst/>
@@ -20095,10 +21009,12 @@
             <a:spAutoFit/>
           </a:bodyPr>
           <a:lstStyle>
-            <a:lvl1pPr algn="l">
+            <a:lvl1pPr marL="520700" indent="-520700" algn="l">
               <a:spcBef>
                 <a:spcPts val="5900"/>
               </a:spcBef>
+              <a:buSzPct val="119000"/>
+              <a:buChar char="•"/>
               <a:defRPr sz="5800">
                 <a:latin typeface="+mn-lt"/>
                 <a:ea typeface="+mn-ea"/>
@@ -20110,21 +21026,21 @@
           <a:p>
             <a:pPr/>
             <a:r>
-              <a:t>配向効果あり</a:t>
+              <a:t>SFを２点と仮定</a:t>
             </a:r>
           </a:p>
         </p:txBody>
       </p:sp>
       <p:sp>
         <p:nvSpPr>
-          <p:cNvPr id="655" name="距離非依存型ARF"/>
+          <p:cNvPr id="681" name="牽引効果："/>
           <p:cNvSpPr txBox="1"/>
           <p:nvPr/>
         </p:nvSpPr>
         <p:spPr>
           <a:xfrm>
-            <a:off x="11737114" y="6784307"/>
-            <a:ext cx="7991232" cy="838200"/>
+            <a:off x="10805121" y="5124950"/>
+            <a:ext cx="7991231" cy="838200"/>
           </a:xfrm>
           <a:prstGeom prst="rect">
             <a:avLst/>
@@ -20143,10 +21059,12 @@
             <a:spAutoFit/>
           </a:bodyPr>
           <a:lstStyle>
-            <a:lvl1pPr algn="l">
+            <a:lvl1pPr marL="520700" indent="-520700" algn="l">
               <a:spcBef>
                 <a:spcPts val="5900"/>
               </a:spcBef>
+              <a:buSzPct val="119000"/>
+              <a:buChar char="•"/>
               <a:defRPr sz="5800">
                 <a:latin typeface="+mn-lt"/>
                 <a:ea typeface="+mn-ea"/>
@@ -20158,101 +21076,21 @@
           <a:p>
             <a:pPr/>
             <a:r>
-              <a:t>距離非依存型ARF</a:t>
+              <a:t>牽引効果：</a:t>
             </a:r>
           </a:p>
         </p:txBody>
       </p:sp>
-    </p:spTree>
-  </p:cSld>
-  <p:clrMapOvr>
-    <a:masterClrMapping/>
-  </p:clrMapOvr>
-  <p:transition xmlns:p14="http://schemas.microsoft.com/office/powerpoint/2010/main" spd="med" advClick="1"/>
-</p:sld>
-</file>
-
-<file path=ppt/slides/slide27.xml><?xml version="1.0" encoding="utf-8"?>
-<p:sld xmlns:a="http://schemas.openxmlformats.org/drawingml/2006/main" xmlns:r="http://schemas.openxmlformats.org/officeDocument/2006/relationships" xmlns:p="http://schemas.openxmlformats.org/presentationml/2006/main" xmlns:m="http://schemas.openxmlformats.org/officeDocument/2006/math" xmlns:a14="http://schemas.microsoft.com/office/drawing/2010/main" showMasterSp="1" showMasterPhAnim="1">
-  <p:cSld>
-    <p:spTree>
-      <p:nvGrpSpPr>
-        <p:cNvPr id="1" name=""/>
-        <p:cNvGrpSpPr/>
-        <p:nvPr/>
-      </p:nvGrpSpPr>
-      <p:grpSpPr>
-        <a:xfrm>
-          <a:off x="0" y="0"/>
-          <a:ext cx="0" cy="0"/>
-          <a:chOff x="0" y="0"/>
-          <a:chExt cx="0" cy="0"/>
-        </a:xfrm>
-      </p:grpSpPr>
-      <p:sp>
-        <p:nvSpPr>
-          <p:cNvPr id="657" name="結果"/>
+      <p:sp>
+        <p:nvSpPr>
+          <p:cNvPr id="682" name="配向効果あり"/>
           <p:cNvSpPr txBox="1"/>
-          <p:nvPr>
-            <p:ph type="title"/>
-          </p:nvPr>
-        </p:nvSpPr>
-        <p:spPr>
-          <a:prstGeom prst="rect">
-            <a:avLst/>
-          </a:prstGeom>
-        </p:spPr>
-        <p:txBody>
-          <a:bodyPr/>
-          <a:lstStyle/>
-          <a:p>
-            <a:pPr/>
-            <a:r>
-              <a:t>結果</a:t>
-            </a:r>
-          </a:p>
-        </p:txBody>
-      </p:sp>
-      <p:pic>
-        <p:nvPicPr>
-          <p:cNvPr id="658" name="screenshot392874.jpg" descr="screenshot392874.jpg"/>
-          <p:cNvPicPr>
-            <a:picLocks noChangeAspect="1"/>
-          </p:cNvPicPr>
-          <p:nvPr/>
-        </p:nvPicPr>
-        <p:blipFill>
-          <a:blip r:embed="rId2">
-            <a:extLst/>
-          </a:blip>
-          <a:srcRect l="37035" t="27888" r="19780" b="27888"/>
-          <a:stretch>
-            <a:fillRect/>
-          </a:stretch>
-        </p:blipFill>
-        <p:spPr>
-          <a:xfrm>
-            <a:off x="1286320" y="2900759"/>
-            <a:ext cx="8427688" cy="7914480"/>
-          </a:xfrm>
-          <a:prstGeom prst="rect">
-            <a:avLst/>
-          </a:prstGeom>
-          <a:ln w="12700">
-            <a:miter lim="400000"/>
-          </a:ln>
-        </p:spPr>
-      </p:pic>
-      <p:sp>
-        <p:nvSpPr>
-          <p:cNvPr id="659" name="ARFあり（SF方向への牽引）の場合、アクチン分子は実際の半月状に近い形に凝集⇨ 先端が膜側を向くことで細胞前方を押すことができ、推進可能な形になっている"/>
-          <p:cNvSpPr txBox="1"/>
-          <p:nvPr/>
-        </p:nvSpPr>
-        <p:spPr>
-          <a:xfrm>
-            <a:off x="10300596" y="9058086"/>
-            <a:ext cx="13491027" cy="3968751"/>
+          <p:nvPr/>
+        </p:nvSpPr>
+        <p:spPr>
+          <a:xfrm>
+            <a:off x="11350567" y="6202964"/>
+            <a:ext cx="7991232" cy="838200"/>
           </a:xfrm>
           <a:prstGeom prst="rect">
             <a:avLst/>
@@ -20270,152 +21108,39 @@
           <a:bodyPr lIns="50800" tIns="50800" rIns="50800" bIns="50800" anchor="ctr">
             <a:spAutoFit/>
           </a:bodyPr>
-          <a:lstStyle/>
-          <a:p>
-            <a:pPr algn="l">
+          <a:lstStyle>
+            <a:lvl1pPr marL="520700" indent="-520700" algn="l">
               <a:spcBef>
                 <a:spcPts val="5900"/>
               </a:spcBef>
-              <a:defRPr sz="5500">
+              <a:buSzPct val="119000"/>
+              <a:buChar char="•"/>
+              <a:defRPr sz="5800">
                 <a:latin typeface="+mn-lt"/>
                 <a:ea typeface="+mn-ea"/>
                 <a:cs typeface="+mn-cs"/>
                 <a:sym typeface="ヒラギノ角ゴ ProN W3"/>
               </a:defRPr>
-            </a:pPr>
+            </a:lvl1pPr>
+          </a:lstStyle>
+          <a:p>
+            <a:pPr/>
             <a:r>
-              <a:t>ARFあり（SF方向への牽引）の場合、アクチン分子は実際の半月状に近い形に凝集⇨ </a:t>
+              <a:t>配向効果あり</a:t>
             </a:r>
-            <a:r>
-              <a:rPr>
-                <a:latin typeface="ヒラギノ角ゴ ProN W6"/>
-                <a:ea typeface="ヒラギノ角ゴ ProN W6"/>
-                <a:cs typeface="ヒラギノ角ゴ ProN W6"/>
-                <a:sym typeface="ヒラギノ角ゴ ProN W6"/>
-              </a:rPr>
-              <a:t>先端が膜側を向くことで細胞前方を押すことができ、推進可能な形になっている</a:t>
-            </a:r>
-          </a:p>
-        </p:txBody>
-      </p:sp>
-      <p:grpSp>
-        <p:nvGrpSpPr>
-          <p:cNvPr id="662" name="グループ"/>
-          <p:cNvGrpSpPr/>
-          <p:nvPr/>
-        </p:nvGrpSpPr>
-        <p:grpSpPr>
-          <a:xfrm>
-            <a:off x="10296521" y="2568312"/>
-            <a:ext cx="13407690" cy="5951476"/>
-            <a:chOff x="0" y="55571"/>
-            <a:chExt cx="13407688" cy="5951475"/>
-          </a:xfrm>
-        </p:grpSpPr>
-        <p:sp>
-          <p:nvSpPr>
-            <p:cNvPr id="660" name="四角形"/>
-            <p:cNvSpPr/>
-            <p:nvPr/>
-          </p:nvSpPr>
-          <p:spPr>
-            <a:xfrm>
-              <a:off x="0" y="677603"/>
-              <a:ext cx="13407689" cy="5329444"/>
-            </a:xfrm>
-            <a:prstGeom prst="rect">
-              <a:avLst/>
-            </a:prstGeom>
-            <a:noFill/>
-            <a:ln w="38100" cap="flat">
-              <a:solidFill>
-                <a:srgbClr val="000000"/>
-              </a:solidFill>
-              <a:prstDash val="solid"/>
-              <a:miter lim="400000"/>
-            </a:ln>
-            <a:effectLst/>
-          </p:spPr>
-          <p:txBody>
-            <a:bodyPr wrap="square" lIns="0" tIns="0" rIns="0" bIns="0" numCol="1" anchor="ctr">
-              <a:noAutofit/>
-            </a:bodyPr>
-            <a:lstStyle/>
-            <a:p>
-              <a:pPr>
-                <a:defRPr sz="11300">
-                  <a:solidFill>
-                    <a:srgbClr val="FFFFFF"/>
-                  </a:solidFill>
-                </a:defRPr>
-              </a:pPr>
-            </a:p>
-          </p:txBody>
-        </p:sp>
-        <p:sp>
-          <p:nvSpPr>
-            <p:cNvPr id="661" name="ARF条件"/>
-            <p:cNvSpPr txBox="1"/>
-            <p:nvPr/>
-          </p:nvSpPr>
-          <p:spPr>
-            <a:xfrm>
-              <a:off x="494811" y="55571"/>
-              <a:ext cx="4612391" cy="1518964"/>
-            </a:xfrm>
-            <a:prstGeom prst="rect">
-              <a:avLst/>
-            </a:prstGeom>
-            <a:solidFill>
-              <a:srgbClr val="FFFFFF"/>
-            </a:solidFill>
-            <a:ln w="12700" cap="flat">
-              <a:noFill/>
-              <a:miter lim="400000"/>
-            </a:ln>
-            <a:effectLst/>
-            <a:extLst>
-              <a:ext uri="{C572A759-6A51-4108-AA02-DFA0A04FC94B}">
-                <ma14:wrappingTextBoxFlag xmlns:ma14="http://schemas.microsoft.com/office/mac/drawingml/2011/main" val="1"/>
-              </a:ext>
-            </a:extLst>
-          </p:spPr>
-          <p:txBody>
-            <a:bodyPr wrap="square" lIns="50800" tIns="50800" rIns="50800" bIns="50800" numCol="1" anchor="ctr">
-              <a:noAutofit/>
-            </a:bodyPr>
-            <a:lstStyle>
-              <a:lvl1pPr>
-                <a:spcBef>
-                  <a:spcPts val="5900"/>
-                </a:spcBef>
-                <a:defRPr sz="5300">
-                  <a:latin typeface="+mn-lt"/>
-                  <a:ea typeface="+mn-ea"/>
-                  <a:cs typeface="+mn-cs"/>
-                  <a:sym typeface="ヒラギノ角ゴ ProN W3"/>
-                </a:defRPr>
-              </a:lvl1pPr>
-            </a:lstStyle>
-            <a:p>
-              <a:pPr/>
-              <a:r>
-                <a:t>ARF条件</a:t>
-              </a:r>
-            </a:p>
-          </p:txBody>
-        </p:sp>
-      </p:grpSp>
-      <p:sp>
-        <p:nvSpPr>
-          <p:cNvPr id="663" name="SF：２点の場合"/>
+          </a:p>
+        </p:txBody>
+      </p:sp>
+      <p:sp>
+        <p:nvSpPr>
+          <p:cNvPr id="683" name="距離非依存型"/>
           <p:cNvSpPr txBox="1"/>
           <p:nvPr/>
         </p:nvSpPr>
         <p:spPr>
           <a:xfrm>
-            <a:off x="11737114" y="4012110"/>
-            <a:ext cx="7991232" cy="838201"/>
+            <a:off x="11350567" y="7280978"/>
+            <a:ext cx="7991232" cy="838200"/>
           </a:xfrm>
           <a:prstGeom prst="rect">
             <a:avLst/>
@@ -20434,10 +21159,12 @@
             <a:spAutoFit/>
           </a:bodyPr>
           <a:lstStyle>
-            <a:lvl1pPr algn="l">
+            <a:lvl1pPr marL="520700" indent="-520700" algn="l">
               <a:spcBef>
                 <a:spcPts val="5900"/>
               </a:spcBef>
+              <a:buSzPct val="119000"/>
+              <a:buChar char="•"/>
               <a:defRPr sz="5800">
                 <a:latin typeface="+mn-lt"/>
                 <a:ea typeface="+mn-ea"/>
@@ -20449,103 +21176,7 @@
           <a:p>
             <a:pPr/>
             <a:r>
-              <a:t>SF：２点の場合</a:t>
-            </a:r>
-          </a:p>
-        </p:txBody>
-      </p:sp>
-      <p:sp>
-        <p:nvSpPr>
-          <p:cNvPr id="664" name="配向効果あり"/>
-          <p:cNvSpPr txBox="1"/>
-          <p:nvPr/>
-        </p:nvSpPr>
-        <p:spPr>
-          <a:xfrm>
-            <a:off x="11737114" y="5223266"/>
-            <a:ext cx="7991232" cy="838201"/>
-          </a:xfrm>
-          <a:prstGeom prst="rect">
-            <a:avLst/>
-          </a:prstGeom>
-          <a:ln w="12700">
-            <a:miter lim="400000"/>
-          </a:ln>
-          <a:extLst>
-            <a:ext uri="{C572A759-6A51-4108-AA02-DFA0A04FC94B}">
-              <ma14:wrappingTextBoxFlag xmlns:ma14="http://schemas.microsoft.com/office/mac/drawingml/2011/main" val="1"/>
-            </a:ext>
-          </a:extLst>
-        </p:spPr>
-        <p:txBody>
-          <a:bodyPr lIns="50800" tIns="50800" rIns="50800" bIns="50800" anchor="ctr">
-            <a:spAutoFit/>
-          </a:bodyPr>
-          <a:lstStyle>
-            <a:lvl1pPr algn="l">
-              <a:spcBef>
-                <a:spcPts val="5900"/>
-              </a:spcBef>
-              <a:defRPr sz="5800">
-                <a:latin typeface="+mn-lt"/>
-                <a:ea typeface="+mn-ea"/>
-                <a:cs typeface="+mn-cs"/>
-                <a:sym typeface="ヒラギノ角ゴ ProN W3"/>
-              </a:defRPr>
-            </a:lvl1pPr>
-          </a:lstStyle>
-          <a:p>
-            <a:pPr/>
-            <a:r>
-              <a:t>配向効果あり</a:t>
-            </a:r>
-          </a:p>
-        </p:txBody>
-      </p:sp>
-      <p:sp>
-        <p:nvSpPr>
-          <p:cNvPr id="665" name="距離非依存型ARF"/>
-          <p:cNvSpPr txBox="1"/>
-          <p:nvPr/>
-        </p:nvSpPr>
-        <p:spPr>
-          <a:xfrm>
-            <a:off x="11737114" y="6784307"/>
-            <a:ext cx="7991232" cy="838200"/>
-          </a:xfrm>
-          <a:prstGeom prst="rect">
-            <a:avLst/>
-          </a:prstGeom>
-          <a:ln w="12700">
-            <a:miter lim="400000"/>
-          </a:ln>
-          <a:extLst>
-            <a:ext uri="{C572A759-6A51-4108-AA02-DFA0A04FC94B}">
-              <ma14:wrappingTextBoxFlag xmlns:ma14="http://schemas.microsoft.com/office/mac/drawingml/2011/main" val="1"/>
-            </a:ext>
-          </a:extLst>
-        </p:spPr>
-        <p:txBody>
-          <a:bodyPr lIns="50800" tIns="50800" rIns="50800" bIns="50800" anchor="ctr">
-            <a:spAutoFit/>
-          </a:bodyPr>
-          <a:lstStyle>
-            <a:lvl1pPr algn="l">
-              <a:spcBef>
-                <a:spcPts val="5900"/>
-              </a:spcBef>
-              <a:defRPr sz="5800">
-                <a:latin typeface="+mn-lt"/>
-                <a:ea typeface="+mn-ea"/>
-                <a:cs typeface="+mn-cs"/>
-                <a:sym typeface="ヒラギノ角ゴ ProN W3"/>
-              </a:defRPr>
-            </a:lvl1pPr>
-          </a:lstStyle>
-          <a:p>
-            <a:pPr/>
-            <a:r>
-              <a:t>距離非依存型ARF</a:t>
+              <a:t>距離非依存型</a:t>
             </a:r>
           </a:p>
         </p:txBody>
@@ -20578,7 +21209,7 @@
       </p:grpSpPr>
       <p:sp>
         <p:nvSpPr>
-          <p:cNvPr id="667" name="結果"/>
+          <p:cNvPr id="685" name="結果"/>
           <p:cNvSpPr txBox="1"/>
           <p:nvPr>
             <p:ph type="title"/>
@@ -20602,14 +21233,14 @@
       </p:sp>
       <p:pic>
         <p:nvPicPr>
-          <p:cNvPr id="668" name="90_darf.pdf" descr="90_darf.pdf"/>
+          <p:cNvPr id="686" name="90_darf.pdf" descr="90_darf.pdf"/>
           <p:cNvPicPr>
             <a:picLocks noChangeAspect="1"/>
           </p:cNvPicPr>
           <p:nvPr/>
         </p:nvPicPr>
         <p:blipFill>
-          <a:blip r:embed="rId3">
+          <a:blip r:embed="rId2">
             <a:extLst/>
           </a:blip>
           <a:srcRect l="33479" t="21349" r="14666" b="22389"/>
@@ -20632,7 +21263,7 @@
       </p:pic>
       <p:sp>
         <p:nvSpPr>
-          <p:cNvPr id="669" name="グループ"/>
+          <p:cNvPr id="687" name="グループ"/>
           <p:cNvSpPr txBox="1"/>
           <p:nvPr/>
         </p:nvSpPr>
@@ -20680,7 +21311,7 @@
       </p:sp>
       <p:sp>
         <p:nvSpPr>
-          <p:cNvPr id="670" name="距離依存型ARFの場合、〜凝集⇨ 全アクチンを一様に牽引することが半月状形成に寄与"/>
+          <p:cNvPr id="688" name="SFに近いアクチン分子が大きく移動し凝集⇨ 全アクチンを一様に牽引(距離非依存)することが半月状形成に寄与"/>
           <p:cNvSpPr txBox="1"/>
           <p:nvPr/>
         </p:nvSpPr>
@@ -20719,7 +21350,7 @@
               </a:defRPr>
             </a:pPr>
             <a:r>
-              <a:t>距離依存型ARFの場合、〜凝集⇨ </a:t>
+              <a:t>SFに近いアクチン分子が大きく移動し凝集⇨ </a:t>
             </a:r>
             <a:r>
               <a:rPr>
@@ -20728,14 +21359,14 @@
                 <a:cs typeface="ヒラギノ角ゴ ProN W6"/>
                 <a:sym typeface="ヒラギノ角ゴ ProN W6"/>
               </a:rPr>
-              <a:t>全アクチンを一様に牽引することが半月状形成に寄与</a:t>
+              <a:t>全アクチンを一様に牽引(距離非依存)することが半月状形成に寄与</a:t>
             </a:r>
           </a:p>
         </p:txBody>
       </p:sp>
       <p:grpSp>
         <p:nvGrpSpPr>
-          <p:cNvPr id="673" name="グループ"/>
+          <p:cNvPr id="691" name="グループ"/>
           <p:cNvGrpSpPr/>
           <p:nvPr/>
         </p:nvGrpSpPr>
@@ -20749,7 +21380,7 @@
         </p:grpSpPr>
         <p:sp>
           <p:nvSpPr>
-            <p:cNvPr id="671" name="四角形"/>
+            <p:cNvPr id="689" name="四角形"/>
             <p:cNvSpPr/>
             <p:nvPr/>
           </p:nvSpPr>
@@ -20789,7 +21420,7 @@
         </p:sp>
         <p:sp>
           <p:nvSpPr>
-            <p:cNvPr id="672" name="ARF条件"/>
+            <p:cNvPr id="690" name="ARF条件"/>
             <p:cNvSpPr txBox="1"/>
             <p:nvPr/>
           </p:nvSpPr>
@@ -20843,14 +21474,14 @@
       </p:grpSp>
       <p:sp>
         <p:nvSpPr>
-          <p:cNvPr id="674" name="SF：２点の場合"/>
+          <p:cNvPr id="692" name="SFを２点と仮定"/>
           <p:cNvSpPr txBox="1"/>
           <p:nvPr/>
         </p:nvSpPr>
         <p:spPr>
           <a:xfrm>
-            <a:off x="11737114" y="4012110"/>
-            <a:ext cx="7991232" cy="838201"/>
+            <a:off x="10805121" y="3890182"/>
+            <a:ext cx="7991231" cy="838200"/>
           </a:xfrm>
           <a:prstGeom prst="rect">
             <a:avLst/>
@@ -20869,10 +21500,12 @@
             <a:spAutoFit/>
           </a:bodyPr>
           <a:lstStyle>
-            <a:lvl1pPr algn="l">
+            <a:lvl1pPr marL="520700" indent="-520700" algn="l">
               <a:spcBef>
                 <a:spcPts val="5900"/>
               </a:spcBef>
+              <a:buSzPct val="119000"/>
+              <a:buChar char="•"/>
               <a:defRPr sz="5800">
                 <a:latin typeface="+mn-lt"/>
                 <a:ea typeface="+mn-ea"/>
@@ -20884,21 +21517,21 @@
           <a:p>
             <a:pPr/>
             <a:r>
-              <a:t>SF：２点の場合</a:t>
+              <a:t>SFを２点と仮定</a:t>
             </a:r>
           </a:p>
         </p:txBody>
       </p:sp>
       <p:sp>
         <p:nvSpPr>
-          <p:cNvPr id="675" name="配向効果あり"/>
+          <p:cNvPr id="693" name="牽引効果："/>
           <p:cNvSpPr txBox="1"/>
           <p:nvPr/>
         </p:nvSpPr>
         <p:spPr>
           <a:xfrm>
-            <a:off x="11737114" y="5223266"/>
-            <a:ext cx="7991232" cy="838201"/>
+            <a:off x="10805121" y="5124950"/>
+            <a:ext cx="7991231" cy="838200"/>
           </a:xfrm>
           <a:prstGeom prst="rect">
             <a:avLst/>
@@ -20917,10 +21550,12 @@
             <a:spAutoFit/>
           </a:bodyPr>
           <a:lstStyle>
-            <a:lvl1pPr algn="l">
+            <a:lvl1pPr marL="520700" indent="-520700" algn="l">
               <a:spcBef>
                 <a:spcPts val="5900"/>
               </a:spcBef>
+              <a:buSzPct val="119000"/>
+              <a:buChar char="•"/>
               <a:defRPr sz="5800">
                 <a:latin typeface="+mn-lt"/>
                 <a:ea typeface="+mn-ea"/>
@@ -20932,20 +21567,20 @@
           <a:p>
             <a:pPr/>
             <a:r>
-              <a:t>配向効果あり</a:t>
+              <a:t>牽引効果：</a:t>
             </a:r>
           </a:p>
         </p:txBody>
       </p:sp>
       <p:sp>
         <p:nvSpPr>
-          <p:cNvPr id="676" name="距離依存型ARF"/>
+          <p:cNvPr id="694" name="配向効果あり"/>
           <p:cNvSpPr txBox="1"/>
           <p:nvPr/>
         </p:nvSpPr>
         <p:spPr>
           <a:xfrm>
-            <a:off x="11737114" y="6784307"/>
+            <a:off x="11350567" y="6202964"/>
             <a:ext cx="7991232" cy="838200"/>
           </a:xfrm>
           <a:prstGeom prst="rect">
@@ -20965,10 +21600,12 @@
             <a:spAutoFit/>
           </a:bodyPr>
           <a:lstStyle>
-            <a:lvl1pPr algn="l">
+            <a:lvl1pPr marL="520700" indent="-520700" algn="l">
               <a:spcBef>
                 <a:spcPts val="5900"/>
               </a:spcBef>
+              <a:buSzPct val="119000"/>
+              <a:buChar char="•"/>
               <a:defRPr sz="5800">
                 <a:latin typeface="+mn-lt"/>
                 <a:ea typeface="+mn-ea"/>
@@ -20980,7 +21617,52 @@
           <a:p>
             <a:pPr/>
             <a:r>
-              <a:t>距離依存型ARF</a:t>
+              <a:t>配向効果あり</a:t>
+            </a:r>
+          </a:p>
+        </p:txBody>
+      </p:sp>
+      <p:sp>
+        <p:nvSpPr>
+          <p:cNvPr id="695" name="距離依存型"/>
+          <p:cNvSpPr txBox="1"/>
+          <p:nvPr/>
+        </p:nvSpPr>
+        <p:spPr>
+          <a:xfrm>
+            <a:off x="11350567" y="7280978"/>
+            <a:ext cx="7991232" cy="838200"/>
+          </a:xfrm>
+          <a:prstGeom prst="rect">
+            <a:avLst/>
+          </a:prstGeom>
+          <a:ln w="12700">
+            <a:miter lim="400000"/>
+          </a:ln>
+          <a:extLst>
+            <a:ext uri="{C572A759-6A51-4108-AA02-DFA0A04FC94B}">
+              <ma14:wrappingTextBoxFlag xmlns:ma14="http://schemas.microsoft.com/office/mac/drawingml/2011/main" val="1"/>
+            </a:ext>
+          </a:extLst>
+        </p:spPr>
+        <p:txBody>
+          <a:bodyPr lIns="50800" tIns="50800" rIns="50800" bIns="50800" anchor="ctr">
+            <a:spAutoFit/>
+          </a:bodyPr>
+          <a:lstStyle>
+            <a:lvl1pPr marL="520700" indent="-520700" algn="l">
+              <a:spcBef>
+                <a:spcPts val="5900"/>
+              </a:spcBef>
+              <a:buSzPct val="119000"/>
+              <a:buChar char="•"/>
+              <a:defRPr sz="5800"/>
+            </a:lvl1pPr>
+          </a:lstStyle>
+          <a:p>
+            <a:pPr/>
+            <a:r>
+              <a:t>距離依存型</a:t>
             </a:r>
           </a:p>
         </p:txBody>
@@ -21013,7 +21695,7 @@
       </p:grpSpPr>
       <p:sp>
         <p:nvSpPr>
-          <p:cNvPr id="678" name="結果"/>
+          <p:cNvPr id="697" name="結果"/>
           <p:cNvSpPr txBox="1"/>
           <p:nvPr>
             <p:ph type="title"/>
@@ -21037,7 +21719,7 @@
       </p:sp>
       <p:pic>
         <p:nvPicPr>
-          <p:cNvPr id="679" name="90_nro.pdf" descr="90_nro.pdf"/>
+          <p:cNvPr id="698" name="90_nro.pdf" descr="90_nro.pdf"/>
           <p:cNvPicPr>
             <a:picLocks noChangeAspect="1"/>
           </p:cNvPicPr>
@@ -21067,7 +21749,7 @@
       </p:pic>
       <p:sp>
         <p:nvSpPr>
-          <p:cNvPr id="680" name="配向効果無しARFの場合"/>
+          <p:cNvPr id="699" name="配向効果無しARFの場合"/>
           <p:cNvSpPr txBox="1"/>
           <p:nvPr/>
         </p:nvSpPr>
@@ -21115,7 +21797,7 @@
       </p:sp>
       <p:sp>
         <p:nvSpPr>
-          <p:cNvPr id="681" name="配向効果が無しの場合、アクチンの先端が全方向に向くため凝集領域が徐々に拡大⇨ 配向効果はアクチン分子を細胞膜側へ向け, 形態の維持に寄与"/>
+          <p:cNvPr id="700" name="アクチンの先端が全方向に向くため凝集領域が徐々に拡大⇨ 配向効果はアクチン分子を細胞膜側へ向け, 形態の維持に寄与(進行方向決定)"/>
           <p:cNvSpPr txBox="1"/>
           <p:nvPr/>
         </p:nvSpPr>
@@ -21154,7 +21836,7 @@
               </a:defRPr>
             </a:pPr>
             <a:r>
-              <a:t>配向効果が無しの場合、アクチンの先端が全方向に向くため凝集領域が徐々に拡大⇨ </a:t>
+              <a:t>アクチンの先端が全方向に向くため凝集領域が徐々に拡大⇨ </a:t>
             </a:r>
             <a:r>
               <a:rPr>
@@ -21163,14 +21845,14 @@
                 <a:cs typeface="ヒラギノ角ゴ ProN W6"/>
                 <a:sym typeface="ヒラギノ角ゴ ProN W6"/>
               </a:rPr>
-              <a:t>配向効果はアクチン分子を細胞膜側へ向け, 形態の維持に寄与</a:t>
+              <a:t>配向効果はアクチン分子を細胞膜側へ向け, 形態の維持に寄与(進行方向決定)</a:t>
             </a:r>
           </a:p>
         </p:txBody>
       </p:sp>
       <p:grpSp>
         <p:nvGrpSpPr>
-          <p:cNvPr id="684" name="グループ"/>
+          <p:cNvPr id="703" name="グループ"/>
           <p:cNvGrpSpPr/>
           <p:nvPr/>
         </p:nvGrpSpPr>
@@ -21184,7 +21866,7 @@
         </p:grpSpPr>
         <p:sp>
           <p:nvSpPr>
-            <p:cNvPr id="682" name="四角形"/>
+            <p:cNvPr id="701" name="四角形"/>
             <p:cNvSpPr/>
             <p:nvPr/>
           </p:nvSpPr>
@@ -21224,7 +21906,7 @@
         </p:sp>
         <p:sp>
           <p:nvSpPr>
-            <p:cNvPr id="683" name="ARF条件"/>
+            <p:cNvPr id="702" name="ARF条件"/>
             <p:cNvSpPr txBox="1"/>
             <p:nvPr/>
           </p:nvSpPr>
@@ -21278,14 +21960,14 @@
       </p:grpSp>
       <p:sp>
         <p:nvSpPr>
-          <p:cNvPr id="685" name="SF：２点の場合"/>
+          <p:cNvPr id="704" name="SFを２点と仮定"/>
           <p:cNvSpPr txBox="1"/>
           <p:nvPr/>
         </p:nvSpPr>
         <p:spPr>
           <a:xfrm>
-            <a:off x="11737114" y="4012110"/>
-            <a:ext cx="7991232" cy="838201"/>
+            <a:off x="10805121" y="3890182"/>
+            <a:ext cx="7991231" cy="838200"/>
           </a:xfrm>
           <a:prstGeom prst="rect">
             <a:avLst/>
@@ -21304,10 +21986,12 @@
             <a:spAutoFit/>
           </a:bodyPr>
           <a:lstStyle>
-            <a:lvl1pPr algn="l">
+            <a:lvl1pPr marL="520700" indent="-520700" algn="l">
               <a:spcBef>
                 <a:spcPts val="5900"/>
               </a:spcBef>
+              <a:buSzPct val="119000"/>
+              <a:buChar char="•"/>
               <a:defRPr sz="5800">
                 <a:latin typeface="+mn-lt"/>
                 <a:ea typeface="+mn-ea"/>
@@ -21319,21 +22003,21 @@
           <a:p>
             <a:pPr/>
             <a:r>
-              <a:t>SF：２点の場合</a:t>
+              <a:t>SFを２点と仮定</a:t>
             </a:r>
           </a:p>
         </p:txBody>
       </p:sp>
       <p:sp>
         <p:nvSpPr>
-          <p:cNvPr id="686" name="配向効果なし"/>
+          <p:cNvPr id="705" name="牽引効果："/>
           <p:cNvSpPr txBox="1"/>
           <p:nvPr/>
         </p:nvSpPr>
         <p:spPr>
           <a:xfrm>
-            <a:off x="11737114" y="5223266"/>
-            <a:ext cx="7991232" cy="838201"/>
+            <a:off x="10805121" y="5124950"/>
+            <a:ext cx="7991231" cy="838200"/>
           </a:xfrm>
           <a:prstGeom prst="rect">
             <a:avLst/>
@@ -21352,10 +22036,12 @@
             <a:spAutoFit/>
           </a:bodyPr>
           <a:lstStyle>
-            <a:lvl1pPr algn="l">
+            <a:lvl1pPr marL="520700" indent="-520700" algn="l">
               <a:spcBef>
                 <a:spcPts val="5900"/>
               </a:spcBef>
+              <a:buSzPct val="119000"/>
+              <a:buChar char="•"/>
               <a:defRPr sz="5800">
                 <a:latin typeface="+mn-lt"/>
                 <a:ea typeface="+mn-ea"/>
@@ -21367,20 +22053,20 @@
           <a:p>
             <a:pPr/>
             <a:r>
-              <a:t>配向効果なし</a:t>
+              <a:t>牽引効果：</a:t>
             </a:r>
           </a:p>
         </p:txBody>
       </p:sp>
       <p:sp>
         <p:nvSpPr>
-          <p:cNvPr id="687" name="距離非依存型ARF"/>
+          <p:cNvPr id="706" name="配向効果なし"/>
           <p:cNvSpPr txBox="1"/>
           <p:nvPr/>
         </p:nvSpPr>
         <p:spPr>
           <a:xfrm>
-            <a:off x="11737114" y="6784307"/>
+            <a:off x="11350567" y="6202964"/>
             <a:ext cx="7991232" cy="838200"/>
           </a:xfrm>
           <a:prstGeom prst="rect">
@@ -21400,10 +22086,57 @@
             <a:spAutoFit/>
           </a:bodyPr>
           <a:lstStyle>
-            <a:lvl1pPr algn="l">
+            <a:lvl1pPr marL="520700" indent="-520700" algn="l">
               <a:spcBef>
                 <a:spcPts val="5900"/>
               </a:spcBef>
+              <a:buSzPct val="119000"/>
+              <a:buChar char="•"/>
+              <a:defRPr sz="5800"/>
+            </a:lvl1pPr>
+          </a:lstStyle>
+          <a:p>
+            <a:pPr/>
+            <a:r>
+              <a:t>配向効果なし</a:t>
+            </a:r>
+          </a:p>
+        </p:txBody>
+      </p:sp>
+      <p:sp>
+        <p:nvSpPr>
+          <p:cNvPr id="707" name="距離非依存型"/>
+          <p:cNvSpPr txBox="1"/>
+          <p:nvPr/>
+        </p:nvSpPr>
+        <p:spPr>
+          <a:xfrm>
+            <a:off x="11350567" y="7280978"/>
+            <a:ext cx="7991232" cy="838200"/>
+          </a:xfrm>
+          <a:prstGeom prst="rect">
+            <a:avLst/>
+          </a:prstGeom>
+          <a:ln w="12700">
+            <a:miter lim="400000"/>
+          </a:ln>
+          <a:extLst>
+            <a:ext uri="{C572A759-6A51-4108-AA02-DFA0A04FC94B}">
+              <ma14:wrappingTextBoxFlag xmlns:ma14="http://schemas.microsoft.com/office/mac/drawingml/2011/main" val="1"/>
+            </a:ext>
+          </a:extLst>
+        </p:spPr>
+        <p:txBody>
+          <a:bodyPr lIns="50800" tIns="50800" rIns="50800" bIns="50800" anchor="ctr">
+            <a:spAutoFit/>
+          </a:bodyPr>
+          <a:lstStyle>
+            <a:lvl1pPr marL="520700" indent="-520700" algn="l">
+              <a:spcBef>
+                <a:spcPts val="5900"/>
+              </a:spcBef>
+              <a:buSzPct val="119000"/>
+              <a:buChar char="•"/>
               <a:defRPr sz="5800">
                 <a:latin typeface="+mn-lt"/>
                 <a:ea typeface="+mn-ea"/>
@@ -21415,7 +22148,7 @@
           <a:p>
             <a:pPr/>
             <a:r>
-              <a:t>距離非依存型ARF</a:t>
+              <a:t>距離非依存型</a:t>
             </a:r>
           </a:p>
         </p:txBody>
@@ -21746,7 +22479,12 @@
             <a:pPr marL="767291" indent="-767291" algn="just">
               <a:buSzPct val="125000"/>
               <a:buChar char="•"/>
-              <a:defRPr sz="5800"/>
+              <a:defRPr sz="5800">
+                <a:latin typeface="+mn-lt"/>
+                <a:ea typeface="+mn-ea"/>
+                <a:cs typeface="+mn-cs"/>
+                <a:sym typeface="ヒラギノ角ゴ ProN W3"/>
+              </a:defRPr>
             </a:pPr>
             <a:r>
               <a:t>魚の鱗上に存在する表皮細胞</a:t>
@@ -21756,7 +22494,12 @@
             <a:pPr marL="767291" indent="-767291" algn="just">
               <a:buSzPct val="125000"/>
               <a:buChar char="•"/>
-              <a:defRPr sz="5800"/>
+              <a:defRPr sz="5800">
+                <a:latin typeface="+mn-lt"/>
+                <a:ea typeface="+mn-ea"/>
+                <a:cs typeface="+mn-cs"/>
+                <a:sym typeface="ヒラギノ角ゴ ProN W3"/>
+              </a:defRPr>
             </a:pPr>
             <a:r>
               <a:t>皮膚が創傷を受けると創傷箇所へ移動</a:t>
@@ -21766,7 +22509,12 @@
             <a:pPr marL="767291" indent="-767291" algn="just">
               <a:buSzPct val="125000"/>
               <a:buChar char="•"/>
-              <a:defRPr sz="5800"/>
+              <a:defRPr sz="5800">
+                <a:latin typeface="+mn-lt"/>
+                <a:ea typeface="+mn-ea"/>
+                <a:cs typeface="+mn-cs"/>
+                <a:sym typeface="ヒラギノ角ゴ ProN W3"/>
+              </a:defRPr>
             </a:pPr>
             <a:r>
               <a:t>特徴的なアメーバ運動</a:t>
@@ -21776,7 +22524,12 @@
             <a:pPr lvl="1" marL="1402291" indent="-767291" algn="just">
               <a:buSzPct val="125000"/>
               <a:buChar char="•"/>
-              <a:defRPr sz="5800"/>
+              <a:defRPr sz="5800">
+                <a:latin typeface="+mn-lt"/>
+                <a:ea typeface="+mn-ea"/>
+                <a:cs typeface="+mn-cs"/>
+                <a:sym typeface="ヒラギノ角ゴ ProN W3"/>
+              </a:defRPr>
             </a:pPr>
             <a:r>
               <a:t>通常時：立方体</a:t>
@@ -21786,7 +22539,12 @@
             <a:pPr lvl="1" marL="1402291" indent="-767291" algn="just">
               <a:buSzPct val="125000"/>
               <a:buChar char="•"/>
-              <a:defRPr sz="5800"/>
+              <a:defRPr sz="5800">
+                <a:latin typeface="+mn-lt"/>
+                <a:ea typeface="+mn-ea"/>
+                <a:cs typeface="+mn-cs"/>
+                <a:sym typeface="ヒラギノ角ゴ ProN W3"/>
+              </a:defRPr>
             </a:pPr>
             <a:r>
               <a:t>遊走時：半月状</a:t>
@@ -21902,7 +22660,7 @@
       </p:grpSpPr>
       <p:sp>
         <p:nvSpPr>
-          <p:cNvPr id="689" name="まとめ"/>
+          <p:cNvPr id="709" name="まとめ"/>
           <p:cNvSpPr txBox="1"/>
           <p:nvPr>
             <p:ph type="title"/>
@@ -21952,7 +22710,7 @@
       </p:grpSpPr>
       <p:sp>
         <p:nvSpPr>
-          <p:cNvPr id="691" name="まとめ"/>
+          <p:cNvPr id="711" name="まとめ"/>
           <p:cNvSpPr txBox="1"/>
           <p:nvPr>
             <p:ph type="title"/>
@@ -21976,7 +22734,7 @@
       </p:sp>
       <p:grpSp>
         <p:nvGrpSpPr>
-          <p:cNvPr id="695" name="グループ"/>
+          <p:cNvPr id="715" name="グループ"/>
           <p:cNvGrpSpPr/>
           <p:nvPr/>
         </p:nvGrpSpPr>
@@ -21990,7 +22748,7 @@
         </p:grpSpPr>
         <p:sp>
           <p:nvSpPr>
-            <p:cNvPr id="692" name="四角形"/>
+            <p:cNvPr id="712" name="四角形"/>
             <p:cNvSpPr/>
             <p:nvPr/>
           </p:nvSpPr>
@@ -22030,7 +22788,7 @@
         </p:sp>
         <p:sp>
           <p:nvSpPr>
-            <p:cNvPr id="693" name="結果"/>
+            <p:cNvPr id="713" name="結果"/>
             <p:cNvSpPr txBox="1"/>
             <p:nvPr/>
           </p:nvSpPr>
@@ -22083,7 +22841,7 @@
         </p:sp>
         <p:sp>
           <p:nvSpPr>
-            <p:cNvPr id="694" name="距離非依存型ARFが細胞の膨張を防ぐ(膨張抑制)…"/>
+            <p:cNvPr id="714" name="牽引効果が細胞の膨張を防ぐ(膨張抑制)…"/>
             <p:cNvSpPr txBox="1"/>
             <p:nvPr/>
           </p:nvSpPr>
@@ -22127,7 +22885,49 @@
                 </a:defRPr>
               </a:pPr>
               <a:r>
-                <a:t>距離非依存型ARFが細胞の膨張を防ぐ(膨張抑制)</a:t>
+                <a:t>牽引効果が細胞の膨張を防ぐ</a:t>
+              </a:r>
+              <a:r>
+                <a:rPr>
+                  <a:latin typeface="ヒラギノ角ゴ ProN W6"/>
+                  <a:ea typeface="ヒラギノ角ゴ ProN W6"/>
+                  <a:cs typeface="ヒラギノ角ゴ ProN W6"/>
+                  <a:sym typeface="ヒラギノ角ゴ ProN W6"/>
+                </a:rPr>
+                <a:t>(膨張抑制)</a:t>
+              </a:r>
+              <a:endParaRPr>
+                <a:latin typeface="ヒラギノ角ゴ ProN W6"/>
+                <a:ea typeface="ヒラギノ角ゴ ProN W6"/>
+                <a:cs typeface="ヒラギノ角ゴ ProN W6"/>
+                <a:sym typeface="ヒラギノ角ゴ ProN W6"/>
+              </a:endParaRPr>
+            </a:p>
+            <a:p>
+              <a:pPr marL="228600" indent="-228600" algn="l">
+                <a:spcBef>
+                  <a:spcPts val="5900"/>
+                </a:spcBef>
+                <a:buSzPct val="100000"/>
+                <a:buChar char="•"/>
+                <a:defRPr sz="5800">
+                  <a:latin typeface="+mn-lt"/>
+                  <a:ea typeface="+mn-ea"/>
+                  <a:cs typeface="+mn-cs"/>
+                  <a:sym typeface="ヒラギノ角ゴ ProN W3"/>
+                </a:defRPr>
+              </a:pPr>
+              <a:r>
+                <a:t>ARFの配向効果がアクチン先端を細胞膜側へ向け，</a:t>
+              </a:r>
+              <a:r>
+                <a:rPr>
+                  <a:latin typeface="ヒラギノ角ゴ ProN W6"/>
+                  <a:ea typeface="ヒラギノ角ゴ ProN W6"/>
+                  <a:cs typeface="ヒラギノ角ゴ ProN W6"/>
+                  <a:sym typeface="ヒラギノ角ゴ ProN W6"/>
+                </a:rPr>
+                <a:t>(形状維持)</a:t>
               </a:r>
             </a:p>
             <a:p>
@@ -22145,25 +22945,28 @@
                 </a:defRPr>
               </a:pPr>
               <a:r>
-                <a:t>ARFの配向効果でアクチン先端を細胞膜側へ向ける(形状維持)</a:t>
+                <a:t>細長いSFへ一様に引きつけられることでアクチン分子が</a:t>
               </a:r>
-            </a:p>
-            <a:p>
-              <a:pPr marL="228600" indent="-228600" algn="l">
-                <a:spcBef>
-                  <a:spcPts val="5900"/>
-                </a:spcBef>
-                <a:buSzPct val="100000"/>
-                <a:buChar char="•"/>
-                <a:defRPr sz="5800">
-                  <a:latin typeface="+mn-lt"/>
-                  <a:ea typeface="+mn-ea"/>
-                  <a:cs typeface="+mn-cs"/>
-                  <a:sym typeface="ヒラギノ角ゴ ProN W3"/>
-                </a:defRPr>
-              </a:pPr>
               <a:r>
-                <a:t>SFへ引きつけられることでアクチン分子が半月状を形成し, 推進方向へ揃う</a:t>
+                <a:rPr>
+                  <a:latin typeface="ヒラギノ角ゴ ProN W6"/>
+                  <a:ea typeface="ヒラギノ角ゴ ProN W6"/>
+                  <a:cs typeface="ヒラギノ角ゴ ProN W6"/>
+                  <a:sym typeface="ヒラギノ角ゴ ProN W6"/>
+                </a:rPr>
+                <a:t>半月状を形成</a:t>
+              </a:r>
+              <a:r>
+                <a:t>し, 重合方向が揃う</a:t>
+              </a:r>
+              <a:r>
+                <a:rPr>
+                  <a:latin typeface="ヒラギノ角ゴ ProN W6"/>
+                  <a:ea typeface="ヒラギノ角ゴ ProN W6"/>
+                  <a:cs typeface="ヒラギノ角ゴ ProN W6"/>
+                  <a:sym typeface="ヒラギノ角ゴ ProN W6"/>
+                </a:rPr>
+                <a:t>(推進方向決定)</a:t>
               </a:r>
             </a:p>
           </p:txBody>
@@ -22171,7 +22974,7 @@
       </p:grpSp>
       <p:grpSp>
         <p:nvGrpSpPr>
-          <p:cNvPr id="698" name="グループ"/>
+          <p:cNvPr id="718" name="グループ"/>
           <p:cNvGrpSpPr/>
           <p:nvPr/>
         </p:nvGrpSpPr>
@@ -22185,7 +22988,7 @@
         </p:grpSpPr>
         <p:sp>
           <p:nvSpPr>
-            <p:cNvPr id="696" name="四角形"/>
+            <p:cNvPr id="716" name="四角形"/>
             <p:cNvSpPr/>
             <p:nvPr/>
           </p:nvSpPr>
@@ -22225,7 +23028,7 @@
         </p:sp>
         <p:sp>
           <p:nvSpPr>
-            <p:cNvPr id="697" name="ケラトサイトの遊走時の半月状形態がどのように形成, 維持されているのかをシミュレーション実験により検討"/>
+            <p:cNvPr id="717" name="ケラトサイトの遊走時の半月状形態がどのように形成, 維持されているのかをシミュレーション実験により検討"/>
             <p:cNvSpPr txBox="1"/>
             <p:nvPr/>
           </p:nvSpPr>
@@ -22789,14 +23592,14 @@
       </p:sp>
       <p:sp>
         <p:nvSpPr>
-          <p:cNvPr id="152" name="重合する端とは逆の端ではアクチン分子が解離していきその一部が細胞後部へ向かう"/>
+          <p:cNvPr id="152" name="重合する端とは逆の端ではアクチン分子が解離し，細胞後部へ向かう"/>
           <p:cNvSpPr txBox="1"/>
           <p:nvPr/>
         </p:nvSpPr>
         <p:spPr>
           <a:xfrm>
             <a:off x="5064204" y="10229473"/>
-            <a:ext cx="15244647" cy="1943100"/>
+            <a:ext cx="14368823" cy="1943100"/>
           </a:xfrm>
           <a:prstGeom prst="rect">
             <a:avLst/>
@@ -22830,7 +23633,7 @@
           <a:p>
             <a:pPr/>
             <a:r>
-              <a:t>重合する端とは逆の端ではアクチン分子が解離していきその一部が細胞後部へ向かう</a:t>
+              <a:t>重合する端とは逆の端ではアクチン分子が解離し，細胞後部へ向かう</a:t>
             </a:r>
           </a:p>
         </p:txBody>
@@ -23048,8 +23851,8 @@
         </p:nvSpPr>
         <p:spPr>
           <a:xfrm>
-            <a:off x="5064204" y="10229473"/>
-            <a:ext cx="15244647" cy="1943100"/>
+            <a:off x="4839118" y="10533798"/>
+            <a:ext cx="14705764" cy="1943100"/>
           </a:xfrm>
           <a:prstGeom prst="rect">
             <a:avLst/>
@@ -23294,7 +24097,7 @@
       </p:sp>
       <p:sp>
         <p:nvSpPr>
-          <p:cNvPr id="168" name="ミオシン分子よりアクチン分子が細胞後方へ引きつけられる(ARF)"/>
+          <p:cNvPr id="168" name="ミオシン分子によりアクチン分子が細胞後方へ引きつけられる(ARF)"/>
           <p:cNvSpPr txBox="1"/>
           <p:nvPr/>
         </p:nvSpPr>
@@ -23319,8 +24122,9 @@
           <a:bodyPr lIns="50800" tIns="50800" rIns="50800" bIns="50800" anchor="ctr">
             <a:spAutoFit/>
           </a:bodyPr>
-          <a:lstStyle>
-            <a:lvl1pPr algn="l">
+          <a:lstStyle/>
+          <a:p>
+            <a:pPr algn="l">
               <a:spcBef>
                 <a:spcPts val="5900"/>
               </a:spcBef>
@@ -23330,12 +24134,20 @@
                 <a:cs typeface="+mn-cs"/>
                 <a:sym typeface="ヒラギノ角ゴ ProN W3"/>
               </a:defRPr>
-            </a:lvl1pPr>
-          </a:lstStyle>
-          <a:p>
-            <a:pPr/>
+            </a:pPr>
             <a:r>
-              <a:t>ミオシン分子よりアクチン分子が細胞後方へ引きつけられる(ARF)</a:t>
+              <a:t>ミオシン分子によりアクチン分子が細胞後方へ引きつけられる(</a:t>
+            </a:r>
+            <a:r>
+              <a:rPr>
+                <a:solidFill>
+                  <a:srgbClr val="0751E2"/>
+                </a:solidFill>
+              </a:rPr>
+              <a:t>ARF</a:t>
+            </a:r>
+            <a:r>
+              <a:t>)</a:t>
             </a:r>
           </a:p>
         </p:txBody>
@@ -23607,7 +24419,7 @@
         </p:sp>
         <p:sp>
           <p:nvSpPr>
-            <p:cNvPr id="179" name="アクチン分子と細胞膜をモデル化した物理シミュレーション実験により, ケラトサイトの遊走時の半月状形態を形成, 維持するメカニズムを解明"/>
+            <p:cNvPr id="179" name="アクチン分子と細胞膜をモデル化した物理シミュレーション実験により, ケラトサイトが遊走時に半月状形態を形成・維持するメカニズムを解明"/>
             <p:cNvSpPr txBox="1"/>
             <p:nvPr/>
           </p:nvSpPr>
@@ -23651,7 +24463,7 @@
             <a:p>
               <a:pPr/>
               <a:r>
-                <a:t>アクチン分子と細胞膜をモデル化した物理シミュレーション実験により, ケラトサイトの遊走時の半月状形態を形成, 維持するメカニズムを解明</a:t>
+                <a:t>アクチン分子と細胞膜をモデル化した物理シミュレーション実験により, ケラトサイトが遊走時に半月状形態を形成・維持するメカニズムを解明</a:t>
               </a:r>
             </a:p>
           </p:txBody>

--- a/tokunaga_mp.pptx
+++ b/tokunaga_mp.pptx
@@ -24,21 +24,21 @@
     <p:sldId id="269" r:id="rId22"/>
     <p:sldId id="270" r:id="rId23"/>
     <p:sldId id="271" r:id="rId24"/>
-    <p:sldId id="272" r:id="rId26"/>
-    <p:sldId id="273" r:id="rId27"/>
-    <p:sldId id="274" r:id="rId28"/>
-    <p:sldId id="275" r:id="rId29"/>
-    <p:sldId id="276" r:id="rId30"/>
-    <p:sldId id="277" r:id="rId31"/>
-    <p:sldId id="278" r:id="rId32"/>
-    <p:sldId id="279" r:id="rId33"/>
-    <p:sldId id="280" r:id="rId34"/>
-    <p:sldId id="281" r:id="rId35"/>
-    <p:sldId id="282" r:id="rId36"/>
-    <p:sldId id="283" r:id="rId37"/>
-    <p:sldId id="284" r:id="rId38"/>
-    <p:sldId id="285" r:id="rId39"/>
-    <p:sldId id="286" r:id="rId40"/>
+    <p:sldId id="272" r:id="rId25"/>
+    <p:sldId id="273" r:id="rId26"/>
+    <p:sldId id="274" r:id="rId27"/>
+    <p:sldId id="275" r:id="rId28"/>
+    <p:sldId id="276" r:id="rId29"/>
+    <p:sldId id="277" r:id="rId30"/>
+    <p:sldId id="278" r:id="rId31"/>
+    <p:sldId id="279" r:id="rId32"/>
+    <p:sldId id="280" r:id="rId33"/>
+    <p:sldId id="281" r:id="rId34"/>
+    <p:sldId id="282" r:id="rId35"/>
+    <p:sldId id="283" r:id="rId36"/>
+    <p:sldId id="284" r:id="rId37"/>
+    <p:sldId id="285" r:id="rId38"/>
+    <p:sldId id="286" r:id="rId39"/>
   </p:sldIdLst>
   <p:sldSz cx="24384000" cy="13716000"/>
   <p:notesSz cx="6858000" cy="9144000"/>
@@ -345,7 +345,7 @@
 
 <file path=ppt/commentAuthors.xml><?xml version="1.0" encoding="utf-8"?>
 <p:cmAuthorLst xmlns:a="http://schemas.openxmlformats.org/drawingml/2006/main" xmlns:r="http://schemas.openxmlformats.org/officeDocument/2006/relationships" xmlns:p="http://schemas.openxmlformats.org/presentationml/2006/main" xmlns:m="http://schemas.openxmlformats.org/officeDocument/2006/math" xmlns:a14="http://schemas.microsoft.com/office/drawing/2010/main">
-  <p:cmAuthor id="0" name="Yu Tokunaga" initials="YT" lastIdx="2" clrIdx="0"/>
+  <p:cmAuthor id="0" name="Yu Tokunaga" initials="YT" lastIdx="1" clrIdx="0"/>
 </p:cmAuthorLst>
 </file>
 
@@ -359,25 +359,6 @@
 線を薄く淡く
 解離（脱重合）
 ARFのフルネーム
-</p:text>
-    <p:extLst>
-      <p:ext uri="{C676402C-5697-4E1C-873F-D02D1690AC5C}">
-        <p15:threadingInfo xmlns:p15="http://schemas.microsoft.com/office/powerpoint/2012/main" timeZoneBias="-540"/>
-      </p:ext>
-    </p:extLst>
-  </p:cm>
-</p:cmLst>
-</file>
-
-<file path=ppt/comments/comment2.xml><?xml version="1.0" encoding="utf-8"?>
-<p:cmLst xmlns:a="http://schemas.openxmlformats.org/drawingml/2006/main" xmlns:r="http://schemas.openxmlformats.org/officeDocument/2006/relationships" xmlns:p="http://schemas.openxmlformats.org/presentationml/2006/main" xmlns:m="http://schemas.openxmlformats.org/officeDocument/2006/math" xmlns:a14="http://schemas.microsoft.com/office/drawing/2010/main">
-  <p:cm authorId="0" dt="2019-02-20T13:11:26.712" idx="2">
-    <p:pos x="97" y="6895"/>
-    <p:text>Lは重ねる
-別空間
-式の説明はアンダーバー
-伸びる方向そのように仮定しております
-それはアクチン密度に依存をすると仮定していてその影響を示すのがこの関数です
 </p:text>
     <p:extLst>
       <p:ext uri="{C676402C-5697-4E1C-873F-D02D1690AC5C}">
@@ -3082,7 +3063,7 @@
       </p:grpSpPr>
       <p:sp>
         <p:nvSpPr>
-          <p:cNvPr id="119" name="A Computational Model of Cell Migration of Fish Keratocytes"/>
+          <p:cNvPr id="119" name="ケラトサイトの細胞遊走の…"/>
           <p:cNvSpPr txBox="1"/>
           <p:nvPr>
             <p:ph type="ctrTitle"/>
@@ -3095,15 +3076,21 @@
         </p:spPr>
         <p:txBody>
           <a:bodyPr anchor="ctr"/>
-          <a:lstStyle>
-            <a:lvl1pPr defTabSz="784225">
-              <a:defRPr sz="10640"/>
-            </a:lvl1pPr>
-          </a:lstStyle>
-          <a:p>
-            <a:pPr/>
+          <a:lstStyle/>
+          <a:p>
+            <a:pPr>
+              <a:defRPr sz="11200"/>
+            </a:pPr>
             <a:r>
-              <a:t>A Computational Model of Cell Migration of Fish Keratocytes</a:t>
+              <a:t>ケラトサイトの細胞遊走の</a:t>
+            </a:r>
+          </a:p>
+          <a:p>
+            <a:pPr>
+              <a:defRPr sz="11200"/>
+            </a:pPr>
+            <a:r>
+              <a:t>シミュレーションモデル</a:t>
             </a:r>
           </a:p>
         </p:txBody>
@@ -3149,7 +3136,7 @@
               <a:defRPr sz="5612"/>
             </a:pPr>
             <a:r>
-              <a:t>徳永 優</a:t>
+              <a:t>徳永 優, 岩楯 好昭, 浦上 直人, 西井 淳</a:t>
             </a:r>
           </a:p>
         </p:txBody>
@@ -3182,7 +3169,7 @@
       </p:grpSpPr>
       <p:sp>
         <p:nvSpPr>
-          <p:cNvPr id="183" name="実験手法"/>
+          <p:cNvPr id="182" name="実験手法"/>
           <p:cNvSpPr txBox="1"/>
           <p:nvPr>
             <p:ph type="title"/>
@@ -3232,7 +3219,7 @@
       </p:grpSpPr>
       <p:sp>
         <p:nvSpPr>
-          <p:cNvPr id="185" name="初期配置"/>
+          <p:cNvPr id="184" name="初期配置"/>
           <p:cNvSpPr txBox="1"/>
           <p:nvPr>
             <p:ph type="title"/>
@@ -3256,7 +3243,7 @@
       </p:sp>
       <p:sp>
         <p:nvSpPr>
-          <p:cNvPr id="186" name="膜分子は単純な粒子点とみなす…"/>
+          <p:cNvPr id="185" name="膜分子は単純な粒子点とみなす…"/>
           <p:cNvSpPr txBox="1"/>
           <p:nvPr/>
         </p:nvSpPr>
@@ -3315,7 +3302,7 @@
               </a:defRPr>
             </a:pPr>
             <a:r>
-              <a:t>膜分子は円柱表面上に等間隔で配置</a:t>
+              <a:t>膜分子は円柱表面上に等間隔に配置</a:t>
             </a:r>
           </a:p>
           <a:p>
@@ -3351,14 +3338,14 @@
               </a:defRPr>
             </a:pPr>
             <a:r>
-              <a:t>隣同士の膜分子が相互作用</a:t>
+              <a:t>隣の膜分子同士で相互作用</a:t>
             </a:r>
           </a:p>
         </p:txBody>
       </p:sp>
       <p:pic>
         <p:nvPicPr>
-          <p:cNvPr id="187" name="screenshot711597.jpg" descr="screenshot711597.jpg"/>
+          <p:cNvPr id="186" name="screenshot711597.jpg" descr="screenshot711597.jpg"/>
           <p:cNvPicPr>
             <a:picLocks noChangeAspect="1"/>
           </p:cNvPicPr>
@@ -3414,7 +3401,7 @@
       </p:grpSpPr>
       <p:sp>
         <p:nvSpPr>
-          <p:cNvPr id="189" name="細胞膜シミュレーション"/>
+          <p:cNvPr id="188" name="細胞膜シミュレーション"/>
           <p:cNvSpPr txBox="1"/>
           <p:nvPr>
             <p:ph type="title"/>
@@ -3438,7 +3425,7 @@
       </p:sp>
       <p:pic>
         <p:nvPicPr>
-          <p:cNvPr id="190" name="eq1.png" descr="eq1.png"/>
+          <p:cNvPr id="189" name="eq1.png" descr="eq1.png"/>
           <p:cNvPicPr>
             <a:picLocks noChangeAspect="1"/>
           </p:cNvPicPr>
@@ -3467,7 +3454,7 @@
       </p:pic>
       <p:pic>
         <p:nvPicPr>
-          <p:cNvPr id="191" name="四角形" descr="四角形"/>
+          <p:cNvPr id="190" name="四角形" descr="四角形"/>
           <p:cNvPicPr>
             <a:picLocks noChangeAspect="0"/>
           </p:cNvPicPr>
@@ -3493,7 +3480,7 @@
       </p:pic>
       <p:grpSp>
         <p:nvGrpSpPr>
-          <p:cNvPr id="196" name="グループ"/>
+          <p:cNvPr id="195" name="グループ"/>
           <p:cNvGrpSpPr/>
           <p:nvPr/>
         </p:nvGrpSpPr>
@@ -3507,7 +3494,7 @@
         </p:grpSpPr>
         <p:pic>
           <p:nvPicPr>
-            <p:cNvPr id="193" name="四角形" descr="四角形"/>
+            <p:cNvPr id="192" name="四角形" descr="四角形"/>
             <p:cNvPicPr>
               <a:picLocks noChangeAspect="0"/>
             </p:cNvPicPr>
@@ -3534,7 +3521,7 @@
         </p:pic>
         <p:pic>
           <p:nvPicPr>
-            <p:cNvPr id="195" name="fm.png" descr="fm.png"/>
+            <p:cNvPr id="194" name="fm.png" descr="fm.png"/>
             <p:cNvPicPr>
               <a:picLocks noChangeAspect="1"/>
             </p:cNvPicPr>
@@ -3567,7 +3554,7 @@
       </p:grpSp>
       <p:sp>
         <p:nvSpPr>
-          <p:cNvPr id="271" name="接続の線"/>
+          <p:cNvPr id="270" name="接続の線"/>
           <p:cNvSpPr/>
           <p:nvPr/>
         </p:nvSpPr>
@@ -3624,7 +3611,7 @@
       </p:sp>
       <p:sp>
         <p:nvSpPr>
-          <p:cNvPr id="198" name="バネ定数"/>
+          <p:cNvPr id="197" name="バネ定数"/>
           <p:cNvSpPr txBox="1"/>
           <p:nvPr/>
         </p:nvSpPr>
@@ -3672,7 +3659,7 @@
       </p:sp>
       <p:sp>
         <p:nvSpPr>
-          <p:cNvPr id="272" name="接続の線"/>
+          <p:cNvPr id="271" name="接続の線"/>
           <p:cNvSpPr/>
           <p:nvPr/>
         </p:nvSpPr>
@@ -3729,7 +3716,7 @@
       </p:sp>
       <p:sp>
         <p:nvSpPr>
-          <p:cNvPr id="200" name="膜分子の位置"/>
+          <p:cNvPr id="199" name="膜分子の位置"/>
           <p:cNvSpPr txBox="1"/>
           <p:nvPr/>
         </p:nvSpPr>
@@ -3777,7 +3764,7 @@
       </p:sp>
       <p:sp>
         <p:nvSpPr>
-          <p:cNvPr id="273" name="接続の線"/>
+          <p:cNvPr id="272" name="接続の線"/>
           <p:cNvSpPr/>
           <p:nvPr/>
         </p:nvSpPr>
@@ -3834,14 +3821,14 @@
       </p:sp>
       <p:sp>
         <p:nvSpPr>
-          <p:cNvPr id="202" name="二分子間の初期距離"/>
+          <p:cNvPr id="201" name="二分子間の初期距離"/>
           <p:cNvSpPr txBox="1"/>
           <p:nvPr/>
         </p:nvSpPr>
         <p:spPr>
           <a:xfrm>
-            <a:off x="9875841" y="6778192"/>
-            <a:ext cx="4599425" cy="584201"/>
+            <a:off x="9875841" y="6768667"/>
+            <a:ext cx="4599425" cy="603251"/>
           </a:xfrm>
           <a:prstGeom prst="rect">
             <a:avLst/>
@@ -3864,7 +3851,7 @@
               <a:spcBef>
                 <a:spcPts val="4500"/>
               </a:spcBef>
-              <a:defRPr sz="3800">
+              <a:defRPr sz="3900">
                 <a:latin typeface="+mn-lt"/>
                 <a:ea typeface="+mn-ea"/>
                 <a:cs typeface="+mn-cs"/>
@@ -3882,7 +3869,7 @@
       </p:sp>
       <p:sp>
         <p:nvSpPr>
-          <p:cNvPr id="203" name="四角形"/>
+          <p:cNvPr id="202" name="四角形"/>
           <p:cNvSpPr/>
           <p:nvPr/>
         </p:nvSpPr>
@@ -3917,7 +3904,7 @@
       </p:sp>
       <p:sp>
         <p:nvSpPr>
-          <p:cNvPr id="204" name="細胞膜"/>
+          <p:cNvPr id="203" name="細胞膜"/>
           <p:cNvSpPr txBox="1"/>
           <p:nvPr/>
         </p:nvSpPr>
@@ -3965,7 +3952,7 @@
       </p:sp>
       <p:pic>
         <p:nvPicPr>
-          <p:cNvPr id="205" name="グループ" descr="グループ"/>
+          <p:cNvPr id="204" name="グループ" descr="グループ"/>
           <p:cNvPicPr>
             <a:picLocks noChangeAspect="1"/>
           </p:cNvPicPr>
@@ -3995,7 +3982,7 @@
       </p:pic>
       <p:pic>
         <p:nvPicPr>
-          <p:cNvPr id="206" name="fm.png" descr="fm.png"/>
+          <p:cNvPr id="205" name="fm.png" descr="fm.png"/>
           <p:cNvPicPr>
             <a:picLocks noChangeAspect="1"/>
           </p:cNvPicPr>
@@ -4012,8 +3999,8 @@
         </p:blipFill>
         <p:spPr>
           <a:xfrm>
-            <a:off x="19067352" y="6551393"/>
-            <a:ext cx="1072361" cy="1819732"/>
+            <a:off x="18995458" y="6429392"/>
+            <a:ext cx="1144256" cy="1941733"/>
           </a:xfrm>
           <a:prstGeom prst="rect">
             <a:avLst/>
@@ -4025,7 +4012,7 @@
       </p:pic>
       <p:sp>
         <p:nvSpPr>
-          <p:cNvPr id="274" name="接続の線"/>
+          <p:cNvPr id="273" name="接続の線"/>
           <p:cNvSpPr/>
           <p:nvPr/>
         </p:nvSpPr>
@@ -4086,7 +4073,7 @@
       </p:sp>
       <p:sp>
         <p:nvSpPr>
-          <p:cNvPr id="275" name="接続の線"/>
+          <p:cNvPr id="274" name="接続の線"/>
           <p:cNvSpPr/>
           <p:nvPr/>
         </p:nvSpPr>
@@ -4147,7 +4134,7 @@
       </p:sp>
       <p:sp>
         <p:nvSpPr>
-          <p:cNvPr id="276" name="接続の線"/>
+          <p:cNvPr id="275" name="接続の線"/>
           <p:cNvSpPr/>
           <p:nvPr/>
         </p:nvSpPr>
@@ -4208,7 +4195,7 @@
       </p:sp>
       <p:sp>
         <p:nvSpPr>
-          <p:cNvPr id="277" name="接続の線"/>
+          <p:cNvPr id="276" name="接続の線"/>
           <p:cNvSpPr/>
           <p:nvPr/>
         </p:nvSpPr>
@@ -4269,7 +4256,7 @@
       </p:sp>
       <p:sp>
         <p:nvSpPr>
-          <p:cNvPr id="278" name="接続の線"/>
+          <p:cNvPr id="277" name="接続の線"/>
           <p:cNvSpPr/>
           <p:nvPr/>
         </p:nvSpPr>
@@ -4330,7 +4317,7 @@
       </p:sp>
       <p:sp>
         <p:nvSpPr>
-          <p:cNvPr id="279" name="接続の線"/>
+          <p:cNvPr id="278" name="接続の線"/>
           <p:cNvSpPr/>
           <p:nvPr/>
         </p:nvSpPr>
@@ -4391,7 +4378,7 @@
       </p:sp>
       <p:sp>
         <p:nvSpPr>
-          <p:cNvPr id="213" name="線"/>
+          <p:cNvPr id="212" name="線"/>
           <p:cNvSpPr/>
           <p:nvPr/>
         </p:nvSpPr>
@@ -4426,7 +4413,7 @@
       </p:sp>
       <p:sp>
         <p:nvSpPr>
-          <p:cNvPr id="214" name="線"/>
+          <p:cNvPr id="213" name="線"/>
           <p:cNvSpPr/>
           <p:nvPr/>
         </p:nvSpPr>
@@ -4461,7 +4448,7 @@
       </p:sp>
       <p:sp>
         <p:nvSpPr>
-          <p:cNvPr id="215" name="線"/>
+          <p:cNvPr id="214" name="線"/>
           <p:cNvSpPr/>
           <p:nvPr/>
         </p:nvSpPr>
@@ -4496,7 +4483,7 @@
       </p:sp>
       <p:sp>
         <p:nvSpPr>
-          <p:cNvPr id="216" name="線"/>
+          <p:cNvPr id="215" name="線"/>
           <p:cNvSpPr/>
           <p:nvPr/>
         </p:nvSpPr>
@@ -4531,7 +4518,7 @@
       </p:sp>
       <p:sp>
         <p:nvSpPr>
-          <p:cNvPr id="217" name="線"/>
+          <p:cNvPr id="216" name="線"/>
           <p:cNvSpPr/>
           <p:nvPr/>
         </p:nvSpPr>
@@ -4566,7 +4553,7 @@
       </p:sp>
       <p:sp>
         <p:nvSpPr>
-          <p:cNvPr id="218" name="線"/>
+          <p:cNvPr id="217" name="線"/>
           <p:cNvSpPr/>
           <p:nvPr/>
         </p:nvSpPr>
@@ -4601,7 +4588,7 @@
       </p:sp>
       <p:sp>
         <p:nvSpPr>
-          <p:cNvPr id="219" name="線"/>
+          <p:cNvPr id="218" name="線"/>
           <p:cNvSpPr/>
           <p:nvPr/>
         </p:nvSpPr>
@@ -4636,7 +4623,7 @@
       </p:sp>
       <p:sp>
         <p:nvSpPr>
-          <p:cNvPr id="220" name="線"/>
+          <p:cNvPr id="219" name="線"/>
           <p:cNvSpPr/>
           <p:nvPr/>
         </p:nvSpPr>
@@ -4671,7 +4658,7 @@
       </p:sp>
       <p:sp>
         <p:nvSpPr>
-          <p:cNvPr id="221" name="線"/>
+          <p:cNvPr id="220" name="線"/>
           <p:cNvSpPr/>
           <p:nvPr/>
         </p:nvSpPr>
@@ -4706,7 +4693,7 @@
       </p:sp>
       <p:sp>
         <p:nvSpPr>
-          <p:cNvPr id="222" name="線"/>
+          <p:cNvPr id="221" name="線"/>
           <p:cNvSpPr/>
           <p:nvPr/>
         </p:nvSpPr>
@@ -4741,7 +4728,7 @@
       </p:sp>
       <p:sp>
         <p:nvSpPr>
-          <p:cNvPr id="223" name="線"/>
+          <p:cNvPr id="222" name="線"/>
           <p:cNvSpPr/>
           <p:nvPr/>
         </p:nvSpPr>
@@ -4776,7 +4763,7 @@
       </p:sp>
       <p:sp>
         <p:nvSpPr>
-          <p:cNvPr id="224" name="線"/>
+          <p:cNvPr id="223" name="線"/>
           <p:cNvSpPr/>
           <p:nvPr/>
         </p:nvSpPr>
@@ -4811,7 +4798,7 @@
       </p:sp>
       <p:sp>
         <p:nvSpPr>
-          <p:cNvPr id="225" name="線"/>
+          <p:cNvPr id="224" name="線"/>
           <p:cNvSpPr/>
           <p:nvPr/>
         </p:nvSpPr>
@@ -4846,7 +4833,7 @@
       </p:sp>
       <p:sp>
         <p:nvSpPr>
-          <p:cNvPr id="226" name="楕円"/>
+          <p:cNvPr id="225" name="楕円"/>
           <p:cNvSpPr/>
           <p:nvPr/>
         </p:nvSpPr>
@@ -4881,7 +4868,7 @@
       </p:sp>
       <p:sp>
         <p:nvSpPr>
-          <p:cNvPr id="227" name="楕円"/>
+          <p:cNvPr id="226" name="楕円"/>
           <p:cNvSpPr/>
           <p:nvPr/>
         </p:nvSpPr>
@@ -4916,7 +4903,7 @@
       </p:sp>
       <p:sp>
         <p:nvSpPr>
-          <p:cNvPr id="228" name="楕円"/>
+          <p:cNvPr id="227" name="楕円"/>
           <p:cNvSpPr/>
           <p:nvPr/>
         </p:nvSpPr>
@@ -4951,7 +4938,7 @@
       </p:sp>
       <p:sp>
         <p:nvSpPr>
-          <p:cNvPr id="229" name="楕円"/>
+          <p:cNvPr id="228" name="楕円"/>
           <p:cNvSpPr/>
           <p:nvPr/>
         </p:nvSpPr>
@@ -4986,7 +4973,7 @@
       </p:sp>
       <p:sp>
         <p:nvSpPr>
-          <p:cNvPr id="230" name="楕円"/>
+          <p:cNvPr id="229" name="楕円"/>
           <p:cNvSpPr/>
           <p:nvPr/>
         </p:nvSpPr>
@@ -5021,7 +5008,7 @@
       </p:sp>
       <p:sp>
         <p:nvSpPr>
-          <p:cNvPr id="231" name="楕円"/>
+          <p:cNvPr id="230" name="楕円"/>
           <p:cNvSpPr/>
           <p:nvPr/>
         </p:nvSpPr>
@@ -5056,7 +5043,7 @@
       </p:sp>
       <p:sp>
         <p:nvSpPr>
-          <p:cNvPr id="232" name="楕円"/>
+          <p:cNvPr id="231" name="楕円"/>
           <p:cNvSpPr/>
           <p:nvPr/>
         </p:nvSpPr>
@@ -5091,7 +5078,7 @@
       </p:sp>
       <p:sp>
         <p:nvSpPr>
-          <p:cNvPr id="233" name="楕円"/>
+          <p:cNvPr id="232" name="楕円"/>
           <p:cNvSpPr/>
           <p:nvPr/>
         </p:nvSpPr>
@@ -5126,7 +5113,7 @@
       </p:sp>
       <p:sp>
         <p:nvSpPr>
-          <p:cNvPr id="234" name="楕円"/>
+          <p:cNvPr id="233" name="楕円"/>
           <p:cNvSpPr/>
           <p:nvPr/>
         </p:nvSpPr>
@@ -5161,7 +5148,7 @@
       </p:sp>
       <p:sp>
         <p:nvSpPr>
-          <p:cNvPr id="235" name="楕円"/>
+          <p:cNvPr id="234" name="楕円"/>
           <p:cNvSpPr/>
           <p:nvPr/>
         </p:nvSpPr>
@@ -5196,7 +5183,7 @@
       </p:sp>
       <p:sp>
         <p:nvSpPr>
-          <p:cNvPr id="236" name="楕円"/>
+          <p:cNvPr id="235" name="楕円"/>
           <p:cNvSpPr/>
           <p:nvPr/>
         </p:nvSpPr>
@@ -5231,7 +5218,7 @@
       </p:sp>
       <p:sp>
         <p:nvSpPr>
-          <p:cNvPr id="237" name="線"/>
+          <p:cNvPr id="236" name="線"/>
           <p:cNvSpPr/>
           <p:nvPr/>
         </p:nvSpPr>
@@ -5271,7 +5258,7 @@
       </p:sp>
       <p:sp>
         <p:nvSpPr>
-          <p:cNvPr id="238" name="楕円"/>
+          <p:cNvPr id="237" name="楕円"/>
           <p:cNvSpPr/>
           <p:nvPr/>
         </p:nvSpPr>
@@ -5306,7 +5293,7 @@
       </p:sp>
       <p:sp>
         <p:nvSpPr>
-          <p:cNvPr id="239" name="線"/>
+          <p:cNvPr id="238" name="線"/>
           <p:cNvSpPr/>
           <p:nvPr/>
         </p:nvSpPr>
@@ -5346,7 +5333,7 @@
       </p:sp>
       <p:sp>
         <p:nvSpPr>
-          <p:cNvPr id="240" name="線"/>
+          <p:cNvPr id="239" name="線"/>
           <p:cNvSpPr/>
           <p:nvPr/>
         </p:nvSpPr>
@@ -5386,7 +5373,7 @@
       </p:sp>
       <p:sp>
         <p:nvSpPr>
-          <p:cNvPr id="241" name="線"/>
+          <p:cNvPr id="240" name="線"/>
           <p:cNvSpPr/>
           <p:nvPr/>
         </p:nvSpPr>
@@ -5426,7 +5413,7 @@
       </p:sp>
       <p:sp>
         <p:nvSpPr>
-          <p:cNvPr id="242" name="線"/>
+          <p:cNvPr id="241" name="線"/>
           <p:cNvSpPr/>
           <p:nvPr/>
         </p:nvSpPr>
@@ -5466,7 +5453,7 @@
       </p:sp>
       <p:sp>
         <p:nvSpPr>
-          <p:cNvPr id="243" name="線"/>
+          <p:cNvPr id="242" name="線"/>
           <p:cNvSpPr/>
           <p:nvPr/>
         </p:nvSpPr>
@@ -5506,7 +5493,7 @@
       </p:sp>
       <p:sp>
         <p:nvSpPr>
-          <p:cNvPr id="244" name="線"/>
+          <p:cNvPr id="243" name="線"/>
           <p:cNvSpPr/>
           <p:nvPr/>
         </p:nvSpPr>
@@ -5546,7 +5533,7 @@
       </p:sp>
       <p:sp>
         <p:nvSpPr>
-          <p:cNvPr id="245" name="線"/>
+          <p:cNvPr id="244" name="線"/>
           <p:cNvSpPr/>
           <p:nvPr/>
         </p:nvSpPr>
@@ -5586,7 +5573,7 @@
       </p:sp>
       <p:sp>
         <p:nvSpPr>
-          <p:cNvPr id="246" name="線"/>
+          <p:cNvPr id="245" name="線"/>
           <p:cNvSpPr/>
           <p:nvPr/>
         </p:nvSpPr>
@@ -5626,7 +5613,7 @@
       </p:sp>
       <p:sp>
         <p:nvSpPr>
-          <p:cNvPr id="247" name="線"/>
+          <p:cNvPr id="246" name="線"/>
           <p:cNvSpPr/>
           <p:nvPr/>
         </p:nvSpPr>
@@ -5666,7 +5653,7 @@
       </p:sp>
       <p:sp>
         <p:nvSpPr>
-          <p:cNvPr id="248" name="線"/>
+          <p:cNvPr id="247" name="線"/>
           <p:cNvSpPr/>
           <p:nvPr/>
         </p:nvSpPr>
@@ -5706,7 +5693,7 @@
       </p:sp>
       <p:sp>
         <p:nvSpPr>
-          <p:cNvPr id="249" name="線"/>
+          <p:cNvPr id="248" name="線"/>
           <p:cNvSpPr/>
           <p:nvPr/>
         </p:nvSpPr>
@@ -5746,7 +5733,7 @@
       </p:sp>
       <p:sp>
         <p:nvSpPr>
-          <p:cNvPr id="250" name="線"/>
+          <p:cNvPr id="249" name="線"/>
           <p:cNvSpPr/>
           <p:nvPr/>
         </p:nvSpPr>
@@ -5786,7 +5773,7 @@
       </p:sp>
       <p:sp>
         <p:nvSpPr>
-          <p:cNvPr id="251" name="線"/>
+          <p:cNvPr id="250" name="線"/>
           <p:cNvSpPr/>
           <p:nvPr/>
         </p:nvSpPr>
@@ -5826,7 +5813,7 @@
       </p:sp>
       <p:sp>
         <p:nvSpPr>
-          <p:cNvPr id="252" name="線"/>
+          <p:cNvPr id="251" name="線"/>
           <p:cNvSpPr/>
           <p:nvPr/>
         </p:nvSpPr>
@@ -5866,7 +5853,7 @@
       </p:sp>
       <p:sp>
         <p:nvSpPr>
-          <p:cNvPr id="253" name="線"/>
+          <p:cNvPr id="252" name="線"/>
           <p:cNvSpPr/>
           <p:nvPr/>
         </p:nvSpPr>
@@ -5906,7 +5893,7 @@
       </p:sp>
       <p:sp>
         <p:nvSpPr>
-          <p:cNvPr id="254" name="線"/>
+          <p:cNvPr id="253" name="線"/>
           <p:cNvSpPr/>
           <p:nvPr/>
         </p:nvSpPr>
@@ -5946,7 +5933,7 @@
       </p:sp>
       <p:sp>
         <p:nvSpPr>
-          <p:cNvPr id="255" name="線"/>
+          <p:cNvPr id="254" name="線"/>
           <p:cNvSpPr/>
           <p:nvPr/>
         </p:nvSpPr>
@@ -5986,7 +5973,7 @@
       </p:sp>
       <p:sp>
         <p:nvSpPr>
-          <p:cNvPr id="256" name="線"/>
+          <p:cNvPr id="255" name="線"/>
           <p:cNvSpPr/>
           <p:nvPr/>
         </p:nvSpPr>
@@ -6026,7 +6013,7 @@
       </p:sp>
       <p:sp>
         <p:nvSpPr>
-          <p:cNvPr id="257" name="線"/>
+          <p:cNvPr id="256" name="線"/>
           <p:cNvSpPr/>
           <p:nvPr/>
         </p:nvSpPr>
@@ -6066,7 +6053,7 @@
       </p:sp>
       <p:sp>
         <p:nvSpPr>
-          <p:cNvPr id="258" name="線"/>
+          <p:cNvPr id="257" name="線"/>
           <p:cNvSpPr/>
           <p:nvPr/>
         </p:nvSpPr>
@@ -6106,7 +6093,7 @@
       </p:sp>
       <p:sp>
         <p:nvSpPr>
-          <p:cNvPr id="259" name="線"/>
+          <p:cNvPr id="258" name="線"/>
           <p:cNvSpPr/>
           <p:nvPr/>
         </p:nvSpPr>
@@ -6146,7 +6133,7 @@
       </p:sp>
       <p:sp>
         <p:nvSpPr>
-          <p:cNvPr id="260" name="線"/>
+          <p:cNvPr id="259" name="線"/>
           <p:cNvSpPr/>
           <p:nvPr/>
         </p:nvSpPr>
@@ -6186,7 +6173,7 @@
       </p:sp>
       <p:sp>
         <p:nvSpPr>
-          <p:cNvPr id="261" name="線"/>
+          <p:cNvPr id="260" name="線"/>
           <p:cNvSpPr/>
           <p:nvPr/>
         </p:nvSpPr>
@@ -6226,7 +6213,7 @@
       </p:sp>
       <p:sp>
         <p:nvSpPr>
-          <p:cNvPr id="262" name="線"/>
+          <p:cNvPr id="261" name="線"/>
           <p:cNvSpPr/>
           <p:nvPr/>
         </p:nvSpPr>
@@ -6266,7 +6253,7 @@
       </p:sp>
       <p:sp>
         <p:nvSpPr>
-          <p:cNvPr id="263" name="線"/>
+          <p:cNvPr id="262" name="線"/>
           <p:cNvSpPr/>
           <p:nvPr/>
         </p:nvSpPr>
@@ -6306,7 +6293,7 @@
       </p:sp>
       <p:sp>
         <p:nvSpPr>
-          <p:cNvPr id="264" name="線"/>
+          <p:cNvPr id="263" name="線"/>
           <p:cNvSpPr/>
           <p:nvPr/>
         </p:nvSpPr>
@@ -6346,7 +6333,7 @@
       </p:sp>
       <p:sp>
         <p:nvSpPr>
-          <p:cNvPr id="265" name="線"/>
+          <p:cNvPr id="264" name="線"/>
           <p:cNvSpPr/>
           <p:nvPr/>
         </p:nvSpPr>
@@ -6386,7 +6373,7 @@
       </p:sp>
       <p:sp>
         <p:nvSpPr>
-          <p:cNvPr id="266" name="線"/>
+          <p:cNvPr id="265" name="線"/>
           <p:cNvSpPr/>
           <p:nvPr/>
         </p:nvSpPr>
@@ -6426,7 +6413,7 @@
       </p:sp>
       <p:sp>
         <p:nvSpPr>
-          <p:cNvPr id="267" name="線"/>
+          <p:cNvPr id="266" name="線"/>
           <p:cNvSpPr/>
           <p:nvPr/>
         </p:nvSpPr>
@@ -6466,7 +6453,7 @@
       </p:sp>
       <p:sp>
         <p:nvSpPr>
-          <p:cNvPr id="268" name="線"/>
+          <p:cNvPr id="267" name="線"/>
           <p:cNvSpPr/>
           <p:nvPr/>
         </p:nvSpPr>
@@ -6506,7 +6493,7 @@
       </p:sp>
       <p:sp>
         <p:nvSpPr>
-          <p:cNvPr id="269" name="線"/>
+          <p:cNvPr id="268" name="線"/>
           <p:cNvSpPr/>
           <p:nvPr/>
         </p:nvSpPr>
@@ -6546,7 +6533,7 @@
       </p:sp>
       <p:sp>
         <p:nvSpPr>
-          <p:cNvPr id="280" name="接続の線"/>
+          <p:cNvPr id="279" name="接続の線"/>
           <p:cNvSpPr/>
           <p:nvPr/>
         </p:nvSpPr>
@@ -6629,7 +6616,7 @@
       </p:grpSpPr>
       <p:sp>
         <p:nvSpPr>
-          <p:cNvPr id="282" name="線"/>
+          <p:cNvPr id="281" name="線"/>
           <p:cNvSpPr/>
           <p:nvPr/>
         </p:nvSpPr>
@@ -6669,7 +6656,7 @@
       </p:sp>
       <p:sp>
         <p:nvSpPr>
-          <p:cNvPr id="283" name="膜-アクチン間作用"/>
+          <p:cNvPr id="282" name="膜-アクチン間作用"/>
           <p:cNvSpPr txBox="1"/>
           <p:nvPr>
             <p:ph type="title"/>
@@ -6693,7 +6680,7 @@
       </p:sp>
       <p:pic>
         <p:nvPicPr>
-          <p:cNvPr id="284" name="四角形" descr="四角形"/>
+          <p:cNvPr id="283" name="四角形" descr="四角形"/>
           <p:cNvPicPr>
             <a:picLocks noChangeAspect="0"/>
           </p:cNvPicPr>
@@ -6719,7 +6706,7 @@
       </p:pic>
       <p:sp>
         <p:nvSpPr>
-          <p:cNvPr id="362" name="接続の線"/>
+          <p:cNvPr id="361" name="接続の線"/>
           <p:cNvSpPr/>
           <p:nvPr/>
         </p:nvSpPr>
@@ -6776,7 +6763,7 @@
       </p:sp>
       <p:sp>
         <p:nvSpPr>
-          <p:cNvPr id="287" name="反発力の強度を示すパラメータ"/>
+          <p:cNvPr id="286" name="反発力の強度を示すパラメータ"/>
           <p:cNvSpPr txBox="1"/>
           <p:nvPr/>
         </p:nvSpPr>
@@ -6824,7 +6811,7 @@
       </p:sp>
       <p:pic>
         <p:nvPicPr>
-          <p:cNvPr id="288" name="四角形" descr="四角形"/>
+          <p:cNvPr id="287" name="四角形" descr="四角形"/>
           <p:cNvPicPr>
             <a:picLocks noChangeAspect="0"/>
           </p:cNvPicPr>
@@ -6850,7 +6837,7 @@
       </p:pic>
       <p:pic>
         <p:nvPicPr>
-          <p:cNvPr id="290" name="fa.png" descr="fa.png"/>
+          <p:cNvPr id="289" name="fa.png" descr="fa.png"/>
           <p:cNvPicPr>
             <a:picLocks noChangeAspect="1"/>
           </p:cNvPicPr>
@@ -6880,7 +6867,7 @@
       </p:pic>
       <p:pic>
         <p:nvPicPr>
-          <p:cNvPr id="291" name="fa.png" descr="fa.png"/>
+          <p:cNvPr id="290" name="fa.png" descr="fa.png"/>
           <p:cNvPicPr>
             <a:picLocks noChangeAspect="1"/>
           </p:cNvPicPr>
@@ -6905,7 +6892,7 @@
       </p:pic>
       <p:pic>
         <p:nvPicPr>
-          <p:cNvPr id="292" name="eq1.png" descr="eq1.png"/>
+          <p:cNvPr id="291" name="eq1.png" descr="eq1.png"/>
           <p:cNvPicPr>
             <a:picLocks noChangeAspect="1"/>
           </p:cNvPicPr>
@@ -6935,7 +6922,7 @@
       </p:pic>
       <p:sp>
         <p:nvSpPr>
-          <p:cNvPr id="363" name="接続の線"/>
+          <p:cNvPr id="362" name="接続の線"/>
           <p:cNvSpPr/>
           <p:nvPr/>
         </p:nvSpPr>
@@ -6992,7 +6979,7 @@
       </p:sp>
       <p:sp>
         <p:nvSpPr>
-          <p:cNvPr id="294" name="アクチン分子の先端の位置"/>
+          <p:cNvPr id="293" name="アクチン分子の先端の位置"/>
           <p:cNvSpPr txBox="1"/>
           <p:nvPr/>
         </p:nvSpPr>
@@ -7040,7 +7027,7 @@
       </p:sp>
       <p:sp>
         <p:nvSpPr>
-          <p:cNvPr id="295" name="四角形"/>
+          <p:cNvPr id="294" name="四角形"/>
           <p:cNvSpPr/>
           <p:nvPr/>
         </p:nvSpPr>
@@ -7075,7 +7062,7 @@
       </p:sp>
       <p:pic>
         <p:nvPicPr>
-          <p:cNvPr id="296" name="グループ" descr="グループ"/>
+          <p:cNvPr id="295" name="グループ" descr="グループ"/>
           <p:cNvPicPr>
             <a:picLocks noChangeAspect="1"/>
           </p:cNvPicPr>
@@ -7105,7 +7092,7 @@
       </p:pic>
       <p:sp>
         <p:nvSpPr>
-          <p:cNvPr id="364" name="接続の線"/>
+          <p:cNvPr id="363" name="接続の線"/>
           <p:cNvSpPr/>
           <p:nvPr/>
         </p:nvSpPr>
@@ -7166,7 +7153,7 @@
       </p:sp>
       <p:sp>
         <p:nvSpPr>
-          <p:cNvPr id="365" name="接続の線"/>
+          <p:cNvPr id="364" name="接続の線"/>
           <p:cNvSpPr/>
           <p:nvPr/>
         </p:nvSpPr>
@@ -7227,7 +7214,7 @@
       </p:sp>
       <p:sp>
         <p:nvSpPr>
-          <p:cNvPr id="366" name="接続の線"/>
+          <p:cNvPr id="365" name="接続の線"/>
           <p:cNvSpPr/>
           <p:nvPr/>
         </p:nvSpPr>
@@ -7288,7 +7275,7 @@
       </p:sp>
       <p:sp>
         <p:nvSpPr>
-          <p:cNvPr id="367" name="接続の線"/>
+          <p:cNvPr id="366" name="接続の線"/>
           <p:cNvSpPr/>
           <p:nvPr/>
         </p:nvSpPr>
@@ -7349,7 +7336,7 @@
       </p:sp>
       <p:sp>
         <p:nvSpPr>
-          <p:cNvPr id="368" name="接続の線"/>
+          <p:cNvPr id="367" name="接続の線"/>
           <p:cNvSpPr/>
           <p:nvPr/>
         </p:nvSpPr>
@@ -7410,7 +7397,7 @@
       </p:sp>
       <p:sp>
         <p:nvSpPr>
-          <p:cNvPr id="369" name="接続の線"/>
+          <p:cNvPr id="368" name="接続の線"/>
           <p:cNvSpPr/>
           <p:nvPr/>
         </p:nvSpPr>
@@ -7471,7 +7458,7 @@
       </p:sp>
       <p:sp>
         <p:nvSpPr>
-          <p:cNvPr id="303" name="線"/>
+          <p:cNvPr id="302" name="線"/>
           <p:cNvSpPr/>
           <p:nvPr/>
         </p:nvSpPr>
@@ -7506,7 +7493,7 @@
       </p:sp>
       <p:sp>
         <p:nvSpPr>
-          <p:cNvPr id="304" name="線"/>
+          <p:cNvPr id="303" name="線"/>
           <p:cNvSpPr/>
           <p:nvPr/>
         </p:nvSpPr>
@@ -7541,7 +7528,7 @@
       </p:sp>
       <p:sp>
         <p:nvSpPr>
-          <p:cNvPr id="305" name="線"/>
+          <p:cNvPr id="304" name="線"/>
           <p:cNvSpPr/>
           <p:nvPr/>
         </p:nvSpPr>
@@ -7576,7 +7563,7 @@
       </p:sp>
       <p:sp>
         <p:nvSpPr>
-          <p:cNvPr id="306" name="線"/>
+          <p:cNvPr id="305" name="線"/>
           <p:cNvSpPr/>
           <p:nvPr/>
         </p:nvSpPr>
@@ -7611,7 +7598,7 @@
       </p:sp>
       <p:sp>
         <p:nvSpPr>
-          <p:cNvPr id="307" name="線"/>
+          <p:cNvPr id="306" name="線"/>
           <p:cNvSpPr/>
           <p:nvPr/>
         </p:nvSpPr>
@@ -7646,7 +7633,7 @@
       </p:sp>
       <p:sp>
         <p:nvSpPr>
-          <p:cNvPr id="308" name="線"/>
+          <p:cNvPr id="307" name="線"/>
           <p:cNvSpPr/>
           <p:nvPr/>
         </p:nvSpPr>
@@ -7681,7 +7668,7 @@
       </p:sp>
       <p:sp>
         <p:nvSpPr>
-          <p:cNvPr id="309" name="線"/>
+          <p:cNvPr id="308" name="線"/>
           <p:cNvSpPr/>
           <p:nvPr/>
         </p:nvSpPr>
@@ -7716,7 +7703,7 @@
       </p:sp>
       <p:sp>
         <p:nvSpPr>
-          <p:cNvPr id="310" name="線"/>
+          <p:cNvPr id="309" name="線"/>
           <p:cNvSpPr/>
           <p:nvPr/>
         </p:nvSpPr>
@@ -7751,7 +7738,7 @@
       </p:sp>
       <p:sp>
         <p:nvSpPr>
-          <p:cNvPr id="311" name="線"/>
+          <p:cNvPr id="310" name="線"/>
           <p:cNvSpPr/>
           <p:nvPr/>
         </p:nvSpPr>
@@ -7786,7 +7773,7 @@
       </p:sp>
       <p:sp>
         <p:nvSpPr>
-          <p:cNvPr id="312" name="線"/>
+          <p:cNvPr id="311" name="線"/>
           <p:cNvSpPr/>
           <p:nvPr/>
         </p:nvSpPr>
@@ -7821,7 +7808,7 @@
       </p:sp>
       <p:sp>
         <p:nvSpPr>
-          <p:cNvPr id="313" name="楕円"/>
+          <p:cNvPr id="312" name="楕円"/>
           <p:cNvSpPr/>
           <p:nvPr/>
         </p:nvSpPr>
@@ -7856,7 +7843,7 @@
       </p:sp>
       <p:sp>
         <p:nvSpPr>
-          <p:cNvPr id="314" name="楕円"/>
+          <p:cNvPr id="313" name="楕円"/>
           <p:cNvSpPr/>
           <p:nvPr/>
         </p:nvSpPr>
@@ -7891,7 +7878,7 @@
       </p:sp>
       <p:sp>
         <p:nvSpPr>
-          <p:cNvPr id="315" name="楕円"/>
+          <p:cNvPr id="314" name="楕円"/>
           <p:cNvSpPr/>
           <p:nvPr/>
         </p:nvSpPr>
@@ -7926,7 +7913,7 @@
       </p:sp>
       <p:sp>
         <p:nvSpPr>
-          <p:cNvPr id="316" name="楕円"/>
+          <p:cNvPr id="315" name="楕円"/>
           <p:cNvSpPr/>
           <p:nvPr/>
         </p:nvSpPr>
@@ -7961,7 +7948,7 @@
       </p:sp>
       <p:sp>
         <p:nvSpPr>
-          <p:cNvPr id="317" name="楕円"/>
+          <p:cNvPr id="316" name="楕円"/>
           <p:cNvSpPr/>
           <p:nvPr/>
         </p:nvSpPr>
@@ -7996,7 +7983,7 @@
       </p:sp>
       <p:sp>
         <p:nvSpPr>
-          <p:cNvPr id="318" name="楕円"/>
+          <p:cNvPr id="317" name="楕円"/>
           <p:cNvSpPr/>
           <p:nvPr/>
         </p:nvSpPr>
@@ -8031,7 +8018,7 @@
       </p:sp>
       <p:sp>
         <p:nvSpPr>
-          <p:cNvPr id="319" name="楕円"/>
+          <p:cNvPr id="318" name="楕円"/>
           <p:cNvSpPr/>
           <p:nvPr/>
         </p:nvSpPr>
@@ -8066,7 +8053,7 @@
       </p:sp>
       <p:sp>
         <p:nvSpPr>
-          <p:cNvPr id="320" name="楕円"/>
+          <p:cNvPr id="319" name="楕円"/>
           <p:cNvSpPr/>
           <p:nvPr/>
         </p:nvSpPr>
@@ -8101,7 +8088,7 @@
       </p:sp>
       <p:sp>
         <p:nvSpPr>
-          <p:cNvPr id="321" name="楕円"/>
+          <p:cNvPr id="320" name="楕円"/>
           <p:cNvSpPr/>
           <p:nvPr/>
         </p:nvSpPr>
@@ -8136,7 +8123,7 @@
       </p:sp>
       <p:sp>
         <p:nvSpPr>
-          <p:cNvPr id="322" name="楕円"/>
+          <p:cNvPr id="321" name="楕円"/>
           <p:cNvSpPr/>
           <p:nvPr/>
         </p:nvSpPr>
@@ -8171,7 +8158,7 @@
       </p:sp>
       <p:sp>
         <p:nvSpPr>
-          <p:cNvPr id="323" name="楕円"/>
+          <p:cNvPr id="322" name="楕円"/>
           <p:cNvSpPr/>
           <p:nvPr/>
         </p:nvSpPr>
@@ -8206,7 +8193,7 @@
       </p:sp>
       <p:sp>
         <p:nvSpPr>
-          <p:cNvPr id="324" name="線"/>
+          <p:cNvPr id="323" name="線"/>
           <p:cNvSpPr/>
           <p:nvPr/>
         </p:nvSpPr>
@@ -8246,7 +8233,7 @@
       </p:sp>
       <p:sp>
         <p:nvSpPr>
-          <p:cNvPr id="325" name="楕円"/>
+          <p:cNvPr id="324" name="楕円"/>
           <p:cNvSpPr/>
           <p:nvPr/>
         </p:nvSpPr>
@@ -8281,7 +8268,7 @@
       </p:sp>
       <p:sp>
         <p:nvSpPr>
-          <p:cNvPr id="326" name="線"/>
+          <p:cNvPr id="325" name="線"/>
           <p:cNvSpPr/>
           <p:nvPr/>
         </p:nvSpPr>
@@ -8321,7 +8308,7 @@
       </p:sp>
       <p:sp>
         <p:nvSpPr>
-          <p:cNvPr id="327" name="線"/>
+          <p:cNvPr id="326" name="線"/>
           <p:cNvSpPr/>
           <p:nvPr/>
         </p:nvSpPr>
@@ -8361,7 +8348,7 @@
       </p:sp>
       <p:sp>
         <p:nvSpPr>
-          <p:cNvPr id="328" name="線"/>
+          <p:cNvPr id="327" name="線"/>
           <p:cNvSpPr/>
           <p:nvPr/>
         </p:nvSpPr>
@@ -8401,7 +8388,7 @@
       </p:sp>
       <p:sp>
         <p:nvSpPr>
-          <p:cNvPr id="329" name="線"/>
+          <p:cNvPr id="328" name="線"/>
           <p:cNvSpPr/>
           <p:nvPr/>
         </p:nvSpPr>
@@ -8441,7 +8428,7 @@
       </p:sp>
       <p:sp>
         <p:nvSpPr>
-          <p:cNvPr id="330" name="線"/>
+          <p:cNvPr id="329" name="線"/>
           <p:cNvSpPr/>
           <p:nvPr/>
         </p:nvSpPr>
@@ -8481,7 +8468,7 @@
       </p:sp>
       <p:sp>
         <p:nvSpPr>
-          <p:cNvPr id="331" name="線"/>
+          <p:cNvPr id="330" name="線"/>
           <p:cNvSpPr/>
           <p:nvPr/>
         </p:nvSpPr>
@@ -8521,7 +8508,7 @@
       </p:sp>
       <p:sp>
         <p:nvSpPr>
-          <p:cNvPr id="332" name="線"/>
+          <p:cNvPr id="331" name="線"/>
           <p:cNvSpPr/>
           <p:nvPr/>
         </p:nvSpPr>
@@ -8561,7 +8548,7 @@
       </p:sp>
       <p:sp>
         <p:nvSpPr>
-          <p:cNvPr id="333" name="線"/>
+          <p:cNvPr id="332" name="線"/>
           <p:cNvSpPr/>
           <p:nvPr/>
         </p:nvSpPr>
@@ -8601,7 +8588,7 @@
       </p:sp>
       <p:sp>
         <p:nvSpPr>
-          <p:cNvPr id="334" name="線"/>
+          <p:cNvPr id="333" name="線"/>
           <p:cNvSpPr/>
           <p:nvPr/>
         </p:nvSpPr>
@@ -8641,7 +8628,7 @@
       </p:sp>
       <p:sp>
         <p:nvSpPr>
-          <p:cNvPr id="335" name="線"/>
+          <p:cNvPr id="334" name="線"/>
           <p:cNvSpPr/>
           <p:nvPr/>
         </p:nvSpPr>
@@ -8681,7 +8668,7 @@
       </p:sp>
       <p:sp>
         <p:nvSpPr>
-          <p:cNvPr id="336" name="線"/>
+          <p:cNvPr id="335" name="線"/>
           <p:cNvSpPr/>
           <p:nvPr/>
         </p:nvSpPr>
@@ -8721,7 +8708,7 @@
       </p:sp>
       <p:sp>
         <p:nvSpPr>
-          <p:cNvPr id="337" name="線"/>
+          <p:cNvPr id="336" name="線"/>
           <p:cNvSpPr/>
           <p:nvPr/>
         </p:nvSpPr>
@@ -8761,7 +8748,7 @@
       </p:sp>
       <p:sp>
         <p:nvSpPr>
-          <p:cNvPr id="338" name="線"/>
+          <p:cNvPr id="337" name="線"/>
           <p:cNvSpPr/>
           <p:nvPr/>
         </p:nvSpPr>
@@ -8801,7 +8788,7 @@
       </p:sp>
       <p:sp>
         <p:nvSpPr>
-          <p:cNvPr id="339" name="線"/>
+          <p:cNvPr id="338" name="線"/>
           <p:cNvSpPr/>
           <p:nvPr/>
         </p:nvSpPr>
@@ -8841,7 +8828,7 @@
       </p:sp>
       <p:sp>
         <p:nvSpPr>
-          <p:cNvPr id="340" name="線"/>
+          <p:cNvPr id="339" name="線"/>
           <p:cNvSpPr/>
           <p:nvPr/>
         </p:nvSpPr>
@@ -8881,7 +8868,7 @@
       </p:sp>
       <p:sp>
         <p:nvSpPr>
-          <p:cNvPr id="341" name="線"/>
+          <p:cNvPr id="340" name="線"/>
           <p:cNvSpPr/>
           <p:nvPr/>
         </p:nvSpPr>
@@ -8921,7 +8908,7 @@
       </p:sp>
       <p:sp>
         <p:nvSpPr>
-          <p:cNvPr id="342" name="線"/>
+          <p:cNvPr id="341" name="線"/>
           <p:cNvSpPr/>
           <p:nvPr/>
         </p:nvSpPr>
@@ -8961,7 +8948,7 @@
       </p:sp>
       <p:sp>
         <p:nvSpPr>
-          <p:cNvPr id="343" name="線"/>
+          <p:cNvPr id="342" name="線"/>
           <p:cNvSpPr/>
           <p:nvPr/>
         </p:nvSpPr>
@@ -9001,7 +8988,7 @@
       </p:sp>
       <p:sp>
         <p:nvSpPr>
-          <p:cNvPr id="344" name="線"/>
+          <p:cNvPr id="343" name="線"/>
           <p:cNvSpPr/>
           <p:nvPr/>
         </p:nvSpPr>
@@ -9041,7 +9028,7 @@
       </p:sp>
       <p:sp>
         <p:nvSpPr>
-          <p:cNvPr id="345" name="線"/>
+          <p:cNvPr id="344" name="線"/>
           <p:cNvSpPr/>
           <p:nvPr/>
         </p:nvSpPr>
@@ -9081,7 +9068,7 @@
       </p:sp>
       <p:sp>
         <p:nvSpPr>
-          <p:cNvPr id="346" name="線"/>
+          <p:cNvPr id="345" name="線"/>
           <p:cNvSpPr/>
           <p:nvPr/>
         </p:nvSpPr>
@@ -9121,7 +9108,7 @@
       </p:sp>
       <p:sp>
         <p:nvSpPr>
-          <p:cNvPr id="347" name="線"/>
+          <p:cNvPr id="346" name="線"/>
           <p:cNvSpPr/>
           <p:nvPr/>
         </p:nvSpPr>
@@ -9161,7 +9148,7 @@
       </p:sp>
       <p:sp>
         <p:nvSpPr>
-          <p:cNvPr id="348" name="線"/>
+          <p:cNvPr id="347" name="線"/>
           <p:cNvSpPr/>
           <p:nvPr/>
         </p:nvSpPr>
@@ -9201,7 +9188,7 @@
       </p:sp>
       <p:sp>
         <p:nvSpPr>
-          <p:cNvPr id="349" name="線"/>
+          <p:cNvPr id="348" name="線"/>
           <p:cNvSpPr/>
           <p:nvPr/>
         </p:nvSpPr>
@@ -9241,7 +9228,7 @@
       </p:sp>
       <p:sp>
         <p:nvSpPr>
-          <p:cNvPr id="350" name="線"/>
+          <p:cNvPr id="349" name="線"/>
           <p:cNvSpPr/>
           <p:nvPr/>
         </p:nvSpPr>
@@ -9281,7 +9268,7 @@
       </p:sp>
       <p:sp>
         <p:nvSpPr>
-          <p:cNvPr id="351" name="線"/>
+          <p:cNvPr id="350" name="線"/>
           <p:cNvSpPr/>
           <p:nvPr/>
         </p:nvSpPr>
@@ -9321,7 +9308,7 @@
       </p:sp>
       <p:sp>
         <p:nvSpPr>
-          <p:cNvPr id="352" name="線"/>
+          <p:cNvPr id="351" name="線"/>
           <p:cNvSpPr/>
           <p:nvPr/>
         </p:nvSpPr>
@@ -9361,7 +9348,7 @@
       </p:sp>
       <p:sp>
         <p:nvSpPr>
-          <p:cNvPr id="353" name="線"/>
+          <p:cNvPr id="352" name="線"/>
           <p:cNvSpPr/>
           <p:nvPr/>
         </p:nvSpPr>
@@ -9401,7 +9388,7 @@
       </p:sp>
       <p:sp>
         <p:nvSpPr>
-          <p:cNvPr id="354" name="線"/>
+          <p:cNvPr id="353" name="線"/>
           <p:cNvSpPr/>
           <p:nvPr/>
         </p:nvSpPr>
@@ -9441,7 +9428,7 @@
       </p:sp>
       <p:sp>
         <p:nvSpPr>
-          <p:cNvPr id="355" name="線"/>
+          <p:cNvPr id="354" name="線"/>
           <p:cNvSpPr/>
           <p:nvPr/>
         </p:nvSpPr>
@@ -9481,7 +9468,7 @@
       </p:sp>
       <p:sp>
         <p:nvSpPr>
-          <p:cNvPr id="356" name="線"/>
+          <p:cNvPr id="355" name="線"/>
           <p:cNvSpPr/>
           <p:nvPr/>
         </p:nvSpPr>
@@ -9521,7 +9508,7 @@
       </p:sp>
       <p:sp>
         <p:nvSpPr>
-          <p:cNvPr id="357" name="矢印"/>
+          <p:cNvPr id="356" name="矢印"/>
           <p:cNvSpPr/>
           <p:nvPr/>
         </p:nvSpPr>
@@ -9562,7 +9549,7 @@
       </p:sp>
       <p:pic>
         <p:nvPicPr>
-          <p:cNvPr id="358" name="eq1.png" descr="eq1.png"/>
+          <p:cNvPr id="357" name="eq1.png" descr="eq1.png"/>
           <p:cNvPicPr>
             <a:picLocks noChangeAspect="1"/>
           </p:cNvPicPr>
@@ -9591,7 +9578,7 @@
       </p:pic>
       <p:sp>
         <p:nvSpPr>
-          <p:cNvPr id="370" name="接続の線"/>
+          <p:cNvPr id="369" name="接続の線"/>
           <p:cNvSpPr/>
           <p:nvPr/>
         </p:nvSpPr>
@@ -9648,7 +9635,7 @@
       </p:sp>
       <p:sp>
         <p:nvSpPr>
-          <p:cNvPr id="360" name="アクチン分子"/>
+          <p:cNvPr id="359" name="アクチン分子"/>
           <p:cNvSpPr txBox="1"/>
           <p:nvPr/>
         </p:nvSpPr>
@@ -9696,7 +9683,7 @@
       </p:sp>
       <p:pic>
         <p:nvPicPr>
-          <p:cNvPr id="361" name="fa.png" descr="fa.png"/>
+          <p:cNvPr id="360" name="fa.png" descr="fa.png"/>
           <p:cNvPicPr>
             <a:picLocks noChangeAspect="1"/>
           </p:cNvPicPr>
@@ -9752,7 +9739,7 @@
       </p:grpSpPr>
       <p:sp>
         <p:nvSpPr>
-          <p:cNvPr id="372" name="細胞膜シミュレーション"/>
+          <p:cNvPr id="371" name="細胞膜シミュレーション"/>
           <p:cNvSpPr txBox="1"/>
           <p:nvPr>
             <p:ph type="title"/>
@@ -9776,7 +9763,7 @@
       </p:sp>
       <p:pic>
         <p:nvPicPr>
-          <p:cNvPr id="373" name="四角形" descr="四角形"/>
+          <p:cNvPr id="372" name="四角形" descr="四角形"/>
           <p:cNvPicPr>
             <a:picLocks noChangeAspect="0"/>
           </p:cNvPicPr>
@@ -9802,7 +9789,7 @@
       </p:pic>
       <p:pic>
         <p:nvPicPr>
-          <p:cNvPr id="375" name="eq1.png" descr="eq1.png"/>
+          <p:cNvPr id="374" name="eq1.png" descr="eq1.png"/>
           <p:cNvPicPr>
             <a:picLocks noChangeAspect="1"/>
           </p:cNvPicPr>
@@ -9831,7 +9818,7 @@
       </p:pic>
       <p:sp>
         <p:nvSpPr>
-          <p:cNvPr id="443" name="接続の線"/>
+          <p:cNvPr id="442" name="接続の線"/>
           <p:cNvSpPr/>
           <p:nvPr/>
         </p:nvSpPr>
@@ -9888,7 +9875,7 @@
       </p:sp>
       <p:sp>
         <p:nvSpPr>
-          <p:cNvPr id="377" name="粘性抵抗力"/>
+          <p:cNvPr id="376" name="粘性抵抗力"/>
           <p:cNvSpPr txBox="1"/>
           <p:nvPr/>
         </p:nvSpPr>
@@ -9936,7 +9923,7 @@
       </p:sp>
       <p:sp>
         <p:nvSpPr>
-          <p:cNvPr id="378" name="四角形"/>
+          <p:cNvPr id="377" name="四角形"/>
           <p:cNvSpPr/>
           <p:nvPr/>
         </p:nvSpPr>
@@ -9971,7 +9958,7 @@
       </p:sp>
       <p:sp>
         <p:nvSpPr>
-          <p:cNvPr id="379" name="線"/>
+          <p:cNvPr id="378" name="線"/>
           <p:cNvSpPr/>
           <p:nvPr/>
         </p:nvSpPr>
@@ -10011,7 +9998,7 @@
       </p:sp>
       <p:sp>
         <p:nvSpPr>
-          <p:cNvPr id="380" name="四角形"/>
+          <p:cNvPr id="379" name="四角形"/>
           <p:cNvSpPr/>
           <p:nvPr/>
         </p:nvSpPr>
@@ -10046,7 +10033,7 @@
       </p:sp>
       <p:sp>
         <p:nvSpPr>
-          <p:cNvPr id="381" name="細胞膜"/>
+          <p:cNvPr id="380" name="細胞膜"/>
           <p:cNvSpPr txBox="1"/>
           <p:nvPr/>
         </p:nvSpPr>
@@ -10094,7 +10081,7 @@
       </p:sp>
       <p:pic>
         <p:nvPicPr>
-          <p:cNvPr id="382" name="グループ" descr="グループ"/>
+          <p:cNvPr id="381" name="グループ" descr="グループ"/>
           <p:cNvPicPr>
             <a:picLocks noChangeAspect="1"/>
           </p:cNvPicPr>
@@ -10124,7 +10111,7 @@
       </p:pic>
       <p:sp>
         <p:nvSpPr>
-          <p:cNvPr id="444" name="接続の線"/>
+          <p:cNvPr id="443" name="接続の線"/>
           <p:cNvSpPr/>
           <p:nvPr/>
         </p:nvSpPr>
@@ -10185,7 +10172,7 @@
       </p:sp>
       <p:sp>
         <p:nvSpPr>
-          <p:cNvPr id="445" name="接続の線"/>
+          <p:cNvPr id="444" name="接続の線"/>
           <p:cNvSpPr/>
           <p:nvPr/>
         </p:nvSpPr>
@@ -10246,7 +10233,7 @@
       </p:sp>
       <p:sp>
         <p:nvSpPr>
-          <p:cNvPr id="446" name="接続の線"/>
+          <p:cNvPr id="445" name="接続の線"/>
           <p:cNvSpPr/>
           <p:nvPr/>
         </p:nvSpPr>
@@ -10307,7 +10294,7 @@
       </p:sp>
       <p:sp>
         <p:nvSpPr>
-          <p:cNvPr id="447" name="接続の線"/>
+          <p:cNvPr id="446" name="接続の線"/>
           <p:cNvSpPr/>
           <p:nvPr/>
         </p:nvSpPr>
@@ -10368,7 +10355,7 @@
       </p:sp>
       <p:sp>
         <p:nvSpPr>
-          <p:cNvPr id="448" name="接続の線"/>
+          <p:cNvPr id="447" name="接続の線"/>
           <p:cNvSpPr/>
           <p:nvPr/>
         </p:nvSpPr>
@@ -10429,7 +10416,7 @@
       </p:sp>
       <p:sp>
         <p:nvSpPr>
-          <p:cNvPr id="449" name="接続の線"/>
+          <p:cNvPr id="448" name="接続の線"/>
           <p:cNvSpPr/>
           <p:nvPr/>
         </p:nvSpPr>
@@ -10490,7 +10477,7 @@
       </p:sp>
       <p:sp>
         <p:nvSpPr>
-          <p:cNvPr id="389" name="線"/>
+          <p:cNvPr id="388" name="線"/>
           <p:cNvSpPr/>
           <p:nvPr/>
         </p:nvSpPr>
@@ -10525,7 +10512,7 @@
       </p:sp>
       <p:sp>
         <p:nvSpPr>
-          <p:cNvPr id="390" name="線"/>
+          <p:cNvPr id="389" name="線"/>
           <p:cNvSpPr/>
           <p:nvPr/>
         </p:nvSpPr>
@@ -10560,7 +10547,7 @@
       </p:sp>
       <p:sp>
         <p:nvSpPr>
-          <p:cNvPr id="391" name="線"/>
+          <p:cNvPr id="390" name="線"/>
           <p:cNvSpPr/>
           <p:nvPr/>
         </p:nvSpPr>
@@ -10595,7 +10582,7 @@
       </p:sp>
       <p:sp>
         <p:nvSpPr>
-          <p:cNvPr id="392" name="線"/>
+          <p:cNvPr id="391" name="線"/>
           <p:cNvSpPr/>
           <p:nvPr/>
         </p:nvSpPr>
@@ -10630,7 +10617,7 @@
       </p:sp>
       <p:sp>
         <p:nvSpPr>
-          <p:cNvPr id="393" name="線"/>
+          <p:cNvPr id="392" name="線"/>
           <p:cNvSpPr/>
           <p:nvPr/>
         </p:nvSpPr>
@@ -10665,7 +10652,7 @@
       </p:sp>
       <p:sp>
         <p:nvSpPr>
-          <p:cNvPr id="394" name="線"/>
+          <p:cNvPr id="393" name="線"/>
           <p:cNvSpPr/>
           <p:nvPr/>
         </p:nvSpPr>
@@ -10700,7 +10687,7 @@
       </p:sp>
       <p:sp>
         <p:nvSpPr>
-          <p:cNvPr id="395" name="線"/>
+          <p:cNvPr id="394" name="線"/>
           <p:cNvSpPr/>
           <p:nvPr/>
         </p:nvSpPr>
@@ -10735,7 +10722,7 @@
       </p:sp>
       <p:sp>
         <p:nvSpPr>
-          <p:cNvPr id="396" name="線"/>
+          <p:cNvPr id="395" name="線"/>
           <p:cNvSpPr/>
           <p:nvPr/>
         </p:nvSpPr>
@@ -10770,7 +10757,7 @@
       </p:sp>
       <p:sp>
         <p:nvSpPr>
-          <p:cNvPr id="397" name="線"/>
+          <p:cNvPr id="396" name="線"/>
           <p:cNvSpPr/>
           <p:nvPr/>
         </p:nvSpPr>
@@ -10805,7 +10792,7 @@
       </p:sp>
       <p:sp>
         <p:nvSpPr>
-          <p:cNvPr id="398" name="線"/>
+          <p:cNvPr id="397" name="線"/>
           <p:cNvSpPr/>
           <p:nvPr/>
         </p:nvSpPr>
@@ -10840,7 +10827,7 @@
       </p:sp>
       <p:sp>
         <p:nvSpPr>
-          <p:cNvPr id="399" name="楕円"/>
+          <p:cNvPr id="398" name="楕円"/>
           <p:cNvSpPr/>
           <p:nvPr/>
         </p:nvSpPr>
@@ -10875,7 +10862,7 @@
       </p:sp>
       <p:sp>
         <p:nvSpPr>
-          <p:cNvPr id="400" name="楕円"/>
+          <p:cNvPr id="399" name="楕円"/>
           <p:cNvSpPr/>
           <p:nvPr/>
         </p:nvSpPr>
@@ -10910,7 +10897,7 @@
       </p:sp>
       <p:sp>
         <p:nvSpPr>
-          <p:cNvPr id="401" name="楕円"/>
+          <p:cNvPr id="400" name="楕円"/>
           <p:cNvSpPr/>
           <p:nvPr/>
         </p:nvSpPr>
@@ -10945,7 +10932,7 @@
       </p:sp>
       <p:sp>
         <p:nvSpPr>
-          <p:cNvPr id="402" name="楕円"/>
+          <p:cNvPr id="401" name="楕円"/>
           <p:cNvSpPr/>
           <p:nvPr/>
         </p:nvSpPr>
@@ -10980,7 +10967,7 @@
       </p:sp>
       <p:sp>
         <p:nvSpPr>
-          <p:cNvPr id="403" name="楕円"/>
+          <p:cNvPr id="402" name="楕円"/>
           <p:cNvSpPr/>
           <p:nvPr/>
         </p:nvSpPr>
@@ -11015,7 +11002,7 @@
       </p:sp>
       <p:sp>
         <p:nvSpPr>
-          <p:cNvPr id="404" name="楕円"/>
+          <p:cNvPr id="403" name="楕円"/>
           <p:cNvSpPr/>
           <p:nvPr/>
         </p:nvSpPr>
@@ -11050,7 +11037,7 @@
       </p:sp>
       <p:sp>
         <p:nvSpPr>
-          <p:cNvPr id="405" name="楕円"/>
+          <p:cNvPr id="404" name="楕円"/>
           <p:cNvSpPr/>
           <p:nvPr/>
         </p:nvSpPr>
@@ -11085,7 +11072,7 @@
       </p:sp>
       <p:sp>
         <p:nvSpPr>
-          <p:cNvPr id="406" name="楕円"/>
+          <p:cNvPr id="405" name="楕円"/>
           <p:cNvSpPr/>
           <p:nvPr/>
         </p:nvSpPr>
@@ -11120,7 +11107,7 @@
       </p:sp>
       <p:sp>
         <p:nvSpPr>
-          <p:cNvPr id="407" name="楕円"/>
+          <p:cNvPr id="406" name="楕円"/>
           <p:cNvSpPr/>
           <p:nvPr/>
         </p:nvSpPr>
@@ -11155,7 +11142,7 @@
       </p:sp>
       <p:sp>
         <p:nvSpPr>
-          <p:cNvPr id="408" name="楕円"/>
+          <p:cNvPr id="407" name="楕円"/>
           <p:cNvSpPr/>
           <p:nvPr/>
         </p:nvSpPr>
@@ -11190,7 +11177,7 @@
       </p:sp>
       <p:sp>
         <p:nvSpPr>
-          <p:cNvPr id="409" name="楕円"/>
+          <p:cNvPr id="408" name="楕円"/>
           <p:cNvSpPr/>
           <p:nvPr/>
         </p:nvSpPr>
@@ -11225,7 +11212,7 @@
       </p:sp>
       <p:sp>
         <p:nvSpPr>
-          <p:cNvPr id="410" name="線"/>
+          <p:cNvPr id="409" name="線"/>
           <p:cNvSpPr/>
           <p:nvPr/>
         </p:nvSpPr>
@@ -11265,7 +11252,7 @@
       </p:sp>
       <p:sp>
         <p:nvSpPr>
-          <p:cNvPr id="411" name="楕円"/>
+          <p:cNvPr id="410" name="楕円"/>
           <p:cNvSpPr/>
           <p:nvPr/>
         </p:nvSpPr>
@@ -11300,7 +11287,7 @@
       </p:sp>
       <p:sp>
         <p:nvSpPr>
-          <p:cNvPr id="412" name="線"/>
+          <p:cNvPr id="411" name="線"/>
           <p:cNvSpPr/>
           <p:nvPr/>
         </p:nvSpPr>
@@ -11340,7 +11327,7 @@
       </p:sp>
       <p:sp>
         <p:nvSpPr>
-          <p:cNvPr id="413" name="線"/>
+          <p:cNvPr id="412" name="線"/>
           <p:cNvSpPr/>
           <p:nvPr/>
         </p:nvSpPr>
@@ -11380,7 +11367,7 @@
       </p:sp>
       <p:sp>
         <p:nvSpPr>
-          <p:cNvPr id="414" name="線"/>
+          <p:cNvPr id="413" name="線"/>
           <p:cNvSpPr/>
           <p:nvPr/>
         </p:nvSpPr>
@@ -11420,7 +11407,7 @@
       </p:sp>
       <p:sp>
         <p:nvSpPr>
-          <p:cNvPr id="415" name="線"/>
+          <p:cNvPr id="414" name="線"/>
           <p:cNvSpPr/>
           <p:nvPr/>
         </p:nvSpPr>
@@ -11460,7 +11447,7 @@
       </p:sp>
       <p:sp>
         <p:nvSpPr>
-          <p:cNvPr id="416" name="線"/>
+          <p:cNvPr id="415" name="線"/>
           <p:cNvSpPr/>
           <p:nvPr/>
         </p:nvSpPr>
@@ -11500,7 +11487,7 @@
       </p:sp>
       <p:sp>
         <p:nvSpPr>
-          <p:cNvPr id="417" name="線"/>
+          <p:cNvPr id="416" name="線"/>
           <p:cNvSpPr/>
           <p:nvPr/>
         </p:nvSpPr>
@@ -11540,7 +11527,7 @@
       </p:sp>
       <p:sp>
         <p:nvSpPr>
-          <p:cNvPr id="418" name="線"/>
+          <p:cNvPr id="417" name="線"/>
           <p:cNvSpPr/>
           <p:nvPr/>
         </p:nvSpPr>
@@ -11580,7 +11567,7 @@
       </p:sp>
       <p:sp>
         <p:nvSpPr>
-          <p:cNvPr id="419" name="線"/>
+          <p:cNvPr id="418" name="線"/>
           <p:cNvSpPr/>
           <p:nvPr/>
         </p:nvSpPr>
@@ -11620,7 +11607,7 @@
       </p:sp>
       <p:sp>
         <p:nvSpPr>
-          <p:cNvPr id="420" name="線"/>
+          <p:cNvPr id="419" name="線"/>
           <p:cNvSpPr/>
           <p:nvPr/>
         </p:nvSpPr>
@@ -11660,7 +11647,7 @@
       </p:sp>
       <p:sp>
         <p:nvSpPr>
-          <p:cNvPr id="421" name="線"/>
+          <p:cNvPr id="420" name="線"/>
           <p:cNvSpPr/>
           <p:nvPr/>
         </p:nvSpPr>
@@ -11700,7 +11687,7 @@
       </p:sp>
       <p:sp>
         <p:nvSpPr>
-          <p:cNvPr id="422" name="線"/>
+          <p:cNvPr id="421" name="線"/>
           <p:cNvSpPr/>
           <p:nvPr/>
         </p:nvSpPr>
@@ -11740,7 +11727,7 @@
       </p:sp>
       <p:sp>
         <p:nvSpPr>
-          <p:cNvPr id="423" name="線"/>
+          <p:cNvPr id="422" name="線"/>
           <p:cNvSpPr/>
           <p:nvPr/>
         </p:nvSpPr>
@@ -11780,7 +11767,7 @@
       </p:sp>
       <p:sp>
         <p:nvSpPr>
-          <p:cNvPr id="424" name="線"/>
+          <p:cNvPr id="423" name="線"/>
           <p:cNvSpPr/>
           <p:nvPr/>
         </p:nvSpPr>
@@ -11820,7 +11807,7 @@
       </p:sp>
       <p:sp>
         <p:nvSpPr>
-          <p:cNvPr id="425" name="線"/>
+          <p:cNvPr id="424" name="線"/>
           <p:cNvSpPr/>
           <p:nvPr/>
         </p:nvSpPr>
@@ -11860,7 +11847,7 @@
       </p:sp>
       <p:sp>
         <p:nvSpPr>
-          <p:cNvPr id="426" name="線"/>
+          <p:cNvPr id="425" name="線"/>
           <p:cNvSpPr/>
           <p:nvPr/>
         </p:nvSpPr>
@@ -11900,7 +11887,7 @@
       </p:sp>
       <p:sp>
         <p:nvSpPr>
-          <p:cNvPr id="427" name="線"/>
+          <p:cNvPr id="426" name="線"/>
           <p:cNvSpPr/>
           <p:nvPr/>
         </p:nvSpPr>
@@ -11940,7 +11927,7 @@
       </p:sp>
       <p:sp>
         <p:nvSpPr>
-          <p:cNvPr id="428" name="線"/>
+          <p:cNvPr id="427" name="線"/>
           <p:cNvSpPr/>
           <p:nvPr/>
         </p:nvSpPr>
@@ -11980,7 +11967,7 @@
       </p:sp>
       <p:sp>
         <p:nvSpPr>
-          <p:cNvPr id="429" name="線"/>
+          <p:cNvPr id="428" name="線"/>
           <p:cNvSpPr/>
           <p:nvPr/>
         </p:nvSpPr>
@@ -12020,7 +12007,7 @@
       </p:sp>
       <p:sp>
         <p:nvSpPr>
-          <p:cNvPr id="430" name="線"/>
+          <p:cNvPr id="429" name="線"/>
           <p:cNvSpPr/>
           <p:nvPr/>
         </p:nvSpPr>
@@ -12060,7 +12047,7 @@
       </p:sp>
       <p:sp>
         <p:nvSpPr>
-          <p:cNvPr id="431" name="線"/>
+          <p:cNvPr id="430" name="線"/>
           <p:cNvSpPr/>
           <p:nvPr/>
         </p:nvSpPr>
@@ -12100,7 +12087,7 @@
       </p:sp>
       <p:sp>
         <p:nvSpPr>
-          <p:cNvPr id="432" name="線"/>
+          <p:cNvPr id="431" name="線"/>
           <p:cNvSpPr/>
           <p:nvPr/>
         </p:nvSpPr>
@@ -12140,7 +12127,7 @@
       </p:sp>
       <p:sp>
         <p:nvSpPr>
-          <p:cNvPr id="433" name="線"/>
+          <p:cNvPr id="432" name="線"/>
           <p:cNvSpPr/>
           <p:nvPr/>
         </p:nvSpPr>
@@ -12180,7 +12167,7 @@
       </p:sp>
       <p:sp>
         <p:nvSpPr>
-          <p:cNvPr id="434" name="線"/>
+          <p:cNvPr id="433" name="線"/>
           <p:cNvSpPr/>
           <p:nvPr/>
         </p:nvSpPr>
@@ -12220,7 +12207,7 @@
       </p:sp>
       <p:sp>
         <p:nvSpPr>
-          <p:cNvPr id="435" name="線"/>
+          <p:cNvPr id="434" name="線"/>
           <p:cNvSpPr/>
           <p:nvPr/>
         </p:nvSpPr>
@@ -12260,7 +12247,7 @@
       </p:sp>
       <p:sp>
         <p:nvSpPr>
-          <p:cNvPr id="436" name="線"/>
+          <p:cNvPr id="435" name="線"/>
           <p:cNvSpPr/>
           <p:nvPr/>
         </p:nvSpPr>
@@ -12300,7 +12287,7 @@
       </p:sp>
       <p:sp>
         <p:nvSpPr>
-          <p:cNvPr id="437" name="線"/>
+          <p:cNvPr id="436" name="線"/>
           <p:cNvSpPr/>
           <p:nvPr/>
         </p:nvSpPr>
@@ -12340,7 +12327,7 @@
       </p:sp>
       <p:sp>
         <p:nvSpPr>
-          <p:cNvPr id="438" name="線"/>
+          <p:cNvPr id="437" name="線"/>
           <p:cNvSpPr/>
           <p:nvPr/>
         </p:nvSpPr>
@@ -12380,7 +12367,7 @@
       </p:sp>
       <p:sp>
         <p:nvSpPr>
-          <p:cNvPr id="439" name="線"/>
+          <p:cNvPr id="438" name="線"/>
           <p:cNvSpPr/>
           <p:nvPr/>
         </p:nvSpPr>
@@ -12420,7 +12407,7 @@
       </p:sp>
       <p:sp>
         <p:nvSpPr>
-          <p:cNvPr id="440" name="線"/>
+          <p:cNvPr id="439" name="線"/>
           <p:cNvSpPr/>
           <p:nvPr/>
         </p:nvSpPr>
@@ -12460,7 +12447,7 @@
       </p:sp>
       <p:sp>
         <p:nvSpPr>
-          <p:cNvPr id="441" name="線"/>
+          <p:cNvPr id="440" name="線"/>
           <p:cNvSpPr/>
           <p:nvPr/>
         </p:nvSpPr>
@@ -12500,7 +12487,7 @@
       </p:sp>
       <p:sp>
         <p:nvSpPr>
-          <p:cNvPr id="442" name="線"/>
+          <p:cNvPr id="441" name="線"/>
           <p:cNvSpPr/>
           <p:nvPr/>
         </p:nvSpPr>
@@ -12566,7 +12553,7 @@
       </p:grpSpPr>
       <p:sp>
         <p:nvSpPr>
-          <p:cNvPr id="451" name="アクチン分子の初期配置"/>
+          <p:cNvPr id="450" name="アクチン分子の初期配置"/>
           <p:cNvSpPr txBox="1"/>
           <p:nvPr>
             <p:ph type="title"/>
@@ -12590,7 +12577,7 @@
       </p:sp>
       <p:pic>
         <p:nvPicPr>
-          <p:cNvPr id="452" name="top.pdf" descr="top.pdf"/>
+          <p:cNvPr id="451" name="top.pdf" descr="top.pdf"/>
           <p:cNvPicPr>
             <a:picLocks noChangeAspect="1"/>
           </p:cNvPicPr>
@@ -12620,7 +12607,7 @@
       </p:pic>
       <p:sp>
         <p:nvSpPr>
-          <p:cNvPr id="453" name="アクチン分子はU字型領域に一様に配置…"/>
+          <p:cNvPr id="452" name="アクチン分子はU字型領域に一様に配置…"/>
           <p:cNvSpPr txBox="1"/>
           <p:nvPr/>
         </p:nvSpPr>
@@ -12704,7 +12691,7 @@
       </p:sp>
       <p:sp>
         <p:nvSpPr>
-          <p:cNvPr id="454" name="[A. J. Ridley et al. 2003]"/>
+          <p:cNvPr id="453" name="[A. J. Ridley et al. 2003]"/>
           <p:cNvSpPr txBox="1"/>
           <p:nvPr/>
         </p:nvSpPr>
@@ -12758,7 +12745,7 @@
       </p:sp>
       <p:sp>
         <p:nvSpPr>
-          <p:cNvPr id="455" name="細胞遊走開始時にアクチン分子の分布は進行方向へ偏る"/>
+          <p:cNvPr id="454" name="細胞遊走開始時にアクチン分子の分布は進行方向へ偏る"/>
           <p:cNvSpPr txBox="1"/>
           <p:nvPr/>
         </p:nvSpPr>
@@ -12832,7 +12819,7 @@
       </p:grpSpPr>
       <p:sp>
         <p:nvSpPr>
-          <p:cNvPr id="457" name="アクチン重合シミュレーション"/>
+          <p:cNvPr id="456" name="アクチン重合シミュレーション"/>
           <p:cNvSpPr txBox="1"/>
           <p:nvPr>
             <p:ph type="title"/>
@@ -12858,226 +12845,119 @@
           </a:p>
         </p:txBody>
       </p:sp>
-      <p:grpSp>
-        <p:nvGrpSpPr>
-          <p:cNvPr id="463" name="グループ"/>
-          <p:cNvGrpSpPr/>
-          <p:nvPr/>
-        </p:nvGrpSpPr>
-        <p:grpSpPr>
-          <a:xfrm>
-            <a:off x="9408638" y="3598996"/>
-            <a:ext cx="7211432" cy="4243847"/>
-            <a:chOff x="1483515" y="0"/>
-            <a:chExt cx="7211430" cy="4243845"/>
-          </a:xfrm>
-        </p:grpSpPr>
-        <p:sp>
-          <p:nvSpPr>
-            <p:cNvPr id="458" name="線"/>
-            <p:cNvSpPr/>
-            <p:nvPr/>
-          </p:nvSpPr>
-          <p:spPr>
-            <a:xfrm flipV="1">
-              <a:off x="6988168" y="0"/>
-              <a:ext cx="1" cy="4243846"/>
-            </a:xfrm>
-            <a:prstGeom prst="line">
-              <a:avLst/>
-            </a:prstGeom>
-            <a:noFill/>
-            <a:ln w="50800" cap="flat">
-              <a:solidFill>
-                <a:srgbClr val="000000"/>
-              </a:solidFill>
-              <a:prstDash val="sysDot"/>
-              <a:miter lim="400000"/>
-            </a:ln>
-            <a:effectLst/>
-          </p:spPr>
-          <p:txBody>
-            <a:bodyPr wrap="square" lIns="0" tIns="0" rIns="0" bIns="0" numCol="1" anchor="ctr">
-              <a:noAutofit/>
-            </a:bodyPr>
-            <a:lstStyle/>
-            <a:p>
-              <a:pPr>
-                <a:defRPr sz="11300">
-                  <a:solidFill>
-                    <a:srgbClr val="FFFFFF"/>
-                  </a:solidFill>
-                </a:defRPr>
-              </a:pPr>
-            </a:p>
-          </p:txBody>
-        </p:sp>
-        <p:sp>
-          <p:nvSpPr>
-            <p:cNvPr id="459" name="線"/>
-            <p:cNvSpPr/>
-            <p:nvPr/>
-          </p:nvSpPr>
-          <p:spPr>
-            <a:xfrm flipV="1">
-              <a:off x="1542031" y="0"/>
-              <a:ext cx="1" cy="4243847"/>
-            </a:xfrm>
-            <a:prstGeom prst="line">
-              <a:avLst/>
-            </a:prstGeom>
-            <a:noFill/>
-            <a:ln w="50800" cap="flat">
-              <a:solidFill>
-                <a:srgbClr val="000000"/>
-              </a:solidFill>
-              <a:prstDash val="sysDot"/>
-              <a:miter lim="400000"/>
-            </a:ln>
-            <a:effectLst/>
-          </p:spPr>
-          <p:txBody>
-            <a:bodyPr wrap="square" lIns="0" tIns="0" rIns="0" bIns="0" numCol="1" anchor="ctr">
-              <a:noAutofit/>
-            </a:bodyPr>
-            <a:lstStyle/>
-            <a:p>
-              <a:pPr>
-                <a:defRPr sz="11300">
-                  <a:solidFill>
-                    <a:srgbClr val="FFFFFF"/>
-                  </a:solidFill>
-                </a:defRPr>
-              </a:pPr>
-            </a:p>
-          </p:txBody>
-        </p:sp>
-        <p:pic>
-          <p:nvPicPr>
-            <p:cNvPr id="460" name="texclip20181128023815.png" descr="texclip20181128023815.png"/>
-            <p:cNvPicPr>
-              <a:picLocks noChangeAspect="0"/>
-            </p:cNvPicPr>
-            <p:nvPr/>
-          </p:nvPicPr>
-          <p:blipFill>
-            <a:blip r:embed="rId3">
-              <a:extLst/>
-            </a:blip>
-            <a:srcRect l="13153" t="0" r="0" b="0"/>
-            <a:stretch>
-              <a:fillRect/>
-            </a:stretch>
-          </p:blipFill>
-          <p:spPr>
-            <a:xfrm>
-              <a:off x="7498757" y="2840379"/>
-              <a:ext cx="1196190" cy="1208132"/>
-            </a:xfrm>
-            <a:prstGeom prst="rect">
-              <a:avLst/>
-            </a:prstGeom>
-            <a:ln w="12700" cap="flat">
-              <a:noFill/>
-              <a:miter lim="400000"/>
-            </a:ln>
-            <a:effectLst/>
-          </p:spPr>
-        </p:pic>
-        <p:sp>
-          <p:nvSpPr>
-            <p:cNvPr id="461" name="線"/>
-            <p:cNvSpPr/>
-            <p:nvPr/>
-          </p:nvSpPr>
-          <p:spPr>
-            <a:xfrm>
-              <a:off x="1613510" y="3444423"/>
-              <a:ext cx="5192433" cy="1"/>
-            </a:xfrm>
-            <a:prstGeom prst="line">
-              <a:avLst/>
-            </a:prstGeom>
-            <a:noFill/>
-            <a:ln w="76200" cap="flat">
-              <a:solidFill>
-                <a:schemeClr val="accent5">
-                  <a:hueOff val="-82419"/>
-                  <a:satOff val="-9513"/>
-                  <a:lumOff val="-16343"/>
-                </a:schemeClr>
-              </a:solidFill>
-              <a:prstDash val="solid"/>
-              <a:miter lim="400000"/>
-              <a:tailEnd type="oval" w="med" len="med"/>
-            </a:ln>
-            <a:effectLst/>
-          </p:spPr>
-          <p:txBody>
-            <a:bodyPr wrap="square" lIns="0" tIns="0" rIns="0" bIns="0" numCol="1" anchor="ctr">
-              <a:noAutofit/>
-            </a:bodyPr>
-            <a:lstStyle/>
-            <a:p>
-              <a:pPr>
-                <a:defRPr sz="11300">
-                  <a:solidFill>
-                    <a:srgbClr val="FFFFFF"/>
-                  </a:solidFill>
-                </a:defRPr>
-              </a:pPr>
-            </a:p>
-          </p:txBody>
-        </p:sp>
-        <p:sp>
-          <p:nvSpPr>
-            <p:cNvPr id="462" name="線"/>
-            <p:cNvSpPr/>
-            <p:nvPr/>
-          </p:nvSpPr>
-          <p:spPr>
-            <a:xfrm flipH="1">
-              <a:off x="1483515" y="837331"/>
-              <a:ext cx="12439" cy="1"/>
-            </a:xfrm>
-            <a:prstGeom prst="line">
-              <a:avLst/>
-            </a:prstGeom>
-            <a:noFill/>
-            <a:ln w="76200" cap="flat">
-              <a:solidFill>
-                <a:schemeClr val="accent5">
-                  <a:hueOff val="-82419"/>
-                  <a:satOff val="-9513"/>
-                  <a:lumOff val="-16343"/>
-                </a:schemeClr>
-              </a:solidFill>
-              <a:prstDash val="solid"/>
-              <a:miter lim="400000"/>
-              <a:tailEnd type="oval" w="med" len="med"/>
-            </a:ln>
-            <a:effectLst/>
-          </p:spPr>
-          <p:txBody>
-            <a:bodyPr wrap="square" lIns="0" tIns="0" rIns="0" bIns="0" numCol="1" anchor="ctr">
-              <a:noAutofit/>
-            </a:bodyPr>
-            <a:lstStyle/>
-            <a:p>
-              <a:pPr>
-                <a:defRPr sz="11300">
-                  <a:solidFill>
-                    <a:srgbClr val="FFFFFF"/>
-                  </a:solidFill>
-                </a:defRPr>
-              </a:pPr>
-            </a:p>
-          </p:txBody>
-        </p:sp>
-      </p:grpSp>
-      <p:sp>
-        <p:nvSpPr>
-          <p:cNvPr id="481" name="接続の線"/>
+      <p:pic>
+        <p:nvPicPr>
+          <p:cNvPr id="457" name="texclip20181128023815.png" descr="texclip20181128023815.png"/>
+          <p:cNvPicPr>
+            <a:picLocks noChangeAspect="0"/>
+          </p:cNvPicPr>
+          <p:nvPr/>
+        </p:nvPicPr>
+        <p:blipFill>
+          <a:blip r:embed="rId2">
+            <a:extLst/>
+          </a:blip>
+          <a:srcRect l="13153" t="0" r="0" b="0"/>
+          <a:stretch>
+            <a:fillRect/>
+          </a:stretch>
+        </p:blipFill>
+        <p:spPr>
+          <a:xfrm>
+            <a:off x="15423880" y="6439376"/>
+            <a:ext cx="1196190" cy="1208132"/>
+          </a:xfrm>
+          <a:prstGeom prst="rect">
+            <a:avLst/>
+          </a:prstGeom>
+          <a:ln w="12700">
+            <a:miter lim="400000"/>
+          </a:ln>
+        </p:spPr>
+      </p:pic>
+      <p:sp>
+        <p:nvSpPr>
+          <p:cNvPr id="458" name="線"/>
+          <p:cNvSpPr/>
+          <p:nvPr/>
+        </p:nvSpPr>
+        <p:spPr>
+          <a:xfrm>
+            <a:off x="9538634" y="7043419"/>
+            <a:ext cx="5192433" cy="1"/>
+          </a:xfrm>
+          <a:prstGeom prst="line">
+            <a:avLst/>
+          </a:prstGeom>
+          <a:ln w="76200">
+            <a:solidFill>
+              <a:schemeClr val="accent5">
+                <a:hueOff val="-82419"/>
+                <a:satOff val="-9513"/>
+                <a:lumOff val="-16343"/>
+              </a:schemeClr>
+            </a:solidFill>
+            <a:miter lim="400000"/>
+            <a:tailEnd type="oval"/>
+          </a:ln>
+        </p:spPr>
+        <p:txBody>
+          <a:bodyPr lIns="0" tIns="0" rIns="0" bIns="0" anchor="ctr"/>
+          <a:lstStyle/>
+          <a:p>
+            <a:pPr>
+              <a:defRPr sz="11300">
+                <a:solidFill>
+                  <a:srgbClr val="FFFFFF"/>
+                </a:solidFill>
+              </a:defRPr>
+            </a:pPr>
+          </a:p>
+        </p:txBody>
+      </p:sp>
+      <p:sp>
+        <p:nvSpPr>
+          <p:cNvPr id="459" name="線"/>
+          <p:cNvSpPr/>
+          <p:nvPr/>
+        </p:nvSpPr>
+        <p:spPr>
+          <a:xfrm flipH="1">
+            <a:off x="9408638" y="4436328"/>
+            <a:ext cx="12439" cy="1"/>
+          </a:xfrm>
+          <a:prstGeom prst="line">
+            <a:avLst/>
+          </a:prstGeom>
+          <a:ln w="76200">
+            <a:solidFill>
+              <a:schemeClr val="accent5">
+                <a:hueOff val="-82419"/>
+                <a:satOff val="-9513"/>
+                <a:lumOff val="-16343"/>
+              </a:schemeClr>
+            </a:solidFill>
+            <a:miter lim="400000"/>
+            <a:tailEnd type="oval"/>
+          </a:ln>
+        </p:spPr>
+        <p:txBody>
+          <a:bodyPr lIns="0" tIns="0" rIns="0" bIns="0" anchor="ctr"/>
+          <a:lstStyle/>
+          <a:p>
+            <a:pPr>
+              <a:defRPr sz="11300">
+                <a:solidFill>
+                  <a:srgbClr val="FFFFFF"/>
+                </a:solidFill>
+              </a:defRPr>
+            </a:pPr>
+          </a:p>
+        </p:txBody>
+      </p:sp>
+      <p:sp>
+        <p:nvSpPr>
+          <p:cNvPr id="478" name="接続の線"/>
           <p:cNvSpPr/>
           <p:nvPr/>
         </p:nvSpPr>
@@ -13134,7 +13014,7 @@
       </p:sp>
       <p:sp>
         <p:nvSpPr>
-          <p:cNvPr id="465" name="重合の伸長度を示す関数"/>
+          <p:cNvPr id="461" name="重合の伸長度を示す関数"/>
           <p:cNvSpPr txBox="1"/>
           <p:nvPr/>
         </p:nvSpPr>
@@ -13182,14 +13062,14 @@
       </p:sp>
       <p:sp>
         <p:nvSpPr>
-          <p:cNvPr id="466" name="初期に決定される重合方向"/>
+          <p:cNvPr id="462" name="初期に決定される重合方向"/>
           <p:cNvSpPr txBox="1"/>
           <p:nvPr/>
         </p:nvSpPr>
         <p:spPr>
           <a:xfrm>
-            <a:off x="15045503" y="10976721"/>
-            <a:ext cx="4184992" cy="1308101"/>
+            <a:off x="11488711" y="8284627"/>
+            <a:ext cx="5926075" cy="584201"/>
           </a:xfrm>
           <a:prstGeom prst="rect">
             <a:avLst/>
@@ -13230,14 +13110,71 @@
       </p:sp>
       <p:sp>
         <p:nvSpPr>
-          <p:cNvPr id="482" name="接続の線"/>
-          <p:cNvSpPr/>
-          <p:nvPr/>
-        </p:nvSpPr>
-        <p:spPr>
-          <a:xfrm>
-            <a:off x="15224231" y="10487145"/>
-            <a:ext cx="819268" cy="489577"/>
+          <p:cNvPr id="479" name="接続の線"/>
+          <p:cNvSpPr/>
+          <p:nvPr/>
+        </p:nvSpPr>
+        <p:spPr>
+          <a:xfrm>
+            <a:off x="14675954" y="8868827"/>
+            <a:ext cx="357704" cy="466022"/>
+          </a:xfrm>
+          <a:custGeom>
+            <a:avLst/>
+            <a:gdLst/>
+            <a:ahLst/>
+            <a:cxnLst>
+              <a:cxn ang="0">
+                <a:pos x="wd2" y="hd2"/>
+              </a:cxn>
+              <a:cxn ang="5400000">
+                <a:pos x="wd2" y="hd2"/>
+              </a:cxn>
+              <a:cxn ang="10800000">
+                <a:pos x="wd2" y="hd2"/>
+              </a:cxn>
+              <a:cxn ang="16200000">
+                <a:pos x="wd2" y="hd2"/>
+              </a:cxn>
+            </a:cxnLst>
+            <a:rect l="0" t="0" r="r" b="b"/>
+            <a:pathLst>
+              <a:path w="21600" h="21600" fill="norm" stroke="1" extrusionOk="0">
+                <a:moveTo>
+                  <a:pt x="0" y="0"/>
+                </a:moveTo>
+                <a:lnTo>
+                  <a:pt x="21600" y="21600"/>
+                </a:lnTo>
+              </a:path>
+            </a:pathLst>
+          </a:custGeom>
+          <a:ln w="25400">
+            <a:solidFill>
+              <a:srgbClr val="000000"/>
+            </a:solidFill>
+            <a:miter lim="400000"/>
+            <a:tailEnd type="triangle"/>
+          </a:ln>
+        </p:spPr>
+        <p:txBody>
+          <a:bodyPr/>
+          <a:lstStyle/>
+          <a:p>
+            <a:pPr/>
+          </a:p>
+        </p:txBody>
+      </p:sp>
+      <p:sp>
+        <p:nvSpPr>
+          <p:cNvPr id="480" name="接続の線"/>
+          <p:cNvSpPr/>
+          <p:nvPr/>
+        </p:nvSpPr>
+        <p:spPr>
+          <a:xfrm>
+            <a:off x="14226933" y="10525807"/>
+            <a:ext cx="1362257" cy="919434"/>
           </a:xfrm>
           <a:custGeom>
             <a:avLst/>
@@ -13269,7 +13206,7 @@
               </a:path>
             </a:pathLst>
           </a:custGeom>
-          <a:ln w="25400">
+          <a:ln w="38100">
             <a:solidFill>
               <a:srgbClr val="000000"/>
             </a:solidFill>
@@ -13287,71 +13224,14 @@
       </p:sp>
       <p:sp>
         <p:nvSpPr>
-          <p:cNvPr id="483" name="接続の線"/>
-          <p:cNvSpPr/>
-          <p:nvPr/>
-        </p:nvSpPr>
-        <p:spPr>
-          <a:xfrm>
-            <a:off x="14178416" y="8990113"/>
-            <a:ext cx="519693" cy="530517"/>
-          </a:xfrm>
-          <a:custGeom>
-            <a:avLst/>
-            <a:gdLst/>
-            <a:ahLst/>
-            <a:cxnLst>
-              <a:cxn ang="0">
-                <a:pos x="wd2" y="hd2"/>
-              </a:cxn>
-              <a:cxn ang="5400000">
-                <a:pos x="wd2" y="hd2"/>
-              </a:cxn>
-              <a:cxn ang="10800000">
-                <a:pos x="wd2" y="hd2"/>
-              </a:cxn>
-              <a:cxn ang="16200000">
-                <a:pos x="wd2" y="hd2"/>
-              </a:cxn>
-            </a:cxnLst>
-            <a:rect l="0" t="0" r="r" b="b"/>
-            <a:pathLst>
-              <a:path w="21600" h="21600" fill="norm" stroke="1" extrusionOk="0">
-                <a:moveTo>
-                  <a:pt x="21600" y="0"/>
-                </a:moveTo>
-                <a:lnTo>
-                  <a:pt x="0" y="21600"/>
-                </a:lnTo>
-              </a:path>
-            </a:pathLst>
-          </a:custGeom>
-          <a:ln w="38100">
-            <a:solidFill>
-              <a:srgbClr val="000000"/>
-            </a:solidFill>
-            <a:miter lim="400000"/>
-            <a:tailEnd type="triangle"/>
-          </a:ln>
-        </p:spPr>
-        <p:txBody>
-          <a:bodyPr/>
-          <a:lstStyle/>
-          <a:p>
-            <a:pPr/>
-          </a:p>
-        </p:txBody>
-      </p:sp>
-      <p:sp>
-        <p:nvSpPr>
-          <p:cNvPr id="469" name="アクチン濃度"/>
+          <p:cNvPr id="465" name="アクチン濃度"/>
           <p:cNvSpPr txBox="1"/>
           <p:nvPr/>
         </p:nvSpPr>
         <p:spPr>
           <a:xfrm>
-            <a:off x="13388182" y="8405913"/>
-            <a:ext cx="3192131" cy="584201"/>
+            <a:off x="14425907" y="11445240"/>
+            <a:ext cx="3192130" cy="584200"/>
           </a:xfrm>
           <a:prstGeom prst="rect">
             <a:avLst/>
@@ -13392,14 +13272,14 @@
       </p:sp>
       <p:pic>
         <p:nvPicPr>
-          <p:cNvPr id="470" name="texclip20190213165718.png" descr="texclip20190213165718.png"/>
+          <p:cNvPr id="466" name="texclip20190213165718.png" descr="texclip20190213165718.png"/>
           <p:cNvPicPr>
             <a:picLocks noChangeAspect="1"/>
           </p:cNvPicPr>
           <p:nvPr/>
         </p:nvPicPr>
         <p:blipFill>
-          <a:blip r:embed="rId4">
+          <a:blip r:embed="rId3">
             <a:extLst/>
           </a:blip>
           <a:stretch>
@@ -13421,7 +13301,7 @@
       </p:pic>
       <p:sp>
         <p:nvSpPr>
-          <p:cNvPr id="471" name="初期状態では長さ０"/>
+          <p:cNvPr id="467" name="初期状態では長さ０"/>
           <p:cNvSpPr txBox="1"/>
           <p:nvPr/>
         </p:nvSpPr>
@@ -13469,7 +13349,7 @@
       </p:sp>
       <p:sp>
         <p:nvSpPr>
-          <p:cNvPr id="472" name="矢印"/>
+          <p:cNvPr id="468" name="矢印"/>
           <p:cNvSpPr/>
           <p:nvPr/>
         </p:nvSpPr>
@@ -13507,14 +13387,14 @@
       </p:sp>
       <p:pic>
         <p:nvPicPr>
-          <p:cNvPr id="473" name="texclip20181128024659.png" descr="texclip20181128024659.png"/>
+          <p:cNvPr id="469" name="texclip20181128024659.png" descr="texclip20181128024659.png"/>
           <p:cNvPicPr>
             <a:picLocks noChangeAspect="1"/>
           </p:cNvPicPr>
           <p:nvPr/>
         </p:nvPicPr>
         <p:blipFill>
-          <a:blip r:embed="rId5">
+          <a:blip r:embed="rId4">
             <a:extLst/>
           </a:blip>
           <a:srcRect l="77147" t="0" r="14772" b="62894"/>
@@ -13537,13 +13417,13 @@
       </p:pic>
       <p:sp>
         <p:nvSpPr>
-          <p:cNvPr id="474" name="確率的に伸長"/>
+          <p:cNvPr id="470" name="確率的に伸長"/>
           <p:cNvSpPr txBox="1"/>
           <p:nvPr/>
         </p:nvSpPr>
         <p:spPr>
           <a:xfrm>
-            <a:off x="4325221" y="5301820"/>
+            <a:off x="12047455" y="4017228"/>
             <a:ext cx="4533901" cy="838200"/>
           </a:xfrm>
           <a:prstGeom prst="rect">
@@ -13585,14 +13465,14 @@
       </p:sp>
       <p:pic>
         <p:nvPicPr>
-          <p:cNvPr id="475" name="texclip20190214094154.png" descr="texclip20190214094154.png"/>
+          <p:cNvPr id="471" name="texclip20190214094154.png" descr="texclip20190214094154.png"/>
           <p:cNvPicPr>
             <a:picLocks noChangeAspect="1"/>
           </p:cNvPicPr>
           <p:nvPr/>
         </p:nvPicPr>
         <p:blipFill>
-          <a:blip r:embed="rId6">
+          <a:blip r:embed="rId5">
             <a:extLst/>
           </a:blip>
           <a:stretch>
@@ -13614,7 +13494,7 @@
       </p:pic>
       <p:sp>
         <p:nvSpPr>
-          <p:cNvPr id="476" name="線"/>
+          <p:cNvPr id="472" name="線"/>
           <p:cNvSpPr/>
           <p:nvPr/>
         </p:nvSpPr>
@@ -13649,7 +13529,7 @@
       </p:sp>
       <p:sp>
         <p:nvSpPr>
-          <p:cNvPr id="477" name="線"/>
+          <p:cNvPr id="473" name="線"/>
           <p:cNvSpPr/>
           <p:nvPr/>
         </p:nvSpPr>
@@ -13684,7 +13564,7 @@
       </p:sp>
       <p:sp>
         <p:nvSpPr>
-          <p:cNvPr id="478" name="線"/>
+          <p:cNvPr id="474" name="線"/>
           <p:cNvSpPr/>
           <p:nvPr/>
         </p:nvSpPr>
@@ -13719,26 +13599,75 @@
       </p:sp>
       <p:sp>
         <p:nvSpPr>
-          <p:cNvPr id="479" name="矢印"/>
-          <p:cNvSpPr/>
-          <p:nvPr/>
-        </p:nvSpPr>
-        <p:spPr>
-          <a:xfrm rot="5400000">
-            <a:off x="11824395" y="5506632"/>
-            <a:ext cx="735210" cy="428576"/>
-          </a:xfrm>
-          <a:prstGeom prst="rightArrow">
-            <a:avLst>
-              <a:gd name="adj1" fmla="val 47672"/>
-              <a:gd name="adj2" fmla="val 74766"/>
-            </a:avLst>
-          </a:prstGeom>
-          <a:solidFill>
-            <a:srgbClr val="000000"/>
-          </a:solidFill>
+          <p:cNvPr id="475" name="アクチン先端位置"/>
+          <p:cNvSpPr txBox="1"/>
+          <p:nvPr/>
+        </p:nvSpPr>
+        <p:spPr>
+          <a:xfrm>
+            <a:off x="2302929" y="8278913"/>
+            <a:ext cx="5926075" cy="838200"/>
+          </a:xfrm>
+          <a:prstGeom prst="rect">
+            <a:avLst/>
+          </a:prstGeom>
           <a:ln w="12700">
             <a:miter lim="400000"/>
+          </a:ln>
+          <a:extLst>
+            <a:ext uri="{C572A759-6A51-4108-AA02-DFA0A04FC94B}">
+              <ma14:wrappingTextBoxFlag xmlns:ma14="http://schemas.microsoft.com/office/mac/drawingml/2011/main" val="1"/>
+            </a:ext>
+          </a:extLst>
+        </p:spPr>
+        <p:txBody>
+          <a:bodyPr wrap="none" lIns="50800" tIns="50800" rIns="50800" bIns="50800" anchor="ctr">
+            <a:spAutoFit/>
+          </a:bodyPr>
+          <a:lstStyle>
+            <a:lvl1pPr algn="l">
+              <a:spcBef>
+                <a:spcPts val="5900"/>
+              </a:spcBef>
+              <a:defRPr sz="5800">
+                <a:latin typeface="+mn-lt"/>
+                <a:ea typeface="+mn-ea"/>
+                <a:cs typeface="+mn-cs"/>
+                <a:sym typeface="ヒラギノ角ゴ ProN W3"/>
+              </a:defRPr>
+            </a:lvl1pPr>
+          </a:lstStyle>
+          <a:p>
+            <a:pPr/>
+            <a:r>
+              <a:t>アクチン先端位置</a:t>
+            </a:r>
+          </a:p>
+        </p:txBody>
+      </p:sp>
+      <p:sp>
+        <p:nvSpPr>
+          <p:cNvPr id="476" name="線"/>
+          <p:cNvSpPr/>
+          <p:nvPr/>
+        </p:nvSpPr>
+        <p:spPr>
+          <a:xfrm>
+            <a:off x="9409616" y="4424176"/>
+            <a:ext cx="4840457" cy="2199161"/>
+          </a:xfrm>
+          <a:prstGeom prst="line">
+            <a:avLst/>
+          </a:prstGeom>
+          <a:ln w="101600" cap="rnd">
+            <a:solidFill>
+              <a:srgbClr val="000000"/>
+            </a:solidFill>
+            <a:custDash>
+              <a:ds d="100000" sp="200000"/>
+            </a:custDash>
+            <a:miter lim="400000"/>
+            <a:tailEnd type="arrow"/>
           </a:ln>
         </p:spPr>
         <p:txBody>
@@ -13757,26 +13686,24 @@
       </p:sp>
       <p:sp>
         <p:nvSpPr>
-          <p:cNvPr id="480" name="矢印"/>
-          <p:cNvSpPr/>
-          <p:nvPr/>
-        </p:nvSpPr>
-        <p:spPr>
-          <a:xfrm rot="5400000">
-            <a:off x="11951395" y="5633632"/>
-            <a:ext cx="735210" cy="428576"/>
-          </a:xfrm>
-          <a:prstGeom prst="rightArrow">
-            <a:avLst>
-              <a:gd name="adj1" fmla="val 47672"/>
-              <a:gd name="adj2" fmla="val 74766"/>
-            </a:avLst>
-          </a:prstGeom>
-          <a:solidFill>
-            <a:srgbClr val="000000"/>
-          </a:solidFill>
-          <a:ln w="12700">
-            <a:miter lim="400000"/>
+          <p:cNvPr id="477" name="線"/>
+          <p:cNvSpPr/>
+          <p:nvPr/>
+        </p:nvSpPr>
+        <p:spPr>
+          <a:xfrm flipH="1" flipV="1">
+            <a:off x="10613440" y="8173747"/>
+            <a:ext cx="740563" cy="290109"/>
+          </a:xfrm>
+          <a:prstGeom prst="line">
+            <a:avLst/>
+          </a:prstGeom>
+          <a:ln w="25400">
+            <a:solidFill>
+              <a:srgbClr val="000000"/>
+            </a:solidFill>
+            <a:miter lim="400000"/>
+            <a:tailEnd type="triangle"/>
           </a:ln>
         </p:spPr>
         <p:txBody>
@@ -13821,7 +13748,7 @@
       </p:grpSpPr>
       <p:sp>
         <p:nvSpPr>
-          <p:cNvPr id="485" name="アクチン脱重合シミュレーション"/>
+          <p:cNvPr id="482" name="アクチン脱重合シミュレーション"/>
           <p:cNvSpPr txBox="1"/>
           <p:nvPr>
             <p:ph type="title"/>
@@ -13847,574 +13774,390 @@
           </a:p>
         </p:txBody>
       </p:sp>
-      <p:grpSp>
-        <p:nvGrpSpPr>
-          <p:cNvPr id="495" name="グループ"/>
-          <p:cNvGrpSpPr/>
-          <p:nvPr/>
-        </p:nvGrpSpPr>
-        <p:grpSpPr>
-          <a:xfrm>
-            <a:off x="6629393" y="3910425"/>
-            <a:ext cx="10251184" cy="5857264"/>
-            <a:chOff x="-589628" y="860619"/>
-            <a:chExt cx="10251182" cy="5857262"/>
-          </a:xfrm>
-        </p:grpSpPr>
-        <p:sp>
-          <p:nvSpPr>
-            <p:cNvPr id="486" name="線"/>
-            <p:cNvSpPr/>
-            <p:nvPr/>
-          </p:nvSpPr>
-          <p:spPr>
-            <a:xfrm flipV="1">
-              <a:off x="8694612" y="860619"/>
-              <a:ext cx="1" cy="5857263"/>
-            </a:xfrm>
-            <a:prstGeom prst="line">
-              <a:avLst/>
-            </a:prstGeom>
-            <a:noFill/>
-            <a:ln w="50800" cap="flat">
-              <a:solidFill>
-                <a:srgbClr val="000000"/>
-              </a:solidFill>
-              <a:prstDash val="sysDot"/>
-              <a:miter lim="400000"/>
-            </a:ln>
-            <a:effectLst/>
-          </p:spPr>
-          <p:txBody>
-            <a:bodyPr wrap="square" lIns="0" tIns="0" rIns="0" bIns="0" numCol="1" anchor="ctr">
-              <a:noAutofit/>
-            </a:bodyPr>
-            <a:lstStyle/>
-            <a:p>
-              <a:pPr>
-                <a:defRPr sz="11300">
-                  <a:solidFill>
-                    <a:srgbClr val="FFFFFF"/>
-                  </a:solidFill>
-                </a:defRPr>
-              </a:pPr>
-            </a:p>
-          </p:txBody>
-        </p:sp>
-        <p:sp>
-          <p:nvSpPr>
-            <p:cNvPr id="487" name="線"/>
-            <p:cNvSpPr/>
-            <p:nvPr/>
-          </p:nvSpPr>
-          <p:spPr>
-            <a:xfrm flipV="1">
-              <a:off x="1213500" y="860620"/>
-              <a:ext cx="1" cy="5857263"/>
-            </a:xfrm>
-            <a:prstGeom prst="line">
-              <a:avLst/>
-            </a:prstGeom>
-            <a:noFill/>
-            <a:ln w="50800" cap="flat">
-              <a:solidFill>
-                <a:srgbClr val="000000"/>
-              </a:solidFill>
-              <a:prstDash val="sysDot"/>
-              <a:miter lim="400000"/>
-            </a:ln>
-            <a:effectLst/>
-          </p:spPr>
-          <p:txBody>
-            <a:bodyPr wrap="square" lIns="0" tIns="0" rIns="0" bIns="0" numCol="1" anchor="ctr">
-              <a:noAutofit/>
-            </a:bodyPr>
-            <a:lstStyle/>
-            <a:p>
-              <a:pPr>
-                <a:defRPr sz="11300">
-                  <a:solidFill>
-                    <a:srgbClr val="FFFFFF"/>
-                  </a:solidFill>
-                </a:defRPr>
-              </a:pPr>
-            </a:p>
-          </p:txBody>
-        </p:sp>
-        <p:sp>
-          <p:nvSpPr>
-            <p:cNvPr id="488" name="線"/>
-            <p:cNvSpPr/>
-            <p:nvPr/>
-          </p:nvSpPr>
-          <p:spPr>
-            <a:xfrm flipV="1">
-              <a:off x="3211437" y="860620"/>
-              <a:ext cx="1" cy="5857263"/>
-            </a:xfrm>
-            <a:prstGeom prst="line">
-              <a:avLst/>
-            </a:prstGeom>
-            <a:noFill/>
-            <a:ln w="50800" cap="flat">
-              <a:solidFill>
-                <a:srgbClr val="000000"/>
-              </a:solidFill>
-              <a:prstDash val="sysDot"/>
-              <a:miter lim="400000"/>
-            </a:ln>
-            <a:effectLst/>
-          </p:spPr>
-          <p:txBody>
-            <a:bodyPr wrap="square" lIns="0" tIns="0" rIns="0" bIns="0" numCol="1" anchor="ctr">
-              <a:noAutofit/>
-            </a:bodyPr>
-            <a:lstStyle/>
-            <a:p>
-              <a:pPr>
-                <a:defRPr sz="11300">
-                  <a:solidFill>
-                    <a:srgbClr val="FFFFFF"/>
-                  </a:solidFill>
-                </a:defRPr>
-              </a:pPr>
-            </a:p>
-          </p:txBody>
-        </p:sp>
-        <p:pic>
-          <p:nvPicPr>
-            <p:cNvPr id="489" name="texclip20181128023718.png" descr="texclip20181128023718.png"/>
-            <p:cNvPicPr>
-              <a:picLocks noChangeAspect="0"/>
-            </p:cNvPicPr>
-            <p:nvPr/>
-          </p:nvPicPr>
-          <p:blipFill>
-            <a:blip r:embed="rId2">
-              <a:extLst/>
-            </a:blip>
-            <a:stretch>
-              <a:fillRect/>
-            </a:stretch>
-          </p:blipFill>
-          <p:spPr>
-            <a:xfrm>
-              <a:off x="-589629" y="5185213"/>
-              <a:ext cx="1012211" cy="660316"/>
-            </a:xfrm>
-            <a:prstGeom prst="rect">
-              <a:avLst/>
-            </a:prstGeom>
-            <a:ln w="12700" cap="flat">
-              <a:noFill/>
-              <a:miter lim="400000"/>
-            </a:ln>
-            <a:effectLst/>
-          </p:spPr>
-        </p:pic>
-        <p:pic>
-          <p:nvPicPr>
-            <p:cNvPr id="490" name="texclip20181128023815.png" descr="texclip20181128023815.png"/>
-            <p:cNvPicPr>
-              <a:picLocks noChangeAspect="0"/>
-            </p:cNvPicPr>
-            <p:nvPr/>
-          </p:nvPicPr>
-          <p:blipFill>
-            <a:blip r:embed="rId3">
-              <a:extLst/>
-            </a:blip>
-            <a:srcRect l="13153" t="0" r="0" b="0"/>
-            <a:stretch>
-              <a:fillRect/>
-            </a:stretch>
-          </p:blipFill>
-          <p:spPr>
-            <a:xfrm>
-              <a:off x="8782485" y="2680428"/>
-              <a:ext cx="879069" cy="660316"/>
-            </a:xfrm>
-            <a:prstGeom prst="rect">
-              <a:avLst/>
-            </a:prstGeom>
-            <a:ln w="12700" cap="flat">
-              <a:noFill/>
-              <a:miter lim="400000"/>
-            </a:ln>
-            <a:effectLst/>
-          </p:spPr>
-        </p:pic>
-        <p:sp>
-          <p:nvSpPr>
-            <p:cNvPr id="491" name="線"/>
-            <p:cNvSpPr/>
-            <p:nvPr/>
-          </p:nvSpPr>
-          <p:spPr>
-            <a:xfrm>
-              <a:off x="1188246" y="3700050"/>
-              <a:ext cx="7304195" cy="1"/>
-            </a:xfrm>
-            <a:prstGeom prst="line">
-              <a:avLst/>
-            </a:prstGeom>
-            <a:noFill/>
-            <a:ln w="76200" cap="flat">
-              <a:solidFill>
-                <a:schemeClr val="accent5">
-                  <a:hueOff val="-82419"/>
-                  <a:satOff val="-9513"/>
-                  <a:lumOff val="-16343"/>
-                </a:schemeClr>
-              </a:solidFill>
-              <a:prstDash val="solid"/>
-              <a:miter lim="400000"/>
-              <a:tailEnd type="oval" w="med" len="med"/>
-            </a:ln>
-            <a:effectLst/>
-          </p:spPr>
-          <p:txBody>
-            <a:bodyPr wrap="square" lIns="0" tIns="0" rIns="0" bIns="0" numCol="1" anchor="ctr">
-              <a:noAutofit/>
-            </a:bodyPr>
-            <a:lstStyle/>
-            <a:p>
-              <a:pPr>
-                <a:defRPr sz="11300">
-                  <a:solidFill>
-                    <a:srgbClr val="FFFFFF"/>
-                  </a:solidFill>
-                </a:defRPr>
-              </a:pPr>
-            </a:p>
-          </p:txBody>
-        </p:sp>
-        <p:sp>
-          <p:nvSpPr>
-            <p:cNvPr id="492" name="線"/>
-            <p:cNvSpPr/>
-            <p:nvPr/>
-          </p:nvSpPr>
-          <p:spPr>
-            <a:xfrm>
-              <a:off x="3269547" y="5515371"/>
-              <a:ext cx="5365928" cy="1"/>
-            </a:xfrm>
-            <a:prstGeom prst="line">
-              <a:avLst/>
-            </a:prstGeom>
-            <a:noFill/>
-            <a:ln w="76200" cap="flat">
-              <a:solidFill>
-                <a:schemeClr val="accent5">
-                  <a:hueOff val="-82419"/>
-                  <a:satOff val="-9513"/>
-                  <a:lumOff val="-16343"/>
-                </a:schemeClr>
-              </a:solidFill>
-              <a:prstDash val="solid"/>
-              <a:miter lim="400000"/>
-              <a:tailEnd type="oval" w="med" len="med"/>
-            </a:ln>
-            <a:effectLst/>
-          </p:spPr>
-          <p:txBody>
-            <a:bodyPr wrap="square" lIns="0" tIns="0" rIns="0" bIns="0" numCol="1" anchor="ctr">
-              <a:noAutofit/>
-            </a:bodyPr>
-            <a:lstStyle/>
-            <a:p>
-              <a:pPr>
-                <a:defRPr sz="11300">
-                  <a:solidFill>
-                    <a:srgbClr val="FFFFFF"/>
-                  </a:solidFill>
-                </a:defRPr>
-              </a:pPr>
-            </a:p>
-          </p:txBody>
-        </p:sp>
-        <p:sp>
-          <p:nvSpPr>
-            <p:cNvPr id="493" name="線"/>
-            <p:cNvSpPr/>
-            <p:nvPr/>
-          </p:nvSpPr>
-          <p:spPr>
-            <a:xfrm>
-              <a:off x="1179639" y="1795829"/>
-              <a:ext cx="21163" cy="1"/>
-            </a:xfrm>
-            <a:prstGeom prst="line">
-              <a:avLst/>
-            </a:prstGeom>
-            <a:noFill/>
-            <a:ln w="76200" cap="flat">
-              <a:solidFill>
-                <a:schemeClr val="accent5">
-                  <a:hueOff val="-82419"/>
-                  <a:satOff val="-9513"/>
-                  <a:lumOff val="-16343"/>
-                </a:schemeClr>
-              </a:solidFill>
-              <a:prstDash val="solid"/>
-              <a:miter lim="400000"/>
-              <a:tailEnd type="oval" w="med" len="med"/>
-            </a:ln>
-            <a:effectLst/>
-          </p:spPr>
-          <p:txBody>
-            <a:bodyPr wrap="square" lIns="0" tIns="0" rIns="0" bIns="0" numCol="1" anchor="ctr">
-              <a:noAutofit/>
-            </a:bodyPr>
-            <a:lstStyle/>
-            <a:p>
-              <a:pPr>
-                <a:defRPr sz="11300">
-                  <a:solidFill>
-                    <a:srgbClr val="FFFFFF"/>
-                  </a:solidFill>
-                </a:defRPr>
-              </a:pPr>
-            </a:p>
-          </p:txBody>
-        </p:sp>
-        <p:sp>
-          <p:nvSpPr>
-            <p:cNvPr id="494" name="線"/>
-            <p:cNvSpPr/>
-            <p:nvPr/>
-          </p:nvSpPr>
-          <p:spPr>
-            <a:xfrm>
-              <a:off x="1271610" y="5515371"/>
-              <a:ext cx="1881719" cy="1"/>
-            </a:xfrm>
-            <a:prstGeom prst="line">
-              <a:avLst/>
-            </a:prstGeom>
-            <a:noFill/>
-            <a:ln w="76200" cap="flat">
-              <a:solidFill>
-                <a:schemeClr val="accent5">
-                  <a:hueOff val="-82419"/>
-                  <a:satOff val="-9513"/>
-                  <a:lumOff val="-16343"/>
-                </a:schemeClr>
-              </a:solidFill>
-              <a:prstDash val="sysDot"/>
-              <a:miter lim="400000"/>
-            </a:ln>
-            <a:effectLst/>
-          </p:spPr>
-          <p:txBody>
-            <a:bodyPr wrap="square" lIns="0" tIns="0" rIns="0" bIns="0" numCol="1" anchor="ctr">
-              <a:noAutofit/>
-            </a:bodyPr>
-            <a:lstStyle/>
-            <a:p>
-              <a:pPr>
-                <a:defRPr sz="11300">
-                  <a:solidFill>
-                    <a:srgbClr val="FFFFFF"/>
-                  </a:solidFill>
-                </a:defRPr>
-              </a:pPr>
-            </a:p>
-          </p:txBody>
-        </p:sp>
-      </p:grpSp>
-      <p:grpSp>
-        <p:nvGrpSpPr>
-          <p:cNvPr id="500" name="グループ"/>
-          <p:cNvGrpSpPr/>
-          <p:nvPr/>
-        </p:nvGrpSpPr>
-        <p:grpSpPr>
-          <a:xfrm>
-            <a:off x="7643329" y="10175894"/>
-            <a:ext cx="9097342" cy="3224513"/>
-            <a:chOff x="456486" y="171182"/>
-            <a:chExt cx="9097340" cy="3224511"/>
-          </a:xfrm>
-        </p:grpSpPr>
-        <p:sp>
-          <p:nvSpPr>
-            <p:cNvPr id="507" name="接続の線"/>
-            <p:cNvSpPr/>
-            <p:nvPr/>
-          </p:nvSpPr>
-          <p:spPr>
-            <a:xfrm>
-              <a:off x="4192042" y="1444621"/>
-              <a:ext cx="1361324" cy="642974"/>
-            </a:xfrm>
-            <a:custGeom>
-              <a:avLst/>
-              <a:gdLst/>
-              <a:ahLst/>
-              <a:cxnLst>
-                <a:cxn ang="0">
-                  <a:pos x="wd2" y="hd2"/>
-                </a:cxn>
-                <a:cxn ang="5400000">
-                  <a:pos x="wd2" y="hd2"/>
-                </a:cxn>
-                <a:cxn ang="10800000">
-                  <a:pos x="wd2" y="hd2"/>
-                </a:cxn>
-                <a:cxn ang="16200000">
-                  <a:pos x="wd2" y="hd2"/>
-                </a:cxn>
-              </a:cxnLst>
-              <a:rect l="0" t="0" r="r" b="b"/>
-              <a:pathLst>
-                <a:path w="21600" h="21600" fill="norm" stroke="1" extrusionOk="0">
-                  <a:moveTo>
-                    <a:pt x="0" y="21600"/>
-                  </a:moveTo>
-                  <a:lnTo>
-                    <a:pt x="21600" y="0"/>
-                  </a:lnTo>
-                </a:path>
-              </a:pathLst>
-            </a:custGeom>
-            <a:noFill/>
-            <a:ln w="38100" cap="flat">
-              <a:solidFill>
-                <a:srgbClr val="000000"/>
-              </a:solidFill>
-              <a:prstDash val="solid"/>
-              <a:miter lim="400000"/>
-            </a:ln>
-            <a:effectLst/>
-          </p:spPr>
-          <p:txBody>
-            <a:bodyPr/>
-            <a:lstStyle/>
-            <a:p>
-              <a:pPr/>
-            </a:p>
-          </p:txBody>
-        </p:sp>
-        <p:sp>
-          <p:nvSpPr>
-            <p:cNvPr id="497" name="脱重合の収縮度を示す関数"/>
-            <p:cNvSpPr txBox="1"/>
-            <p:nvPr/>
-          </p:nvSpPr>
-          <p:spPr>
-            <a:xfrm>
-              <a:off x="940935" y="2087594"/>
-              <a:ext cx="3732666" cy="1308101"/>
-            </a:xfrm>
-            <a:prstGeom prst="rect">
-              <a:avLst/>
-            </a:prstGeom>
-            <a:noFill/>
-            <a:ln w="12700" cap="flat">
-              <a:noFill/>
-              <a:miter lim="400000"/>
-            </a:ln>
-            <a:effectLst/>
-            <a:extLst>
-              <a:ext uri="{C572A759-6A51-4108-AA02-DFA0A04FC94B}">
-                <ma14:wrappingTextBoxFlag xmlns:ma14="http://schemas.microsoft.com/office/mac/drawingml/2011/main" val="1"/>
-              </a:ext>
-            </a:extLst>
-          </p:spPr>
-          <p:txBody>
-            <a:bodyPr wrap="square" lIns="50800" tIns="50800" rIns="50800" bIns="50800" numCol="1" anchor="ctr">
-              <a:spAutoFit/>
-            </a:bodyPr>
-            <a:lstStyle>
-              <a:lvl1pPr algn="l">
-                <a:spcBef>
-                  <a:spcPts val="4500"/>
-                </a:spcBef>
-                <a:defRPr sz="3800">
-                  <a:latin typeface="+mn-lt"/>
-                  <a:ea typeface="+mn-ea"/>
-                  <a:cs typeface="+mn-cs"/>
-                  <a:sym typeface="ヒラギノ角ゴ ProN W3"/>
-                </a:defRPr>
-              </a:lvl1pPr>
-            </a:lstStyle>
-            <a:p>
-              <a:pPr/>
-              <a:r>
-                <a:t>脱重合の収縮度を示す関数</a:t>
-              </a:r>
-            </a:p>
-          </p:txBody>
-        </p:sp>
-        <p:pic>
-          <p:nvPicPr>
-            <p:cNvPr id="498" name="texclip20190213165852.png" descr="texclip20190213165852.png"/>
-            <p:cNvPicPr>
-              <a:picLocks noChangeAspect="1"/>
-            </p:cNvPicPr>
-            <p:nvPr/>
-          </p:nvPicPr>
-          <p:blipFill>
-            <a:blip r:embed="rId4">
-              <a:extLst/>
-            </a:blip>
-            <a:srcRect l="0" t="0" r="0" b="0"/>
-            <a:stretch>
-              <a:fillRect/>
-            </a:stretch>
-          </p:blipFill>
-          <p:spPr>
-            <a:xfrm>
-              <a:off x="4893274" y="2195544"/>
-              <a:ext cx="2616201" cy="1092201"/>
-            </a:xfrm>
-            <a:prstGeom prst="rect">
-              <a:avLst/>
-            </a:prstGeom>
-            <a:ln w="12700" cap="flat">
-              <a:noFill/>
-              <a:miter lim="400000"/>
-            </a:ln>
-            <a:effectLst/>
-          </p:spPr>
-        </p:pic>
-        <p:pic>
-          <p:nvPicPr>
-            <p:cNvPr id="499" name="texclip20190213222417.png" descr="texclip20190213222417.png"/>
-            <p:cNvPicPr>
-              <a:picLocks noChangeAspect="1"/>
-            </p:cNvPicPr>
-            <p:nvPr/>
-          </p:nvPicPr>
-          <p:blipFill>
-            <a:blip r:embed="rId5">
-              <a:extLst/>
-            </a:blip>
-            <a:stretch>
-              <a:fillRect/>
-            </a:stretch>
-          </p:blipFill>
-          <p:spPr>
-            <a:xfrm>
-              <a:off x="456486" y="171182"/>
-              <a:ext cx="9097342" cy="1212980"/>
-            </a:xfrm>
-            <a:prstGeom prst="rect">
-              <a:avLst/>
-            </a:prstGeom>
-            <a:ln w="12700" cap="flat">
-              <a:noFill/>
-              <a:miter lim="400000"/>
-            </a:ln>
-            <a:effectLst/>
-          </p:spPr>
-        </p:pic>
-      </p:grpSp>
-      <p:sp>
-        <p:nvSpPr>
-          <p:cNvPr id="501" name="初期状態では長さ０"/>
+      <p:pic>
+        <p:nvPicPr>
+          <p:cNvPr id="483" name="texclip20181128023718.png" descr="texclip20181128023718.png"/>
+          <p:cNvPicPr>
+            <a:picLocks noChangeAspect="0"/>
+          </p:cNvPicPr>
+          <p:nvPr/>
+        </p:nvPicPr>
+        <p:blipFill>
+          <a:blip r:embed="rId2">
+            <a:extLst/>
+          </a:blip>
+          <a:stretch>
+            <a:fillRect/>
+          </a:stretch>
+        </p:blipFill>
+        <p:spPr>
+          <a:xfrm>
+            <a:off x="6629393" y="8235019"/>
+            <a:ext cx="1012212" cy="660316"/>
+          </a:xfrm>
+          <a:prstGeom prst="rect">
+            <a:avLst/>
+          </a:prstGeom>
+          <a:ln w="12700">
+            <a:miter lim="400000"/>
+          </a:ln>
+        </p:spPr>
+      </p:pic>
+      <p:pic>
+        <p:nvPicPr>
+          <p:cNvPr id="484" name="texclip20181128023815.png" descr="texclip20181128023815.png"/>
+          <p:cNvPicPr>
+            <a:picLocks noChangeAspect="0"/>
+          </p:cNvPicPr>
+          <p:nvPr/>
+        </p:nvPicPr>
+        <p:blipFill>
+          <a:blip r:embed="rId3">
+            <a:extLst/>
+          </a:blip>
+          <a:srcRect l="13153" t="0" r="0" b="0"/>
+          <a:stretch>
+            <a:fillRect/>
+          </a:stretch>
+        </p:blipFill>
+        <p:spPr>
+          <a:xfrm>
+            <a:off x="16001506" y="5730234"/>
+            <a:ext cx="879070" cy="660316"/>
+          </a:xfrm>
+          <a:prstGeom prst="rect">
+            <a:avLst/>
+          </a:prstGeom>
+          <a:ln w="12700">
+            <a:miter lim="400000"/>
+          </a:ln>
+        </p:spPr>
+      </p:pic>
+      <p:sp>
+        <p:nvSpPr>
+          <p:cNvPr id="485" name="線"/>
+          <p:cNvSpPr/>
+          <p:nvPr/>
+        </p:nvSpPr>
+        <p:spPr>
+          <a:xfrm>
+            <a:off x="8407268" y="6749856"/>
+            <a:ext cx="7304195" cy="1"/>
+          </a:xfrm>
+          <a:prstGeom prst="line">
+            <a:avLst/>
+          </a:prstGeom>
+          <a:ln w="76200">
+            <a:solidFill>
+              <a:schemeClr val="accent5">
+                <a:hueOff val="-82419"/>
+                <a:satOff val="-9513"/>
+                <a:lumOff val="-16343"/>
+              </a:schemeClr>
+            </a:solidFill>
+            <a:miter lim="400000"/>
+            <a:tailEnd type="oval"/>
+          </a:ln>
+        </p:spPr>
+        <p:txBody>
+          <a:bodyPr lIns="0" tIns="0" rIns="0" bIns="0" anchor="ctr"/>
+          <a:lstStyle/>
+          <a:p>
+            <a:pPr>
+              <a:defRPr sz="11300">
+                <a:solidFill>
+                  <a:srgbClr val="FFFFFF"/>
+                </a:solidFill>
+              </a:defRPr>
+            </a:pPr>
+          </a:p>
+        </p:txBody>
+      </p:sp>
+      <p:sp>
+        <p:nvSpPr>
+          <p:cNvPr id="486" name="線"/>
+          <p:cNvSpPr/>
+          <p:nvPr/>
+        </p:nvSpPr>
+        <p:spPr>
+          <a:xfrm>
+            <a:off x="10488569" y="8565177"/>
+            <a:ext cx="5365928" cy="1"/>
+          </a:xfrm>
+          <a:prstGeom prst="line">
+            <a:avLst/>
+          </a:prstGeom>
+          <a:ln w="76200">
+            <a:solidFill>
+              <a:schemeClr val="accent5">
+                <a:hueOff val="-82419"/>
+                <a:satOff val="-9513"/>
+                <a:lumOff val="-16343"/>
+              </a:schemeClr>
+            </a:solidFill>
+            <a:miter lim="400000"/>
+            <a:tailEnd type="oval"/>
+          </a:ln>
+        </p:spPr>
+        <p:txBody>
+          <a:bodyPr lIns="0" tIns="0" rIns="0" bIns="0" anchor="ctr"/>
+          <a:lstStyle/>
+          <a:p>
+            <a:pPr>
+              <a:defRPr sz="11300">
+                <a:solidFill>
+                  <a:srgbClr val="FFFFFF"/>
+                </a:solidFill>
+              </a:defRPr>
+            </a:pPr>
+          </a:p>
+        </p:txBody>
+      </p:sp>
+      <p:sp>
+        <p:nvSpPr>
+          <p:cNvPr id="487" name="線"/>
+          <p:cNvSpPr/>
+          <p:nvPr/>
+        </p:nvSpPr>
+        <p:spPr>
+          <a:xfrm>
+            <a:off x="8398661" y="4845635"/>
+            <a:ext cx="21163" cy="1"/>
+          </a:xfrm>
+          <a:prstGeom prst="line">
+            <a:avLst/>
+          </a:prstGeom>
+          <a:ln w="76200">
+            <a:solidFill>
+              <a:schemeClr val="accent5">
+                <a:hueOff val="-82419"/>
+                <a:satOff val="-9513"/>
+                <a:lumOff val="-16343"/>
+              </a:schemeClr>
+            </a:solidFill>
+            <a:miter lim="400000"/>
+            <a:tailEnd type="oval"/>
+          </a:ln>
+        </p:spPr>
+        <p:txBody>
+          <a:bodyPr lIns="0" tIns="0" rIns="0" bIns="0" anchor="ctr"/>
+          <a:lstStyle/>
+          <a:p>
+            <a:pPr>
+              <a:defRPr sz="11300">
+                <a:solidFill>
+                  <a:srgbClr val="FFFFFF"/>
+                </a:solidFill>
+              </a:defRPr>
+            </a:pPr>
+          </a:p>
+        </p:txBody>
+      </p:sp>
+      <p:sp>
+        <p:nvSpPr>
+          <p:cNvPr id="488" name="線"/>
+          <p:cNvSpPr/>
+          <p:nvPr/>
+        </p:nvSpPr>
+        <p:spPr>
+          <a:xfrm>
+            <a:off x="8490632" y="8565177"/>
+            <a:ext cx="1881719" cy="1"/>
+          </a:xfrm>
+          <a:prstGeom prst="line">
+            <a:avLst/>
+          </a:prstGeom>
+          <a:ln w="76200">
+            <a:solidFill>
+              <a:schemeClr val="accent5">
+                <a:hueOff val="-82419"/>
+                <a:satOff val="-9513"/>
+                <a:lumOff val="-16343"/>
+              </a:schemeClr>
+            </a:solidFill>
+            <a:prstDash val="sysDot"/>
+            <a:miter lim="400000"/>
+          </a:ln>
+        </p:spPr>
+        <p:txBody>
+          <a:bodyPr lIns="0" tIns="0" rIns="0" bIns="0" anchor="ctr"/>
+          <a:lstStyle/>
+          <a:p>
+            <a:pPr>
+              <a:defRPr sz="11300">
+                <a:solidFill>
+                  <a:srgbClr val="FFFFFF"/>
+                </a:solidFill>
+              </a:defRPr>
+            </a:pPr>
+          </a:p>
+        </p:txBody>
+      </p:sp>
+      <p:sp>
+        <p:nvSpPr>
+          <p:cNvPr id="499" name="接続の線"/>
+          <p:cNvSpPr/>
+          <p:nvPr/>
+        </p:nvSpPr>
+        <p:spPr>
+          <a:xfrm>
+            <a:off x="11759289" y="11558730"/>
+            <a:ext cx="1361325" cy="642975"/>
+          </a:xfrm>
+          <a:custGeom>
+            <a:avLst/>
+            <a:gdLst/>
+            <a:ahLst/>
+            <a:cxnLst>
+              <a:cxn ang="0">
+                <a:pos x="wd2" y="hd2"/>
+              </a:cxn>
+              <a:cxn ang="5400000">
+                <a:pos x="wd2" y="hd2"/>
+              </a:cxn>
+              <a:cxn ang="10800000">
+                <a:pos x="wd2" y="hd2"/>
+              </a:cxn>
+              <a:cxn ang="16200000">
+                <a:pos x="wd2" y="hd2"/>
+              </a:cxn>
+            </a:cxnLst>
+            <a:rect l="0" t="0" r="r" b="b"/>
+            <a:pathLst>
+              <a:path w="21600" h="21600" fill="norm" stroke="1" extrusionOk="0">
+                <a:moveTo>
+                  <a:pt x="0" y="21600"/>
+                </a:moveTo>
+                <a:lnTo>
+                  <a:pt x="21600" y="0"/>
+                </a:lnTo>
+              </a:path>
+            </a:pathLst>
+          </a:custGeom>
+          <a:ln w="38100">
+            <a:solidFill>
+              <a:srgbClr val="000000"/>
+            </a:solidFill>
+            <a:miter lim="400000"/>
+          </a:ln>
+        </p:spPr>
+        <p:txBody>
+          <a:bodyPr/>
+          <a:lstStyle/>
+          <a:p>
+            <a:pPr/>
+          </a:p>
+        </p:txBody>
+      </p:sp>
+      <p:sp>
+        <p:nvSpPr>
+          <p:cNvPr id="490" name="脱重合の収縮度を示す関数"/>
+          <p:cNvSpPr txBox="1"/>
+          <p:nvPr/>
+        </p:nvSpPr>
+        <p:spPr>
+          <a:xfrm>
+            <a:off x="8508183" y="12201704"/>
+            <a:ext cx="3732666" cy="1308100"/>
+          </a:xfrm>
+          <a:prstGeom prst="rect">
+            <a:avLst/>
+          </a:prstGeom>
+          <a:ln w="12700">
+            <a:miter lim="400000"/>
+          </a:ln>
+          <a:extLst>
+            <a:ext uri="{C572A759-6A51-4108-AA02-DFA0A04FC94B}">
+              <ma14:wrappingTextBoxFlag xmlns:ma14="http://schemas.microsoft.com/office/mac/drawingml/2011/main" val="1"/>
+            </a:ext>
+          </a:extLst>
+        </p:spPr>
+        <p:txBody>
+          <a:bodyPr lIns="50800" tIns="50800" rIns="50800" bIns="50800" anchor="ctr">
+            <a:spAutoFit/>
+          </a:bodyPr>
+          <a:lstStyle>
+            <a:lvl1pPr algn="l">
+              <a:spcBef>
+                <a:spcPts val="4500"/>
+              </a:spcBef>
+              <a:defRPr sz="3800">
+                <a:latin typeface="+mn-lt"/>
+                <a:ea typeface="+mn-ea"/>
+                <a:cs typeface="+mn-cs"/>
+                <a:sym typeface="ヒラギノ角ゴ ProN W3"/>
+              </a:defRPr>
+            </a:lvl1pPr>
+          </a:lstStyle>
+          <a:p>
+            <a:pPr/>
+            <a:r>
+              <a:t>脱重合の収縮度を示す関数</a:t>
+            </a:r>
+          </a:p>
+        </p:txBody>
+      </p:sp>
+      <p:pic>
+        <p:nvPicPr>
+          <p:cNvPr id="491" name="texclip20190213165852.png" descr="texclip20190213165852.png"/>
+          <p:cNvPicPr>
+            <a:picLocks noChangeAspect="1"/>
+          </p:cNvPicPr>
+          <p:nvPr/>
+        </p:nvPicPr>
+        <p:blipFill>
+          <a:blip r:embed="rId4">
+            <a:extLst/>
+          </a:blip>
+          <a:stretch>
+            <a:fillRect/>
+          </a:stretch>
+        </p:blipFill>
+        <p:spPr>
+          <a:xfrm>
+            <a:off x="12460522" y="12093651"/>
+            <a:ext cx="3133601" cy="1308203"/>
+          </a:xfrm>
+          <a:prstGeom prst="rect">
+            <a:avLst/>
+          </a:prstGeom>
+          <a:ln w="12700">
+            <a:miter lim="400000"/>
+          </a:ln>
+        </p:spPr>
+      </p:pic>
+      <p:pic>
+        <p:nvPicPr>
+          <p:cNvPr id="492" name="texclip20190213222417.png" descr="texclip20190213222417.png"/>
+          <p:cNvPicPr>
+            <a:picLocks noChangeAspect="1"/>
+          </p:cNvPicPr>
+          <p:nvPr/>
+        </p:nvPicPr>
+        <p:blipFill>
+          <a:blip r:embed="rId5">
+            <a:extLst/>
+          </a:blip>
+          <a:stretch>
+            <a:fillRect/>
+          </a:stretch>
+        </p:blipFill>
+        <p:spPr>
+          <a:xfrm>
+            <a:off x="8023735" y="10285291"/>
+            <a:ext cx="9097341" cy="1212980"/>
+          </a:xfrm>
+          <a:prstGeom prst="rect">
+            <a:avLst/>
+          </a:prstGeom>
+          <a:ln w="12700">
+            <a:miter lim="400000"/>
+          </a:ln>
+        </p:spPr>
+      </p:pic>
+      <p:sp>
+        <p:nvSpPr>
+          <p:cNvPr id="493" name="初期状態では長さ０"/>
           <p:cNvSpPr txBox="1"/>
           <p:nvPr/>
         </p:nvSpPr>
@@ -14462,14 +14205,14 @@
       </p:sp>
       <p:sp>
         <p:nvSpPr>
-          <p:cNvPr id="502" name="確率的に収縮"/>
+          <p:cNvPr id="494" name="確率的収縮"/>
           <p:cNvSpPr txBox="1"/>
           <p:nvPr/>
         </p:nvSpPr>
         <p:spPr>
           <a:xfrm>
-            <a:off x="3961412" y="7284205"/>
-            <a:ext cx="4533901" cy="838200"/>
+            <a:off x="10293350" y="7143224"/>
+            <a:ext cx="3797300" cy="838201"/>
           </a:xfrm>
           <a:prstGeom prst="rect">
             <a:avLst/>
@@ -14503,14 +14246,14 @@
           <a:p>
             <a:pPr/>
             <a:r>
-              <a:t>確率的に収縮</a:t>
+              <a:t>確率的収縮</a:t>
             </a:r>
           </a:p>
         </p:txBody>
       </p:sp>
       <p:sp>
         <p:nvSpPr>
-          <p:cNvPr id="503" name="矢印"/>
+          <p:cNvPr id="495" name="矢印"/>
           <p:cNvSpPr/>
           <p:nvPr/>
         </p:nvSpPr>
@@ -14548,7 +14291,7 @@
       </p:sp>
       <p:pic>
         <p:nvPicPr>
-          <p:cNvPr id="504" name="texclip20181128024659.png" descr="texclip20181128024659.png"/>
+          <p:cNvPr id="496" name="texclip20181128024659.png" descr="texclip20181128024659.png"/>
           <p:cNvPicPr>
             <a:picLocks noChangeAspect="1"/>
           </p:cNvPicPr>
@@ -14578,64 +14321,75 @@
       </p:pic>
       <p:sp>
         <p:nvSpPr>
-          <p:cNvPr id="505" name="矢印"/>
-          <p:cNvSpPr/>
-          <p:nvPr/>
-        </p:nvSpPr>
-        <p:spPr>
-          <a:xfrm rot="5400000">
-            <a:off x="11824395" y="5506632"/>
-            <a:ext cx="735210" cy="428576"/>
-          </a:xfrm>
-          <a:prstGeom prst="rightArrow">
-            <a:avLst>
-              <a:gd name="adj1" fmla="val 47672"/>
-              <a:gd name="adj2" fmla="val 74766"/>
-            </a:avLst>
-          </a:prstGeom>
-          <a:solidFill>
-            <a:srgbClr val="000000"/>
-          </a:solidFill>
+          <p:cNvPr id="497" name="アクチン後端位置"/>
+          <p:cNvSpPr txBox="1"/>
+          <p:nvPr/>
+        </p:nvSpPr>
+        <p:spPr>
+          <a:xfrm>
+            <a:off x="2017625" y="9401110"/>
+            <a:ext cx="5926075" cy="838200"/>
+          </a:xfrm>
+          <a:prstGeom prst="rect">
+            <a:avLst/>
+          </a:prstGeom>
           <a:ln w="12700">
             <a:miter lim="400000"/>
           </a:ln>
-        </p:spPr>
-        <p:txBody>
-          <a:bodyPr lIns="0" tIns="0" rIns="0" bIns="0" anchor="ctr"/>
-          <a:lstStyle/>
-          <a:p>
-            <a:pPr>
-              <a:defRPr sz="11300">
-                <a:solidFill>
-                  <a:srgbClr val="FFFFFF"/>
-                </a:solidFill>
-              </a:defRPr>
-            </a:pPr>
-          </a:p>
-        </p:txBody>
-      </p:sp>
-      <p:sp>
-        <p:nvSpPr>
-          <p:cNvPr id="506" name="矢印"/>
-          <p:cNvSpPr/>
-          <p:nvPr/>
-        </p:nvSpPr>
-        <p:spPr>
-          <a:xfrm rot="5400000">
-            <a:off x="11824395" y="7583512"/>
-            <a:ext cx="735210" cy="428576"/>
-          </a:xfrm>
-          <a:prstGeom prst="rightArrow">
-            <a:avLst>
-              <a:gd name="adj1" fmla="val 47672"/>
-              <a:gd name="adj2" fmla="val 74766"/>
-            </a:avLst>
-          </a:prstGeom>
-          <a:solidFill>
-            <a:srgbClr val="000000"/>
-          </a:solidFill>
-          <a:ln w="12700">
-            <a:miter lim="400000"/>
+          <a:extLst>
+            <a:ext uri="{C572A759-6A51-4108-AA02-DFA0A04FC94B}">
+              <ma14:wrappingTextBoxFlag xmlns:ma14="http://schemas.microsoft.com/office/mac/drawingml/2011/main" val="1"/>
+            </a:ext>
+          </a:extLst>
+        </p:spPr>
+        <p:txBody>
+          <a:bodyPr wrap="none" lIns="50800" tIns="50800" rIns="50800" bIns="50800" anchor="ctr">
+            <a:spAutoFit/>
+          </a:bodyPr>
+          <a:lstStyle>
+            <a:lvl1pPr algn="l">
+              <a:spcBef>
+                <a:spcPts val="5900"/>
+              </a:spcBef>
+              <a:defRPr sz="5800">
+                <a:latin typeface="+mn-lt"/>
+                <a:ea typeface="+mn-ea"/>
+                <a:cs typeface="+mn-cs"/>
+                <a:sym typeface="ヒラギノ角ゴ ProN W3"/>
+              </a:defRPr>
+            </a:lvl1pPr>
+          </a:lstStyle>
+          <a:p>
+            <a:pPr/>
+            <a:r>
+              <a:t>アクチン後端位置</a:t>
+            </a:r>
+          </a:p>
+        </p:txBody>
+      </p:sp>
+      <p:sp>
+        <p:nvSpPr>
+          <p:cNvPr id="498" name="線"/>
+          <p:cNvSpPr/>
+          <p:nvPr/>
+        </p:nvSpPr>
+        <p:spPr>
+          <a:xfrm>
+            <a:off x="8520739" y="6827230"/>
+            <a:ext cx="1829558" cy="1503890"/>
+          </a:xfrm>
+          <a:prstGeom prst="line">
+            <a:avLst/>
+          </a:prstGeom>
+          <a:ln w="63500" cap="rnd">
+            <a:solidFill>
+              <a:srgbClr val="000000"/>
+            </a:solidFill>
+            <a:custDash>
+              <a:ds d="100000" sp="200000"/>
+            </a:custDash>
+            <a:miter lim="400000"/>
+            <a:tailEnd type="arrow"/>
           </a:ln>
         </p:spPr>
         <p:txBody>
@@ -14680,7 +14434,7 @@
       </p:grpSpPr>
       <p:pic>
         <p:nvPicPr>
-          <p:cNvPr id="509" name="スクリーンショット 2019-02-12 15.59.44.png" descr="スクリーンショット 2019-02-12 15.59.44.png"/>
+          <p:cNvPr id="501" name="スクリーンショット 2019-02-12 15.59.44.png" descr="スクリーンショット 2019-02-12 15.59.44.png"/>
           <p:cNvPicPr>
             <a:picLocks noChangeAspect="1"/>
           </p:cNvPicPr>
@@ -14710,7 +14464,7 @@
       </p:pic>
       <p:pic>
         <p:nvPicPr>
-          <p:cNvPr id="510" name="スクリーンショット 2019-02-12 15.59.44.png" descr="スクリーンショット 2019-02-12 15.59.44.png"/>
+          <p:cNvPr id="502" name="スクリーンショット 2019-02-12 15.59.44.png" descr="スクリーンショット 2019-02-12 15.59.44.png"/>
           <p:cNvPicPr>
             <a:picLocks noChangeAspect="1"/>
           </p:cNvPicPr>
@@ -14740,7 +14494,7 @@
       </p:pic>
       <p:pic>
         <p:nvPicPr>
-          <p:cNvPr id="511" name="top.pdf" descr="top.pdf"/>
+          <p:cNvPr id="503" name="top.pdf" descr="top.pdf"/>
           <p:cNvPicPr>
             <a:picLocks noChangeAspect="1"/>
           </p:cNvPicPr>
@@ -14771,7 +14525,7 @@
       </p:pic>
       <p:sp>
         <p:nvSpPr>
-          <p:cNvPr id="512" name="ARFシミュレーション"/>
+          <p:cNvPr id="504" name="ARFシミュレーション"/>
           <p:cNvSpPr txBox="1"/>
           <p:nvPr>
             <p:ph type="title"/>
@@ -14795,7 +14549,7 @@
       </p:sp>
       <p:sp>
         <p:nvSpPr>
-          <p:cNvPr id="513" name="円形"/>
+          <p:cNvPr id="505" name="円形"/>
           <p:cNvSpPr/>
           <p:nvPr/>
         </p:nvSpPr>
@@ -14830,7 +14584,7 @@
       </p:sp>
       <p:sp>
         <p:nvSpPr>
-          <p:cNvPr id="514" name="円形"/>
+          <p:cNvPr id="506" name="円形"/>
           <p:cNvSpPr/>
           <p:nvPr/>
         </p:nvSpPr>
@@ -14865,7 +14619,7 @@
       </p:sp>
       <p:sp>
         <p:nvSpPr>
-          <p:cNvPr id="515" name="線"/>
+          <p:cNvPr id="507" name="線"/>
           <p:cNvSpPr/>
           <p:nvPr/>
         </p:nvSpPr>
@@ -14905,7 +14659,7 @@
       </p:sp>
       <p:sp>
         <p:nvSpPr>
-          <p:cNvPr id="516" name="線"/>
+          <p:cNvPr id="508" name="線"/>
           <p:cNvSpPr/>
           <p:nvPr/>
         </p:nvSpPr>
@@ -14945,7 +14699,7 @@
       </p:sp>
       <p:sp>
         <p:nvSpPr>
-          <p:cNvPr id="517" name="線"/>
+          <p:cNvPr id="509" name="線"/>
           <p:cNvSpPr/>
           <p:nvPr/>
         </p:nvSpPr>
@@ -14985,7 +14739,7 @@
       </p:sp>
       <p:sp>
         <p:nvSpPr>
-          <p:cNvPr id="518" name="線"/>
+          <p:cNvPr id="510" name="線"/>
           <p:cNvSpPr/>
           <p:nvPr/>
         </p:nvSpPr>
@@ -15025,7 +14779,7 @@
       </p:sp>
       <p:sp>
         <p:nvSpPr>
-          <p:cNvPr id="519" name="線"/>
+          <p:cNvPr id="511" name="線"/>
           <p:cNvSpPr/>
           <p:nvPr/>
         </p:nvSpPr>
@@ -15065,7 +14819,7 @@
       </p:sp>
       <p:sp>
         <p:nvSpPr>
-          <p:cNvPr id="520" name="線"/>
+          <p:cNvPr id="512" name="線"/>
           <p:cNvSpPr/>
           <p:nvPr/>
         </p:nvSpPr>
@@ -15105,7 +14859,7 @@
       </p:sp>
       <p:sp>
         <p:nvSpPr>
-          <p:cNvPr id="521" name="四角形"/>
+          <p:cNvPr id="513" name="四角形"/>
           <p:cNvSpPr/>
           <p:nvPr/>
         </p:nvSpPr>
@@ -15140,7 +14894,7 @@
       </p:sp>
       <p:grpSp>
         <p:nvGrpSpPr>
-          <p:cNvPr id="525" name="グループ"/>
+          <p:cNvPr id="517" name="グループ"/>
           <p:cNvGrpSpPr/>
           <p:nvPr/>
         </p:nvGrpSpPr>
@@ -15154,7 +14908,7 @@
         </p:grpSpPr>
         <p:sp>
           <p:nvSpPr>
-            <p:cNvPr id="522" name="四角形"/>
+            <p:cNvPr id="514" name="四角形"/>
             <p:cNvSpPr/>
             <p:nvPr/>
           </p:nvSpPr>
@@ -15198,7 +14952,7 @@
         </p:sp>
         <p:sp>
           <p:nvSpPr>
-            <p:cNvPr id="523" name="四角形"/>
+            <p:cNvPr id="515" name="四角形"/>
             <p:cNvSpPr/>
             <p:nvPr/>
           </p:nvSpPr>
@@ -15242,7 +14996,7 @@
         </p:sp>
         <p:pic>
           <p:nvPicPr>
-            <p:cNvPr id="524" name="texclip20190213230443.png" descr="texclip20190213230443.png"/>
+            <p:cNvPr id="516" name="texclip20190213230443.png" descr="texclip20190213230443.png"/>
             <p:cNvPicPr>
               <a:picLocks noChangeAspect="1"/>
             </p:cNvPicPr>
@@ -15274,7 +15028,7 @@
       </p:grpSp>
       <p:sp>
         <p:nvSpPr>
-          <p:cNvPr id="526" name="ストレスファイバ方向へのアクチンの移動をストレスファイバ両端２点からの引きつけで表現"/>
+          <p:cNvPr id="518" name="ストレスファイバ方向へのアクチンの移動(ARF)をストレスファイバ両端２点への引きつけで表現"/>
           <p:cNvSpPr txBox="1"/>
           <p:nvPr/>
         </p:nvSpPr>
@@ -15315,14 +15069,14 @@
           <a:p>
             <a:pPr/>
             <a:r>
-              <a:t>ストレスファイバ方向へのアクチンの移動をストレスファイバ両端２点からの引きつけで表現</a:t>
+              <a:t>ストレスファイバ方向へのアクチンの移動(ARF)をストレスファイバ両端２点への引きつけで表現</a:t>
             </a:r>
           </a:p>
         </p:txBody>
       </p:sp>
       <p:sp>
         <p:nvSpPr>
-          <p:cNvPr id="527" name="アクチン分子の先端の位置更新式"/>
+          <p:cNvPr id="519" name="アクチン分子の先端位置更新"/>
           <p:cNvSpPr txBox="1"/>
           <p:nvPr/>
         </p:nvSpPr>
@@ -15363,14 +15117,14 @@
           <a:p>
             <a:pPr/>
             <a:r>
-              <a:t>アクチン分子の先端の位置更新式</a:t>
+              <a:t>アクチン分子の先端位置更新</a:t>
             </a:r>
           </a:p>
         </p:txBody>
       </p:sp>
       <p:sp>
         <p:nvSpPr>
-          <p:cNvPr id="528" name="線"/>
+          <p:cNvPr id="520" name="線"/>
           <p:cNvSpPr/>
           <p:nvPr/>
         </p:nvSpPr>
@@ -15409,7 +15163,7 @@
       </p:sp>
       <p:sp>
         <p:nvSpPr>
-          <p:cNvPr id="529" name="線"/>
+          <p:cNvPr id="521" name="線"/>
           <p:cNvSpPr/>
           <p:nvPr/>
         </p:nvSpPr>
@@ -15448,7 +15202,7 @@
       </p:sp>
       <p:pic>
         <p:nvPicPr>
-          <p:cNvPr id="530" name="線" descr="線"/>
+          <p:cNvPr id="522" name="線" descr="線"/>
           <p:cNvPicPr>
             <a:picLocks noChangeAspect="0"/>
           </p:cNvPicPr>
@@ -15474,7 +15228,7 @@
       </p:pic>
       <p:sp>
         <p:nvSpPr>
-          <p:cNvPr id="532" name="線"/>
+          <p:cNvPr id="524" name="線"/>
           <p:cNvSpPr/>
           <p:nvPr/>
         </p:nvSpPr>
@@ -15511,7 +15265,7 @@
       </p:sp>
       <p:sp>
         <p:nvSpPr>
-          <p:cNvPr id="533" name="1/5"/>
+          <p:cNvPr id="525" name="1/5"/>
           <p:cNvSpPr txBox="1"/>
           <p:nvPr/>
         </p:nvSpPr>
@@ -15557,6 +15311,36 @@
           </a:p>
         </p:txBody>
       </p:sp>
+      <p:pic>
+        <p:nvPicPr>
+          <p:cNvPr id="526" name="texclip20181128023815.png" descr="texclip20181128023815.png"/>
+          <p:cNvPicPr>
+            <a:picLocks noChangeAspect="0"/>
+          </p:cNvPicPr>
+          <p:nvPr/>
+        </p:nvPicPr>
+        <p:blipFill>
+          <a:blip r:embed="rId6">
+            <a:extLst/>
+          </a:blip>
+          <a:srcRect l="13153" t="0" r="0" b="0"/>
+          <a:stretch>
+            <a:fillRect/>
+          </a:stretch>
+        </p:blipFill>
+        <p:spPr>
+          <a:xfrm>
+            <a:off x="21079922" y="3807654"/>
+            <a:ext cx="879069" cy="660316"/>
+          </a:xfrm>
+          <a:prstGeom prst="rect">
+            <a:avLst/>
+          </a:prstGeom>
+          <a:ln w="12700">
+            <a:miter lim="400000"/>
+          </a:ln>
+        </p:spPr>
+      </p:pic>
     </p:spTree>
   </p:cSld>
   <p:clrMapOvr>
@@ -15585,7 +15369,7 @@
       </p:grpSpPr>
       <p:pic>
         <p:nvPicPr>
-          <p:cNvPr id="535" name="スクリーンショット 2019-02-12 15.59.44.png" descr="スクリーンショット 2019-02-12 15.59.44.png"/>
+          <p:cNvPr id="528" name="スクリーンショット 2019-02-12 15.59.44.png" descr="スクリーンショット 2019-02-12 15.59.44.png"/>
           <p:cNvPicPr>
             <a:picLocks noChangeAspect="1"/>
           </p:cNvPicPr>
@@ -15615,7 +15399,7 @@
       </p:pic>
       <p:pic>
         <p:nvPicPr>
-          <p:cNvPr id="536" name="スクリーンショット 2019-02-12 15.59.44.png" descr="スクリーンショット 2019-02-12 15.59.44.png"/>
+          <p:cNvPr id="529" name="スクリーンショット 2019-02-12 15.59.44.png" descr="スクリーンショット 2019-02-12 15.59.44.png"/>
           <p:cNvPicPr>
             <a:picLocks noChangeAspect="1"/>
           </p:cNvPicPr>
@@ -15645,7 +15429,7 @@
       </p:pic>
       <p:pic>
         <p:nvPicPr>
-          <p:cNvPr id="537" name="top.pdf" descr="top.pdf"/>
+          <p:cNvPr id="530" name="top.pdf" descr="top.pdf"/>
           <p:cNvPicPr>
             <a:picLocks noChangeAspect="1"/>
           </p:cNvPicPr>
@@ -15676,7 +15460,7 @@
       </p:pic>
       <p:pic>
         <p:nvPicPr>
-          <p:cNvPr id="538" name="スクリーンショット 2019-02-12 15.59.44.png" descr="スクリーンショット 2019-02-12 15.59.44.png"/>
+          <p:cNvPr id="531" name="スクリーンショット 2019-02-12 15.59.44.png" descr="スクリーンショット 2019-02-12 15.59.44.png"/>
           <p:cNvPicPr>
             <a:picLocks noChangeAspect="1"/>
           </p:cNvPicPr>
@@ -15706,7 +15490,7 @@
       </p:pic>
       <p:pic>
         <p:nvPicPr>
-          <p:cNvPr id="539" name="スクリーンショット 2019-02-12 15.59.44.png" descr="スクリーンショット 2019-02-12 15.59.44.png"/>
+          <p:cNvPr id="532" name="スクリーンショット 2019-02-12 15.59.44.png" descr="スクリーンショット 2019-02-12 15.59.44.png"/>
           <p:cNvPicPr>
             <a:picLocks noChangeAspect="1"/>
           </p:cNvPicPr>
@@ -15736,7 +15520,7 @@
       </p:pic>
       <p:sp>
         <p:nvSpPr>
-          <p:cNvPr id="540" name="= ２：SFに近いアクチン分子ほど強く引く(距離依存ARF)"/>
+          <p:cNvPr id="533" name="= ２：SFに近いアクチン分子ほど強く引く(距離依存ARF)"/>
           <p:cNvSpPr txBox="1"/>
           <p:nvPr/>
         </p:nvSpPr>
@@ -15784,7 +15568,7 @@
       </p:sp>
       <p:sp>
         <p:nvSpPr>
-          <p:cNvPr id="541" name="ARFによる牽引効果"/>
+          <p:cNvPr id="534" name="ARFによる牽引効果"/>
           <p:cNvSpPr txBox="1"/>
           <p:nvPr>
             <p:ph type="title"/>
@@ -15808,7 +15592,7 @@
       </p:sp>
       <p:sp>
         <p:nvSpPr>
-          <p:cNvPr id="542" name="線"/>
+          <p:cNvPr id="535" name="線"/>
           <p:cNvSpPr/>
           <p:nvPr/>
         </p:nvSpPr>
@@ -15844,7 +15628,7 @@
       </p:sp>
       <p:sp>
         <p:nvSpPr>
-          <p:cNvPr id="543" name="線"/>
+          <p:cNvPr id="536" name="線"/>
           <p:cNvSpPr/>
           <p:nvPr/>
         </p:nvSpPr>
@@ -15880,7 +15664,7 @@
       </p:sp>
       <p:sp>
         <p:nvSpPr>
-          <p:cNvPr id="544" name="線"/>
+          <p:cNvPr id="537" name="線"/>
           <p:cNvSpPr/>
           <p:nvPr/>
         </p:nvSpPr>
@@ -15916,7 +15700,7 @@
       </p:sp>
       <p:sp>
         <p:nvSpPr>
-          <p:cNvPr id="545" name="線"/>
+          <p:cNvPr id="538" name="線"/>
           <p:cNvSpPr/>
           <p:nvPr/>
         </p:nvSpPr>
@@ -15952,7 +15736,7 @@
       </p:sp>
       <p:sp>
         <p:nvSpPr>
-          <p:cNvPr id="546" name="線"/>
+          <p:cNvPr id="539" name="線"/>
           <p:cNvSpPr/>
           <p:nvPr/>
         </p:nvSpPr>
@@ -15988,7 +15772,7 @@
       </p:sp>
       <p:sp>
         <p:nvSpPr>
-          <p:cNvPr id="547" name="線"/>
+          <p:cNvPr id="540" name="線"/>
           <p:cNvSpPr/>
           <p:nvPr/>
         </p:nvSpPr>
@@ -16024,7 +15808,7 @@
       </p:sp>
       <p:sp>
         <p:nvSpPr>
-          <p:cNvPr id="548" name="線"/>
+          <p:cNvPr id="541" name="線"/>
           <p:cNvSpPr/>
           <p:nvPr/>
         </p:nvSpPr>
@@ -16060,7 +15844,7 @@
       </p:sp>
       <p:sp>
         <p:nvSpPr>
-          <p:cNvPr id="549" name="線"/>
+          <p:cNvPr id="542" name="線"/>
           <p:cNvSpPr/>
           <p:nvPr/>
         </p:nvSpPr>
@@ -16096,7 +15880,7 @@
       </p:sp>
       <p:sp>
         <p:nvSpPr>
-          <p:cNvPr id="550" name="線"/>
+          <p:cNvPr id="543" name="線"/>
           <p:cNvSpPr/>
           <p:nvPr/>
         </p:nvSpPr>
@@ -16132,7 +15916,7 @@
       </p:sp>
       <p:sp>
         <p:nvSpPr>
-          <p:cNvPr id="551" name="線"/>
+          <p:cNvPr id="544" name="線"/>
           <p:cNvSpPr/>
           <p:nvPr/>
         </p:nvSpPr>
@@ -16168,7 +15952,7 @@
       </p:sp>
       <p:sp>
         <p:nvSpPr>
-          <p:cNvPr id="552" name="円形"/>
+          <p:cNvPr id="545" name="円形"/>
           <p:cNvSpPr/>
           <p:nvPr/>
         </p:nvSpPr>
@@ -16203,7 +15987,7 @@
       </p:sp>
       <p:sp>
         <p:nvSpPr>
-          <p:cNvPr id="553" name="円形"/>
+          <p:cNvPr id="546" name="円形"/>
           <p:cNvSpPr/>
           <p:nvPr/>
         </p:nvSpPr>
@@ -16238,7 +16022,7 @@
       </p:sp>
       <p:sp>
         <p:nvSpPr>
-          <p:cNvPr id="554" name="線"/>
+          <p:cNvPr id="547" name="線"/>
           <p:cNvSpPr/>
           <p:nvPr/>
         </p:nvSpPr>
@@ -16278,7 +16062,7 @@
       </p:sp>
       <p:sp>
         <p:nvSpPr>
-          <p:cNvPr id="555" name="線"/>
+          <p:cNvPr id="548" name="線"/>
           <p:cNvSpPr/>
           <p:nvPr/>
         </p:nvSpPr>
@@ -16318,7 +16102,7 @@
       </p:sp>
       <p:sp>
         <p:nvSpPr>
-          <p:cNvPr id="556" name="四角形"/>
+          <p:cNvPr id="549" name="四角形"/>
           <p:cNvSpPr/>
           <p:nvPr/>
         </p:nvSpPr>
@@ -16729,7 +16513,7 @@
       </p:grpSpPr>
       <p:sp>
         <p:nvSpPr>
-          <p:cNvPr id="558" name="ARFによる牽引効果"/>
+          <p:cNvPr id="551" name="ARFによる牽引効果"/>
           <p:cNvSpPr txBox="1"/>
           <p:nvPr>
             <p:ph type="title"/>
@@ -16753,7 +16537,7 @@
       </p:sp>
       <p:pic>
         <p:nvPicPr>
-          <p:cNvPr id="559" name="スクリーンショット 2019-02-12 15.59.44.png" descr="スクリーンショット 2019-02-12 15.59.44.png"/>
+          <p:cNvPr id="552" name="スクリーンショット 2019-02-12 15.59.44.png" descr="スクリーンショット 2019-02-12 15.59.44.png"/>
           <p:cNvPicPr>
             <a:picLocks noChangeAspect="1"/>
           </p:cNvPicPr>
@@ -16783,7 +16567,7 @@
       </p:pic>
       <p:sp>
         <p:nvSpPr>
-          <p:cNvPr id="560" name="= １：各アクチン分子を一様に引く(距離非依存ARF)"/>
+          <p:cNvPr id="553" name="= １：アクチン分子の引きつけは距離非依存(距離非依存ARF)"/>
           <p:cNvSpPr txBox="1"/>
           <p:nvPr/>
         </p:nvSpPr>
@@ -16824,14 +16608,14 @@
           <a:p>
             <a:pPr/>
             <a:r>
-              <a:t>= １：各アクチン分子を一様に引く(距離非依存ARF)</a:t>
+              <a:t>= １：アクチン分子の引きつけは距離非依存(距離非依存ARF)</a:t>
             </a:r>
           </a:p>
         </p:txBody>
       </p:sp>
       <p:pic>
         <p:nvPicPr>
-          <p:cNvPr id="561" name="スクリーンショット 2019-02-12 15.59.44.png" descr="スクリーンショット 2019-02-12 15.59.44.png"/>
+          <p:cNvPr id="554" name="スクリーンショット 2019-02-12 15.59.44.png" descr="スクリーンショット 2019-02-12 15.59.44.png"/>
           <p:cNvPicPr>
             <a:picLocks noChangeAspect="1"/>
           </p:cNvPicPr>
@@ -16861,7 +16645,7 @@
       </p:pic>
       <p:pic>
         <p:nvPicPr>
-          <p:cNvPr id="562" name="スクリーンショット 2019-02-12 15.59.44.png" descr="スクリーンショット 2019-02-12 15.59.44.png"/>
+          <p:cNvPr id="555" name="スクリーンショット 2019-02-12 15.59.44.png" descr="スクリーンショット 2019-02-12 15.59.44.png"/>
           <p:cNvPicPr>
             <a:picLocks noChangeAspect="1"/>
           </p:cNvPicPr>
@@ -16891,7 +16675,7 @@
       </p:pic>
       <p:pic>
         <p:nvPicPr>
-          <p:cNvPr id="563" name="top.pdf" descr="top.pdf"/>
+          <p:cNvPr id="556" name="top.pdf" descr="top.pdf"/>
           <p:cNvPicPr>
             <a:picLocks noChangeAspect="1"/>
           </p:cNvPicPr>
@@ -16922,7 +16706,7 @@
       </p:pic>
       <p:sp>
         <p:nvSpPr>
-          <p:cNvPr id="564" name="線"/>
+          <p:cNvPr id="557" name="線"/>
           <p:cNvSpPr/>
           <p:nvPr/>
         </p:nvSpPr>
@@ -16958,7 +16742,7 @@
       </p:sp>
       <p:sp>
         <p:nvSpPr>
-          <p:cNvPr id="565" name="線"/>
+          <p:cNvPr id="558" name="線"/>
           <p:cNvSpPr/>
           <p:nvPr/>
         </p:nvSpPr>
@@ -16994,7 +16778,7 @@
       </p:sp>
       <p:sp>
         <p:nvSpPr>
-          <p:cNvPr id="566" name="線"/>
+          <p:cNvPr id="559" name="線"/>
           <p:cNvSpPr/>
           <p:nvPr/>
         </p:nvSpPr>
@@ -17030,7 +16814,7 @@
       </p:sp>
       <p:sp>
         <p:nvSpPr>
-          <p:cNvPr id="567" name="線"/>
+          <p:cNvPr id="560" name="線"/>
           <p:cNvSpPr/>
           <p:nvPr/>
         </p:nvSpPr>
@@ -17066,7 +16850,7 @@
       </p:sp>
       <p:sp>
         <p:nvSpPr>
-          <p:cNvPr id="568" name="線"/>
+          <p:cNvPr id="561" name="線"/>
           <p:cNvSpPr/>
           <p:nvPr/>
         </p:nvSpPr>
@@ -17102,7 +16886,7 @@
       </p:sp>
       <p:sp>
         <p:nvSpPr>
-          <p:cNvPr id="569" name="線"/>
+          <p:cNvPr id="562" name="線"/>
           <p:cNvSpPr/>
           <p:nvPr/>
         </p:nvSpPr>
@@ -17138,7 +16922,7 @@
       </p:sp>
       <p:sp>
         <p:nvSpPr>
-          <p:cNvPr id="570" name="線"/>
+          <p:cNvPr id="563" name="線"/>
           <p:cNvSpPr/>
           <p:nvPr/>
         </p:nvSpPr>
@@ -17174,7 +16958,7 @@
       </p:sp>
       <p:sp>
         <p:nvSpPr>
-          <p:cNvPr id="571" name="線"/>
+          <p:cNvPr id="564" name="線"/>
           <p:cNvSpPr/>
           <p:nvPr/>
         </p:nvSpPr>
@@ -17210,7 +16994,7 @@
       </p:sp>
       <p:sp>
         <p:nvSpPr>
-          <p:cNvPr id="572" name="線"/>
+          <p:cNvPr id="565" name="線"/>
           <p:cNvSpPr/>
           <p:nvPr/>
         </p:nvSpPr>
@@ -17246,7 +17030,7 @@
       </p:sp>
       <p:sp>
         <p:nvSpPr>
-          <p:cNvPr id="573" name="円形"/>
+          <p:cNvPr id="566" name="円形"/>
           <p:cNvSpPr/>
           <p:nvPr/>
         </p:nvSpPr>
@@ -17281,7 +17065,7 @@
       </p:sp>
       <p:sp>
         <p:nvSpPr>
-          <p:cNvPr id="574" name="円形"/>
+          <p:cNvPr id="567" name="円形"/>
           <p:cNvSpPr/>
           <p:nvPr/>
         </p:nvSpPr>
@@ -17316,7 +17100,7 @@
       </p:sp>
       <p:sp>
         <p:nvSpPr>
-          <p:cNvPr id="575" name="線"/>
+          <p:cNvPr id="568" name="線"/>
           <p:cNvSpPr/>
           <p:nvPr/>
         </p:nvSpPr>
@@ -17356,7 +17140,7 @@
       </p:sp>
       <p:sp>
         <p:nvSpPr>
-          <p:cNvPr id="576" name="線"/>
+          <p:cNvPr id="569" name="線"/>
           <p:cNvSpPr/>
           <p:nvPr/>
         </p:nvSpPr>
@@ -17392,7 +17176,7 @@
       </p:sp>
       <p:sp>
         <p:nvSpPr>
-          <p:cNvPr id="577" name="線"/>
+          <p:cNvPr id="570" name="線"/>
           <p:cNvSpPr/>
           <p:nvPr/>
         </p:nvSpPr>
@@ -17432,7 +17216,7 @@
       </p:sp>
       <p:pic>
         <p:nvPicPr>
-          <p:cNvPr id="578" name="スクリーンショット 2019-02-12 15.59.44.png" descr="スクリーンショット 2019-02-12 15.59.44.png"/>
+          <p:cNvPr id="571" name="スクリーンショット 2019-02-12 15.59.44.png" descr="スクリーンショット 2019-02-12 15.59.44.png"/>
           <p:cNvPicPr>
             <a:picLocks noChangeAspect="1"/>
           </p:cNvPicPr>
@@ -17462,7 +17246,7 @@
       </p:pic>
       <p:sp>
         <p:nvSpPr>
-          <p:cNvPr id="579" name="= ２：SFに近いアクチン分子ほど強く引く(距離依存ARF)"/>
+          <p:cNvPr id="572" name="= ２：SFに近いアクチン分子ほど強く引く(距離依存ARF)"/>
           <p:cNvSpPr txBox="1"/>
           <p:nvPr/>
         </p:nvSpPr>
@@ -17510,7 +17294,7 @@
       </p:sp>
       <p:pic>
         <p:nvPicPr>
-          <p:cNvPr id="580" name="スクリーンショット 2019-02-12 15.59.44.png" descr="スクリーンショット 2019-02-12 15.59.44.png"/>
+          <p:cNvPr id="573" name="スクリーンショット 2019-02-12 15.59.44.png" descr="スクリーンショット 2019-02-12 15.59.44.png"/>
           <p:cNvPicPr>
             <a:picLocks noChangeAspect="1"/>
           </p:cNvPicPr>
@@ -17540,7 +17324,7 @@
       </p:pic>
       <p:sp>
         <p:nvSpPr>
-          <p:cNvPr id="581" name="四角形"/>
+          <p:cNvPr id="574" name="四角形"/>
           <p:cNvSpPr/>
           <p:nvPr/>
         </p:nvSpPr>
@@ -17601,7 +17385,7 @@
       </p:grpSpPr>
       <p:pic>
         <p:nvPicPr>
-          <p:cNvPr id="583" name="スクリーンショット 2019-02-12 15.59.44.png" descr="スクリーンショット 2019-02-12 15.59.44.png"/>
+          <p:cNvPr id="576" name="スクリーンショット 2019-02-12 15.59.44.png" descr="スクリーンショット 2019-02-12 15.59.44.png"/>
           <p:cNvPicPr>
             <a:picLocks noChangeAspect="1"/>
           </p:cNvPicPr>
@@ -17631,7 +17415,7 @@
       </p:pic>
       <p:pic>
         <p:nvPicPr>
-          <p:cNvPr id="584" name="スクリーンショット 2019-02-12 15.59.44.png" descr="スクリーンショット 2019-02-12 15.59.44.png"/>
+          <p:cNvPr id="577" name="スクリーンショット 2019-02-12 15.59.44.png" descr="スクリーンショット 2019-02-12 15.59.44.png"/>
           <p:cNvPicPr>
             <a:picLocks noChangeAspect="1"/>
           </p:cNvPicPr>
@@ -17661,7 +17445,7 @@
       </p:pic>
       <p:pic>
         <p:nvPicPr>
-          <p:cNvPr id="585" name="スクリーンショット 2019-02-12 15.59.44.png" descr="スクリーンショット 2019-02-12 15.59.44.png"/>
+          <p:cNvPr id="578" name="スクリーンショット 2019-02-12 15.59.44.png" descr="スクリーンショット 2019-02-12 15.59.44.png"/>
           <p:cNvPicPr>
             <a:picLocks noChangeAspect="1"/>
           </p:cNvPicPr>
@@ -17691,7 +17475,7 @@
       </p:pic>
       <p:pic>
         <p:nvPicPr>
-          <p:cNvPr id="586" name="スクリーンショット 2019-02-12 15.59.44.png" descr="スクリーンショット 2019-02-12 15.59.44.png"/>
+          <p:cNvPr id="579" name="スクリーンショット 2019-02-12 15.59.44.png" descr="スクリーンショット 2019-02-12 15.59.44.png"/>
           <p:cNvPicPr>
             <a:picLocks noChangeAspect="1"/>
           </p:cNvPicPr>
@@ -17721,7 +17505,7 @@
       </p:pic>
       <p:pic>
         <p:nvPicPr>
-          <p:cNvPr id="587" name="top.pdf" descr="top.pdf"/>
+          <p:cNvPr id="580" name="top.pdf" descr="top.pdf"/>
           <p:cNvPicPr>
             <a:picLocks noChangeAspect="1"/>
           </p:cNvPicPr>
@@ -17752,7 +17536,7 @@
       </p:pic>
       <p:pic>
         <p:nvPicPr>
-          <p:cNvPr id="588" name="スクリーンショット 2019-02-12 15.59.44.png" descr="スクリーンショット 2019-02-12 15.59.44.png"/>
+          <p:cNvPr id="581" name="スクリーンショット 2019-02-12 15.59.44.png" descr="スクリーンショット 2019-02-12 15.59.44.png"/>
           <p:cNvPicPr>
             <a:picLocks noChangeAspect="1"/>
           </p:cNvPicPr>
@@ -17781,7 +17565,7 @@
       </p:pic>
       <p:sp>
         <p:nvSpPr>
-          <p:cNvPr id="589" name="ARFによる配向効果"/>
+          <p:cNvPr id="582" name="ARFによる配向効果"/>
           <p:cNvSpPr txBox="1"/>
           <p:nvPr>
             <p:ph type="title"/>
@@ -17805,7 +17589,7 @@
       </p:sp>
       <p:sp>
         <p:nvSpPr>
-          <p:cNvPr id="590" name="四角形"/>
+          <p:cNvPr id="583" name="四角形"/>
           <p:cNvSpPr/>
           <p:nvPr/>
         </p:nvSpPr>
@@ -17844,7 +17628,7 @@
       </p:sp>
       <p:sp>
         <p:nvSpPr>
-          <p:cNvPr id="591" name="四角形"/>
+          <p:cNvPr id="584" name="四角形"/>
           <p:cNvSpPr/>
           <p:nvPr/>
         </p:nvSpPr>
@@ -17879,7 +17663,7 @@
       </p:sp>
       <p:sp>
         <p:nvSpPr>
-          <p:cNvPr id="592" name="四角形"/>
+          <p:cNvPr id="585" name="四角形"/>
           <p:cNvSpPr/>
           <p:nvPr/>
         </p:nvSpPr>
@@ -17918,7 +17702,7 @@
       </p:sp>
       <p:sp>
         <p:nvSpPr>
-          <p:cNvPr id="593" name="四角形"/>
+          <p:cNvPr id="586" name="四角形"/>
           <p:cNvSpPr/>
           <p:nvPr/>
         </p:nvSpPr>
@@ -17953,7 +17737,7 @@
       </p:sp>
       <p:sp>
         <p:nvSpPr>
-          <p:cNvPr id="594" name="線"/>
+          <p:cNvPr id="587" name="線"/>
           <p:cNvSpPr/>
           <p:nvPr/>
         </p:nvSpPr>
@@ -17993,7 +17777,7 @@
       </p:sp>
       <p:sp>
         <p:nvSpPr>
-          <p:cNvPr id="595" name="線"/>
+          <p:cNvPr id="588" name="線"/>
           <p:cNvSpPr/>
           <p:nvPr/>
         </p:nvSpPr>
@@ -18033,7 +17817,7 @@
       </p:sp>
       <p:pic>
         <p:nvPicPr>
-          <p:cNvPr id="596" name="スクリーンショット 2019-02-12 15.59.44.png" descr="スクリーンショット 2019-02-12 15.59.44.png"/>
+          <p:cNvPr id="589" name="スクリーンショット 2019-02-12 15.59.44.png" descr="スクリーンショット 2019-02-12 15.59.44.png"/>
           <p:cNvPicPr>
             <a:picLocks noChangeAspect="1"/>
           </p:cNvPicPr>
@@ -18063,7 +17847,7 @@
       </p:pic>
       <p:pic>
         <p:nvPicPr>
-          <p:cNvPr id="597" name="スクリーンショット 2019-02-12 15.59.44.png" descr="スクリーンショット 2019-02-12 15.59.44.png"/>
+          <p:cNvPr id="590" name="スクリーンショット 2019-02-12 15.59.44.png" descr="スクリーンショット 2019-02-12 15.59.44.png"/>
           <p:cNvPicPr>
             <a:picLocks noChangeAspect="1"/>
           </p:cNvPicPr>
@@ -18093,7 +17877,7 @@
       </p:pic>
       <p:sp>
         <p:nvSpPr>
-          <p:cNvPr id="598" name="&lt;"/>
+          <p:cNvPr id="591" name="&lt;"/>
           <p:cNvSpPr txBox="1"/>
           <p:nvPr/>
         </p:nvSpPr>
@@ -18133,14 +17917,14 @@
       </p:sp>
       <p:sp>
         <p:nvSpPr>
-          <p:cNvPr id="599" name="のとき、後端を強く引いて配向"/>
+          <p:cNvPr id="592" name="後端を強く引いて配向"/>
           <p:cNvSpPr txBox="1"/>
           <p:nvPr/>
         </p:nvSpPr>
         <p:spPr>
           <a:xfrm>
             <a:off x="4736050" y="9028667"/>
-            <a:ext cx="10397237" cy="838200"/>
+            <a:ext cx="7450837" cy="838200"/>
           </a:xfrm>
           <a:prstGeom prst="rect">
             <a:avLst/>
@@ -18174,14 +17958,14 @@
           <a:p>
             <a:pPr/>
             <a:r>
-              <a:t>のとき、後端を強く引いて配向</a:t>
+              <a:t>後端を強く引いて配向</a:t>
             </a:r>
           </a:p>
         </p:txBody>
       </p:sp>
       <p:sp>
         <p:nvSpPr>
-          <p:cNvPr id="600" name="円形"/>
+          <p:cNvPr id="593" name="円形"/>
           <p:cNvSpPr/>
           <p:nvPr/>
         </p:nvSpPr>
@@ -18216,7 +18000,7 @@
       </p:sp>
       <p:sp>
         <p:nvSpPr>
-          <p:cNvPr id="601" name="円形"/>
+          <p:cNvPr id="594" name="円形"/>
           <p:cNvSpPr/>
           <p:nvPr/>
         </p:nvSpPr>
@@ -18251,7 +18035,7 @@
       </p:sp>
       <p:sp>
         <p:nvSpPr>
-          <p:cNvPr id="602" name="線"/>
+          <p:cNvPr id="595" name="線"/>
           <p:cNvSpPr/>
           <p:nvPr/>
         </p:nvSpPr>
@@ -18291,7 +18075,7 @@
       </p:sp>
       <p:sp>
         <p:nvSpPr>
-          <p:cNvPr id="603" name="線"/>
+          <p:cNvPr id="596" name="線"/>
           <p:cNvSpPr/>
           <p:nvPr/>
         </p:nvSpPr>
@@ -18327,7 +18111,7 @@
       </p:sp>
       <p:sp>
         <p:nvSpPr>
-          <p:cNvPr id="604" name="線"/>
+          <p:cNvPr id="597" name="線"/>
           <p:cNvSpPr/>
           <p:nvPr/>
         </p:nvSpPr>
@@ -18363,7 +18147,7 @@
       </p:sp>
       <p:sp>
         <p:nvSpPr>
-          <p:cNvPr id="605" name="線"/>
+          <p:cNvPr id="598" name="線"/>
           <p:cNvSpPr/>
           <p:nvPr/>
         </p:nvSpPr>
@@ -18403,7 +18187,7 @@
       </p:sp>
       <p:sp>
         <p:nvSpPr>
-          <p:cNvPr id="606" name="線"/>
+          <p:cNvPr id="599" name="線"/>
           <p:cNvSpPr/>
           <p:nvPr/>
         </p:nvSpPr>
@@ -18443,7 +18227,7 @@
       </p:sp>
       <p:sp>
         <p:nvSpPr>
-          <p:cNvPr id="607" name="線"/>
+          <p:cNvPr id="600" name="線"/>
           <p:cNvSpPr/>
           <p:nvPr/>
         </p:nvSpPr>
@@ -18483,7 +18267,7 @@
       </p:sp>
       <p:sp>
         <p:nvSpPr>
-          <p:cNvPr id="608" name="線"/>
+          <p:cNvPr id="601" name="線"/>
           <p:cNvSpPr/>
           <p:nvPr/>
         </p:nvSpPr>
@@ -18519,7 +18303,7 @@
       </p:sp>
       <p:sp>
         <p:nvSpPr>
-          <p:cNvPr id="609" name="線"/>
+          <p:cNvPr id="602" name="線"/>
           <p:cNvSpPr/>
           <p:nvPr/>
         </p:nvSpPr>
@@ -18555,7 +18339,7 @@
       </p:sp>
       <p:sp>
         <p:nvSpPr>
-          <p:cNvPr id="610" name="線"/>
+          <p:cNvPr id="603" name="線"/>
           <p:cNvSpPr/>
           <p:nvPr/>
         </p:nvSpPr>
@@ -18591,7 +18375,7 @@
       </p:sp>
       <p:pic>
         <p:nvPicPr>
-          <p:cNvPr id="611" name="スクリーンショット 2019-02-12 15.59.44.png" descr="スクリーンショット 2019-02-12 15.59.44.png"/>
+          <p:cNvPr id="604" name="スクリーンショット 2019-02-12 15.59.44.png" descr="スクリーンショット 2019-02-12 15.59.44.png"/>
           <p:cNvPicPr>
             <a:picLocks noChangeAspect="1"/>
           </p:cNvPicPr>
@@ -18621,7 +18405,7 @@
       </p:pic>
       <p:pic>
         <p:nvPicPr>
-          <p:cNvPr id="612" name="スクリーンショット 2019-02-12 15.59.44.png" descr="スクリーンショット 2019-02-12 15.59.44.png"/>
+          <p:cNvPr id="605" name="スクリーンショット 2019-02-12 15.59.44.png" descr="スクリーンショット 2019-02-12 15.59.44.png"/>
           <p:cNvPicPr>
             <a:picLocks noChangeAspect="1"/>
           </p:cNvPicPr>
@@ -18651,7 +18435,7 @@
       </p:pic>
       <p:sp>
         <p:nvSpPr>
-          <p:cNvPr id="613" name="＝"/>
+          <p:cNvPr id="606" name="＝"/>
           <p:cNvSpPr txBox="1"/>
           <p:nvPr/>
         </p:nvSpPr>
@@ -18691,14 +18475,14 @@
       </p:sp>
       <p:sp>
         <p:nvSpPr>
-          <p:cNvPr id="614" name="のとき、配向効果なし"/>
+          <p:cNvPr id="607" name="配向効果なし"/>
           <p:cNvSpPr txBox="1"/>
           <p:nvPr/>
         </p:nvSpPr>
         <p:spPr>
           <a:xfrm>
             <a:off x="4672847" y="10696309"/>
-            <a:ext cx="7480301" cy="838200"/>
+            <a:ext cx="4533901" cy="838200"/>
           </a:xfrm>
           <a:prstGeom prst="rect">
             <a:avLst/>
@@ -18732,14 +18516,14 @@
           <a:p>
             <a:pPr/>
             <a:r>
-              <a:t>のとき、配向効果なし</a:t>
+              <a:t>配向効果なし</a:t>
             </a:r>
           </a:p>
         </p:txBody>
       </p:sp>
       <p:sp>
         <p:nvSpPr>
-          <p:cNvPr id="615" name="線"/>
+          <p:cNvPr id="608" name="線"/>
           <p:cNvSpPr/>
           <p:nvPr/>
         </p:nvSpPr>
@@ -18779,7 +18563,7 @@
       </p:sp>
       <p:sp>
         <p:nvSpPr>
-          <p:cNvPr id="616" name="四角形"/>
+          <p:cNvPr id="609" name="四角形"/>
           <p:cNvSpPr/>
           <p:nvPr/>
         </p:nvSpPr>
@@ -18814,7 +18598,7 @@
       </p:sp>
       <p:sp>
         <p:nvSpPr>
-          <p:cNvPr id="617" name="四角形"/>
+          <p:cNvPr id="610" name="四角形"/>
           <p:cNvSpPr/>
           <p:nvPr/>
         </p:nvSpPr>
@@ -18849,7 +18633,7 @@
       </p:sp>
       <p:sp>
         <p:nvSpPr>
-          <p:cNvPr id="618" name="四角形"/>
+          <p:cNvPr id="611" name="四角形"/>
           <p:cNvSpPr/>
           <p:nvPr/>
         </p:nvSpPr>
@@ -18884,14 +18668,14 @@
       </p:sp>
       <p:sp>
         <p:nvSpPr>
-          <p:cNvPr id="619" name="先端位置"/>
+          <p:cNvPr id="612" name="先端位置"/>
           <p:cNvSpPr txBox="1"/>
           <p:nvPr/>
         </p:nvSpPr>
         <p:spPr>
           <a:xfrm>
-            <a:off x="339765" y="3402272"/>
-            <a:ext cx="1638301" cy="482601"/>
+            <a:off x="339765" y="3351472"/>
+            <a:ext cx="2273400" cy="584201"/>
           </a:xfrm>
           <a:prstGeom prst="rect">
             <a:avLst/>
@@ -18906,10 +18690,14 @@
           </a:extLst>
         </p:spPr>
         <p:txBody>
-          <a:bodyPr wrap="none" lIns="50800" tIns="50800" rIns="50800" bIns="50800" anchor="ctr">
+          <a:bodyPr lIns="50800" tIns="50800" rIns="50800" bIns="50800" anchor="ctr">
             <a:spAutoFit/>
           </a:bodyPr>
-          <a:lstStyle/>
+          <a:lstStyle>
+            <a:lvl1pPr>
+              <a:defRPr sz="3800"/>
+            </a:lvl1pPr>
+          </a:lstStyle>
           <a:p>
             <a:pPr/>
             <a:r>
@@ -18920,14 +18708,14 @@
       </p:sp>
       <p:sp>
         <p:nvSpPr>
-          <p:cNvPr id="620" name="後端位置"/>
+          <p:cNvPr id="613" name="後端位置"/>
           <p:cNvSpPr txBox="1"/>
           <p:nvPr/>
         </p:nvSpPr>
         <p:spPr>
           <a:xfrm>
-            <a:off x="339765" y="5007848"/>
-            <a:ext cx="1638301" cy="482601"/>
+            <a:off x="339765" y="4957048"/>
+            <a:ext cx="2273400" cy="584200"/>
           </a:xfrm>
           <a:prstGeom prst="rect">
             <a:avLst/>
@@ -18942,10 +18730,14 @@
           </a:extLst>
         </p:spPr>
         <p:txBody>
-          <a:bodyPr wrap="none" lIns="50800" tIns="50800" rIns="50800" bIns="50800" anchor="ctr">
+          <a:bodyPr lIns="50800" tIns="50800" rIns="50800" bIns="50800" anchor="ctr">
             <a:spAutoFit/>
           </a:bodyPr>
-          <a:lstStyle/>
+          <a:lstStyle>
+            <a:lvl1pPr>
+              <a:defRPr sz="3800"/>
+            </a:lvl1pPr>
+          </a:lstStyle>
           <a:p>
             <a:pPr/>
             <a:r>
@@ -18982,7 +18774,7 @@
       </p:grpSpPr>
       <p:pic>
         <p:nvPicPr>
-          <p:cNvPr id="622" name="スクリーンショット 2019-02-12 15.57.30.png" descr="スクリーンショット 2019-02-12 15.57.30.png"/>
+          <p:cNvPr id="615" name="スクリーンショット 2019-02-12 15.57.30.png" descr="スクリーンショット 2019-02-12 15.57.30.png"/>
           <p:cNvPicPr>
             <a:picLocks noChangeAspect="1"/>
           </p:cNvPicPr>
@@ -19011,7 +18803,7 @@
       </p:pic>
       <p:sp>
         <p:nvSpPr>
-          <p:cNvPr id="623" name="ストレスファイバが１つの場合"/>
+          <p:cNvPr id="616" name="ARFが一点に向かう場合"/>
           <p:cNvSpPr txBox="1"/>
           <p:nvPr>
             <p:ph type="title"/>
@@ -19024,22 +18816,18 @@
         </p:spPr>
         <p:txBody>
           <a:bodyPr/>
-          <a:lstStyle>
-            <a:lvl1pPr defTabSz="800735">
-              <a:defRPr sz="11834"/>
-            </a:lvl1pPr>
-          </a:lstStyle>
+          <a:lstStyle/>
           <a:p>
             <a:pPr/>
             <a:r>
-              <a:t>ストレスファイバが１つの場合</a:t>
+              <a:t>ARFが一点に向かう場合</a:t>
             </a:r>
           </a:p>
         </p:txBody>
       </p:sp>
       <p:sp>
         <p:nvSpPr>
-          <p:cNvPr id="624" name="α＜βで配向効果を表現"/>
+          <p:cNvPr id="617" name="α＜βで配向効果を表現"/>
           <p:cNvSpPr txBox="1"/>
           <p:nvPr/>
         </p:nvSpPr>
@@ -19079,7 +18867,7 @@
       </p:sp>
       <p:pic>
         <p:nvPicPr>
-          <p:cNvPr id="625" name="top.pdf" descr="top.pdf"/>
+          <p:cNvPr id="618" name="top.pdf" descr="top.pdf"/>
           <p:cNvPicPr>
             <a:picLocks noChangeAspect="1"/>
           </p:cNvPicPr>
@@ -19110,7 +18898,7 @@
       </p:pic>
       <p:pic>
         <p:nvPicPr>
-          <p:cNvPr id="626" name="スクリーンショット 2019-02-12 15.57.30.png" descr="スクリーンショット 2019-02-12 15.57.30.png"/>
+          <p:cNvPr id="619" name="スクリーンショット 2019-02-12 15.57.30.png" descr="スクリーンショット 2019-02-12 15.57.30.png"/>
           <p:cNvPicPr>
             <a:picLocks noChangeAspect="1"/>
           </p:cNvPicPr>
@@ -19140,7 +18928,7 @@
       </p:pic>
       <p:sp>
         <p:nvSpPr>
-          <p:cNvPr id="627" name="線"/>
+          <p:cNvPr id="620" name="線"/>
           <p:cNvSpPr/>
           <p:nvPr/>
         </p:nvSpPr>
@@ -19180,7 +18968,7 @@
       </p:sp>
       <p:sp>
         <p:nvSpPr>
-          <p:cNvPr id="628" name="四角形"/>
+          <p:cNvPr id="621" name="四角形"/>
           <p:cNvSpPr/>
           <p:nvPr/>
         </p:nvSpPr>
@@ -19219,7 +19007,7 @@
       </p:sp>
       <p:sp>
         <p:nvSpPr>
-          <p:cNvPr id="629" name="四角形"/>
+          <p:cNvPr id="622" name="四角形"/>
           <p:cNvSpPr/>
           <p:nvPr/>
         </p:nvSpPr>
@@ -19254,7 +19042,7 @@
       </p:sp>
       <p:sp>
         <p:nvSpPr>
-          <p:cNvPr id="630" name="線"/>
+          <p:cNvPr id="623" name="線"/>
           <p:cNvSpPr/>
           <p:nvPr/>
         </p:nvSpPr>
@@ -19294,7 +19082,7 @@
       </p:sp>
       <p:sp>
         <p:nvSpPr>
-          <p:cNvPr id="631" name="アクチン分子を細胞膜の最後部へ引きつけると仮定"/>
+          <p:cNvPr id="624" name="アクチン分子を細胞膜の最後端へ引きつけると仮定"/>
           <p:cNvSpPr txBox="1"/>
           <p:nvPr/>
         </p:nvSpPr>
@@ -19335,14 +19123,14 @@
           <a:p>
             <a:pPr/>
             <a:r>
-              <a:t>アクチン分子を細胞膜の最後部へ引きつけると仮定</a:t>
+              <a:t>アクチン分子を細胞膜の最後端へ引きつけると仮定</a:t>
             </a:r>
           </a:p>
         </p:txBody>
       </p:sp>
       <p:sp>
         <p:nvSpPr>
-          <p:cNvPr id="632" name="円形"/>
+          <p:cNvPr id="625" name="円形"/>
           <p:cNvSpPr/>
           <p:nvPr/>
         </p:nvSpPr>
@@ -19377,7 +19165,7 @@
       </p:sp>
       <p:sp>
         <p:nvSpPr>
-          <p:cNvPr id="633" name="円形"/>
+          <p:cNvPr id="626" name="円形"/>
           <p:cNvSpPr/>
           <p:nvPr/>
         </p:nvSpPr>
@@ -19412,7 +19200,7 @@
       </p:sp>
       <p:sp>
         <p:nvSpPr>
-          <p:cNvPr id="634" name="線"/>
+          <p:cNvPr id="627" name="線"/>
           <p:cNvSpPr/>
           <p:nvPr/>
         </p:nvSpPr>
@@ -19448,7 +19236,7 @@
       </p:sp>
       <p:sp>
         <p:nvSpPr>
-          <p:cNvPr id="635" name="線"/>
+          <p:cNvPr id="628" name="線"/>
           <p:cNvSpPr/>
           <p:nvPr/>
         </p:nvSpPr>
@@ -19488,7 +19276,7 @@
       </p:sp>
       <p:sp>
         <p:nvSpPr>
-          <p:cNvPr id="636" name="線"/>
+          <p:cNvPr id="629" name="線"/>
           <p:cNvSpPr/>
           <p:nvPr/>
         </p:nvSpPr>
@@ -19550,7 +19338,7 @@
       </p:grpSpPr>
       <p:sp>
         <p:nvSpPr>
-          <p:cNvPr id="638" name="消滅と再発生"/>
+          <p:cNvPr id="631" name="アクチン分子の消滅と再発生"/>
           <p:cNvSpPr txBox="1"/>
           <p:nvPr>
             <p:ph type="title"/>
@@ -19567,14 +19355,14 @@
           <a:p>
             <a:pPr/>
             <a:r>
-              <a:t>消滅と再発生</a:t>
+              <a:t>アクチン分子の消滅と再発生</a:t>
             </a:r>
           </a:p>
         </p:txBody>
       </p:sp>
       <p:pic>
         <p:nvPicPr>
-          <p:cNvPr id="652" name="接続の線" descr="接続の線"/>
+          <p:cNvPr id="645" name="接続の線" descr="接続の線"/>
           <p:cNvPicPr>
             <a:picLocks noChangeAspect="0"/>
           </p:cNvPicPr>
@@ -19600,7 +19388,7 @@
       </p:pic>
       <p:pic>
         <p:nvPicPr>
-          <p:cNvPr id="640" name="グループ" descr="グループ"/>
+          <p:cNvPr id="633" name="グループ" descr="グループ"/>
           <p:cNvPicPr>
             <a:picLocks noChangeAspect="1"/>
           </p:cNvPicPr>
@@ -19631,7 +19419,7 @@
       </p:pic>
       <p:grpSp>
         <p:nvGrpSpPr>
-          <p:cNvPr id="643" name="格子状に分割されたエリアごとにアクチンの密度を計算し、その値がしきい値以下ならば消滅"/>
+          <p:cNvPr id="636" name="格子状に分割されたエリアごとにアクチンの密度を計算し、その値がしきい値以下ならば消滅"/>
           <p:cNvGrpSpPr/>
           <p:nvPr/>
         </p:nvGrpSpPr>
@@ -19645,7 +19433,7 @@
         </p:grpSpPr>
         <p:sp>
           <p:nvSpPr>
-            <p:cNvPr id="642" name="格子状に分割されたエリアごとにアクチンの密度を計算し、その値がしきい値以下ならば消滅"/>
+            <p:cNvPr id="635" name="格子状に分割されたエリアごとにアクチンの密度を計算し、その値がしきい値以下ならば消滅"/>
             <p:cNvSpPr txBox="1"/>
             <p:nvPr/>
           </p:nvSpPr>
@@ -19695,7 +19483,7 @@
         </p:sp>
         <p:pic>
           <p:nvPicPr>
-            <p:cNvPr id="641" name="格子状に分割されたエリアごとにアクチンの密度を計算し、その値がしきい値以下ならば消滅" descr="格子状に分割されたエリアごとにアクチンの密度を計算し、その値がしきい値以下ならば消滅"/>
+            <p:cNvPr id="634" name="格子状に分割されたエリアごとにアクチンの密度を計算し、その値がしきい値以下ならば消滅" descr="格子状に分割されたエリアごとにアクチンの密度を計算し、その値がしきい値以下ならば消滅"/>
             <p:cNvPicPr>
               <a:picLocks noChangeAspect="0"/>
             </p:cNvPicPr>
@@ -19723,7 +19511,7 @@
       </p:grpSp>
       <p:sp>
         <p:nvSpPr>
-          <p:cNvPr id="644" name="四角形"/>
+          <p:cNvPr id="637" name="四角形"/>
           <p:cNvSpPr/>
           <p:nvPr/>
         </p:nvSpPr>
@@ -19765,7 +19553,7 @@
       </p:sp>
       <p:sp>
         <p:nvSpPr>
-          <p:cNvPr id="645" name="矢印"/>
+          <p:cNvPr id="638" name="矢印"/>
           <p:cNvSpPr/>
           <p:nvPr/>
         </p:nvSpPr>
@@ -19803,7 +19591,7 @@
       </p:sp>
       <p:grpSp>
         <p:nvGrpSpPr>
-          <p:cNvPr id="648" name="細胞膜の内側へ再発生させ新たな重合方向をランダムに決定"/>
+          <p:cNvPr id="641" name="細胞膜の内側へ再発生させ新たな重合方向をランダムに決定"/>
           <p:cNvGrpSpPr/>
           <p:nvPr/>
         </p:nvGrpSpPr>
@@ -19817,7 +19605,7 @@
         </p:grpSpPr>
         <p:sp>
           <p:nvSpPr>
-            <p:cNvPr id="647" name="細胞膜の内側へ再発生させ新たな重合方向をランダムに決定"/>
+            <p:cNvPr id="640" name="細胞膜の内側へ再発生させ新たな重合方向をランダムに決定"/>
             <p:cNvSpPr txBox="1"/>
             <p:nvPr/>
           </p:nvSpPr>
@@ -19867,7 +19655,7 @@
         </p:sp>
         <p:pic>
           <p:nvPicPr>
-            <p:cNvPr id="646" name="細胞膜の内側へ再発生させ新たな重合方向をランダムに決定" descr="細胞膜の内側へ再発生させ新たな重合方向をランダムに決定"/>
+            <p:cNvPr id="639" name="細胞膜の内側へ再発生させ新たな重合方向をランダムに決定" descr="細胞膜の内側へ再発生させ新たな重合方向をランダムに決定"/>
             <p:cNvPicPr>
               <a:picLocks noChangeAspect="0"/>
             </p:cNvPicPr>
@@ -19895,7 +19683,7 @@
       </p:grpSp>
       <p:sp>
         <p:nvSpPr>
-          <p:cNvPr id="649" name="アクチン密度が高い領域ほどアクチン重合は活発"/>
+          <p:cNvPr id="642" name="アクチン密度が高い領域ほどアクチン重合は活発"/>
           <p:cNvSpPr txBox="1"/>
           <p:nvPr/>
         </p:nvSpPr>
@@ -19943,7 +19731,7 @@
       </p:sp>
       <p:sp>
         <p:nvSpPr>
-          <p:cNvPr id="650" name="矢印"/>
+          <p:cNvPr id="643" name="矢印"/>
           <p:cNvSpPr/>
           <p:nvPr/>
         </p:nvSpPr>
@@ -19981,7 +19769,7 @@
       </p:sp>
       <p:sp>
         <p:nvSpPr>
-          <p:cNvPr id="651" name="[Yumura et al.1998]"/>
+          <p:cNvPr id="644" name="[Yumura et al.1998]"/>
           <p:cNvSpPr txBox="1"/>
           <p:nvPr/>
         </p:nvSpPr>
@@ -20055,7 +19843,7 @@
       </p:grpSpPr>
       <p:sp>
         <p:nvSpPr>
-          <p:cNvPr id="655" name="シミュレーション結果"/>
+          <p:cNvPr id="648" name="シミュレーション結果"/>
           <p:cNvSpPr txBox="1"/>
           <p:nvPr>
             <p:ph type="title"/>
@@ -20105,7 +19893,7 @@
       </p:grpSpPr>
       <p:sp>
         <p:nvSpPr>
-          <p:cNvPr id="657" name="結果"/>
+          <p:cNvPr id="650" name="結果"/>
           <p:cNvSpPr txBox="1"/>
           <p:nvPr>
             <p:ph type="title"/>
@@ -20129,7 +19917,7 @@
       </p:sp>
       <p:sp>
         <p:nvSpPr>
-          <p:cNvPr id="658" name="ARF なし"/>
+          <p:cNvPr id="651" name="ARF なし"/>
           <p:cNvSpPr txBox="1"/>
           <p:nvPr/>
         </p:nvSpPr>
@@ -20177,7 +19965,7 @@
       </p:sp>
       <p:pic>
         <p:nvPicPr>
-          <p:cNvPr id="659" name="90_narf.pdf" descr="90_narf.pdf"/>
+          <p:cNvPr id="652" name="90_narf.pdf" descr="90_narf.pdf"/>
           <p:cNvPicPr>
             <a:picLocks noChangeAspect="1"/>
           </p:cNvPicPr>
@@ -20207,14 +19995,14 @@
       </p:pic>
       <p:sp>
         <p:nvSpPr>
-          <p:cNvPr id="660" name="アクチン分子は広がり続け細胞は破裂"/>
+          <p:cNvPr id="653" name="アクチン分子領域は広がり続け細胞は破裂"/>
           <p:cNvSpPr txBox="1"/>
           <p:nvPr/>
         </p:nvSpPr>
         <p:spPr>
           <a:xfrm>
-            <a:off x="10167663" y="10376098"/>
-            <a:ext cx="13551284" cy="838201"/>
+            <a:off x="10056648" y="10623362"/>
+            <a:ext cx="14193218" cy="838201"/>
           </a:xfrm>
           <a:prstGeom prst="rect">
             <a:avLst/>
@@ -20248,14 +20036,14 @@
           <a:p>
             <a:pPr/>
             <a:r>
-              <a:t>アクチン分子は広がり続け細胞は破裂</a:t>
+              <a:t>アクチン分子領域は広がり続け細胞は破裂</a:t>
             </a:r>
           </a:p>
         </p:txBody>
       </p:sp>
       <p:grpSp>
         <p:nvGrpSpPr>
-          <p:cNvPr id="663" name="グループ"/>
+          <p:cNvPr id="656" name="グループ"/>
           <p:cNvGrpSpPr/>
           <p:nvPr/>
         </p:nvGrpSpPr>
@@ -20269,7 +20057,7 @@
         </p:grpSpPr>
         <p:sp>
           <p:nvSpPr>
-            <p:cNvPr id="661" name="四角形"/>
+            <p:cNvPr id="654" name="四角形"/>
             <p:cNvSpPr/>
             <p:nvPr/>
           </p:nvSpPr>
@@ -20309,7 +20097,7 @@
         </p:sp>
         <p:sp>
           <p:nvSpPr>
-            <p:cNvPr id="662" name="ARF条件"/>
+            <p:cNvPr id="655" name="ARF条件"/>
             <p:cNvSpPr txBox="1"/>
             <p:nvPr/>
           </p:nvSpPr>
@@ -20363,7 +20151,7 @@
       </p:grpSp>
       <p:sp>
         <p:nvSpPr>
-          <p:cNvPr id="664" name="ARFなし（アクチン分子の重合のみ）"/>
+          <p:cNvPr id="657" name="ARFなし（アクチン分子の重合のみ）"/>
           <p:cNvSpPr txBox="1"/>
           <p:nvPr/>
         </p:nvSpPr>
@@ -20439,7 +20227,7 @@
       </p:grpSpPr>
       <p:sp>
         <p:nvSpPr>
-          <p:cNvPr id="666" name="結果"/>
+          <p:cNvPr id="659" name="結果"/>
           <p:cNvSpPr txBox="1"/>
           <p:nvPr>
             <p:ph type="title"/>
@@ -20461,93 +20249,9 @@
           </a:p>
         </p:txBody>
       </p:sp>
-      <p:sp>
-        <p:nvSpPr>
-          <p:cNvPr id="667" name="SFを１点と仮定…"/>
-          <p:cNvSpPr txBox="1"/>
-          <p:nvPr/>
-        </p:nvSpPr>
-        <p:spPr>
-          <a:xfrm>
-            <a:off x="11166506" y="3825751"/>
-            <a:ext cx="7991231" cy="4546600"/>
-          </a:xfrm>
-          <a:prstGeom prst="rect">
-            <a:avLst/>
-          </a:prstGeom>
-          <a:ln w="12700">
-            <a:miter lim="400000"/>
-          </a:ln>
-          <a:extLst>
-            <a:ext uri="{C572A759-6A51-4108-AA02-DFA0A04FC94B}">
-              <ma14:wrappingTextBoxFlag xmlns:ma14="http://schemas.microsoft.com/office/mac/drawingml/2011/main" val="1"/>
-            </a:ext>
-          </a:extLst>
-        </p:spPr>
-        <p:txBody>
-          <a:bodyPr lIns="50800" tIns="50800" rIns="50800" bIns="50800" anchor="ctr">
-            <a:spAutoFit/>
-          </a:bodyPr>
-          <a:lstStyle/>
-          <a:p>
-            <a:pPr marL="228600" indent="-228600" algn="l">
-              <a:spcBef>
-                <a:spcPts val="5900"/>
-              </a:spcBef>
-              <a:buSzPct val="100000"/>
-              <a:buChar char="•"/>
-              <a:defRPr sz="5800">
-                <a:latin typeface="+mn-lt"/>
-                <a:ea typeface="+mn-ea"/>
-                <a:cs typeface="+mn-cs"/>
-                <a:sym typeface="ヒラギノ角ゴ ProN W3"/>
-              </a:defRPr>
-            </a:pPr>
-            <a:r>
-              <a:t>SFを１点と仮定</a:t>
-            </a:r>
-          </a:p>
-          <a:p>
-            <a:pPr marL="228600" indent="-228600" algn="l">
-              <a:spcBef>
-                <a:spcPts val="5900"/>
-              </a:spcBef>
-              <a:buSzPct val="100000"/>
-              <a:buChar char="•"/>
-              <a:defRPr sz="5800">
-                <a:latin typeface="+mn-lt"/>
-                <a:ea typeface="+mn-ea"/>
-                <a:cs typeface="+mn-cs"/>
-                <a:sym typeface="ヒラギノ角ゴ ProN W3"/>
-              </a:defRPr>
-            </a:pPr>
-            <a:r>
-              <a:t>配向効果あり</a:t>
-            </a:r>
-          </a:p>
-          <a:p>
-            <a:pPr marL="228600" indent="-228600" algn="l">
-              <a:spcBef>
-                <a:spcPts val="5900"/>
-              </a:spcBef>
-              <a:buSzPct val="100000"/>
-              <a:buChar char="•"/>
-              <a:defRPr sz="5800">
-                <a:latin typeface="+mn-lt"/>
-                <a:ea typeface="+mn-ea"/>
-                <a:cs typeface="+mn-cs"/>
-                <a:sym typeface="ヒラギノ角ゴ ProN W3"/>
-              </a:defRPr>
-            </a:pPr>
-            <a:r>
-              <a:t>距離非依存型ARF</a:t>
-            </a:r>
-          </a:p>
-        </p:txBody>
-      </p:sp>
       <p:pic>
         <p:nvPicPr>
-          <p:cNvPr id="668" name="90_1arf.pdf" descr="90_1arf.pdf"/>
+          <p:cNvPr id="660" name="90_1arf.pdf" descr="90_1arf.pdf"/>
           <p:cNvPicPr>
             <a:picLocks noChangeAspect="1"/>
           </p:cNvPicPr>
@@ -20577,7 +20281,7 @@
       </p:pic>
       <p:sp>
         <p:nvSpPr>
-          <p:cNvPr id="669" name="ARFの効果を導入するとアクチン分子の発散を抑制⇨ ARFによる牽引効果は細胞形状維持に重要"/>
+          <p:cNvPr id="661" name="ARFの効果を導入するとアクチン分子領域の膨張を抑制⇨ ARFによる牽引効果は細胞形状維持に重要"/>
           <p:cNvSpPr txBox="1"/>
           <p:nvPr/>
         </p:nvSpPr>
@@ -20616,7 +20320,7 @@
               </a:defRPr>
             </a:pPr>
             <a:r>
-              <a:t>ARFの効果を導入するとアクチン分子の発散を抑制⇨ </a:t>
+              <a:t>ARFの効果を導入するとアクチン分子領域の膨張を抑制⇨ </a:t>
             </a:r>
             <a:r>
               <a:rPr>
@@ -20632,7 +20336,7 @@
       </p:sp>
       <p:grpSp>
         <p:nvGrpSpPr>
-          <p:cNvPr id="672" name="グループ"/>
+          <p:cNvPr id="664" name="グループ"/>
           <p:cNvGrpSpPr/>
           <p:nvPr/>
         </p:nvGrpSpPr>
@@ -20646,7 +20350,7 @@
         </p:grpSpPr>
         <p:sp>
           <p:nvSpPr>
-            <p:cNvPr id="670" name="四角形"/>
+            <p:cNvPr id="662" name="四角形"/>
             <p:cNvSpPr/>
             <p:nvPr/>
           </p:nvSpPr>
@@ -20686,7 +20390,7 @@
         </p:sp>
         <p:sp>
           <p:nvSpPr>
-            <p:cNvPr id="671" name="ARF条件"/>
+            <p:cNvPr id="663" name="ARF条件"/>
             <p:cNvSpPr txBox="1"/>
             <p:nvPr/>
           </p:nvSpPr>
@@ -20738,6 +20442,206 @@
           </p:txBody>
         </p:sp>
       </p:grpSp>
+      <p:sp>
+        <p:nvSpPr>
+          <p:cNvPr id="665" name="牽引効果："/>
+          <p:cNvSpPr txBox="1"/>
+          <p:nvPr/>
+        </p:nvSpPr>
+        <p:spPr>
+          <a:xfrm>
+            <a:off x="10805121" y="5124950"/>
+            <a:ext cx="7991231" cy="838200"/>
+          </a:xfrm>
+          <a:prstGeom prst="rect">
+            <a:avLst/>
+          </a:prstGeom>
+          <a:ln w="12700">
+            <a:miter lim="400000"/>
+          </a:ln>
+          <a:extLst>
+            <a:ext uri="{C572A759-6A51-4108-AA02-DFA0A04FC94B}">
+              <ma14:wrappingTextBoxFlag xmlns:ma14="http://schemas.microsoft.com/office/mac/drawingml/2011/main" val="1"/>
+            </a:ext>
+          </a:extLst>
+        </p:spPr>
+        <p:txBody>
+          <a:bodyPr lIns="50800" tIns="50800" rIns="50800" bIns="50800" anchor="ctr">
+            <a:spAutoFit/>
+          </a:bodyPr>
+          <a:lstStyle>
+            <a:lvl1pPr marL="520700" indent="-520700" algn="l">
+              <a:spcBef>
+                <a:spcPts val="5900"/>
+              </a:spcBef>
+              <a:buSzPct val="119000"/>
+              <a:buChar char="•"/>
+              <a:defRPr sz="5800">
+                <a:latin typeface="+mn-lt"/>
+                <a:ea typeface="+mn-ea"/>
+                <a:cs typeface="+mn-cs"/>
+                <a:sym typeface="ヒラギノ角ゴ ProN W3"/>
+              </a:defRPr>
+            </a:lvl1pPr>
+          </a:lstStyle>
+          <a:p>
+            <a:pPr/>
+            <a:r>
+              <a:t>牽引効果：</a:t>
+            </a:r>
+          </a:p>
+        </p:txBody>
+      </p:sp>
+      <p:sp>
+        <p:nvSpPr>
+          <p:cNvPr id="666" name="配向効果あり"/>
+          <p:cNvSpPr txBox="1"/>
+          <p:nvPr/>
+        </p:nvSpPr>
+        <p:spPr>
+          <a:xfrm>
+            <a:off x="11350567" y="6202964"/>
+            <a:ext cx="7991232" cy="838200"/>
+          </a:xfrm>
+          <a:prstGeom prst="rect">
+            <a:avLst/>
+          </a:prstGeom>
+          <a:ln w="12700">
+            <a:miter lim="400000"/>
+          </a:ln>
+          <a:extLst>
+            <a:ext uri="{C572A759-6A51-4108-AA02-DFA0A04FC94B}">
+              <ma14:wrappingTextBoxFlag xmlns:ma14="http://schemas.microsoft.com/office/mac/drawingml/2011/main" val="1"/>
+            </a:ext>
+          </a:extLst>
+        </p:spPr>
+        <p:txBody>
+          <a:bodyPr lIns="50800" tIns="50800" rIns="50800" bIns="50800" anchor="ctr">
+            <a:spAutoFit/>
+          </a:bodyPr>
+          <a:lstStyle>
+            <a:lvl1pPr marL="520700" indent="-520700" algn="l">
+              <a:spcBef>
+                <a:spcPts val="5900"/>
+              </a:spcBef>
+              <a:buSzPct val="119000"/>
+              <a:buChar char="•"/>
+              <a:defRPr sz="5800">
+                <a:latin typeface="+mn-lt"/>
+                <a:ea typeface="+mn-ea"/>
+                <a:cs typeface="+mn-cs"/>
+                <a:sym typeface="ヒラギノ角ゴ ProN W3"/>
+              </a:defRPr>
+            </a:lvl1pPr>
+          </a:lstStyle>
+          <a:p>
+            <a:pPr/>
+            <a:r>
+              <a:t>配向効果あり</a:t>
+            </a:r>
+          </a:p>
+        </p:txBody>
+      </p:sp>
+      <p:sp>
+        <p:nvSpPr>
+          <p:cNvPr id="667" name="距離非依存型"/>
+          <p:cNvSpPr txBox="1"/>
+          <p:nvPr/>
+        </p:nvSpPr>
+        <p:spPr>
+          <a:xfrm>
+            <a:off x="11350567" y="7280978"/>
+            <a:ext cx="7991232" cy="838200"/>
+          </a:xfrm>
+          <a:prstGeom prst="rect">
+            <a:avLst/>
+          </a:prstGeom>
+          <a:ln w="12700">
+            <a:miter lim="400000"/>
+          </a:ln>
+          <a:extLst>
+            <a:ext uri="{C572A759-6A51-4108-AA02-DFA0A04FC94B}">
+              <ma14:wrappingTextBoxFlag xmlns:ma14="http://schemas.microsoft.com/office/mac/drawingml/2011/main" val="1"/>
+            </a:ext>
+          </a:extLst>
+        </p:spPr>
+        <p:txBody>
+          <a:bodyPr lIns="50800" tIns="50800" rIns="50800" bIns="50800" anchor="ctr">
+            <a:spAutoFit/>
+          </a:bodyPr>
+          <a:lstStyle>
+            <a:lvl1pPr marL="520700" indent="-520700" algn="l">
+              <a:spcBef>
+                <a:spcPts val="5900"/>
+              </a:spcBef>
+              <a:buSzPct val="119000"/>
+              <a:buChar char="•"/>
+              <a:defRPr sz="5800">
+                <a:latin typeface="+mn-lt"/>
+                <a:ea typeface="+mn-ea"/>
+                <a:cs typeface="+mn-cs"/>
+                <a:sym typeface="ヒラギノ角ゴ ProN W3"/>
+              </a:defRPr>
+            </a:lvl1pPr>
+          </a:lstStyle>
+          <a:p>
+            <a:pPr/>
+            <a:r>
+              <a:t>距離非依存型</a:t>
+            </a:r>
+          </a:p>
+        </p:txBody>
+      </p:sp>
+      <p:sp>
+        <p:nvSpPr>
+          <p:cNvPr id="668" name="ARFを１点への引きつけで表現"/>
+          <p:cNvSpPr txBox="1"/>
+          <p:nvPr/>
+        </p:nvSpPr>
+        <p:spPr>
+          <a:xfrm>
+            <a:off x="10805121" y="3890182"/>
+            <a:ext cx="10915228" cy="838200"/>
+          </a:xfrm>
+          <a:prstGeom prst="rect">
+            <a:avLst/>
+          </a:prstGeom>
+          <a:ln w="12700">
+            <a:miter lim="400000"/>
+          </a:ln>
+          <a:extLst>
+            <a:ext uri="{C572A759-6A51-4108-AA02-DFA0A04FC94B}">
+              <ma14:wrappingTextBoxFlag xmlns:ma14="http://schemas.microsoft.com/office/mac/drawingml/2011/main" val="1"/>
+            </a:ext>
+          </a:extLst>
+        </p:spPr>
+        <p:txBody>
+          <a:bodyPr lIns="50800" tIns="50800" rIns="50800" bIns="50800" anchor="ctr">
+            <a:spAutoFit/>
+          </a:bodyPr>
+          <a:lstStyle>
+            <a:lvl1pPr marL="228600" indent="-228600" algn="l">
+              <a:spcBef>
+                <a:spcPts val="5900"/>
+              </a:spcBef>
+              <a:buSzPct val="100000"/>
+              <a:buChar char="•"/>
+              <a:defRPr sz="5800">
+                <a:latin typeface="+mn-lt"/>
+                <a:ea typeface="+mn-ea"/>
+                <a:cs typeface="+mn-cs"/>
+                <a:sym typeface="ヒラギノ角ゴ ProN W3"/>
+              </a:defRPr>
+            </a:lvl1pPr>
+          </a:lstStyle>
+          <a:p>
+            <a:pPr/>
+            <a:r>
+              <a:t>ARFを１点への引きつけで表現</a:t>
+            </a:r>
+          </a:p>
+        </p:txBody>
+      </p:sp>
     </p:spTree>
   </p:cSld>
   <p:clrMapOvr>
@@ -20766,7 +20670,7 @@
       </p:grpSpPr>
       <p:sp>
         <p:nvSpPr>
-          <p:cNvPr id="674" name="結果"/>
+          <p:cNvPr id="670" name="結果"/>
           <p:cNvSpPr txBox="1"/>
           <p:nvPr>
             <p:ph type="title"/>
@@ -20790,7 +20694,7 @@
       </p:sp>
       <p:pic>
         <p:nvPicPr>
-          <p:cNvPr id="675" name="screenshot392874.jpg" descr="screenshot392874.jpg"/>
+          <p:cNvPr id="671" name="screenshot392874.jpg" descr="screenshot392874.jpg"/>
           <p:cNvPicPr>
             <a:picLocks noChangeAspect="1"/>
           </p:cNvPicPr>
@@ -20820,7 +20724,7 @@
       </p:pic>
       <p:sp>
         <p:nvSpPr>
-          <p:cNvPr id="676" name="アクチン分子は実際の半月状に近い形に凝集⇨ 配向効果により先端が膜側を向くことで細胞前方を押すことができ、推進可能な形になっている"/>
+          <p:cNvPr id="672" name="アクチン分子は半月状に近い形に凝集⇨ 配向効果により先端が膜側を向くことで細胞前方を押すことができ、推進可能な形を形成"/>
           <p:cNvSpPr txBox="1"/>
           <p:nvPr/>
         </p:nvSpPr>
@@ -20859,7 +20763,7 @@
               </a:defRPr>
             </a:pPr>
             <a:r>
-              <a:t>アクチン分子は実際の半月状に近い形に凝集⇨ </a:t>
+              <a:t>アクチン分子は半月状に近い形に凝集⇨ </a:t>
             </a:r>
             <a:r>
               <a:rPr>
@@ -20868,14 +20772,14 @@
                 <a:cs typeface="ヒラギノ角ゴ ProN W6"/>
                 <a:sym typeface="ヒラギノ角ゴ ProN W6"/>
               </a:rPr>
-              <a:t>配向効果により先端が膜側を向くことで細胞前方を押すことができ、推進可能な形になっている</a:t>
+              <a:t>配向効果により先端が膜側を向くことで細胞前方を押すことができ、推進可能な形を形成</a:t>
             </a:r>
           </a:p>
         </p:txBody>
       </p:sp>
       <p:grpSp>
         <p:nvGrpSpPr>
-          <p:cNvPr id="679" name="グループ"/>
+          <p:cNvPr id="675" name="グループ"/>
           <p:cNvGrpSpPr/>
           <p:nvPr/>
         </p:nvGrpSpPr>
@@ -20889,7 +20793,7 @@
         </p:grpSpPr>
         <p:sp>
           <p:nvSpPr>
-            <p:cNvPr id="677" name="四角形"/>
+            <p:cNvPr id="673" name="四角形"/>
             <p:cNvSpPr/>
             <p:nvPr/>
           </p:nvSpPr>
@@ -20929,7 +20833,7 @@
         </p:sp>
         <p:sp>
           <p:nvSpPr>
-            <p:cNvPr id="678" name="ARF条件"/>
+            <p:cNvPr id="674" name="ARF条件"/>
             <p:cNvSpPr txBox="1"/>
             <p:nvPr/>
           </p:nvSpPr>
@@ -20983,13 +20887,63 @@
       </p:grpSp>
       <p:sp>
         <p:nvSpPr>
-          <p:cNvPr id="680" name="SFを２点と仮定"/>
+          <p:cNvPr id="676" name="ARFを二点への引きつけで表現"/>
           <p:cNvSpPr txBox="1"/>
           <p:nvPr/>
         </p:nvSpPr>
         <p:spPr>
           <a:xfrm>
             <a:off x="10805121" y="3890182"/>
+            <a:ext cx="10915228" cy="838200"/>
+          </a:xfrm>
+          <a:prstGeom prst="rect">
+            <a:avLst/>
+          </a:prstGeom>
+          <a:ln w="12700">
+            <a:miter lim="400000"/>
+          </a:ln>
+          <a:extLst>
+            <a:ext uri="{C572A759-6A51-4108-AA02-DFA0A04FC94B}">
+              <ma14:wrappingTextBoxFlag xmlns:ma14="http://schemas.microsoft.com/office/mac/drawingml/2011/main" val="1"/>
+            </a:ext>
+          </a:extLst>
+        </p:spPr>
+        <p:txBody>
+          <a:bodyPr lIns="50800" tIns="50800" rIns="50800" bIns="50800" anchor="ctr">
+            <a:spAutoFit/>
+          </a:bodyPr>
+          <a:lstStyle>
+            <a:lvl1pPr marL="228600" indent="-228600" algn="l">
+              <a:spcBef>
+                <a:spcPts val="5900"/>
+              </a:spcBef>
+              <a:buSzPct val="100000"/>
+              <a:buChar char="•"/>
+              <a:defRPr sz="5800">
+                <a:latin typeface="+mn-lt"/>
+                <a:ea typeface="+mn-ea"/>
+                <a:cs typeface="+mn-cs"/>
+                <a:sym typeface="ヒラギノ角ゴ ProN W3"/>
+              </a:defRPr>
+            </a:lvl1pPr>
+          </a:lstStyle>
+          <a:p>
+            <a:pPr/>
+            <a:r>
+              <a:t>ARFを二点への引きつけで表現</a:t>
+            </a:r>
+          </a:p>
+        </p:txBody>
+      </p:sp>
+      <p:sp>
+        <p:nvSpPr>
+          <p:cNvPr id="677" name="牽引効果："/>
+          <p:cNvSpPr txBox="1"/>
+          <p:nvPr/>
+        </p:nvSpPr>
+        <p:spPr>
+          <a:xfrm>
+            <a:off x="10805121" y="5124950"/>
             <a:ext cx="7991231" cy="838200"/>
           </a:xfrm>
           <a:prstGeom prst="rect">
@@ -21026,21 +20980,21 @@
           <a:p>
             <a:pPr/>
             <a:r>
-              <a:t>SFを２点と仮定</a:t>
+              <a:t>牽引効果：</a:t>
             </a:r>
           </a:p>
         </p:txBody>
       </p:sp>
       <p:sp>
         <p:nvSpPr>
-          <p:cNvPr id="681" name="牽引効果："/>
+          <p:cNvPr id="678" name="配向効果あり"/>
           <p:cNvSpPr txBox="1"/>
           <p:nvPr/>
         </p:nvSpPr>
         <p:spPr>
           <a:xfrm>
-            <a:off x="10805121" y="5124950"/>
-            <a:ext cx="7991231" cy="838200"/>
+            <a:off x="11350567" y="6202964"/>
+            <a:ext cx="7991232" cy="838200"/>
           </a:xfrm>
           <a:prstGeom prst="rect">
             <a:avLst/>
@@ -21076,56 +21030,6 @@
           <a:p>
             <a:pPr/>
             <a:r>
-              <a:t>牽引効果：</a:t>
-            </a:r>
-          </a:p>
-        </p:txBody>
-      </p:sp>
-      <p:sp>
-        <p:nvSpPr>
-          <p:cNvPr id="682" name="配向効果あり"/>
-          <p:cNvSpPr txBox="1"/>
-          <p:nvPr/>
-        </p:nvSpPr>
-        <p:spPr>
-          <a:xfrm>
-            <a:off x="11350567" y="6202964"/>
-            <a:ext cx="7991232" cy="838200"/>
-          </a:xfrm>
-          <a:prstGeom prst="rect">
-            <a:avLst/>
-          </a:prstGeom>
-          <a:ln w="12700">
-            <a:miter lim="400000"/>
-          </a:ln>
-          <a:extLst>
-            <a:ext uri="{C572A759-6A51-4108-AA02-DFA0A04FC94B}">
-              <ma14:wrappingTextBoxFlag xmlns:ma14="http://schemas.microsoft.com/office/mac/drawingml/2011/main" val="1"/>
-            </a:ext>
-          </a:extLst>
-        </p:spPr>
-        <p:txBody>
-          <a:bodyPr lIns="50800" tIns="50800" rIns="50800" bIns="50800" anchor="ctr">
-            <a:spAutoFit/>
-          </a:bodyPr>
-          <a:lstStyle>
-            <a:lvl1pPr marL="520700" indent="-520700" algn="l">
-              <a:spcBef>
-                <a:spcPts val="5900"/>
-              </a:spcBef>
-              <a:buSzPct val="119000"/>
-              <a:buChar char="•"/>
-              <a:defRPr sz="5800">
-                <a:latin typeface="+mn-lt"/>
-                <a:ea typeface="+mn-ea"/>
-                <a:cs typeface="+mn-cs"/>
-                <a:sym typeface="ヒラギノ角ゴ ProN W3"/>
-              </a:defRPr>
-            </a:lvl1pPr>
-          </a:lstStyle>
-          <a:p>
-            <a:pPr/>
-            <a:r>
               <a:t>配向効果あり</a:t>
             </a:r>
           </a:p>
@@ -21133,7 +21037,7 @@
       </p:sp>
       <p:sp>
         <p:nvSpPr>
-          <p:cNvPr id="683" name="距離非依存型"/>
+          <p:cNvPr id="679" name="距離非依存型"/>
           <p:cNvSpPr txBox="1"/>
           <p:nvPr/>
         </p:nvSpPr>
@@ -21209,7 +21113,7 @@
       </p:grpSpPr>
       <p:sp>
         <p:nvSpPr>
-          <p:cNvPr id="685" name="結果"/>
+          <p:cNvPr id="681" name="結果"/>
           <p:cNvSpPr txBox="1"/>
           <p:nvPr>
             <p:ph type="title"/>
@@ -21233,7 +21137,7 @@
       </p:sp>
       <p:pic>
         <p:nvPicPr>
-          <p:cNvPr id="686" name="90_darf.pdf" descr="90_darf.pdf"/>
+          <p:cNvPr id="682" name="90_darf.pdf" descr="90_darf.pdf"/>
           <p:cNvPicPr>
             <a:picLocks noChangeAspect="1"/>
           </p:cNvPicPr>
@@ -21263,7 +21167,7 @@
       </p:pic>
       <p:sp>
         <p:nvSpPr>
-          <p:cNvPr id="687" name="グループ"/>
+          <p:cNvPr id="683" name="グループ"/>
           <p:cNvSpPr txBox="1"/>
           <p:nvPr/>
         </p:nvSpPr>
@@ -21311,7 +21215,7 @@
       </p:sp>
       <p:sp>
         <p:nvSpPr>
-          <p:cNvPr id="688" name="SFに近いアクチン分子が大きく移動し凝集⇨ 全アクチンを一様に牽引(距離非依存)することが半月状形成に寄与"/>
+          <p:cNvPr id="684" name="SFに近いアクチン分子のみが大きく移動⇨ 全アクチンを一様に牽引(距離非依存)することが半月状形成に寄与"/>
           <p:cNvSpPr txBox="1"/>
           <p:nvPr/>
         </p:nvSpPr>
@@ -21350,7 +21254,7 @@
               </a:defRPr>
             </a:pPr>
             <a:r>
-              <a:t>SFに近いアクチン分子が大きく移動し凝集⇨ </a:t>
+              <a:t>SFに近いアクチン分子のみが大きく移動⇨ </a:t>
             </a:r>
             <a:r>
               <a:rPr>
@@ -21366,7 +21270,7 @@
       </p:sp>
       <p:grpSp>
         <p:nvGrpSpPr>
-          <p:cNvPr id="691" name="グループ"/>
+          <p:cNvPr id="687" name="グループ"/>
           <p:cNvGrpSpPr/>
           <p:nvPr/>
         </p:nvGrpSpPr>
@@ -21380,7 +21284,7 @@
         </p:grpSpPr>
         <p:sp>
           <p:nvSpPr>
-            <p:cNvPr id="689" name="四角形"/>
+            <p:cNvPr id="685" name="四角形"/>
             <p:cNvSpPr/>
             <p:nvPr/>
           </p:nvSpPr>
@@ -21420,7 +21324,7 @@
         </p:sp>
         <p:sp>
           <p:nvSpPr>
-            <p:cNvPr id="690" name="ARF条件"/>
+            <p:cNvPr id="686" name="ARF条件"/>
             <p:cNvSpPr txBox="1"/>
             <p:nvPr/>
           </p:nvSpPr>
@@ -21474,13 +21378,63 @@
       </p:grpSp>
       <p:sp>
         <p:nvSpPr>
-          <p:cNvPr id="692" name="SFを２点と仮定"/>
+          <p:cNvPr id="688" name="ARFを二点への引きつけで表現"/>
           <p:cNvSpPr txBox="1"/>
           <p:nvPr/>
         </p:nvSpPr>
         <p:spPr>
           <a:xfrm>
             <a:off x="10805121" y="3890182"/>
+            <a:ext cx="11442224" cy="838200"/>
+          </a:xfrm>
+          <a:prstGeom prst="rect">
+            <a:avLst/>
+          </a:prstGeom>
+          <a:ln w="12700">
+            <a:miter lim="400000"/>
+          </a:ln>
+          <a:extLst>
+            <a:ext uri="{C572A759-6A51-4108-AA02-DFA0A04FC94B}">
+              <ma14:wrappingTextBoxFlag xmlns:ma14="http://schemas.microsoft.com/office/mac/drawingml/2011/main" val="1"/>
+            </a:ext>
+          </a:extLst>
+        </p:spPr>
+        <p:txBody>
+          <a:bodyPr lIns="50800" tIns="50800" rIns="50800" bIns="50800" anchor="ctr">
+            <a:spAutoFit/>
+          </a:bodyPr>
+          <a:lstStyle>
+            <a:lvl1pPr marL="228600" indent="-228600" algn="l">
+              <a:spcBef>
+                <a:spcPts val="5900"/>
+              </a:spcBef>
+              <a:buSzPct val="100000"/>
+              <a:buChar char="•"/>
+              <a:defRPr sz="5800">
+                <a:latin typeface="+mn-lt"/>
+                <a:ea typeface="+mn-ea"/>
+                <a:cs typeface="+mn-cs"/>
+                <a:sym typeface="ヒラギノ角ゴ ProN W3"/>
+              </a:defRPr>
+            </a:lvl1pPr>
+          </a:lstStyle>
+          <a:p>
+            <a:pPr/>
+            <a:r>
+              <a:t>ARFを二点への引きつけで表現</a:t>
+            </a:r>
+          </a:p>
+        </p:txBody>
+      </p:sp>
+      <p:sp>
+        <p:nvSpPr>
+          <p:cNvPr id="689" name="牽引効果："/>
+          <p:cNvSpPr txBox="1"/>
+          <p:nvPr/>
+        </p:nvSpPr>
+        <p:spPr>
+          <a:xfrm>
+            <a:off x="10805121" y="5124950"/>
             <a:ext cx="7991231" cy="838200"/>
           </a:xfrm>
           <a:prstGeom prst="rect">
@@ -21517,21 +21471,21 @@
           <a:p>
             <a:pPr/>
             <a:r>
-              <a:t>SFを２点と仮定</a:t>
+              <a:t>牽引効果：</a:t>
             </a:r>
           </a:p>
         </p:txBody>
       </p:sp>
       <p:sp>
         <p:nvSpPr>
-          <p:cNvPr id="693" name="牽引効果："/>
+          <p:cNvPr id="690" name="配向効果あり"/>
           <p:cNvSpPr txBox="1"/>
           <p:nvPr/>
         </p:nvSpPr>
         <p:spPr>
           <a:xfrm>
-            <a:off x="10805121" y="5124950"/>
-            <a:ext cx="7991231" cy="838200"/>
+            <a:off x="11350567" y="6202964"/>
+            <a:ext cx="7991232" cy="838200"/>
           </a:xfrm>
           <a:prstGeom prst="rect">
             <a:avLst/>
@@ -21567,56 +21521,6 @@
           <a:p>
             <a:pPr/>
             <a:r>
-              <a:t>牽引効果：</a:t>
-            </a:r>
-          </a:p>
-        </p:txBody>
-      </p:sp>
-      <p:sp>
-        <p:nvSpPr>
-          <p:cNvPr id="694" name="配向効果あり"/>
-          <p:cNvSpPr txBox="1"/>
-          <p:nvPr/>
-        </p:nvSpPr>
-        <p:spPr>
-          <a:xfrm>
-            <a:off x="11350567" y="6202964"/>
-            <a:ext cx="7991232" cy="838200"/>
-          </a:xfrm>
-          <a:prstGeom prst="rect">
-            <a:avLst/>
-          </a:prstGeom>
-          <a:ln w="12700">
-            <a:miter lim="400000"/>
-          </a:ln>
-          <a:extLst>
-            <a:ext uri="{C572A759-6A51-4108-AA02-DFA0A04FC94B}">
-              <ma14:wrappingTextBoxFlag xmlns:ma14="http://schemas.microsoft.com/office/mac/drawingml/2011/main" val="1"/>
-            </a:ext>
-          </a:extLst>
-        </p:spPr>
-        <p:txBody>
-          <a:bodyPr lIns="50800" tIns="50800" rIns="50800" bIns="50800" anchor="ctr">
-            <a:spAutoFit/>
-          </a:bodyPr>
-          <a:lstStyle>
-            <a:lvl1pPr marL="520700" indent="-520700" algn="l">
-              <a:spcBef>
-                <a:spcPts val="5900"/>
-              </a:spcBef>
-              <a:buSzPct val="119000"/>
-              <a:buChar char="•"/>
-              <a:defRPr sz="5800">
-                <a:latin typeface="+mn-lt"/>
-                <a:ea typeface="+mn-ea"/>
-                <a:cs typeface="+mn-cs"/>
-                <a:sym typeface="ヒラギノ角ゴ ProN W3"/>
-              </a:defRPr>
-            </a:lvl1pPr>
-          </a:lstStyle>
-          <a:p>
-            <a:pPr/>
-            <a:r>
               <a:t>配向効果あり</a:t>
             </a:r>
           </a:p>
@@ -21624,7 +21528,7 @@
       </p:sp>
       <p:sp>
         <p:nvSpPr>
-          <p:cNvPr id="695" name="距離依存型"/>
+          <p:cNvPr id="691" name="距離依存型"/>
           <p:cNvSpPr txBox="1"/>
           <p:nvPr/>
         </p:nvSpPr>
@@ -21695,7 +21599,7 @@
       </p:grpSpPr>
       <p:sp>
         <p:nvSpPr>
-          <p:cNvPr id="697" name="結果"/>
+          <p:cNvPr id="693" name="結果"/>
           <p:cNvSpPr txBox="1"/>
           <p:nvPr>
             <p:ph type="title"/>
@@ -21719,7 +21623,7 @@
       </p:sp>
       <p:pic>
         <p:nvPicPr>
-          <p:cNvPr id="698" name="90_nro.pdf" descr="90_nro.pdf"/>
+          <p:cNvPr id="694" name="90_nro.pdf" descr="90_nro.pdf"/>
           <p:cNvPicPr>
             <a:picLocks noChangeAspect="1"/>
           </p:cNvPicPr>
@@ -21749,7 +21653,7 @@
       </p:pic>
       <p:sp>
         <p:nvSpPr>
-          <p:cNvPr id="699" name="配向効果無しARFの場合"/>
+          <p:cNvPr id="695" name="配向効果無しARFの場合"/>
           <p:cNvSpPr txBox="1"/>
           <p:nvPr/>
         </p:nvSpPr>
@@ -21797,7 +21701,7 @@
       </p:sp>
       <p:sp>
         <p:nvSpPr>
-          <p:cNvPr id="700" name="アクチンの先端が全方向に向くため凝集領域が徐々に拡大⇨ 配向効果はアクチン分子を細胞膜側へ向け, 形態の維持に寄与(進行方向決定)"/>
+          <p:cNvPr id="696" name="アクチンの先端が全方向に向くため凝集領域が徐々に拡大⇨ 配向効果はアクチン分子を細胞膜側へ向け(進行方向決定), 形態の維持に寄与"/>
           <p:cNvSpPr txBox="1"/>
           <p:nvPr/>
         </p:nvSpPr>
@@ -21845,14 +21749,14 @@
                 <a:cs typeface="ヒラギノ角ゴ ProN W6"/>
                 <a:sym typeface="ヒラギノ角ゴ ProN W6"/>
               </a:rPr>
-              <a:t>配向効果はアクチン分子を細胞膜側へ向け, 形態の維持に寄与(進行方向決定)</a:t>
+              <a:t>配向効果はアクチン分子を細胞膜側へ向け(進行方向決定), 形態の維持に寄与</a:t>
             </a:r>
           </a:p>
         </p:txBody>
       </p:sp>
       <p:grpSp>
         <p:nvGrpSpPr>
-          <p:cNvPr id="703" name="グループ"/>
+          <p:cNvPr id="699" name="グループ"/>
           <p:cNvGrpSpPr/>
           <p:nvPr/>
         </p:nvGrpSpPr>
@@ -21866,7 +21770,7 @@
         </p:grpSpPr>
         <p:sp>
           <p:nvSpPr>
-            <p:cNvPr id="701" name="四角形"/>
+            <p:cNvPr id="697" name="四角形"/>
             <p:cNvSpPr/>
             <p:nvPr/>
           </p:nvSpPr>
@@ -21906,7 +21810,7 @@
         </p:sp>
         <p:sp>
           <p:nvSpPr>
-            <p:cNvPr id="702" name="ARF条件"/>
+            <p:cNvPr id="698" name="ARF条件"/>
             <p:cNvSpPr txBox="1"/>
             <p:nvPr/>
           </p:nvSpPr>
@@ -21960,13 +21864,63 @@
       </p:grpSp>
       <p:sp>
         <p:nvSpPr>
-          <p:cNvPr id="704" name="SFを２点と仮定"/>
+          <p:cNvPr id="700" name="ARFを二点への引きつけで表現"/>
           <p:cNvSpPr txBox="1"/>
           <p:nvPr/>
         </p:nvSpPr>
         <p:spPr>
           <a:xfrm>
             <a:off x="10805121" y="3890182"/>
+            <a:ext cx="11166207" cy="838200"/>
+          </a:xfrm>
+          <a:prstGeom prst="rect">
+            <a:avLst/>
+          </a:prstGeom>
+          <a:ln w="12700">
+            <a:miter lim="400000"/>
+          </a:ln>
+          <a:extLst>
+            <a:ext uri="{C572A759-6A51-4108-AA02-DFA0A04FC94B}">
+              <ma14:wrappingTextBoxFlag xmlns:ma14="http://schemas.microsoft.com/office/mac/drawingml/2011/main" val="1"/>
+            </a:ext>
+          </a:extLst>
+        </p:spPr>
+        <p:txBody>
+          <a:bodyPr lIns="50800" tIns="50800" rIns="50800" bIns="50800" anchor="ctr">
+            <a:spAutoFit/>
+          </a:bodyPr>
+          <a:lstStyle>
+            <a:lvl1pPr marL="228600" indent="-228600" algn="l">
+              <a:spcBef>
+                <a:spcPts val="5900"/>
+              </a:spcBef>
+              <a:buSzPct val="100000"/>
+              <a:buChar char="•"/>
+              <a:defRPr sz="5800">
+                <a:latin typeface="+mn-lt"/>
+                <a:ea typeface="+mn-ea"/>
+                <a:cs typeface="+mn-cs"/>
+                <a:sym typeface="ヒラギノ角ゴ ProN W3"/>
+              </a:defRPr>
+            </a:lvl1pPr>
+          </a:lstStyle>
+          <a:p>
+            <a:pPr/>
+            <a:r>
+              <a:t>ARFを二点への引きつけで表現</a:t>
+            </a:r>
+          </a:p>
+        </p:txBody>
+      </p:sp>
+      <p:sp>
+        <p:nvSpPr>
+          <p:cNvPr id="701" name="牽引効果："/>
+          <p:cNvSpPr txBox="1"/>
+          <p:nvPr/>
+        </p:nvSpPr>
+        <p:spPr>
+          <a:xfrm>
+            <a:off x="10805121" y="5124950"/>
             <a:ext cx="7991231" cy="838200"/>
           </a:xfrm>
           <a:prstGeom prst="rect">
@@ -22003,56 +21957,6 @@
           <a:p>
             <a:pPr/>
             <a:r>
-              <a:t>SFを２点と仮定</a:t>
-            </a:r>
-          </a:p>
-        </p:txBody>
-      </p:sp>
-      <p:sp>
-        <p:nvSpPr>
-          <p:cNvPr id="705" name="牽引効果："/>
-          <p:cNvSpPr txBox="1"/>
-          <p:nvPr/>
-        </p:nvSpPr>
-        <p:spPr>
-          <a:xfrm>
-            <a:off x="10805121" y="5124950"/>
-            <a:ext cx="7991231" cy="838200"/>
-          </a:xfrm>
-          <a:prstGeom prst="rect">
-            <a:avLst/>
-          </a:prstGeom>
-          <a:ln w="12700">
-            <a:miter lim="400000"/>
-          </a:ln>
-          <a:extLst>
-            <a:ext uri="{C572A759-6A51-4108-AA02-DFA0A04FC94B}">
-              <ma14:wrappingTextBoxFlag xmlns:ma14="http://schemas.microsoft.com/office/mac/drawingml/2011/main" val="1"/>
-            </a:ext>
-          </a:extLst>
-        </p:spPr>
-        <p:txBody>
-          <a:bodyPr lIns="50800" tIns="50800" rIns="50800" bIns="50800" anchor="ctr">
-            <a:spAutoFit/>
-          </a:bodyPr>
-          <a:lstStyle>
-            <a:lvl1pPr marL="520700" indent="-520700" algn="l">
-              <a:spcBef>
-                <a:spcPts val="5900"/>
-              </a:spcBef>
-              <a:buSzPct val="119000"/>
-              <a:buChar char="•"/>
-              <a:defRPr sz="5800">
-                <a:latin typeface="+mn-lt"/>
-                <a:ea typeface="+mn-ea"/>
-                <a:cs typeface="+mn-cs"/>
-                <a:sym typeface="ヒラギノ角ゴ ProN W3"/>
-              </a:defRPr>
-            </a:lvl1pPr>
-          </a:lstStyle>
-          <a:p>
-            <a:pPr/>
-            <a:r>
               <a:t>牽引効果：</a:t>
             </a:r>
           </a:p>
@@ -22060,7 +21964,7 @@
       </p:sp>
       <p:sp>
         <p:nvSpPr>
-          <p:cNvPr id="706" name="配向効果なし"/>
+          <p:cNvPr id="702" name="配向効果なし"/>
           <p:cNvSpPr txBox="1"/>
           <p:nvPr/>
         </p:nvSpPr>
@@ -22105,7 +22009,7 @@
       </p:sp>
       <p:sp>
         <p:nvSpPr>
-          <p:cNvPr id="707" name="距離非依存型"/>
+          <p:cNvPr id="703" name="距離非依存型"/>
           <p:cNvSpPr txBox="1"/>
           <p:nvPr/>
         </p:nvSpPr>
@@ -22660,7 +22564,7 @@
       </p:grpSpPr>
       <p:sp>
         <p:nvSpPr>
-          <p:cNvPr id="709" name="まとめ"/>
+          <p:cNvPr id="705" name="まとめ"/>
           <p:cNvSpPr txBox="1"/>
           <p:nvPr>
             <p:ph type="title"/>
@@ -22710,7 +22614,7 @@
       </p:grpSpPr>
       <p:sp>
         <p:nvSpPr>
-          <p:cNvPr id="711" name="まとめ"/>
+          <p:cNvPr id="707" name="まとめ"/>
           <p:cNvSpPr txBox="1"/>
           <p:nvPr>
             <p:ph type="title"/>
@@ -22734,7 +22638,7 @@
       </p:sp>
       <p:grpSp>
         <p:nvGrpSpPr>
-          <p:cNvPr id="715" name="グループ"/>
+          <p:cNvPr id="711" name="グループ"/>
           <p:cNvGrpSpPr/>
           <p:nvPr/>
         </p:nvGrpSpPr>
@@ -22748,7 +22652,7 @@
         </p:grpSpPr>
         <p:sp>
           <p:nvSpPr>
-            <p:cNvPr id="712" name="四角形"/>
+            <p:cNvPr id="708" name="四角形"/>
             <p:cNvSpPr/>
             <p:nvPr/>
           </p:nvSpPr>
@@ -22788,7 +22692,7 @@
         </p:sp>
         <p:sp>
           <p:nvSpPr>
-            <p:cNvPr id="713" name="結果"/>
+            <p:cNvPr id="709" name="結果"/>
             <p:cNvSpPr txBox="1"/>
             <p:nvPr/>
           </p:nvSpPr>
@@ -22841,7 +22745,7 @@
         </p:sp>
         <p:sp>
           <p:nvSpPr>
-            <p:cNvPr id="714" name="牽引効果が細胞の膨張を防ぐ(膨張抑制)…"/>
+            <p:cNvPr id="710" name="ARFによる牽引効果が細胞の膨張を防ぐ(膨張抑制)…"/>
             <p:cNvSpPr txBox="1"/>
             <p:nvPr/>
           </p:nvSpPr>
@@ -22877,7 +22781,7 @@
                 </a:spcBef>
                 <a:buSzPct val="100000"/>
                 <a:buChar char="•"/>
-                <a:defRPr sz="5800">
+                <a:defRPr sz="5500">
                   <a:latin typeface="+mn-lt"/>
                   <a:ea typeface="+mn-ea"/>
                   <a:cs typeface="+mn-cs"/>
@@ -22885,7 +22789,7 @@
                 </a:defRPr>
               </a:pPr>
               <a:r>
-                <a:t>牽引効果が細胞の膨張を防ぐ</a:t>
+                <a:t>ARFによる牽引効果が細胞の膨張を防ぐ</a:t>
               </a:r>
               <a:r>
                 <a:rPr>
@@ -22910,7 +22814,7 @@
                 </a:spcBef>
                 <a:buSzPct val="100000"/>
                 <a:buChar char="•"/>
-                <a:defRPr sz="5800">
+                <a:defRPr sz="5500">
                   <a:latin typeface="+mn-lt"/>
                   <a:ea typeface="+mn-ea"/>
                   <a:cs typeface="+mn-cs"/>
@@ -22918,7 +22822,7 @@
                 </a:defRPr>
               </a:pPr>
               <a:r>
-                <a:t>ARFの配向効果がアクチン先端を細胞膜側へ向け，</a:t>
+                <a:t>ARFによる配向効果がアクチン先端を細胞膜側へ向ける</a:t>
               </a:r>
               <a:r>
                 <a:rPr>
@@ -22937,7 +22841,7 @@
                 </a:spcBef>
                 <a:buSzPct val="100000"/>
                 <a:buChar char="•"/>
-                <a:defRPr sz="5800">
+                <a:defRPr sz="5500">
                   <a:latin typeface="+mn-lt"/>
                   <a:ea typeface="+mn-ea"/>
                   <a:cs typeface="+mn-cs"/>
@@ -22945,7 +22849,7 @@
                 </a:defRPr>
               </a:pPr>
               <a:r>
-                <a:t>細長いSFへ一様に引きつけられることでアクチン分子が</a:t>
+                <a:t>細長いSFへ一様に牽引されることでアクチン分子が</a:t>
               </a:r>
               <a:r>
                 <a:rPr>
@@ -22974,7 +22878,7 @@
       </p:grpSp>
       <p:grpSp>
         <p:nvGrpSpPr>
-          <p:cNvPr id="718" name="グループ"/>
+          <p:cNvPr id="714" name="グループ"/>
           <p:cNvGrpSpPr/>
           <p:nvPr/>
         </p:nvGrpSpPr>
@@ -22988,7 +22892,7 @@
         </p:grpSpPr>
         <p:sp>
           <p:nvSpPr>
-            <p:cNvPr id="716" name="四角形"/>
+            <p:cNvPr id="712" name="四角形"/>
             <p:cNvSpPr/>
             <p:nvPr/>
           </p:nvSpPr>
@@ -23028,7 +22932,7 @@
         </p:sp>
         <p:sp>
           <p:nvSpPr>
-            <p:cNvPr id="717" name="ケラトサイトの遊走時の半月状形態がどのように形成, 維持されているのかをシミュレーション実験により検討"/>
+            <p:cNvPr id="713" name="ケラトサイトの遊走時の半月状形態がどのように形成, 維持されているのかをシミュレーション実験により検討"/>
             <p:cNvSpPr txBox="1"/>
             <p:nvPr/>
           </p:nvSpPr>
@@ -23262,14 +23166,14 @@
       </p:sp>
       <p:sp>
         <p:nvSpPr>
-          <p:cNvPr id="143" name="細胞前方でアクチン分子が次々連なり（重合）細胞前端が押されて伸長"/>
+          <p:cNvPr id="143" name="細胞前方でアクチン分子が次々と連なり（重合）細胞前端が押されて伸長"/>
           <p:cNvSpPr txBox="1"/>
           <p:nvPr/>
         </p:nvSpPr>
         <p:spPr>
           <a:xfrm>
             <a:off x="5064204" y="10229473"/>
-            <a:ext cx="15244647" cy="1943100"/>
+            <a:ext cx="15688726" cy="1943100"/>
           </a:xfrm>
           <a:prstGeom prst="rect">
             <a:avLst/>
@@ -23303,7 +23207,7 @@
           <a:p>
             <a:pPr/>
             <a:r>
-              <a:t>細胞前方でアクチン分子が次々連なり（重合）細胞前端が押されて伸長</a:t>
+              <a:t>細胞前方でアクチン分子が次々と連なり（重合）細胞前端が押されて伸長</a:t>
             </a:r>
           </a:p>
         </p:txBody>
@@ -23356,16 +23260,45 @@
           </a:p>
         </p:txBody>
       </p:sp>
-      <p:sp>
-        <p:nvSpPr>
-          <p:cNvPr id="145" name="前方"/>
+      <p:pic>
+        <p:nvPicPr>
+          <p:cNvPr id="145" name="スクリーンショット 2019-02-13 18.19.33.png" descr="スクリーンショット 2019-02-13 18.19.33.png"/>
+          <p:cNvPicPr>
+            <a:picLocks noChangeAspect="1"/>
+          </p:cNvPicPr>
+          <p:nvPr/>
+        </p:nvPicPr>
+        <p:blipFill>
+          <a:blip r:embed="rId3">
+            <a:extLst/>
+          </a:blip>
+          <a:stretch>
+            <a:fillRect/>
+          </a:stretch>
+        </p:blipFill>
+        <p:spPr>
+          <a:xfrm>
+            <a:off x="16437705" y="3670360"/>
+            <a:ext cx="6148601" cy="6001203"/>
+          </a:xfrm>
+          <a:prstGeom prst="rect">
+            <a:avLst/>
+          </a:prstGeom>
+          <a:ln w="12700">
+            <a:miter lim="400000"/>
+          </a:ln>
+        </p:spPr>
+      </p:pic>
+      <p:sp>
+        <p:nvSpPr>
+          <p:cNvPr id="146" name="前方"/>
           <p:cNvSpPr txBox="1"/>
           <p:nvPr/>
         </p:nvSpPr>
         <p:spPr>
           <a:xfrm>
-            <a:off x="10283433" y="5699412"/>
-            <a:ext cx="1338231" cy="1943100"/>
+            <a:off x="10632337" y="6438900"/>
+            <a:ext cx="1587501" cy="838200"/>
           </a:xfrm>
           <a:prstGeom prst="rect">
             <a:avLst/>
@@ -23380,7 +23313,7 @@
           </a:extLst>
         </p:spPr>
         <p:txBody>
-          <a:bodyPr lIns="50800" tIns="50800" rIns="50800" bIns="50800" anchor="ctr">
+          <a:bodyPr wrap="none" lIns="50800" tIns="50800" rIns="50800" bIns="50800" anchor="ctr">
             <a:spAutoFit/>
           </a:bodyPr>
           <a:lstStyle>
@@ -23404,35 +23337,6 @@
           </a:p>
         </p:txBody>
       </p:sp>
-      <p:pic>
-        <p:nvPicPr>
-          <p:cNvPr id="146" name="スクリーンショット 2019-02-13 18.19.33.png" descr="スクリーンショット 2019-02-13 18.19.33.png"/>
-          <p:cNvPicPr>
-            <a:picLocks noChangeAspect="1"/>
-          </p:cNvPicPr>
-          <p:nvPr/>
-        </p:nvPicPr>
-        <p:blipFill>
-          <a:blip r:embed="rId3">
-            <a:extLst/>
-          </a:blip>
-          <a:stretch>
-            <a:fillRect/>
-          </a:stretch>
-        </p:blipFill>
-        <p:spPr>
-          <a:xfrm>
-            <a:off x="16437705" y="3670360"/>
-            <a:ext cx="6148601" cy="6001203"/>
-          </a:xfrm>
-          <a:prstGeom prst="rect">
-            <a:avLst/>
-          </a:prstGeom>
-          <a:ln w="12700">
-            <a:miter lim="400000"/>
-          </a:ln>
-        </p:spPr>
-      </p:pic>
     </p:spTree>
   </p:cSld>
   <p:clrMapOvr>
@@ -23592,7 +23496,7 @@
       </p:sp>
       <p:sp>
         <p:nvSpPr>
-          <p:cNvPr id="152" name="重合する端とは逆の端ではアクチン分子が解離し，細胞後部へ向かう"/>
+          <p:cNvPr id="152" name="重合する端とは逆の端ではアクチン分子が解離(脱重合)し，細胞後部へ向かう"/>
           <p:cNvSpPr txBox="1"/>
           <p:nvPr/>
         </p:nvSpPr>
@@ -23633,7 +23537,7 @@
           <a:p>
             <a:pPr/>
             <a:r>
-              <a:t>重合する端とは逆の端ではアクチン分子が解離し，細胞後部へ向かう</a:t>
+              <a:t>重合する端とは逆の端ではアクチン分子が解離(脱重合)し，細胞後部へ向かう</a:t>
             </a:r>
           </a:p>
         </p:txBody>
@@ -23694,8 +23598,8 @@
         </p:nvSpPr>
         <p:spPr>
           <a:xfrm>
-            <a:off x="10283433" y="5699412"/>
-            <a:ext cx="1338231" cy="1943100"/>
+            <a:off x="10283433" y="6251862"/>
+            <a:ext cx="1780007" cy="838200"/>
           </a:xfrm>
           <a:prstGeom prst="rect">
             <a:avLst/>
@@ -23891,57 +23795,9 @@
           </a:p>
         </p:txBody>
       </p:sp>
-      <p:sp>
-        <p:nvSpPr>
-          <p:cNvPr id="160" name="前方"/>
-          <p:cNvSpPr txBox="1"/>
-          <p:nvPr/>
-        </p:nvSpPr>
-        <p:spPr>
-          <a:xfrm>
-            <a:off x="10283433" y="5699412"/>
-            <a:ext cx="1338231" cy="1943100"/>
-          </a:xfrm>
-          <a:prstGeom prst="rect">
-            <a:avLst/>
-          </a:prstGeom>
-          <a:ln w="12700">
-            <a:miter lim="400000"/>
-          </a:ln>
-          <a:extLst>
-            <a:ext uri="{C572A759-6A51-4108-AA02-DFA0A04FC94B}">
-              <ma14:wrappingTextBoxFlag xmlns:ma14="http://schemas.microsoft.com/office/mac/drawingml/2011/main" val="1"/>
-            </a:ext>
-          </a:extLst>
-        </p:spPr>
-        <p:txBody>
-          <a:bodyPr lIns="50800" tIns="50800" rIns="50800" bIns="50800" anchor="ctr">
-            <a:spAutoFit/>
-          </a:bodyPr>
-          <a:lstStyle>
-            <a:lvl1pPr algn="l">
-              <a:spcBef>
-                <a:spcPts val="5900"/>
-              </a:spcBef>
-              <a:defRPr sz="5800">
-                <a:latin typeface="+mn-lt"/>
-                <a:ea typeface="+mn-ea"/>
-                <a:cs typeface="+mn-cs"/>
-                <a:sym typeface="ヒラギノ角ゴ ProN W3"/>
-              </a:defRPr>
-            </a:lvl1pPr>
-          </a:lstStyle>
-          <a:p>
-            <a:pPr/>
-            <a:r>
-              <a:t>前方</a:t>
-            </a:r>
-          </a:p>
-        </p:txBody>
-      </p:sp>
       <p:pic>
         <p:nvPicPr>
-          <p:cNvPr id="161" name="線" descr="線"/>
+          <p:cNvPr id="160" name="線" descr="線"/>
           <p:cNvPicPr>
             <a:picLocks noChangeAspect="0"/>
           </p:cNvPicPr>
@@ -23967,7 +23823,7 @@
       </p:pic>
       <p:pic>
         <p:nvPicPr>
-          <p:cNvPr id="163" name="線" descr="線"/>
+          <p:cNvPr id="162" name="線" descr="線"/>
           <p:cNvPicPr>
             <a:picLocks noChangeAspect="0"/>
           </p:cNvPicPr>
@@ -24019,7 +23875,7 @@
       </p:grpSpPr>
       <p:pic>
         <p:nvPicPr>
-          <p:cNvPr id="166" name="卒論プレゼン (1).jpg" descr="卒論プレゼン (1).jpg"/>
+          <p:cNvPr id="165" name="卒論プレゼン (1).jpg" descr="卒論プレゼン (1).jpg"/>
           <p:cNvPicPr>
             <a:picLocks noChangeAspect="0"/>
           </p:cNvPicPr>
@@ -24049,7 +23905,7 @@
       </p:pic>
       <p:sp>
         <p:nvSpPr>
-          <p:cNvPr id="167" name="[Nakata et al. 2015]"/>
+          <p:cNvPr id="166" name="[Nakata et al. 2015]"/>
           <p:cNvSpPr txBox="1"/>
           <p:nvPr/>
         </p:nvSpPr>
@@ -24097,7 +23953,7 @@
       </p:sp>
       <p:sp>
         <p:nvSpPr>
-          <p:cNvPr id="168" name="ミオシン分子によりアクチン分子が細胞後方へ引きつけられる(ARF)"/>
+          <p:cNvPr id="167" name="ミオシン分子によりアクチン分子が細胞後方へ引きつけられる(ARF)"/>
           <p:cNvSpPr txBox="1"/>
           <p:nvPr/>
         </p:nvSpPr>
@@ -24154,7 +24010,7 @@
       </p:sp>
       <p:sp>
         <p:nvSpPr>
-          <p:cNvPr id="169" name="[Lee et al. 1993]"/>
+          <p:cNvPr id="168" name="[Lee et al. 1993]"/>
           <p:cNvSpPr txBox="1"/>
           <p:nvPr/>
         </p:nvSpPr>
@@ -24202,7 +24058,7 @@
       </p:sp>
       <p:sp>
         <p:nvSpPr>
-          <p:cNvPr id="170" name="Actin Retrograde Flow(ARF)"/>
+          <p:cNvPr id="169" name="Actin Retrograde Flow(ARF)"/>
           <p:cNvSpPr txBox="1"/>
           <p:nvPr>
             <p:ph type="title"/>
@@ -24234,7 +24090,7 @@
       </p:sp>
       <p:pic>
         <p:nvPicPr>
-          <p:cNvPr id="171" name="イメージ" descr="イメージ"/>
+          <p:cNvPr id="170" name="イメージ" descr="イメージ"/>
           <p:cNvPicPr>
             <a:picLocks noChangeAspect="1"/>
           </p:cNvPicPr>
@@ -24263,7 +24119,7 @@
       </p:pic>
       <p:pic>
         <p:nvPicPr>
-          <p:cNvPr id="172" name="線" descr="線"/>
+          <p:cNvPr id="171" name="線" descr="線"/>
           <p:cNvPicPr>
             <a:picLocks noChangeAspect="0"/>
           </p:cNvPicPr>
@@ -24289,7 +24145,7 @@
       </p:pic>
       <p:pic>
         <p:nvPicPr>
-          <p:cNvPr id="174" name="線" descr="線"/>
+          <p:cNvPr id="173" name="線" descr="線"/>
           <p:cNvPicPr>
             <a:picLocks noChangeAspect="0"/>
           </p:cNvPicPr>
@@ -24341,7 +24197,7 @@
       </p:grpSpPr>
       <p:sp>
         <p:nvSpPr>
-          <p:cNvPr id="177" name="目的"/>
+          <p:cNvPr id="176" name="目的"/>
           <p:cNvSpPr txBox="1"/>
           <p:nvPr>
             <p:ph type="title"/>
@@ -24365,7 +24221,7 @@
       </p:sp>
       <p:grpSp>
         <p:nvGrpSpPr>
-          <p:cNvPr id="181" name="グループ"/>
+          <p:cNvPr id="180" name="グループ"/>
           <p:cNvGrpSpPr/>
           <p:nvPr/>
         </p:nvGrpSpPr>
@@ -24379,7 +24235,7 @@
         </p:grpSpPr>
         <p:sp>
           <p:nvSpPr>
-            <p:cNvPr id="178" name="四角形"/>
+            <p:cNvPr id="177" name="四角形"/>
             <p:cNvSpPr/>
             <p:nvPr/>
           </p:nvSpPr>
@@ -24419,7 +24275,7 @@
         </p:sp>
         <p:sp>
           <p:nvSpPr>
-            <p:cNvPr id="179" name="アクチン分子と細胞膜をモデル化した物理シミュレーション実験により, ケラトサイトが遊走時に半月状形態を形成・維持するメカニズムを解明"/>
+            <p:cNvPr id="178" name="アクチン分子と細胞膜をモデル化した物理シミュレーション実験により, ケラトサイトが遊走時に半月状形態を形成・維持するメカニズムを解明"/>
             <p:cNvSpPr txBox="1"/>
             <p:nvPr/>
           </p:nvSpPr>
@@ -24470,7 +24326,7 @@
         </p:sp>
         <p:sp>
           <p:nvSpPr>
-            <p:cNvPr id="180" name="目的"/>
+            <p:cNvPr id="179" name="目的"/>
             <p:cNvSpPr txBox="1"/>
             <p:nvPr/>
           </p:nvSpPr>
